--- a/Report/Figure/Figure.pptx
+++ b/Report/Figure/Figure.pptx
@@ -7,6 +7,7 @@
   <p:sldIdLst>
     <p:sldId id="256" r:id="rId2"/>
     <p:sldId id="257" r:id="rId3"/>
+    <p:sldId id="258" r:id="rId4"/>
   </p:sldIdLst>
   <p:sldSz cx="12192000" cy="6858000"/>
   <p:notesSz cx="6858000" cy="9144000"/>
@@ -255,7 +256,7 @@
           <a:p>
             <a:fld id="{A8DE2402-11CB-48E9-B2A8-3DD8F13E9CB1}" type="datetimeFigureOut">
               <a:rPr lang="en-US" smtClean="0"/>
-              <a:t>6/14/2018</a:t>
+              <a:t>6/19/2018</a:t>
             </a:fld>
             <a:endParaRPr lang="en-US"/>
           </a:p>
@@ -425,7 +426,7 @@
           <a:p>
             <a:fld id="{A8DE2402-11CB-48E9-B2A8-3DD8F13E9CB1}" type="datetimeFigureOut">
               <a:rPr lang="en-US" smtClean="0"/>
-              <a:t>6/14/2018</a:t>
+              <a:t>6/19/2018</a:t>
             </a:fld>
             <a:endParaRPr lang="en-US"/>
           </a:p>
@@ -605,7 +606,7 @@
           <a:p>
             <a:fld id="{A8DE2402-11CB-48E9-B2A8-3DD8F13E9CB1}" type="datetimeFigureOut">
               <a:rPr lang="en-US" smtClean="0"/>
-              <a:t>6/14/2018</a:t>
+              <a:t>6/19/2018</a:t>
             </a:fld>
             <a:endParaRPr lang="en-US"/>
           </a:p>
@@ -775,7 +776,7 @@
           <a:p>
             <a:fld id="{A8DE2402-11CB-48E9-B2A8-3DD8F13E9CB1}" type="datetimeFigureOut">
               <a:rPr lang="en-US" smtClean="0"/>
-              <a:t>6/14/2018</a:t>
+              <a:t>6/19/2018</a:t>
             </a:fld>
             <a:endParaRPr lang="en-US"/>
           </a:p>
@@ -1021,7 +1022,7 @@
           <a:p>
             <a:fld id="{A8DE2402-11CB-48E9-B2A8-3DD8F13E9CB1}" type="datetimeFigureOut">
               <a:rPr lang="en-US" smtClean="0"/>
-              <a:t>6/14/2018</a:t>
+              <a:t>6/19/2018</a:t>
             </a:fld>
             <a:endParaRPr lang="en-US"/>
           </a:p>
@@ -1253,7 +1254,7 @@
           <a:p>
             <a:fld id="{A8DE2402-11CB-48E9-B2A8-3DD8F13E9CB1}" type="datetimeFigureOut">
               <a:rPr lang="en-US" smtClean="0"/>
-              <a:t>6/14/2018</a:t>
+              <a:t>6/19/2018</a:t>
             </a:fld>
             <a:endParaRPr lang="en-US"/>
           </a:p>
@@ -1620,7 +1621,7 @@
           <a:p>
             <a:fld id="{A8DE2402-11CB-48E9-B2A8-3DD8F13E9CB1}" type="datetimeFigureOut">
               <a:rPr lang="en-US" smtClean="0"/>
-              <a:t>6/14/2018</a:t>
+              <a:t>6/19/2018</a:t>
             </a:fld>
             <a:endParaRPr lang="en-US"/>
           </a:p>
@@ -1738,7 +1739,7 @@
           <a:p>
             <a:fld id="{A8DE2402-11CB-48E9-B2A8-3DD8F13E9CB1}" type="datetimeFigureOut">
               <a:rPr lang="en-US" smtClean="0"/>
-              <a:t>6/14/2018</a:t>
+              <a:t>6/19/2018</a:t>
             </a:fld>
             <a:endParaRPr lang="en-US"/>
           </a:p>
@@ -1833,7 +1834,7 @@
           <a:p>
             <a:fld id="{A8DE2402-11CB-48E9-B2A8-3DD8F13E9CB1}" type="datetimeFigureOut">
               <a:rPr lang="en-US" smtClean="0"/>
-              <a:t>6/14/2018</a:t>
+              <a:t>6/19/2018</a:t>
             </a:fld>
             <a:endParaRPr lang="en-US"/>
           </a:p>
@@ -2110,7 +2111,7 @@
           <a:p>
             <a:fld id="{A8DE2402-11CB-48E9-B2A8-3DD8F13E9CB1}" type="datetimeFigureOut">
               <a:rPr lang="en-US" smtClean="0"/>
-              <a:t>6/14/2018</a:t>
+              <a:t>6/19/2018</a:t>
             </a:fld>
             <a:endParaRPr lang="en-US"/>
           </a:p>
@@ -2363,7 +2364,7 @@
           <a:p>
             <a:fld id="{A8DE2402-11CB-48E9-B2A8-3DD8F13E9CB1}" type="datetimeFigureOut">
               <a:rPr lang="en-US" smtClean="0"/>
-              <a:t>6/14/2018</a:t>
+              <a:t>6/19/2018</a:t>
             </a:fld>
             <a:endParaRPr lang="en-US"/>
           </a:p>
@@ -2576,7 +2577,7 @@
           <a:p>
             <a:fld id="{A8DE2402-11CB-48E9-B2A8-3DD8F13E9CB1}" type="datetimeFigureOut">
               <a:rPr lang="en-US" smtClean="0"/>
-              <a:t>6/14/2018</a:t>
+              <a:t>6/19/2018</a:t>
             </a:fld>
             <a:endParaRPr lang="en-US"/>
           </a:p>
@@ -10294,8 +10295,8 @@
             <a:chExt cx="4271766" cy="1931076"/>
           </a:xfrm>
         </p:grpSpPr>
-        <mc:AlternateContent xmlns:mc="http://schemas.openxmlformats.org/markup-compatibility/2006">
-          <mc:Choice xmlns:a14="http://schemas.microsoft.com/office/drawing/2010/main" Requires="a14">
+        <mc:AlternateContent xmlns:mc="http://schemas.openxmlformats.org/markup-compatibility/2006" xmlns:a14="http://schemas.microsoft.com/office/drawing/2010/main">
+          <mc:Choice Requires="a14">
             <p:sp>
               <p:nvSpPr>
                 <p:cNvPr id="4" name="Oval 3"/>
@@ -10395,7 +10396,7 @@
               </p:txBody>
             </p:sp>
           </mc:Choice>
-          <mc:Fallback>
+          <mc:Fallback xmlns="">
             <p:sp>
               <p:nvSpPr>
                 <p:cNvPr id="4" name="Oval 3"/>
@@ -10439,8 +10440,8 @@
             </p:sp>
           </mc:Fallback>
         </mc:AlternateContent>
-        <mc:AlternateContent xmlns:mc="http://schemas.openxmlformats.org/markup-compatibility/2006">
-          <mc:Choice xmlns:a14="http://schemas.microsoft.com/office/drawing/2010/main" Requires="a14">
+        <mc:AlternateContent xmlns:mc="http://schemas.openxmlformats.org/markup-compatibility/2006" xmlns:a14="http://schemas.microsoft.com/office/drawing/2010/main">
+          <mc:Choice Requires="a14">
             <p:sp>
               <p:nvSpPr>
                 <p:cNvPr id="9" name="Oval 8"/>
@@ -10540,7 +10541,7 @@
               </p:txBody>
             </p:sp>
           </mc:Choice>
-          <mc:Fallback>
+          <mc:Fallback xmlns="">
             <p:sp>
               <p:nvSpPr>
                 <p:cNvPr id="9" name="Oval 8"/>
@@ -10621,8 +10622,8 @@
             </a:fontRef>
           </p:style>
         </p:cxnSp>
-        <mc:AlternateContent xmlns:mc="http://schemas.openxmlformats.org/markup-compatibility/2006">
-          <mc:Choice xmlns:a14="http://schemas.microsoft.com/office/drawing/2010/main" Requires="a14">
+        <mc:AlternateContent xmlns:mc="http://schemas.openxmlformats.org/markup-compatibility/2006" xmlns:a14="http://schemas.microsoft.com/office/drawing/2010/main">
+          <mc:Choice Requires="a14">
             <p:sp>
               <p:nvSpPr>
                 <p:cNvPr id="22" name="Oval 21"/>
@@ -10722,7 +10723,7 @@
               </p:txBody>
             </p:sp>
           </mc:Choice>
-          <mc:Fallback>
+          <mc:Fallback xmlns="">
             <p:sp>
               <p:nvSpPr>
                 <p:cNvPr id="22" name="Oval 21"/>
@@ -10767,8 +10768,8 @@
             </p:sp>
           </mc:Fallback>
         </mc:AlternateContent>
-        <mc:AlternateContent xmlns:mc="http://schemas.openxmlformats.org/markup-compatibility/2006">
-          <mc:Choice xmlns:a14="http://schemas.microsoft.com/office/drawing/2010/main" Requires="a14">
+        <mc:AlternateContent xmlns:mc="http://schemas.openxmlformats.org/markup-compatibility/2006" xmlns:a14="http://schemas.microsoft.com/office/drawing/2010/main">
+          <mc:Choice Requires="a14">
             <p:sp>
               <p:nvSpPr>
                 <p:cNvPr id="23" name="Oval 22"/>
@@ -10868,7 +10869,7 @@
               </p:txBody>
             </p:sp>
           </mc:Choice>
-          <mc:Fallback>
+          <mc:Fallback xmlns="">
             <p:sp>
               <p:nvSpPr>
                 <p:cNvPr id="23" name="Oval 22"/>
@@ -11305,8 +11306,8 @@
             </a:fontRef>
           </p:style>
         </p:cxnSp>
-        <mc:AlternateContent xmlns:mc="http://schemas.openxmlformats.org/markup-compatibility/2006">
-          <mc:Choice xmlns:a14="http://schemas.microsoft.com/office/drawing/2010/main" Requires="a14">
+        <mc:AlternateContent xmlns:mc="http://schemas.openxmlformats.org/markup-compatibility/2006" xmlns:a14="http://schemas.microsoft.com/office/drawing/2010/main">
+          <mc:Choice Requires="a14">
             <p:sp>
               <p:nvSpPr>
                 <p:cNvPr id="28" name="Oval 27"/>
@@ -11406,7 +11407,7 @@
               </p:txBody>
             </p:sp>
           </mc:Choice>
-          <mc:Fallback>
+          <mc:Fallback xmlns="">
             <p:sp>
               <p:nvSpPr>
                 <p:cNvPr id="28" name="Oval 27"/>
@@ -11450,8 +11451,8 @@
             </p:sp>
           </mc:Fallback>
         </mc:AlternateContent>
-        <mc:AlternateContent xmlns:mc="http://schemas.openxmlformats.org/markup-compatibility/2006">
-          <mc:Choice xmlns:a14="http://schemas.microsoft.com/office/drawing/2010/main" Requires="a14">
+        <mc:AlternateContent xmlns:mc="http://schemas.openxmlformats.org/markup-compatibility/2006" xmlns:a14="http://schemas.microsoft.com/office/drawing/2010/main">
+          <mc:Choice Requires="a14">
             <p:sp>
               <p:nvSpPr>
                 <p:cNvPr id="29" name="Oval 28"/>
@@ -11551,7 +11552,7 @@
               </p:txBody>
             </p:sp>
           </mc:Choice>
-          <mc:Fallback>
+          <mc:Fallback xmlns="">
             <p:sp>
               <p:nvSpPr>
                 <p:cNvPr id="29" name="Oval 28"/>
@@ -11595,8 +11596,8 @@
             </p:sp>
           </mc:Fallback>
         </mc:AlternateContent>
-        <mc:AlternateContent xmlns:mc="http://schemas.openxmlformats.org/markup-compatibility/2006">
-          <mc:Choice xmlns:a14="http://schemas.microsoft.com/office/drawing/2010/main" Requires="a14">
+        <mc:AlternateContent xmlns:mc="http://schemas.openxmlformats.org/markup-compatibility/2006" xmlns:a14="http://schemas.microsoft.com/office/drawing/2010/main">
+          <mc:Choice Requires="a14">
             <p:sp>
               <p:nvSpPr>
                 <p:cNvPr id="30" name="Oval 29"/>
@@ -11696,7 +11697,7 @@
               </p:txBody>
             </p:sp>
           </mc:Choice>
-          <mc:Fallback>
+          <mc:Fallback xmlns="">
             <p:sp>
               <p:nvSpPr>
                 <p:cNvPr id="30" name="Oval 29"/>
@@ -12840,6 +12841,3018 @@
 </p:sld>
 </file>
 
+<file path=ppt/slides/slide3.xml><?xml version="1.0" encoding="utf-8"?>
+<p:sld xmlns:a="http://schemas.openxmlformats.org/drawingml/2006/main" xmlns:r="http://schemas.openxmlformats.org/officeDocument/2006/relationships" xmlns:p="http://schemas.openxmlformats.org/presentationml/2006/main">
+  <p:cSld>
+    <p:spTree>
+      <p:nvGrpSpPr>
+        <p:cNvPr id="1" name=""/>
+        <p:cNvGrpSpPr/>
+        <p:nvPr/>
+      </p:nvGrpSpPr>
+      <p:grpSpPr>
+        <a:xfrm>
+          <a:off x="0" y="0"/>
+          <a:ext cx="0" cy="0"/>
+          <a:chOff x="0" y="0"/>
+          <a:chExt cx="0" cy="0"/>
+        </a:xfrm>
+      </p:grpSpPr>
+      <p:grpSp>
+        <p:nvGrpSpPr>
+          <p:cNvPr id="46" name="Group 45"/>
+          <p:cNvGrpSpPr/>
+          <p:nvPr/>
+        </p:nvGrpSpPr>
+        <p:grpSpPr>
+          <a:xfrm>
+            <a:off x="1694106" y="1163062"/>
+            <a:ext cx="7550233" cy="3503808"/>
+            <a:chOff x="1694106" y="1163062"/>
+            <a:chExt cx="7550233" cy="3503808"/>
+          </a:xfrm>
+        </p:grpSpPr>
+        <p:grpSp>
+          <p:nvGrpSpPr>
+            <p:cNvPr id="4" name="Group 3"/>
+            <p:cNvGrpSpPr/>
+            <p:nvPr/>
+          </p:nvGrpSpPr>
+          <p:grpSpPr>
+            <a:xfrm>
+              <a:off x="1694106" y="1163062"/>
+              <a:ext cx="4820387" cy="1522669"/>
+              <a:chOff x="426027" y="2293123"/>
+              <a:chExt cx="4820387" cy="1522669"/>
+            </a:xfrm>
+          </p:grpSpPr>
+          <p:sp>
+            <p:nvSpPr>
+              <p:cNvPr id="5" name="Right Arrow 4"/>
+              <p:cNvSpPr/>
+              <p:nvPr/>
+            </p:nvSpPr>
+            <p:spPr>
+              <a:xfrm>
+                <a:off x="2332609" y="2877559"/>
+                <a:ext cx="1859829" cy="360040"/>
+              </a:xfrm>
+              <a:prstGeom prst="rightArrow">
+                <a:avLst/>
+              </a:prstGeom>
+              <a:solidFill>
+                <a:schemeClr val="accent1">
+                  <a:lumMod val="20000"/>
+                  <a:lumOff val="80000"/>
+                </a:schemeClr>
+              </a:solidFill>
+              <a:ln>
+                <a:noFill/>
+              </a:ln>
+            </p:spPr>
+            <p:style>
+              <a:lnRef idx="2">
+                <a:schemeClr val="accent1">
+                  <a:shade val="50000"/>
+                </a:schemeClr>
+              </a:lnRef>
+              <a:fillRef idx="1">
+                <a:schemeClr val="accent1"/>
+              </a:fillRef>
+              <a:effectRef idx="0">
+                <a:schemeClr val="accent1"/>
+              </a:effectRef>
+              <a:fontRef idx="minor">
+                <a:schemeClr val="lt1"/>
+              </a:fontRef>
+            </p:style>
+            <p:txBody>
+              <a:bodyPr rtlCol="0" anchor="ctr"/>
+              <a:lstStyle/>
+              <a:p>
+                <a:pPr algn="ctr"/>
+                <a:endParaRPr lang="en-US" sz="1100">
+                  <a:latin typeface="Airal"/>
+                </a:endParaRPr>
+              </a:p>
+            </p:txBody>
+          </p:sp>
+          <p:grpSp>
+            <p:nvGrpSpPr>
+              <p:cNvPr id="6" name="Group 5"/>
+              <p:cNvGrpSpPr/>
+              <p:nvPr/>
+            </p:nvGrpSpPr>
+            <p:grpSpPr>
+              <a:xfrm>
+                <a:off x="1233429" y="2490074"/>
+                <a:ext cx="1135013" cy="1135013"/>
+                <a:chOff x="-392790" y="2035195"/>
+                <a:chExt cx="1135013" cy="1135013"/>
+              </a:xfrm>
+            </p:grpSpPr>
+            <p:pic>
+              <p:nvPicPr>
+                <p:cNvPr id="12" name="Picture 11"/>
+                <p:cNvPicPr>
+                  <a:picLocks noChangeAspect="1"/>
+                </p:cNvPicPr>
+                <p:nvPr/>
+              </p:nvPicPr>
+              <p:blipFill>
+                <a:blip r:embed="rId2">
+                  <a:extLst>
+                    <a:ext uri="{28A0092B-C50C-407E-A947-70E740481C1C}">
+                      <a14:useLocalDpi xmlns:a14="http://schemas.microsoft.com/office/drawing/2010/main" val="0"/>
+                    </a:ext>
+                  </a:extLst>
+                </a:blip>
+                <a:stretch>
+                  <a:fillRect/>
+                </a:stretch>
+              </p:blipFill>
+              <p:spPr>
+                <a:xfrm>
+                  <a:off x="-392790" y="2035195"/>
+                  <a:ext cx="1135013" cy="1135013"/>
+                </a:xfrm>
+                <a:prstGeom prst="rect">
+                  <a:avLst/>
+                </a:prstGeom>
+              </p:spPr>
+            </p:pic>
+            <p:sp>
+              <p:nvSpPr>
+                <p:cNvPr id="13" name="Content Placeholder 2"/>
+                <p:cNvSpPr txBox="1">
+                  <a:spLocks/>
+                </p:cNvSpPr>
+                <p:nvPr/>
+              </p:nvSpPr>
+              <p:spPr>
+                <a:xfrm>
+                  <a:off x="-392790" y="2047812"/>
+                  <a:ext cx="1099178" cy="366973"/>
+                </a:xfrm>
+                <a:prstGeom prst="rect">
+                  <a:avLst/>
+                </a:prstGeom>
+                <a:noFill/>
+              </p:spPr>
+              <p:txBody>
+                <a:bodyPr anchor="ctr"/>
+                <a:lstStyle>
+                  <a:lvl1pPr marL="342900" indent="-342900" algn="l" defTabSz="914400" rtl="0" eaLnBrk="1" latinLnBrk="0" hangingPunct="1">
+                    <a:spcBef>
+                      <a:spcPct val="20000"/>
+                    </a:spcBef>
+                    <a:buFont typeface="Arial" pitchFamily="34" charset="0"/>
+                    <a:buChar char="•"/>
+                    <a:defRPr sz="3200" kern="1200">
+                      <a:solidFill>
+                        <a:schemeClr val="tx1"/>
+                      </a:solidFill>
+                      <a:latin typeface="+mn-lt"/>
+                      <a:ea typeface="+mn-ea"/>
+                      <a:cs typeface="+mn-cs"/>
+                    </a:defRPr>
+                  </a:lvl1pPr>
+                  <a:lvl2pPr marL="742950" indent="-285750" algn="l" defTabSz="914400" rtl="0" eaLnBrk="1" latinLnBrk="0" hangingPunct="1">
+                    <a:spcBef>
+                      <a:spcPct val="20000"/>
+                    </a:spcBef>
+                    <a:buFont typeface="Arial" pitchFamily="34" charset="0"/>
+                    <a:buChar char="–"/>
+                    <a:defRPr sz="2800" kern="1200">
+                      <a:solidFill>
+                        <a:schemeClr val="tx1"/>
+                      </a:solidFill>
+                      <a:latin typeface="+mn-lt"/>
+                      <a:ea typeface="+mn-ea"/>
+                      <a:cs typeface="+mn-cs"/>
+                    </a:defRPr>
+                  </a:lvl2pPr>
+                  <a:lvl3pPr marL="1143000" indent="-228600" algn="l" defTabSz="914400" rtl="0" eaLnBrk="1" latinLnBrk="0" hangingPunct="1">
+                    <a:spcBef>
+                      <a:spcPct val="20000"/>
+                    </a:spcBef>
+                    <a:buFont typeface="Arial" pitchFamily="34" charset="0"/>
+                    <a:buChar char="•"/>
+                    <a:defRPr sz="2400" kern="1200">
+                      <a:solidFill>
+                        <a:schemeClr val="tx1"/>
+                      </a:solidFill>
+                      <a:latin typeface="+mn-lt"/>
+                      <a:ea typeface="+mn-ea"/>
+                      <a:cs typeface="+mn-cs"/>
+                    </a:defRPr>
+                  </a:lvl3pPr>
+                  <a:lvl4pPr marL="1600200" indent="-228600" algn="l" defTabSz="914400" rtl="0" eaLnBrk="1" latinLnBrk="0" hangingPunct="1">
+                    <a:spcBef>
+                      <a:spcPct val="20000"/>
+                    </a:spcBef>
+                    <a:buFont typeface="Arial" pitchFamily="34" charset="0"/>
+                    <a:buChar char="–"/>
+                    <a:defRPr sz="2000" kern="1200">
+                      <a:solidFill>
+                        <a:schemeClr val="tx1"/>
+                      </a:solidFill>
+                      <a:latin typeface="+mn-lt"/>
+                      <a:ea typeface="+mn-ea"/>
+                      <a:cs typeface="+mn-cs"/>
+                    </a:defRPr>
+                  </a:lvl4pPr>
+                  <a:lvl5pPr marL="2057400" indent="-228600" algn="l" defTabSz="914400" rtl="0" eaLnBrk="1" latinLnBrk="0" hangingPunct="1">
+                    <a:spcBef>
+                      <a:spcPct val="20000"/>
+                    </a:spcBef>
+                    <a:buFont typeface="Arial" pitchFamily="34" charset="0"/>
+                    <a:buChar char="»"/>
+                    <a:defRPr sz="2000" kern="1200">
+                      <a:solidFill>
+                        <a:schemeClr val="tx1"/>
+                      </a:solidFill>
+                      <a:latin typeface="+mn-lt"/>
+                      <a:ea typeface="+mn-ea"/>
+                      <a:cs typeface="+mn-cs"/>
+                    </a:defRPr>
+                  </a:lvl5pPr>
+                  <a:lvl6pPr marL="2514600" indent="-228600" algn="l" defTabSz="914400" rtl="0" eaLnBrk="1" latinLnBrk="0" hangingPunct="1">
+                    <a:spcBef>
+                      <a:spcPct val="20000"/>
+                    </a:spcBef>
+                    <a:buFont typeface="Arial" pitchFamily="34" charset="0"/>
+                    <a:buChar char="•"/>
+                    <a:defRPr sz="2000" kern="1200">
+                      <a:solidFill>
+                        <a:schemeClr val="tx1"/>
+                      </a:solidFill>
+                      <a:latin typeface="+mn-lt"/>
+                      <a:ea typeface="+mn-ea"/>
+                      <a:cs typeface="+mn-cs"/>
+                    </a:defRPr>
+                  </a:lvl6pPr>
+                  <a:lvl7pPr marL="2971800" indent="-228600" algn="l" defTabSz="914400" rtl="0" eaLnBrk="1" latinLnBrk="0" hangingPunct="1">
+                    <a:spcBef>
+                      <a:spcPct val="20000"/>
+                    </a:spcBef>
+                    <a:buFont typeface="Arial" pitchFamily="34" charset="0"/>
+                    <a:buChar char="•"/>
+                    <a:defRPr sz="2000" kern="1200">
+                      <a:solidFill>
+                        <a:schemeClr val="tx1"/>
+                      </a:solidFill>
+                      <a:latin typeface="+mn-lt"/>
+                      <a:ea typeface="+mn-ea"/>
+                      <a:cs typeface="+mn-cs"/>
+                    </a:defRPr>
+                  </a:lvl7pPr>
+                  <a:lvl8pPr marL="3429000" indent="-228600" algn="l" defTabSz="914400" rtl="0" eaLnBrk="1" latinLnBrk="0" hangingPunct="1">
+                    <a:spcBef>
+                      <a:spcPct val="20000"/>
+                    </a:spcBef>
+                    <a:buFont typeface="Arial" pitchFamily="34" charset="0"/>
+                    <a:buChar char="•"/>
+                    <a:defRPr sz="2000" kern="1200">
+                      <a:solidFill>
+                        <a:schemeClr val="tx1"/>
+                      </a:solidFill>
+                      <a:latin typeface="+mn-lt"/>
+                      <a:ea typeface="+mn-ea"/>
+                      <a:cs typeface="+mn-cs"/>
+                    </a:defRPr>
+                  </a:lvl8pPr>
+                  <a:lvl9pPr marL="3886200" indent="-228600" algn="l" defTabSz="914400" rtl="0" eaLnBrk="1" latinLnBrk="0" hangingPunct="1">
+                    <a:spcBef>
+                      <a:spcPct val="20000"/>
+                    </a:spcBef>
+                    <a:buFont typeface="Arial" pitchFamily="34" charset="0"/>
+                    <a:buChar char="•"/>
+                    <a:defRPr sz="2000" kern="1200">
+                      <a:solidFill>
+                        <a:schemeClr val="tx1"/>
+                      </a:solidFill>
+                      <a:latin typeface="+mn-lt"/>
+                      <a:ea typeface="+mn-ea"/>
+                      <a:cs typeface="+mn-cs"/>
+                    </a:defRPr>
+                  </a:lvl9pPr>
+                </a:lstStyle>
+                <a:p>
+                  <a:pPr marL="0" indent="0" algn="ctr">
+                    <a:buFont typeface="Arial" pitchFamily="34" charset="0"/>
+                    <a:buNone/>
+                  </a:pPr>
+                  <a:r>
+                    <a:rPr lang="en-GB" sz="1100" b="1" dirty="0" smtClean="0">
+                      <a:latin typeface="Airal"/>
+                    </a:rPr>
+                    <a:t>Train Database</a:t>
+                  </a:r>
+                  <a:endParaRPr lang="en-GB" sz="1100" dirty="0" smtClean="0">
+                    <a:latin typeface="Airal"/>
+                  </a:endParaRPr>
+                </a:p>
+              </p:txBody>
+            </p:sp>
+          </p:grpSp>
+          <p:sp>
+            <p:nvSpPr>
+              <p:cNvPr id="7" name="Content Placeholder 2"/>
+              <p:cNvSpPr txBox="1">
+                <a:spLocks/>
+              </p:cNvSpPr>
+              <p:nvPr/>
+            </p:nvSpPr>
+            <p:spPr>
+              <a:xfrm>
+                <a:off x="2550079" y="2618030"/>
+                <a:ext cx="1251529" cy="872853"/>
+              </a:xfrm>
+              <a:prstGeom prst="rect">
+                <a:avLst/>
+              </a:prstGeom>
+              <a:solidFill>
+                <a:schemeClr val="accent6">
+                  <a:lumMod val="20000"/>
+                  <a:lumOff val="80000"/>
+                </a:schemeClr>
+              </a:solidFill>
+              <a:ln w="38100">
+                <a:solidFill>
+                  <a:schemeClr val="bg1"/>
+                </a:solidFill>
+              </a:ln>
+            </p:spPr>
+            <p:txBody>
+              <a:bodyPr anchor="ctr"/>
+              <a:lstStyle>
+                <a:lvl1pPr marL="342900" indent="-342900" algn="l" defTabSz="914400" rtl="0" eaLnBrk="1" latinLnBrk="0" hangingPunct="1">
+                  <a:spcBef>
+                    <a:spcPct val="20000"/>
+                  </a:spcBef>
+                  <a:buFont typeface="Arial" pitchFamily="34" charset="0"/>
+                  <a:buChar char="•"/>
+                  <a:defRPr sz="3200" kern="1200">
+                    <a:solidFill>
+                      <a:schemeClr val="tx1"/>
+                    </a:solidFill>
+                    <a:latin typeface="+mn-lt"/>
+                    <a:ea typeface="+mn-ea"/>
+                    <a:cs typeface="+mn-cs"/>
+                  </a:defRPr>
+                </a:lvl1pPr>
+                <a:lvl2pPr marL="742950" indent="-285750" algn="l" defTabSz="914400" rtl="0" eaLnBrk="1" latinLnBrk="0" hangingPunct="1">
+                  <a:spcBef>
+                    <a:spcPct val="20000"/>
+                  </a:spcBef>
+                  <a:buFont typeface="Arial" pitchFamily="34" charset="0"/>
+                  <a:buChar char="–"/>
+                  <a:defRPr sz="2800" kern="1200">
+                    <a:solidFill>
+                      <a:schemeClr val="tx1"/>
+                    </a:solidFill>
+                    <a:latin typeface="+mn-lt"/>
+                    <a:ea typeface="+mn-ea"/>
+                    <a:cs typeface="+mn-cs"/>
+                  </a:defRPr>
+                </a:lvl2pPr>
+                <a:lvl3pPr marL="1143000" indent="-228600" algn="l" defTabSz="914400" rtl="0" eaLnBrk="1" latinLnBrk="0" hangingPunct="1">
+                  <a:spcBef>
+                    <a:spcPct val="20000"/>
+                  </a:spcBef>
+                  <a:buFont typeface="Arial" pitchFamily="34" charset="0"/>
+                  <a:buChar char="•"/>
+                  <a:defRPr sz="2400" kern="1200">
+                    <a:solidFill>
+                      <a:schemeClr val="tx1"/>
+                    </a:solidFill>
+                    <a:latin typeface="+mn-lt"/>
+                    <a:ea typeface="+mn-ea"/>
+                    <a:cs typeface="+mn-cs"/>
+                  </a:defRPr>
+                </a:lvl3pPr>
+                <a:lvl4pPr marL="1600200" indent="-228600" algn="l" defTabSz="914400" rtl="0" eaLnBrk="1" latinLnBrk="0" hangingPunct="1">
+                  <a:spcBef>
+                    <a:spcPct val="20000"/>
+                  </a:spcBef>
+                  <a:buFont typeface="Arial" pitchFamily="34" charset="0"/>
+                  <a:buChar char="–"/>
+                  <a:defRPr sz="2000" kern="1200">
+                    <a:solidFill>
+                      <a:schemeClr val="tx1"/>
+                    </a:solidFill>
+                    <a:latin typeface="+mn-lt"/>
+                    <a:ea typeface="+mn-ea"/>
+                    <a:cs typeface="+mn-cs"/>
+                  </a:defRPr>
+                </a:lvl4pPr>
+                <a:lvl5pPr marL="2057400" indent="-228600" algn="l" defTabSz="914400" rtl="0" eaLnBrk="1" latinLnBrk="0" hangingPunct="1">
+                  <a:spcBef>
+                    <a:spcPct val="20000"/>
+                  </a:spcBef>
+                  <a:buFont typeface="Arial" pitchFamily="34" charset="0"/>
+                  <a:buChar char="»"/>
+                  <a:defRPr sz="2000" kern="1200">
+                    <a:solidFill>
+                      <a:schemeClr val="tx1"/>
+                    </a:solidFill>
+                    <a:latin typeface="+mn-lt"/>
+                    <a:ea typeface="+mn-ea"/>
+                    <a:cs typeface="+mn-cs"/>
+                  </a:defRPr>
+                </a:lvl5pPr>
+                <a:lvl6pPr marL="2514600" indent="-228600" algn="l" defTabSz="914400" rtl="0" eaLnBrk="1" latinLnBrk="0" hangingPunct="1">
+                  <a:spcBef>
+                    <a:spcPct val="20000"/>
+                  </a:spcBef>
+                  <a:buFont typeface="Arial" pitchFamily="34" charset="0"/>
+                  <a:buChar char="•"/>
+                  <a:defRPr sz="2000" kern="1200">
+                    <a:solidFill>
+                      <a:schemeClr val="tx1"/>
+                    </a:solidFill>
+                    <a:latin typeface="+mn-lt"/>
+                    <a:ea typeface="+mn-ea"/>
+                    <a:cs typeface="+mn-cs"/>
+                  </a:defRPr>
+                </a:lvl6pPr>
+                <a:lvl7pPr marL="2971800" indent="-228600" algn="l" defTabSz="914400" rtl="0" eaLnBrk="1" latinLnBrk="0" hangingPunct="1">
+                  <a:spcBef>
+                    <a:spcPct val="20000"/>
+                  </a:spcBef>
+                  <a:buFont typeface="Arial" pitchFamily="34" charset="0"/>
+                  <a:buChar char="•"/>
+                  <a:defRPr sz="2000" kern="1200">
+                    <a:solidFill>
+                      <a:schemeClr val="tx1"/>
+                    </a:solidFill>
+                    <a:latin typeface="+mn-lt"/>
+                    <a:ea typeface="+mn-ea"/>
+                    <a:cs typeface="+mn-cs"/>
+                  </a:defRPr>
+                </a:lvl7pPr>
+                <a:lvl8pPr marL="3429000" indent="-228600" algn="l" defTabSz="914400" rtl="0" eaLnBrk="1" latinLnBrk="0" hangingPunct="1">
+                  <a:spcBef>
+                    <a:spcPct val="20000"/>
+                  </a:spcBef>
+                  <a:buFont typeface="Arial" pitchFamily="34" charset="0"/>
+                  <a:buChar char="•"/>
+                  <a:defRPr sz="2000" kern="1200">
+                    <a:solidFill>
+                      <a:schemeClr val="tx1"/>
+                    </a:solidFill>
+                    <a:latin typeface="+mn-lt"/>
+                    <a:ea typeface="+mn-ea"/>
+                    <a:cs typeface="+mn-cs"/>
+                  </a:defRPr>
+                </a:lvl8pPr>
+                <a:lvl9pPr marL="3886200" indent="-228600" algn="l" defTabSz="914400" rtl="0" eaLnBrk="1" latinLnBrk="0" hangingPunct="1">
+                  <a:spcBef>
+                    <a:spcPct val="20000"/>
+                  </a:spcBef>
+                  <a:buFont typeface="Arial" pitchFamily="34" charset="0"/>
+                  <a:buChar char="•"/>
+                  <a:defRPr sz="2000" kern="1200">
+                    <a:solidFill>
+                      <a:schemeClr val="tx1"/>
+                    </a:solidFill>
+                    <a:latin typeface="+mn-lt"/>
+                    <a:ea typeface="+mn-ea"/>
+                    <a:cs typeface="+mn-cs"/>
+                  </a:defRPr>
+                </a:lvl9pPr>
+              </a:lstStyle>
+              <a:p>
+                <a:pPr marL="0" indent="0" algn="ctr">
+                  <a:buFont typeface="Arial" pitchFamily="34" charset="0"/>
+                  <a:buNone/>
+                </a:pPr>
+                <a:r>
+                  <a:rPr lang="en-GB" sz="1100" b="1" dirty="0" smtClean="0">
+                    <a:latin typeface="Airal"/>
+                  </a:rPr>
+                  <a:t>Model Pipeline</a:t>
+                </a:r>
+              </a:p>
+            </p:txBody>
+          </p:sp>
+          <p:grpSp>
+            <p:nvGrpSpPr>
+              <p:cNvPr id="8" name="Group 7"/>
+              <p:cNvGrpSpPr/>
+              <p:nvPr/>
+            </p:nvGrpSpPr>
+            <p:grpSpPr>
+              <a:xfrm>
+                <a:off x="4147236" y="2449777"/>
+                <a:ext cx="1099178" cy="1145126"/>
+                <a:chOff x="3804333" y="1971791"/>
+                <a:chExt cx="1099178" cy="1145126"/>
+              </a:xfrm>
+            </p:grpSpPr>
+            <p:pic>
+              <p:nvPicPr>
+                <p:cNvPr id="10" name="Picture 9"/>
+                <p:cNvPicPr>
+                  <a:picLocks noChangeAspect="1"/>
+                </p:cNvPicPr>
+                <p:nvPr/>
+              </p:nvPicPr>
+              <p:blipFill>
+                <a:blip r:embed="rId3" cstate="print">
+                  <a:extLst>
+                    <a:ext uri="{28A0092B-C50C-407E-A947-70E740481C1C}">
+                      <a14:useLocalDpi xmlns:a14="http://schemas.microsoft.com/office/drawing/2010/main" val="0"/>
+                    </a:ext>
+                  </a:extLst>
+                </a:blip>
+                <a:stretch>
+                  <a:fillRect/>
+                </a:stretch>
+              </p:blipFill>
+              <p:spPr>
+                <a:xfrm>
+                  <a:off x="3927168" y="2285237"/>
+                  <a:ext cx="830008" cy="831680"/>
+                </a:xfrm>
+                <a:prstGeom prst="rect">
+                  <a:avLst/>
+                </a:prstGeom>
+              </p:spPr>
+            </p:pic>
+            <p:sp>
+              <p:nvSpPr>
+                <p:cNvPr id="11" name="Content Placeholder 2"/>
+                <p:cNvSpPr txBox="1">
+                  <a:spLocks/>
+                </p:cNvSpPr>
+                <p:nvPr/>
+              </p:nvSpPr>
+              <p:spPr>
+                <a:xfrm>
+                  <a:off x="3804333" y="1971791"/>
+                  <a:ext cx="1099178" cy="366973"/>
+                </a:xfrm>
+                <a:prstGeom prst="rect">
+                  <a:avLst/>
+                </a:prstGeom>
+                <a:noFill/>
+              </p:spPr>
+              <p:txBody>
+                <a:bodyPr anchor="ctr"/>
+                <a:lstStyle>
+                  <a:lvl1pPr marL="342900" indent="-342900" algn="l" defTabSz="914400" rtl="0" eaLnBrk="1" latinLnBrk="0" hangingPunct="1">
+                    <a:spcBef>
+                      <a:spcPct val="20000"/>
+                    </a:spcBef>
+                    <a:buFont typeface="Arial" pitchFamily="34" charset="0"/>
+                    <a:buChar char="•"/>
+                    <a:defRPr sz="3200" kern="1200">
+                      <a:solidFill>
+                        <a:schemeClr val="tx1"/>
+                      </a:solidFill>
+                      <a:latin typeface="+mn-lt"/>
+                      <a:ea typeface="+mn-ea"/>
+                      <a:cs typeface="+mn-cs"/>
+                    </a:defRPr>
+                  </a:lvl1pPr>
+                  <a:lvl2pPr marL="742950" indent="-285750" algn="l" defTabSz="914400" rtl="0" eaLnBrk="1" latinLnBrk="0" hangingPunct="1">
+                    <a:spcBef>
+                      <a:spcPct val="20000"/>
+                    </a:spcBef>
+                    <a:buFont typeface="Arial" pitchFamily="34" charset="0"/>
+                    <a:buChar char="–"/>
+                    <a:defRPr sz="2800" kern="1200">
+                      <a:solidFill>
+                        <a:schemeClr val="tx1"/>
+                      </a:solidFill>
+                      <a:latin typeface="+mn-lt"/>
+                      <a:ea typeface="+mn-ea"/>
+                      <a:cs typeface="+mn-cs"/>
+                    </a:defRPr>
+                  </a:lvl2pPr>
+                  <a:lvl3pPr marL="1143000" indent="-228600" algn="l" defTabSz="914400" rtl="0" eaLnBrk="1" latinLnBrk="0" hangingPunct="1">
+                    <a:spcBef>
+                      <a:spcPct val="20000"/>
+                    </a:spcBef>
+                    <a:buFont typeface="Arial" pitchFamily="34" charset="0"/>
+                    <a:buChar char="•"/>
+                    <a:defRPr sz="2400" kern="1200">
+                      <a:solidFill>
+                        <a:schemeClr val="tx1"/>
+                      </a:solidFill>
+                      <a:latin typeface="+mn-lt"/>
+                      <a:ea typeface="+mn-ea"/>
+                      <a:cs typeface="+mn-cs"/>
+                    </a:defRPr>
+                  </a:lvl3pPr>
+                  <a:lvl4pPr marL="1600200" indent="-228600" algn="l" defTabSz="914400" rtl="0" eaLnBrk="1" latinLnBrk="0" hangingPunct="1">
+                    <a:spcBef>
+                      <a:spcPct val="20000"/>
+                    </a:spcBef>
+                    <a:buFont typeface="Arial" pitchFamily="34" charset="0"/>
+                    <a:buChar char="–"/>
+                    <a:defRPr sz="2000" kern="1200">
+                      <a:solidFill>
+                        <a:schemeClr val="tx1"/>
+                      </a:solidFill>
+                      <a:latin typeface="+mn-lt"/>
+                      <a:ea typeface="+mn-ea"/>
+                      <a:cs typeface="+mn-cs"/>
+                    </a:defRPr>
+                  </a:lvl4pPr>
+                  <a:lvl5pPr marL="2057400" indent="-228600" algn="l" defTabSz="914400" rtl="0" eaLnBrk="1" latinLnBrk="0" hangingPunct="1">
+                    <a:spcBef>
+                      <a:spcPct val="20000"/>
+                    </a:spcBef>
+                    <a:buFont typeface="Arial" pitchFamily="34" charset="0"/>
+                    <a:buChar char="»"/>
+                    <a:defRPr sz="2000" kern="1200">
+                      <a:solidFill>
+                        <a:schemeClr val="tx1"/>
+                      </a:solidFill>
+                      <a:latin typeface="+mn-lt"/>
+                      <a:ea typeface="+mn-ea"/>
+                      <a:cs typeface="+mn-cs"/>
+                    </a:defRPr>
+                  </a:lvl5pPr>
+                  <a:lvl6pPr marL="2514600" indent="-228600" algn="l" defTabSz="914400" rtl="0" eaLnBrk="1" latinLnBrk="0" hangingPunct="1">
+                    <a:spcBef>
+                      <a:spcPct val="20000"/>
+                    </a:spcBef>
+                    <a:buFont typeface="Arial" pitchFamily="34" charset="0"/>
+                    <a:buChar char="•"/>
+                    <a:defRPr sz="2000" kern="1200">
+                      <a:solidFill>
+                        <a:schemeClr val="tx1"/>
+                      </a:solidFill>
+                      <a:latin typeface="+mn-lt"/>
+                      <a:ea typeface="+mn-ea"/>
+                      <a:cs typeface="+mn-cs"/>
+                    </a:defRPr>
+                  </a:lvl6pPr>
+                  <a:lvl7pPr marL="2971800" indent="-228600" algn="l" defTabSz="914400" rtl="0" eaLnBrk="1" latinLnBrk="0" hangingPunct="1">
+                    <a:spcBef>
+                      <a:spcPct val="20000"/>
+                    </a:spcBef>
+                    <a:buFont typeface="Arial" pitchFamily="34" charset="0"/>
+                    <a:buChar char="•"/>
+                    <a:defRPr sz="2000" kern="1200">
+                      <a:solidFill>
+                        <a:schemeClr val="tx1"/>
+                      </a:solidFill>
+                      <a:latin typeface="+mn-lt"/>
+                      <a:ea typeface="+mn-ea"/>
+                      <a:cs typeface="+mn-cs"/>
+                    </a:defRPr>
+                  </a:lvl7pPr>
+                  <a:lvl8pPr marL="3429000" indent="-228600" algn="l" defTabSz="914400" rtl="0" eaLnBrk="1" latinLnBrk="0" hangingPunct="1">
+                    <a:spcBef>
+                      <a:spcPct val="20000"/>
+                    </a:spcBef>
+                    <a:buFont typeface="Arial" pitchFamily="34" charset="0"/>
+                    <a:buChar char="•"/>
+                    <a:defRPr sz="2000" kern="1200">
+                      <a:solidFill>
+                        <a:schemeClr val="tx1"/>
+                      </a:solidFill>
+                      <a:latin typeface="+mn-lt"/>
+                      <a:ea typeface="+mn-ea"/>
+                      <a:cs typeface="+mn-cs"/>
+                    </a:defRPr>
+                  </a:lvl8pPr>
+                  <a:lvl9pPr marL="3886200" indent="-228600" algn="l" defTabSz="914400" rtl="0" eaLnBrk="1" latinLnBrk="0" hangingPunct="1">
+                    <a:spcBef>
+                      <a:spcPct val="20000"/>
+                    </a:spcBef>
+                    <a:buFont typeface="Arial" pitchFamily="34" charset="0"/>
+                    <a:buChar char="•"/>
+                    <a:defRPr sz="2000" kern="1200">
+                      <a:solidFill>
+                        <a:schemeClr val="tx1"/>
+                      </a:solidFill>
+                      <a:latin typeface="+mn-lt"/>
+                      <a:ea typeface="+mn-ea"/>
+                      <a:cs typeface="+mn-cs"/>
+                    </a:defRPr>
+                  </a:lvl9pPr>
+                </a:lstStyle>
+                <a:p>
+                  <a:pPr marL="0" indent="0" algn="ctr">
+                    <a:buFont typeface="Arial" pitchFamily="34" charset="0"/>
+                    <a:buNone/>
+                  </a:pPr>
+                  <a:r>
+                    <a:rPr lang="en-GB" sz="1100" b="1" dirty="0" smtClean="0">
+                      <a:latin typeface="Airal"/>
+                    </a:rPr>
+                    <a:t>Model</a:t>
+                  </a:r>
+                  <a:endParaRPr lang="en-GB" sz="1100" dirty="0" smtClean="0">
+                    <a:latin typeface="Airal"/>
+                  </a:endParaRPr>
+                </a:p>
+              </p:txBody>
+            </p:sp>
+          </p:grpSp>
+          <p:sp>
+            <p:nvSpPr>
+              <p:cNvPr id="9" name="Rectangle 8"/>
+              <p:cNvSpPr/>
+              <p:nvPr/>
+            </p:nvSpPr>
+            <p:spPr>
+              <a:xfrm>
+                <a:off x="426027" y="2293123"/>
+                <a:ext cx="4820387" cy="1522669"/>
+              </a:xfrm>
+              <a:prstGeom prst="rect">
+                <a:avLst/>
+              </a:prstGeom>
+              <a:noFill/>
+              <a:ln w="28575">
+                <a:prstDash val="sysDot"/>
+              </a:ln>
+            </p:spPr>
+            <p:style>
+              <a:lnRef idx="2">
+                <a:schemeClr val="accent1">
+                  <a:shade val="50000"/>
+                </a:schemeClr>
+              </a:lnRef>
+              <a:fillRef idx="1">
+                <a:schemeClr val="accent1"/>
+              </a:fillRef>
+              <a:effectRef idx="0">
+                <a:schemeClr val="accent1"/>
+              </a:effectRef>
+              <a:fontRef idx="minor">
+                <a:schemeClr val="lt1"/>
+              </a:fontRef>
+            </p:style>
+            <p:txBody>
+              <a:bodyPr rtlCol="0" anchor="ctr"/>
+              <a:lstStyle/>
+              <a:p>
+                <a:r>
+                  <a:rPr lang="en-GB" sz="1300" b="1" dirty="0" smtClean="0">
+                    <a:solidFill>
+                      <a:schemeClr val="tx1"/>
+                    </a:solidFill>
+                    <a:latin typeface="Airal"/>
+                  </a:rPr>
+                  <a:t>Step I:</a:t>
+                </a:r>
+              </a:p>
+              <a:p>
+                <a:r>
+                  <a:rPr lang="en-GB" sz="1300" b="1" dirty="0" smtClean="0">
+                    <a:solidFill>
+                      <a:schemeClr val="tx1"/>
+                    </a:solidFill>
+                    <a:latin typeface="Airal"/>
+                  </a:rPr>
+                  <a:t>Train</a:t>
+                </a:r>
+                <a:endParaRPr lang="en-US" sz="1300" b="1" dirty="0">
+                  <a:solidFill>
+                    <a:schemeClr val="tx1"/>
+                  </a:solidFill>
+                  <a:latin typeface="Airal"/>
+                </a:endParaRPr>
+              </a:p>
+            </p:txBody>
+          </p:sp>
+        </p:grpSp>
+        <p:grpSp>
+          <p:nvGrpSpPr>
+            <p:cNvPr id="14" name="Group 13"/>
+            <p:cNvGrpSpPr/>
+            <p:nvPr/>
+          </p:nvGrpSpPr>
+          <p:grpSpPr>
+            <a:xfrm>
+              <a:off x="1694106" y="3052952"/>
+              <a:ext cx="4820387" cy="1613918"/>
+              <a:chOff x="426027" y="4183013"/>
+              <a:chExt cx="4820387" cy="1613918"/>
+            </a:xfrm>
+          </p:grpSpPr>
+          <p:sp>
+            <p:nvSpPr>
+              <p:cNvPr id="15" name="Right Arrow 14"/>
+              <p:cNvSpPr/>
+              <p:nvPr/>
+            </p:nvSpPr>
+            <p:spPr>
+              <a:xfrm>
+                <a:off x="2574542" y="4848781"/>
+                <a:ext cx="1617896" cy="360040"/>
+              </a:xfrm>
+              <a:prstGeom prst="rightArrow">
+                <a:avLst/>
+              </a:prstGeom>
+              <a:solidFill>
+                <a:schemeClr val="accent1">
+                  <a:lumMod val="20000"/>
+                  <a:lumOff val="80000"/>
+                </a:schemeClr>
+              </a:solidFill>
+              <a:ln>
+                <a:noFill/>
+              </a:ln>
+            </p:spPr>
+            <p:style>
+              <a:lnRef idx="2">
+                <a:schemeClr val="accent1">
+                  <a:shade val="50000"/>
+                </a:schemeClr>
+              </a:lnRef>
+              <a:fillRef idx="1">
+                <a:schemeClr val="accent1"/>
+              </a:fillRef>
+              <a:effectRef idx="0">
+                <a:schemeClr val="accent1"/>
+              </a:effectRef>
+              <a:fontRef idx="minor">
+                <a:schemeClr val="lt1"/>
+              </a:fontRef>
+            </p:style>
+            <p:txBody>
+              <a:bodyPr rtlCol="0" anchor="ctr"/>
+              <a:lstStyle/>
+              <a:p>
+                <a:pPr algn="ctr"/>
+                <a:endParaRPr lang="en-US" sz="1100">
+                  <a:latin typeface="Airal"/>
+                </a:endParaRPr>
+              </a:p>
+            </p:txBody>
+          </p:sp>
+          <p:grpSp>
+            <p:nvGrpSpPr>
+              <p:cNvPr id="16" name="Group 15"/>
+              <p:cNvGrpSpPr/>
+              <p:nvPr/>
+            </p:nvGrpSpPr>
+            <p:grpSpPr>
+              <a:xfrm>
+                <a:off x="1193235" y="4334215"/>
+                <a:ext cx="1318921" cy="1324031"/>
+                <a:chOff x="923558" y="3424614"/>
+                <a:chExt cx="1318921" cy="1324031"/>
+              </a:xfrm>
+            </p:grpSpPr>
+            <p:pic>
+              <p:nvPicPr>
+                <p:cNvPr id="36" name="Picture 35"/>
+                <p:cNvPicPr>
+                  <a:picLocks noChangeAspect="1"/>
+                </p:cNvPicPr>
+                <p:nvPr/>
+              </p:nvPicPr>
+              <p:blipFill>
+                <a:blip r:embed="rId4" cstate="print">
+                  <a:extLst>
+                    <a:ext uri="{28A0092B-C50C-407E-A947-70E740481C1C}">
+                      <a14:useLocalDpi xmlns:a14="http://schemas.microsoft.com/office/drawing/2010/main" val="0"/>
+                    </a:ext>
+                  </a:extLst>
+                </a:blip>
+                <a:stretch>
+                  <a:fillRect/>
+                </a:stretch>
+              </p:blipFill>
+              <p:spPr>
+                <a:xfrm>
+                  <a:off x="1157396" y="3720142"/>
+                  <a:ext cx="273899" cy="273899"/>
+                </a:xfrm>
+                <a:prstGeom prst="rect">
+                  <a:avLst/>
+                </a:prstGeom>
+              </p:spPr>
+            </p:pic>
+            <p:pic>
+              <p:nvPicPr>
+                <p:cNvPr id="37" name="Picture 36"/>
+                <p:cNvPicPr>
+                  <a:picLocks noChangeAspect="1"/>
+                </p:cNvPicPr>
+                <p:nvPr/>
+              </p:nvPicPr>
+              <p:blipFill>
+                <a:blip r:embed="rId4" cstate="print">
+                  <a:extLst>
+                    <a:ext uri="{28A0092B-C50C-407E-A947-70E740481C1C}">
+                      <a14:useLocalDpi xmlns:a14="http://schemas.microsoft.com/office/drawing/2010/main" val="0"/>
+                    </a:ext>
+                  </a:extLst>
+                </a:blip>
+                <a:stretch>
+                  <a:fillRect/>
+                </a:stretch>
+              </p:blipFill>
+              <p:spPr>
+                <a:xfrm>
+                  <a:off x="1536809" y="3583192"/>
+                  <a:ext cx="273899" cy="273899"/>
+                </a:xfrm>
+                <a:prstGeom prst="rect">
+                  <a:avLst/>
+                </a:prstGeom>
+              </p:spPr>
+            </p:pic>
+            <p:pic>
+              <p:nvPicPr>
+                <p:cNvPr id="38" name="Picture 37"/>
+                <p:cNvPicPr>
+                  <a:picLocks noChangeAspect="1"/>
+                </p:cNvPicPr>
+                <p:nvPr/>
+              </p:nvPicPr>
+              <p:blipFill>
+                <a:blip r:embed="rId4" cstate="print">
+                  <a:extLst>
+                    <a:ext uri="{28A0092B-C50C-407E-A947-70E740481C1C}">
+                      <a14:useLocalDpi xmlns:a14="http://schemas.microsoft.com/office/drawing/2010/main" val="0"/>
+                    </a:ext>
+                  </a:extLst>
+                </a:blip>
+                <a:stretch>
+                  <a:fillRect/>
+                </a:stretch>
+              </p:blipFill>
+              <p:spPr>
+                <a:xfrm>
+                  <a:off x="1020446" y="4119200"/>
+                  <a:ext cx="273899" cy="273899"/>
+                </a:xfrm>
+                <a:prstGeom prst="rect">
+                  <a:avLst/>
+                </a:prstGeom>
+              </p:spPr>
+            </p:pic>
+            <p:pic>
+              <p:nvPicPr>
+                <p:cNvPr id="39" name="Picture 38"/>
+                <p:cNvPicPr>
+                  <a:picLocks noChangeAspect="1"/>
+                </p:cNvPicPr>
+                <p:nvPr/>
+              </p:nvPicPr>
+              <p:blipFill>
+                <a:blip r:embed="rId4" cstate="print">
+                  <a:extLst>
+                    <a:ext uri="{28A0092B-C50C-407E-A947-70E740481C1C}">
+                      <a14:useLocalDpi xmlns:a14="http://schemas.microsoft.com/office/drawing/2010/main" val="0"/>
+                    </a:ext>
+                  </a:extLst>
+                </a:blip>
+                <a:stretch>
+                  <a:fillRect/>
+                </a:stretch>
+              </p:blipFill>
+              <p:spPr>
+                <a:xfrm>
+                  <a:off x="1399859" y="3976026"/>
+                  <a:ext cx="273899" cy="273899"/>
+                </a:xfrm>
+                <a:prstGeom prst="rect">
+                  <a:avLst/>
+                </a:prstGeom>
+              </p:spPr>
+            </p:pic>
+            <p:pic>
+              <p:nvPicPr>
+                <p:cNvPr id="40" name="Picture 39"/>
+                <p:cNvPicPr>
+                  <a:picLocks noChangeAspect="1"/>
+                </p:cNvPicPr>
+                <p:nvPr/>
+              </p:nvPicPr>
+              <p:blipFill>
+                <a:blip r:embed="rId4" cstate="print">
+                  <a:extLst>
+                    <a:ext uri="{28A0092B-C50C-407E-A947-70E740481C1C}">
+                      <a14:useLocalDpi xmlns:a14="http://schemas.microsoft.com/office/drawing/2010/main" val="0"/>
+                    </a:ext>
+                  </a:extLst>
+                </a:blip>
+                <a:stretch>
+                  <a:fillRect/>
+                </a:stretch>
+              </p:blipFill>
+              <p:spPr>
+                <a:xfrm>
+                  <a:off x="1683746" y="4146441"/>
+                  <a:ext cx="273899" cy="273899"/>
+                </a:xfrm>
+                <a:prstGeom prst="rect">
+                  <a:avLst/>
+                </a:prstGeom>
+              </p:spPr>
+            </p:pic>
+            <p:sp>
+              <p:nvSpPr>
+                <p:cNvPr id="41" name="Oval 40"/>
+                <p:cNvSpPr/>
+                <p:nvPr/>
+              </p:nvSpPr>
+              <p:spPr>
+                <a:xfrm>
+                  <a:off x="923558" y="3424614"/>
+                  <a:ext cx="1318921" cy="1324031"/>
+                </a:xfrm>
+                <a:prstGeom prst="ellipse">
+                  <a:avLst/>
+                </a:prstGeom>
+                <a:noFill/>
+                <a:ln w="38100">
+                  <a:solidFill>
+                    <a:srgbClr val="00B0F0"/>
+                  </a:solidFill>
+                  <a:prstDash val="sysDash"/>
+                </a:ln>
+              </p:spPr>
+              <p:style>
+                <a:lnRef idx="2">
+                  <a:schemeClr val="accent1">
+                    <a:shade val="50000"/>
+                  </a:schemeClr>
+                </a:lnRef>
+                <a:fillRef idx="1">
+                  <a:schemeClr val="accent1"/>
+                </a:fillRef>
+                <a:effectRef idx="0">
+                  <a:schemeClr val="accent1"/>
+                </a:effectRef>
+                <a:fontRef idx="minor">
+                  <a:schemeClr val="lt1"/>
+                </a:fontRef>
+              </p:style>
+              <p:txBody>
+                <a:bodyPr rtlCol="0" anchor="ctr"/>
+                <a:lstStyle/>
+                <a:p>
+                  <a:pPr algn="ctr"/>
+                  <a:endParaRPr lang="en-US" sz="1100">
+                    <a:latin typeface="Airal"/>
+                  </a:endParaRPr>
+                </a:p>
+              </p:txBody>
+            </p:sp>
+          </p:grpSp>
+          <p:grpSp>
+            <p:nvGrpSpPr>
+              <p:cNvPr id="17" name="Group 16"/>
+              <p:cNvGrpSpPr/>
+              <p:nvPr/>
+            </p:nvGrpSpPr>
+            <p:grpSpPr>
+              <a:xfrm>
+                <a:off x="2728880" y="4334215"/>
+                <a:ext cx="1099178" cy="1145126"/>
+                <a:chOff x="4322033" y="1929438"/>
+                <a:chExt cx="1099178" cy="1145126"/>
+              </a:xfrm>
+            </p:grpSpPr>
+            <p:pic>
+              <p:nvPicPr>
+                <p:cNvPr id="34" name="Picture 33"/>
+                <p:cNvPicPr>
+                  <a:picLocks noChangeAspect="1"/>
+                </p:cNvPicPr>
+                <p:nvPr/>
+              </p:nvPicPr>
+              <p:blipFill>
+                <a:blip r:embed="rId3" cstate="print">
+                  <a:extLst>
+                    <a:ext uri="{28A0092B-C50C-407E-A947-70E740481C1C}">
+                      <a14:useLocalDpi xmlns:a14="http://schemas.microsoft.com/office/drawing/2010/main" val="0"/>
+                    </a:ext>
+                  </a:extLst>
+                </a:blip>
+                <a:stretch>
+                  <a:fillRect/>
+                </a:stretch>
+              </p:blipFill>
+              <p:spPr>
+                <a:xfrm>
+                  <a:off x="4444868" y="2242884"/>
+                  <a:ext cx="830008" cy="831680"/>
+                </a:xfrm>
+                <a:prstGeom prst="rect">
+                  <a:avLst/>
+                </a:prstGeom>
+              </p:spPr>
+            </p:pic>
+            <p:sp>
+              <p:nvSpPr>
+                <p:cNvPr id="35" name="Content Placeholder 2"/>
+                <p:cNvSpPr txBox="1">
+                  <a:spLocks/>
+                </p:cNvSpPr>
+                <p:nvPr/>
+              </p:nvSpPr>
+              <p:spPr>
+                <a:xfrm>
+                  <a:off x="4322033" y="1929438"/>
+                  <a:ext cx="1099178" cy="366973"/>
+                </a:xfrm>
+                <a:prstGeom prst="rect">
+                  <a:avLst/>
+                </a:prstGeom>
+                <a:noFill/>
+              </p:spPr>
+              <p:txBody>
+                <a:bodyPr anchor="ctr"/>
+                <a:lstStyle>
+                  <a:lvl1pPr marL="342900" indent="-342900" algn="l" defTabSz="914400" rtl="0" eaLnBrk="1" latinLnBrk="0" hangingPunct="1">
+                    <a:spcBef>
+                      <a:spcPct val="20000"/>
+                    </a:spcBef>
+                    <a:buFont typeface="Arial" pitchFamily="34" charset="0"/>
+                    <a:buChar char="•"/>
+                    <a:defRPr sz="3200" kern="1200">
+                      <a:solidFill>
+                        <a:schemeClr val="tx1"/>
+                      </a:solidFill>
+                      <a:latin typeface="+mn-lt"/>
+                      <a:ea typeface="+mn-ea"/>
+                      <a:cs typeface="+mn-cs"/>
+                    </a:defRPr>
+                  </a:lvl1pPr>
+                  <a:lvl2pPr marL="742950" indent="-285750" algn="l" defTabSz="914400" rtl="0" eaLnBrk="1" latinLnBrk="0" hangingPunct="1">
+                    <a:spcBef>
+                      <a:spcPct val="20000"/>
+                    </a:spcBef>
+                    <a:buFont typeface="Arial" pitchFamily="34" charset="0"/>
+                    <a:buChar char="–"/>
+                    <a:defRPr sz="2800" kern="1200">
+                      <a:solidFill>
+                        <a:schemeClr val="tx1"/>
+                      </a:solidFill>
+                      <a:latin typeface="+mn-lt"/>
+                      <a:ea typeface="+mn-ea"/>
+                      <a:cs typeface="+mn-cs"/>
+                    </a:defRPr>
+                  </a:lvl2pPr>
+                  <a:lvl3pPr marL="1143000" indent="-228600" algn="l" defTabSz="914400" rtl="0" eaLnBrk="1" latinLnBrk="0" hangingPunct="1">
+                    <a:spcBef>
+                      <a:spcPct val="20000"/>
+                    </a:spcBef>
+                    <a:buFont typeface="Arial" pitchFamily="34" charset="0"/>
+                    <a:buChar char="•"/>
+                    <a:defRPr sz="2400" kern="1200">
+                      <a:solidFill>
+                        <a:schemeClr val="tx1"/>
+                      </a:solidFill>
+                      <a:latin typeface="+mn-lt"/>
+                      <a:ea typeface="+mn-ea"/>
+                      <a:cs typeface="+mn-cs"/>
+                    </a:defRPr>
+                  </a:lvl3pPr>
+                  <a:lvl4pPr marL="1600200" indent="-228600" algn="l" defTabSz="914400" rtl="0" eaLnBrk="1" latinLnBrk="0" hangingPunct="1">
+                    <a:spcBef>
+                      <a:spcPct val="20000"/>
+                    </a:spcBef>
+                    <a:buFont typeface="Arial" pitchFamily="34" charset="0"/>
+                    <a:buChar char="–"/>
+                    <a:defRPr sz="2000" kern="1200">
+                      <a:solidFill>
+                        <a:schemeClr val="tx1"/>
+                      </a:solidFill>
+                      <a:latin typeface="+mn-lt"/>
+                      <a:ea typeface="+mn-ea"/>
+                      <a:cs typeface="+mn-cs"/>
+                    </a:defRPr>
+                  </a:lvl4pPr>
+                  <a:lvl5pPr marL="2057400" indent="-228600" algn="l" defTabSz="914400" rtl="0" eaLnBrk="1" latinLnBrk="0" hangingPunct="1">
+                    <a:spcBef>
+                      <a:spcPct val="20000"/>
+                    </a:spcBef>
+                    <a:buFont typeface="Arial" pitchFamily="34" charset="0"/>
+                    <a:buChar char="»"/>
+                    <a:defRPr sz="2000" kern="1200">
+                      <a:solidFill>
+                        <a:schemeClr val="tx1"/>
+                      </a:solidFill>
+                      <a:latin typeface="+mn-lt"/>
+                      <a:ea typeface="+mn-ea"/>
+                      <a:cs typeface="+mn-cs"/>
+                    </a:defRPr>
+                  </a:lvl5pPr>
+                  <a:lvl6pPr marL="2514600" indent="-228600" algn="l" defTabSz="914400" rtl="0" eaLnBrk="1" latinLnBrk="0" hangingPunct="1">
+                    <a:spcBef>
+                      <a:spcPct val="20000"/>
+                    </a:spcBef>
+                    <a:buFont typeface="Arial" pitchFamily="34" charset="0"/>
+                    <a:buChar char="•"/>
+                    <a:defRPr sz="2000" kern="1200">
+                      <a:solidFill>
+                        <a:schemeClr val="tx1"/>
+                      </a:solidFill>
+                      <a:latin typeface="+mn-lt"/>
+                      <a:ea typeface="+mn-ea"/>
+                      <a:cs typeface="+mn-cs"/>
+                    </a:defRPr>
+                  </a:lvl6pPr>
+                  <a:lvl7pPr marL="2971800" indent="-228600" algn="l" defTabSz="914400" rtl="0" eaLnBrk="1" latinLnBrk="0" hangingPunct="1">
+                    <a:spcBef>
+                      <a:spcPct val="20000"/>
+                    </a:spcBef>
+                    <a:buFont typeface="Arial" pitchFamily="34" charset="0"/>
+                    <a:buChar char="•"/>
+                    <a:defRPr sz="2000" kern="1200">
+                      <a:solidFill>
+                        <a:schemeClr val="tx1"/>
+                      </a:solidFill>
+                      <a:latin typeface="+mn-lt"/>
+                      <a:ea typeface="+mn-ea"/>
+                      <a:cs typeface="+mn-cs"/>
+                    </a:defRPr>
+                  </a:lvl7pPr>
+                  <a:lvl8pPr marL="3429000" indent="-228600" algn="l" defTabSz="914400" rtl="0" eaLnBrk="1" latinLnBrk="0" hangingPunct="1">
+                    <a:spcBef>
+                      <a:spcPct val="20000"/>
+                    </a:spcBef>
+                    <a:buFont typeface="Arial" pitchFamily="34" charset="0"/>
+                    <a:buChar char="•"/>
+                    <a:defRPr sz="2000" kern="1200">
+                      <a:solidFill>
+                        <a:schemeClr val="tx1"/>
+                      </a:solidFill>
+                      <a:latin typeface="+mn-lt"/>
+                      <a:ea typeface="+mn-ea"/>
+                      <a:cs typeface="+mn-cs"/>
+                    </a:defRPr>
+                  </a:lvl8pPr>
+                  <a:lvl9pPr marL="3886200" indent="-228600" algn="l" defTabSz="914400" rtl="0" eaLnBrk="1" latinLnBrk="0" hangingPunct="1">
+                    <a:spcBef>
+                      <a:spcPct val="20000"/>
+                    </a:spcBef>
+                    <a:buFont typeface="Arial" pitchFamily="34" charset="0"/>
+                    <a:buChar char="•"/>
+                    <a:defRPr sz="2000" kern="1200">
+                      <a:solidFill>
+                        <a:schemeClr val="tx1"/>
+                      </a:solidFill>
+                      <a:latin typeface="+mn-lt"/>
+                      <a:ea typeface="+mn-ea"/>
+                      <a:cs typeface="+mn-cs"/>
+                    </a:defRPr>
+                  </a:lvl9pPr>
+                </a:lstStyle>
+                <a:p>
+                  <a:pPr marL="0" indent="0" algn="ctr">
+                    <a:buFont typeface="Arial" pitchFamily="34" charset="0"/>
+                    <a:buNone/>
+                  </a:pPr>
+                  <a:r>
+                    <a:rPr lang="en-GB" sz="1100" b="1" dirty="0" smtClean="0">
+                      <a:latin typeface="Airal"/>
+                    </a:rPr>
+                    <a:t>Model</a:t>
+                  </a:r>
+                  <a:endParaRPr lang="en-GB" sz="1100" dirty="0" smtClean="0">
+                    <a:latin typeface="Airal"/>
+                  </a:endParaRPr>
+                </a:p>
+              </p:txBody>
+            </p:sp>
+          </p:grpSp>
+          <p:grpSp>
+            <p:nvGrpSpPr>
+              <p:cNvPr id="18" name="Group 17"/>
+              <p:cNvGrpSpPr/>
+              <p:nvPr/>
+            </p:nvGrpSpPr>
+            <p:grpSpPr>
+              <a:xfrm>
+                <a:off x="4209849" y="4218894"/>
+                <a:ext cx="972469" cy="273899"/>
+                <a:chOff x="3785201" y="3763969"/>
+                <a:chExt cx="972469" cy="273899"/>
+              </a:xfrm>
+            </p:grpSpPr>
+            <p:pic>
+              <p:nvPicPr>
+                <p:cNvPr id="32" name="Picture 31"/>
+                <p:cNvPicPr>
+                  <a:picLocks noChangeAspect="1"/>
+                </p:cNvPicPr>
+                <p:nvPr/>
+              </p:nvPicPr>
+              <p:blipFill>
+                <a:blip r:embed="rId4" cstate="print">
+                  <a:duotone>
+                    <a:schemeClr val="accent6">
+                      <a:shade val="45000"/>
+                      <a:satMod val="135000"/>
+                    </a:schemeClr>
+                    <a:prstClr val="white"/>
+                  </a:duotone>
+                  <a:extLst>
+                    <a:ext uri="{28A0092B-C50C-407E-A947-70E740481C1C}">
+                      <a14:useLocalDpi xmlns:a14="http://schemas.microsoft.com/office/drawing/2010/main" val="0"/>
+                    </a:ext>
+                  </a:extLst>
+                </a:blip>
+                <a:stretch>
+                  <a:fillRect/>
+                </a:stretch>
+              </p:blipFill>
+              <p:spPr>
+                <a:xfrm>
+                  <a:off x="3785201" y="3763969"/>
+                  <a:ext cx="273899" cy="273899"/>
+                </a:xfrm>
+                <a:prstGeom prst="rect">
+                  <a:avLst/>
+                </a:prstGeom>
+              </p:spPr>
+            </p:pic>
+            <p:sp>
+              <p:nvSpPr>
+                <p:cNvPr id="33" name="Content Placeholder 2"/>
+                <p:cNvSpPr txBox="1">
+                  <a:spLocks/>
+                </p:cNvSpPr>
+                <p:nvPr/>
+              </p:nvSpPr>
+              <p:spPr>
+                <a:xfrm>
+                  <a:off x="4183810" y="3800722"/>
+                  <a:ext cx="573860" cy="210837"/>
+                </a:xfrm>
+                <a:prstGeom prst="rect">
+                  <a:avLst/>
+                </a:prstGeom>
+                <a:solidFill>
+                  <a:schemeClr val="accent6">
+                    <a:lumMod val="20000"/>
+                    <a:lumOff val="80000"/>
+                  </a:schemeClr>
+                </a:solidFill>
+                <a:ln w="38100">
+                  <a:solidFill>
+                    <a:schemeClr val="bg1"/>
+                  </a:solidFill>
+                </a:ln>
+              </p:spPr>
+              <p:txBody>
+                <a:bodyPr anchor="ctr"/>
+                <a:lstStyle>
+                  <a:lvl1pPr marL="342900" indent="-342900" algn="l" defTabSz="914400" rtl="0" eaLnBrk="1" latinLnBrk="0" hangingPunct="1">
+                    <a:spcBef>
+                      <a:spcPct val="20000"/>
+                    </a:spcBef>
+                    <a:buFont typeface="Arial" pitchFamily="34" charset="0"/>
+                    <a:buChar char="•"/>
+                    <a:defRPr sz="3200" kern="1200">
+                      <a:solidFill>
+                        <a:schemeClr val="tx1"/>
+                      </a:solidFill>
+                      <a:latin typeface="+mn-lt"/>
+                      <a:ea typeface="+mn-ea"/>
+                      <a:cs typeface="+mn-cs"/>
+                    </a:defRPr>
+                  </a:lvl1pPr>
+                  <a:lvl2pPr marL="742950" indent="-285750" algn="l" defTabSz="914400" rtl="0" eaLnBrk="1" latinLnBrk="0" hangingPunct="1">
+                    <a:spcBef>
+                      <a:spcPct val="20000"/>
+                    </a:spcBef>
+                    <a:buFont typeface="Arial" pitchFamily="34" charset="0"/>
+                    <a:buChar char="–"/>
+                    <a:defRPr sz="2800" kern="1200">
+                      <a:solidFill>
+                        <a:schemeClr val="tx1"/>
+                      </a:solidFill>
+                      <a:latin typeface="+mn-lt"/>
+                      <a:ea typeface="+mn-ea"/>
+                      <a:cs typeface="+mn-cs"/>
+                    </a:defRPr>
+                  </a:lvl2pPr>
+                  <a:lvl3pPr marL="1143000" indent="-228600" algn="l" defTabSz="914400" rtl="0" eaLnBrk="1" latinLnBrk="0" hangingPunct="1">
+                    <a:spcBef>
+                      <a:spcPct val="20000"/>
+                    </a:spcBef>
+                    <a:buFont typeface="Arial" pitchFamily="34" charset="0"/>
+                    <a:buChar char="•"/>
+                    <a:defRPr sz="2400" kern="1200">
+                      <a:solidFill>
+                        <a:schemeClr val="tx1"/>
+                      </a:solidFill>
+                      <a:latin typeface="+mn-lt"/>
+                      <a:ea typeface="+mn-ea"/>
+                      <a:cs typeface="+mn-cs"/>
+                    </a:defRPr>
+                  </a:lvl3pPr>
+                  <a:lvl4pPr marL="1600200" indent="-228600" algn="l" defTabSz="914400" rtl="0" eaLnBrk="1" latinLnBrk="0" hangingPunct="1">
+                    <a:spcBef>
+                      <a:spcPct val="20000"/>
+                    </a:spcBef>
+                    <a:buFont typeface="Arial" pitchFamily="34" charset="0"/>
+                    <a:buChar char="–"/>
+                    <a:defRPr sz="2000" kern="1200">
+                      <a:solidFill>
+                        <a:schemeClr val="tx1"/>
+                      </a:solidFill>
+                      <a:latin typeface="+mn-lt"/>
+                      <a:ea typeface="+mn-ea"/>
+                      <a:cs typeface="+mn-cs"/>
+                    </a:defRPr>
+                  </a:lvl4pPr>
+                  <a:lvl5pPr marL="2057400" indent="-228600" algn="l" defTabSz="914400" rtl="0" eaLnBrk="1" latinLnBrk="0" hangingPunct="1">
+                    <a:spcBef>
+                      <a:spcPct val="20000"/>
+                    </a:spcBef>
+                    <a:buFont typeface="Arial" pitchFamily="34" charset="0"/>
+                    <a:buChar char="»"/>
+                    <a:defRPr sz="2000" kern="1200">
+                      <a:solidFill>
+                        <a:schemeClr val="tx1"/>
+                      </a:solidFill>
+                      <a:latin typeface="+mn-lt"/>
+                      <a:ea typeface="+mn-ea"/>
+                      <a:cs typeface="+mn-cs"/>
+                    </a:defRPr>
+                  </a:lvl5pPr>
+                  <a:lvl6pPr marL="2514600" indent="-228600" algn="l" defTabSz="914400" rtl="0" eaLnBrk="1" latinLnBrk="0" hangingPunct="1">
+                    <a:spcBef>
+                      <a:spcPct val="20000"/>
+                    </a:spcBef>
+                    <a:buFont typeface="Arial" pitchFamily="34" charset="0"/>
+                    <a:buChar char="•"/>
+                    <a:defRPr sz="2000" kern="1200">
+                      <a:solidFill>
+                        <a:schemeClr val="tx1"/>
+                      </a:solidFill>
+                      <a:latin typeface="+mn-lt"/>
+                      <a:ea typeface="+mn-ea"/>
+                      <a:cs typeface="+mn-cs"/>
+                    </a:defRPr>
+                  </a:lvl6pPr>
+                  <a:lvl7pPr marL="2971800" indent="-228600" algn="l" defTabSz="914400" rtl="0" eaLnBrk="1" latinLnBrk="0" hangingPunct="1">
+                    <a:spcBef>
+                      <a:spcPct val="20000"/>
+                    </a:spcBef>
+                    <a:buFont typeface="Arial" pitchFamily="34" charset="0"/>
+                    <a:buChar char="•"/>
+                    <a:defRPr sz="2000" kern="1200">
+                      <a:solidFill>
+                        <a:schemeClr val="tx1"/>
+                      </a:solidFill>
+                      <a:latin typeface="+mn-lt"/>
+                      <a:ea typeface="+mn-ea"/>
+                      <a:cs typeface="+mn-cs"/>
+                    </a:defRPr>
+                  </a:lvl7pPr>
+                  <a:lvl8pPr marL="3429000" indent="-228600" algn="l" defTabSz="914400" rtl="0" eaLnBrk="1" latinLnBrk="0" hangingPunct="1">
+                    <a:spcBef>
+                      <a:spcPct val="20000"/>
+                    </a:spcBef>
+                    <a:buFont typeface="Arial" pitchFamily="34" charset="0"/>
+                    <a:buChar char="•"/>
+                    <a:defRPr sz="2000" kern="1200">
+                      <a:solidFill>
+                        <a:schemeClr val="tx1"/>
+                      </a:solidFill>
+                      <a:latin typeface="+mn-lt"/>
+                      <a:ea typeface="+mn-ea"/>
+                      <a:cs typeface="+mn-cs"/>
+                    </a:defRPr>
+                  </a:lvl8pPr>
+                  <a:lvl9pPr marL="3886200" indent="-228600" algn="l" defTabSz="914400" rtl="0" eaLnBrk="1" latinLnBrk="0" hangingPunct="1">
+                    <a:spcBef>
+                      <a:spcPct val="20000"/>
+                    </a:spcBef>
+                    <a:buFont typeface="Arial" pitchFamily="34" charset="0"/>
+                    <a:buChar char="•"/>
+                    <a:defRPr sz="2000" kern="1200">
+                      <a:solidFill>
+                        <a:schemeClr val="tx1"/>
+                      </a:solidFill>
+                      <a:latin typeface="+mn-lt"/>
+                      <a:ea typeface="+mn-ea"/>
+                      <a:cs typeface="+mn-cs"/>
+                    </a:defRPr>
+                  </a:lvl9pPr>
+                </a:lstStyle>
+                <a:p>
+                  <a:pPr marL="0" indent="0" algn="ctr">
+                    <a:buFont typeface="Arial" pitchFamily="34" charset="0"/>
+                    <a:buNone/>
+                  </a:pPr>
+                  <a:r>
+                    <a:rPr lang="en-GB" sz="1100" b="1" dirty="0" smtClean="0">
+                      <a:latin typeface="Airal"/>
+                    </a:rPr>
+                    <a:t>2%</a:t>
+                  </a:r>
+                </a:p>
+              </p:txBody>
+            </p:sp>
+          </p:grpSp>
+          <p:grpSp>
+            <p:nvGrpSpPr>
+              <p:cNvPr id="19" name="Group 18"/>
+              <p:cNvGrpSpPr/>
+              <p:nvPr/>
+            </p:nvGrpSpPr>
+            <p:grpSpPr>
+              <a:xfrm>
+                <a:off x="4219234" y="4527548"/>
+                <a:ext cx="972469" cy="273899"/>
+                <a:chOff x="3785201" y="3763969"/>
+                <a:chExt cx="972469" cy="273899"/>
+              </a:xfrm>
+            </p:grpSpPr>
+            <p:pic>
+              <p:nvPicPr>
+                <p:cNvPr id="30" name="Picture 29"/>
+                <p:cNvPicPr>
+                  <a:picLocks noChangeAspect="1"/>
+                </p:cNvPicPr>
+                <p:nvPr/>
+              </p:nvPicPr>
+              <p:blipFill>
+                <a:blip r:embed="rId4" cstate="print">
+                  <a:duotone>
+                    <a:schemeClr val="accent6">
+                      <a:shade val="45000"/>
+                      <a:satMod val="135000"/>
+                    </a:schemeClr>
+                    <a:prstClr val="white"/>
+                  </a:duotone>
+                  <a:extLst>
+                    <a:ext uri="{28A0092B-C50C-407E-A947-70E740481C1C}">
+                      <a14:useLocalDpi xmlns:a14="http://schemas.microsoft.com/office/drawing/2010/main" val="0"/>
+                    </a:ext>
+                  </a:extLst>
+                </a:blip>
+                <a:stretch>
+                  <a:fillRect/>
+                </a:stretch>
+              </p:blipFill>
+              <p:spPr>
+                <a:xfrm>
+                  <a:off x="3785201" y="3763969"/>
+                  <a:ext cx="273899" cy="273899"/>
+                </a:xfrm>
+                <a:prstGeom prst="rect">
+                  <a:avLst/>
+                </a:prstGeom>
+              </p:spPr>
+            </p:pic>
+            <p:sp>
+              <p:nvSpPr>
+                <p:cNvPr id="31" name="Content Placeholder 2"/>
+                <p:cNvSpPr txBox="1">
+                  <a:spLocks/>
+                </p:cNvSpPr>
+                <p:nvPr/>
+              </p:nvSpPr>
+              <p:spPr>
+                <a:xfrm>
+                  <a:off x="4183810" y="3800722"/>
+                  <a:ext cx="573860" cy="210837"/>
+                </a:xfrm>
+                <a:prstGeom prst="rect">
+                  <a:avLst/>
+                </a:prstGeom>
+                <a:solidFill>
+                  <a:schemeClr val="accent6">
+                    <a:lumMod val="20000"/>
+                    <a:lumOff val="80000"/>
+                  </a:schemeClr>
+                </a:solidFill>
+                <a:ln w="38100">
+                  <a:solidFill>
+                    <a:schemeClr val="bg1"/>
+                  </a:solidFill>
+                </a:ln>
+              </p:spPr>
+              <p:txBody>
+                <a:bodyPr anchor="ctr"/>
+                <a:lstStyle>
+                  <a:lvl1pPr marL="342900" indent="-342900" algn="l" defTabSz="914400" rtl="0" eaLnBrk="1" latinLnBrk="0" hangingPunct="1">
+                    <a:spcBef>
+                      <a:spcPct val="20000"/>
+                    </a:spcBef>
+                    <a:buFont typeface="Arial" pitchFamily="34" charset="0"/>
+                    <a:buChar char="•"/>
+                    <a:defRPr sz="3200" kern="1200">
+                      <a:solidFill>
+                        <a:schemeClr val="tx1"/>
+                      </a:solidFill>
+                      <a:latin typeface="+mn-lt"/>
+                      <a:ea typeface="+mn-ea"/>
+                      <a:cs typeface="+mn-cs"/>
+                    </a:defRPr>
+                  </a:lvl1pPr>
+                  <a:lvl2pPr marL="742950" indent="-285750" algn="l" defTabSz="914400" rtl="0" eaLnBrk="1" latinLnBrk="0" hangingPunct="1">
+                    <a:spcBef>
+                      <a:spcPct val="20000"/>
+                    </a:spcBef>
+                    <a:buFont typeface="Arial" pitchFamily="34" charset="0"/>
+                    <a:buChar char="–"/>
+                    <a:defRPr sz="2800" kern="1200">
+                      <a:solidFill>
+                        <a:schemeClr val="tx1"/>
+                      </a:solidFill>
+                      <a:latin typeface="+mn-lt"/>
+                      <a:ea typeface="+mn-ea"/>
+                      <a:cs typeface="+mn-cs"/>
+                    </a:defRPr>
+                  </a:lvl2pPr>
+                  <a:lvl3pPr marL="1143000" indent="-228600" algn="l" defTabSz="914400" rtl="0" eaLnBrk="1" latinLnBrk="0" hangingPunct="1">
+                    <a:spcBef>
+                      <a:spcPct val="20000"/>
+                    </a:spcBef>
+                    <a:buFont typeface="Arial" pitchFamily="34" charset="0"/>
+                    <a:buChar char="•"/>
+                    <a:defRPr sz="2400" kern="1200">
+                      <a:solidFill>
+                        <a:schemeClr val="tx1"/>
+                      </a:solidFill>
+                      <a:latin typeface="+mn-lt"/>
+                      <a:ea typeface="+mn-ea"/>
+                      <a:cs typeface="+mn-cs"/>
+                    </a:defRPr>
+                  </a:lvl3pPr>
+                  <a:lvl4pPr marL="1600200" indent="-228600" algn="l" defTabSz="914400" rtl="0" eaLnBrk="1" latinLnBrk="0" hangingPunct="1">
+                    <a:spcBef>
+                      <a:spcPct val="20000"/>
+                    </a:spcBef>
+                    <a:buFont typeface="Arial" pitchFamily="34" charset="0"/>
+                    <a:buChar char="–"/>
+                    <a:defRPr sz="2000" kern="1200">
+                      <a:solidFill>
+                        <a:schemeClr val="tx1"/>
+                      </a:solidFill>
+                      <a:latin typeface="+mn-lt"/>
+                      <a:ea typeface="+mn-ea"/>
+                      <a:cs typeface="+mn-cs"/>
+                    </a:defRPr>
+                  </a:lvl4pPr>
+                  <a:lvl5pPr marL="2057400" indent="-228600" algn="l" defTabSz="914400" rtl="0" eaLnBrk="1" latinLnBrk="0" hangingPunct="1">
+                    <a:spcBef>
+                      <a:spcPct val="20000"/>
+                    </a:spcBef>
+                    <a:buFont typeface="Arial" pitchFamily="34" charset="0"/>
+                    <a:buChar char="»"/>
+                    <a:defRPr sz="2000" kern="1200">
+                      <a:solidFill>
+                        <a:schemeClr val="tx1"/>
+                      </a:solidFill>
+                      <a:latin typeface="+mn-lt"/>
+                      <a:ea typeface="+mn-ea"/>
+                      <a:cs typeface="+mn-cs"/>
+                    </a:defRPr>
+                  </a:lvl5pPr>
+                  <a:lvl6pPr marL="2514600" indent="-228600" algn="l" defTabSz="914400" rtl="0" eaLnBrk="1" latinLnBrk="0" hangingPunct="1">
+                    <a:spcBef>
+                      <a:spcPct val="20000"/>
+                    </a:spcBef>
+                    <a:buFont typeface="Arial" pitchFamily="34" charset="0"/>
+                    <a:buChar char="•"/>
+                    <a:defRPr sz="2000" kern="1200">
+                      <a:solidFill>
+                        <a:schemeClr val="tx1"/>
+                      </a:solidFill>
+                      <a:latin typeface="+mn-lt"/>
+                      <a:ea typeface="+mn-ea"/>
+                      <a:cs typeface="+mn-cs"/>
+                    </a:defRPr>
+                  </a:lvl6pPr>
+                  <a:lvl7pPr marL="2971800" indent="-228600" algn="l" defTabSz="914400" rtl="0" eaLnBrk="1" latinLnBrk="0" hangingPunct="1">
+                    <a:spcBef>
+                      <a:spcPct val="20000"/>
+                    </a:spcBef>
+                    <a:buFont typeface="Arial" pitchFamily="34" charset="0"/>
+                    <a:buChar char="•"/>
+                    <a:defRPr sz="2000" kern="1200">
+                      <a:solidFill>
+                        <a:schemeClr val="tx1"/>
+                      </a:solidFill>
+                      <a:latin typeface="+mn-lt"/>
+                      <a:ea typeface="+mn-ea"/>
+                      <a:cs typeface="+mn-cs"/>
+                    </a:defRPr>
+                  </a:lvl7pPr>
+                  <a:lvl8pPr marL="3429000" indent="-228600" algn="l" defTabSz="914400" rtl="0" eaLnBrk="1" latinLnBrk="0" hangingPunct="1">
+                    <a:spcBef>
+                      <a:spcPct val="20000"/>
+                    </a:spcBef>
+                    <a:buFont typeface="Arial" pitchFamily="34" charset="0"/>
+                    <a:buChar char="•"/>
+                    <a:defRPr sz="2000" kern="1200">
+                      <a:solidFill>
+                        <a:schemeClr val="tx1"/>
+                      </a:solidFill>
+                      <a:latin typeface="+mn-lt"/>
+                      <a:ea typeface="+mn-ea"/>
+                      <a:cs typeface="+mn-cs"/>
+                    </a:defRPr>
+                  </a:lvl8pPr>
+                  <a:lvl9pPr marL="3886200" indent="-228600" algn="l" defTabSz="914400" rtl="0" eaLnBrk="1" latinLnBrk="0" hangingPunct="1">
+                    <a:spcBef>
+                      <a:spcPct val="20000"/>
+                    </a:spcBef>
+                    <a:buFont typeface="Arial" pitchFamily="34" charset="0"/>
+                    <a:buChar char="•"/>
+                    <a:defRPr sz="2000" kern="1200">
+                      <a:solidFill>
+                        <a:schemeClr val="tx1"/>
+                      </a:solidFill>
+                      <a:latin typeface="+mn-lt"/>
+                      <a:ea typeface="+mn-ea"/>
+                      <a:cs typeface="+mn-cs"/>
+                    </a:defRPr>
+                  </a:lvl9pPr>
+                </a:lstStyle>
+                <a:p>
+                  <a:pPr marL="0" indent="0" algn="ctr">
+                    <a:buFont typeface="Arial" pitchFamily="34" charset="0"/>
+                    <a:buNone/>
+                  </a:pPr>
+                  <a:r>
+                    <a:rPr lang="en-GB" sz="1100" b="1" dirty="0" smtClean="0">
+                      <a:latin typeface="Airal"/>
+                    </a:rPr>
+                    <a:t>11%</a:t>
+                  </a:r>
+                </a:p>
+              </p:txBody>
+            </p:sp>
+          </p:grpSp>
+          <p:grpSp>
+            <p:nvGrpSpPr>
+              <p:cNvPr id="20" name="Group 19"/>
+              <p:cNvGrpSpPr/>
+              <p:nvPr/>
+            </p:nvGrpSpPr>
+            <p:grpSpPr>
+              <a:xfrm>
+                <a:off x="4215087" y="4839432"/>
+                <a:ext cx="972469" cy="273899"/>
+                <a:chOff x="3785201" y="3763969"/>
+                <a:chExt cx="972469" cy="273899"/>
+              </a:xfrm>
+            </p:grpSpPr>
+            <p:pic>
+              <p:nvPicPr>
+                <p:cNvPr id="28" name="Picture 27"/>
+                <p:cNvPicPr>
+                  <a:picLocks noChangeAspect="1"/>
+                </p:cNvPicPr>
+                <p:nvPr/>
+              </p:nvPicPr>
+              <p:blipFill>
+                <a:blip r:embed="rId4" cstate="print">
+                  <a:duotone>
+                    <a:schemeClr val="accent6">
+                      <a:shade val="45000"/>
+                      <a:satMod val="135000"/>
+                    </a:schemeClr>
+                    <a:prstClr val="white"/>
+                  </a:duotone>
+                  <a:extLst>
+                    <a:ext uri="{28A0092B-C50C-407E-A947-70E740481C1C}">
+                      <a14:useLocalDpi xmlns:a14="http://schemas.microsoft.com/office/drawing/2010/main" val="0"/>
+                    </a:ext>
+                  </a:extLst>
+                </a:blip>
+                <a:stretch>
+                  <a:fillRect/>
+                </a:stretch>
+              </p:blipFill>
+              <p:spPr>
+                <a:xfrm>
+                  <a:off x="3785201" y="3763969"/>
+                  <a:ext cx="273899" cy="273899"/>
+                </a:xfrm>
+                <a:prstGeom prst="rect">
+                  <a:avLst/>
+                </a:prstGeom>
+              </p:spPr>
+            </p:pic>
+            <p:sp>
+              <p:nvSpPr>
+                <p:cNvPr id="29" name="Content Placeholder 2"/>
+                <p:cNvSpPr txBox="1">
+                  <a:spLocks/>
+                </p:cNvSpPr>
+                <p:nvPr/>
+              </p:nvSpPr>
+              <p:spPr>
+                <a:xfrm>
+                  <a:off x="4183810" y="3800722"/>
+                  <a:ext cx="573860" cy="210837"/>
+                </a:xfrm>
+                <a:prstGeom prst="rect">
+                  <a:avLst/>
+                </a:prstGeom>
+                <a:solidFill>
+                  <a:schemeClr val="accent6">
+                    <a:lumMod val="20000"/>
+                    <a:lumOff val="80000"/>
+                  </a:schemeClr>
+                </a:solidFill>
+                <a:ln w="38100">
+                  <a:solidFill>
+                    <a:schemeClr val="bg1"/>
+                  </a:solidFill>
+                </a:ln>
+              </p:spPr>
+              <p:txBody>
+                <a:bodyPr anchor="ctr"/>
+                <a:lstStyle>
+                  <a:lvl1pPr marL="342900" indent="-342900" algn="l" defTabSz="914400" rtl="0" eaLnBrk="1" latinLnBrk="0" hangingPunct="1">
+                    <a:spcBef>
+                      <a:spcPct val="20000"/>
+                    </a:spcBef>
+                    <a:buFont typeface="Arial" pitchFamily="34" charset="0"/>
+                    <a:buChar char="•"/>
+                    <a:defRPr sz="3200" kern="1200">
+                      <a:solidFill>
+                        <a:schemeClr val="tx1"/>
+                      </a:solidFill>
+                      <a:latin typeface="+mn-lt"/>
+                      <a:ea typeface="+mn-ea"/>
+                      <a:cs typeface="+mn-cs"/>
+                    </a:defRPr>
+                  </a:lvl1pPr>
+                  <a:lvl2pPr marL="742950" indent="-285750" algn="l" defTabSz="914400" rtl="0" eaLnBrk="1" latinLnBrk="0" hangingPunct="1">
+                    <a:spcBef>
+                      <a:spcPct val="20000"/>
+                    </a:spcBef>
+                    <a:buFont typeface="Arial" pitchFamily="34" charset="0"/>
+                    <a:buChar char="–"/>
+                    <a:defRPr sz="2800" kern="1200">
+                      <a:solidFill>
+                        <a:schemeClr val="tx1"/>
+                      </a:solidFill>
+                      <a:latin typeface="+mn-lt"/>
+                      <a:ea typeface="+mn-ea"/>
+                      <a:cs typeface="+mn-cs"/>
+                    </a:defRPr>
+                  </a:lvl2pPr>
+                  <a:lvl3pPr marL="1143000" indent="-228600" algn="l" defTabSz="914400" rtl="0" eaLnBrk="1" latinLnBrk="0" hangingPunct="1">
+                    <a:spcBef>
+                      <a:spcPct val="20000"/>
+                    </a:spcBef>
+                    <a:buFont typeface="Arial" pitchFamily="34" charset="0"/>
+                    <a:buChar char="•"/>
+                    <a:defRPr sz="2400" kern="1200">
+                      <a:solidFill>
+                        <a:schemeClr val="tx1"/>
+                      </a:solidFill>
+                      <a:latin typeface="+mn-lt"/>
+                      <a:ea typeface="+mn-ea"/>
+                      <a:cs typeface="+mn-cs"/>
+                    </a:defRPr>
+                  </a:lvl3pPr>
+                  <a:lvl4pPr marL="1600200" indent="-228600" algn="l" defTabSz="914400" rtl="0" eaLnBrk="1" latinLnBrk="0" hangingPunct="1">
+                    <a:spcBef>
+                      <a:spcPct val="20000"/>
+                    </a:spcBef>
+                    <a:buFont typeface="Arial" pitchFamily="34" charset="0"/>
+                    <a:buChar char="–"/>
+                    <a:defRPr sz="2000" kern="1200">
+                      <a:solidFill>
+                        <a:schemeClr val="tx1"/>
+                      </a:solidFill>
+                      <a:latin typeface="+mn-lt"/>
+                      <a:ea typeface="+mn-ea"/>
+                      <a:cs typeface="+mn-cs"/>
+                    </a:defRPr>
+                  </a:lvl4pPr>
+                  <a:lvl5pPr marL="2057400" indent="-228600" algn="l" defTabSz="914400" rtl="0" eaLnBrk="1" latinLnBrk="0" hangingPunct="1">
+                    <a:spcBef>
+                      <a:spcPct val="20000"/>
+                    </a:spcBef>
+                    <a:buFont typeface="Arial" pitchFamily="34" charset="0"/>
+                    <a:buChar char="»"/>
+                    <a:defRPr sz="2000" kern="1200">
+                      <a:solidFill>
+                        <a:schemeClr val="tx1"/>
+                      </a:solidFill>
+                      <a:latin typeface="+mn-lt"/>
+                      <a:ea typeface="+mn-ea"/>
+                      <a:cs typeface="+mn-cs"/>
+                    </a:defRPr>
+                  </a:lvl5pPr>
+                  <a:lvl6pPr marL="2514600" indent="-228600" algn="l" defTabSz="914400" rtl="0" eaLnBrk="1" latinLnBrk="0" hangingPunct="1">
+                    <a:spcBef>
+                      <a:spcPct val="20000"/>
+                    </a:spcBef>
+                    <a:buFont typeface="Arial" pitchFamily="34" charset="0"/>
+                    <a:buChar char="•"/>
+                    <a:defRPr sz="2000" kern="1200">
+                      <a:solidFill>
+                        <a:schemeClr val="tx1"/>
+                      </a:solidFill>
+                      <a:latin typeface="+mn-lt"/>
+                      <a:ea typeface="+mn-ea"/>
+                      <a:cs typeface="+mn-cs"/>
+                    </a:defRPr>
+                  </a:lvl6pPr>
+                  <a:lvl7pPr marL="2971800" indent="-228600" algn="l" defTabSz="914400" rtl="0" eaLnBrk="1" latinLnBrk="0" hangingPunct="1">
+                    <a:spcBef>
+                      <a:spcPct val="20000"/>
+                    </a:spcBef>
+                    <a:buFont typeface="Arial" pitchFamily="34" charset="0"/>
+                    <a:buChar char="•"/>
+                    <a:defRPr sz="2000" kern="1200">
+                      <a:solidFill>
+                        <a:schemeClr val="tx1"/>
+                      </a:solidFill>
+                      <a:latin typeface="+mn-lt"/>
+                      <a:ea typeface="+mn-ea"/>
+                      <a:cs typeface="+mn-cs"/>
+                    </a:defRPr>
+                  </a:lvl7pPr>
+                  <a:lvl8pPr marL="3429000" indent="-228600" algn="l" defTabSz="914400" rtl="0" eaLnBrk="1" latinLnBrk="0" hangingPunct="1">
+                    <a:spcBef>
+                      <a:spcPct val="20000"/>
+                    </a:spcBef>
+                    <a:buFont typeface="Arial" pitchFamily="34" charset="0"/>
+                    <a:buChar char="•"/>
+                    <a:defRPr sz="2000" kern="1200">
+                      <a:solidFill>
+                        <a:schemeClr val="tx1"/>
+                      </a:solidFill>
+                      <a:latin typeface="+mn-lt"/>
+                      <a:ea typeface="+mn-ea"/>
+                      <a:cs typeface="+mn-cs"/>
+                    </a:defRPr>
+                  </a:lvl8pPr>
+                  <a:lvl9pPr marL="3886200" indent="-228600" algn="l" defTabSz="914400" rtl="0" eaLnBrk="1" latinLnBrk="0" hangingPunct="1">
+                    <a:spcBef>
+                      <a:spcPct val="20000"/>
+                    </a:spcBef>
+                    <a:buFont typeface="Arial" pitchFamily="34" charset="0"/>
+                    <a:buChar char="•"/>
+                    <a:defRPr sz="2000" kern="1200">
+                      <a:solidFill>
+                        <a:schemeClr val="tx1"/>
+                      </a:solidFill>
+                      <a:latin typeface="+mn-lt"/>
+                      <a:ea typeface="+mn-ea"/>
+                      <a:cs typeface="+mn-cs"/>
+                    </a:defRPr>
+                  </a:lvl9pPr>
+                </a:lstStyle>
+                <a:p>
+                  <a:pPr marL="0" indent="0" algn="ctr">
+                    <a:buFont typeface="Arial" pitchFamily="34" charset="0"/>
+                    <a:buNone/>
+                  </a:pPr>
+                  <a:r>
+                    <a:rPr lang="en-GB" sz="1100" b="1" dirty="0" smtClean="0">
+                      <a:latin typeface="Airal"/>
+                    </a:rPr>
+                    <a:t>19%</a:t>
+                  </a:r>
+                </a:p>
+              </p:txBody>
+            </p:sp>
+          </p:grpSp>
+          <p:grpSp>
+            <p:nvGrpSpPr>
+              <p:cNvPr id="21" name="Group 20"/>
+              <p:cNvGrpSpPr/>
+              <p:nvPr/>
+            </p:nvGrpSpPr>
+            <p:grpSpPr>
+              <a:xfrm>
+                <a:off x="4209849" y="5182198"/>
+                <a:ext cx="972469" cy="273899"/>
+                <a:chOff x="3785201" y="3763969"/>
+                <a:chExt cx="972469" cy="273899"/>
+              </a:xfrm>
+            </p:grpSpPr>
+            <p:pic>
+              <p:nvPicPr>
+                <p:cNvPr id="26" name="Picture 25"/>
+                <p:cNvPicPr>
+                  <a:picLocks noChangeAspect="1"/>
+                </p:cNvPicPr>
+                <p:nvPr/>
+              </p:nvPicPr>
+              <p:blipFill>
+                <a:blip r:embed="rId4" cstate="print">
+                  <a:duotone>
+                    <a:schemeClr val="accent2">
+                      <a:shade val="45000"/>
+                      <a:satMod val="135000"/>
+                    </a:schemeClr>
+                    <a:prstClr val="white"/>
+                  </a:duotone>
+                  <a:extLst>
+                    <a:ext uri="{28A0092B-C50C-407E-A947-70E740481C1C}">
+                      <a14:useLocalDpi xmlns:a14="http://schemas.microsoft.com/office/drawing/2010/main" val="0"/>
+                    </a:ext>
+                  </a:extLst>
+                </a:blip>
+                <a:stretch>
+                  <a:fillRect/>
+                </a:stretch>
+              </p:blipFill>
+              <p:spPr>
+                <a:xfrm>
+                  <a:off x="3785201" y="3763969"/>
+                  <a:ext cx="273899" cy="273899"/>
+                </a:xfrm>
+                <a:prstGeom prst="rect">
+                  <a:avLst/>
+                </a:prstGeom>
+              </p:spPr>
+            </p:pic>
+            <p:sp>
+              <p:nvSpPr>
+                <p:cNvPr id="27" name="Content Placeholder 2"/>
+                <p:cNvSpPr txBox="1">
+                  <a:spLocks/>
+                </p:cNvSpPr>
+                <p:nvPr/>
+              </p:nvSpPr>
+              <p:spPr>
+                <a:xfrm>
+                  <a:off x="4183810" y="3800722"/>
+                  <a:ext cx="573860" cy="210837"/>
+                </a:xfrm>
+                <a:prstGeom prst="rect">
+                  <a:avLst/>
+                </a:prstGeom>
+                <a:solidFill>
+                  <a:schemeClr val="accent6">
+                    <a:lumMod val="20000"/>
+                    <a:lumOff val="80000"/>
+                  </a:schemeClr>
+                </a:solidFill>
+                <a:ln w="38100">
+                  <a:solidFill>
+                    <a:schemeClr val="bg1"/>
+                  </a:solidFill>
+                </a:ln>
+              </p:spPr>
+              <p:txBody>
+                <a:bodyPr anchor="ctr"/>
+                <a:lstStyle>
+                  <a:lvl1pPr marL="342900" indent="-342900" algn="l" defTabSz="914400" rtl="0" eaLnBrk="1" latinLnBrk="0" hangingPunct="1">
+                    <a:spcBef>
+                      <a:spcPct val="20000"/>
+                    </a:spcBef>
+                    <a:buFont typeface="Arial" pitchFamily="34" charset="0"/>
+                    <a:buChar char="•"/>
+                    <a:defRPr sz="3200" kern="1200">
+                      <a:solidFill>
+                        <a:schemeClr val="tx1"/>
+                      </a:solidFill>
+                      <a:latin typeface="+mn-lt"/>
+                      <a:ea typeface="+mn-ea"/>
+                      <a:cs typeface="+mn-cs"/>
+                    </a:defRPr>
+                  </a:lvl1pPr>
+                  <a:lvl2pPr marL="742950" indent="-285750" algn="l" defTabSz="914400" rtl="0" eaLnBrk="1" latinLnBrk="0" hangingPunct="1">
+                    <a:spcBef>
+                      <a:spcPct val="20000"/>
+                    </a:spcBef>
+                    <a:buFont typeface="Arial" pitchFamily="34" charset="0"/>
+                    <a:buChar char="–"/>
+                    <a:defRPr sz="2800" kern="1200">
+                      <a:solidFill>
+                        <a:schemeClr val="tx1"/>
+                      </a:solidFill>
+                      <a:latin typeface="+mn-lt"/>
+                      <a:ea typeface="+mn-ea"/>
+                      <a:cs typeface="+mn-cs"/>
+                    </a:defRPr>
+                  </a:lvl2pPr>
+                  <a:lvl3pPr marL="1143000" indent="-228600" algn="l" defTabSz="914400" rtl="0" eaLnBrk="1" latinLnBrk="0" hangingPunct="1">
+                    <a:spcBef>
+                      <a:spcPct val="20000"/>
+                    </a:spcBef>
+                    <a:buFont typeface="Arial" pitchFamily="34" charset="0"/>
+                    <a:buChar char="•"/>
+                    <a:defRPr sz="2400" kern="1200">
+                      <a:solidFill>
+                        <a:schemeClr val="tx1"/>
+                      </a:solidFill>
+                      <a:latin typeface="+mn-lt"/>
+                      <a:ea typeface="+mn-ea"/>
+                      <a:cs typeface="+mn-cs"/>
+                    </a:defRPr>
+                  </a:lvl3pPr>
+                  <a:lvl4pPr marL="1600200" indent="-228600" algn="l" defTabSz="914400" rtl="0" eaLnBrk="1" latinLnBrk="0" hangingPunct="1">
+                    <a:spcBef>
+                      <a:spcPct val="20000"/>
+                    </a:spcBef>
+                    <a:buFont typeface="Arial" pitchFamily="34" charset="0"/>
+                    <a:buChar char="–"/>
+                    <a:defRPr sz="2000" kern="1200">
+                      <a:solidFill>
+                        <a:schemeClr val="tx1"/>
+                      </a:solidFill>
+                      <a:latin typeface="+mn-lt"/>
+                      <a:ea typeface="+mn-ea"/>
+                      <a:cs typeface="+mn-cs"/>
+                    </a:defRPr>
+                  </a:lvl4pPr>
+                  <a:lvl5pPr marL="2057400" indent="-228600" algn="l" defTabSz="914400" rtl="0" eaLnBrk="1" latinLnBrk="0" hangingPunct="1">
+                    <a:spcBef>
+                      <a:spcPct val="20000"/>
+                    </a:spcBef>
+                    <a:buFont typeface="Arial" pitchFamily="34" charset="0"/>
+                    <a:buChar char="»"/>
+                    <a:defRPr sz="2000" kern="1200">
+                      <a:solidFill>
+                        <a:schemeClr val="tx1"/>
+                      </a:solidFill>
+                      <a:latin typeface="+mn-lt"/>
+                      <a:ea typeface="+mn-ea"/>
+                      <a:cs typeface="+mn-cs"/>
+                    </a:defRPr>
+                  </a:lvl5pPr>
+                  <a:lvl6pPr marL="2514600" indent="-228600" algn="l" defTabSz="914400" rtl="0" eaLnBrk="1" latinLnBrk="0" hangingPunct="1">
+                    <a:spcBef>
+                      <a:spcPct val="20000"/>
+                    </a:spcBef>
+                    <a:buFont typeface="Arial" pitchFamily="34" charset="0"/>
+                    <a:buChar char="•"/>
+                    <a:defRPr sz="2000" kern="1200">
+                      <a:solidFill>
+                        <a:schemeClr val="tx1"/>
+                      </a:solidFill>
+                      <a:latin typeface="+mn-lt"/>
+                      <a:ea typeface="+mn-ea"/>
+                      <a:cs typeface="+mn-cs"/>
+                    </a:defRPr>
+                  </a:lvl6pPr>
+                  <a:lvl7pPr marL="2971800" indent="-228600" algn="l" defTabSz="914400" rtl="0" eaLnBrk="1" latinLnBrk="0" hangingPunct="1">
+                    <a:spcBef>
+                      <a:spcPct val="20000"/>
+                    </a:spcBef>
+                    <a:buFont typeface="Arial" pitchFamily="34" charset="0"/>
+                    <a:buChar char="•"/>
+                    <a:defRPr sz="2000" kern="1200">
+                      <a:solidFill>
+                        <a:schemeClr val="tx1"/>
+                      </a:solidFill>
+                      <a:latin typeface="+mn-lt"/>
+                      <a:ea typeface="+mn-ea"/>
+                      <a:cs typeface="+mn-cs"/>
+                    </a:defRPr>
+                  </a:lvl7pPr>
+                  <a:lvl8pPr marL="3429000" indent="-228600" algn="l" defTabSz="914400" rtl="0" eaLnBrk="1" latinLnBrk="0" hangingPunct="1">
+                    <a:spcBef>
+                      <a:spcPct val="20000"/>
+                    </a:spcBef>
+                    <a:buFont typeface="Arial" pitchFamily="34" charset="0"/>
+                    <a:buChar char="•"/>
+                    <a:defRPr sz="2000" kern="1200">
+                      <a:solidFill>
+                        <a:schemeClr val="tx1"/>
+                      </a:solidFill>
+                      <a:latin typeface="+mn-lt"/>
+                      <a:ea typeface="+mn-ea"/>
+                      <a:cs typeface="+mn-cs"/>
+                    </a:defRPr>
+                  </a:lvl8pPr>
+                  <a:lvl9pPr marL="3886200" indent="-228600" algn="l" defTabSz="914400" rtl="0" eaLnBrk="1" latinLnBrk="0" hangingPunct="1">
+                    <a:spcBef>
+                      <a:spcPct val="20000"/>
+                    </a:spcBef>
+                    <a:buFont typeface="Arial" pitchFamily="34" charset="0"/>
+                    <a:buChar char="•"/>
+                    <a:defRPr sz="2000" kern="1200">
+                      <a:solidFill>
+                        <a:schemeClr val="tx1"/>
+                      </a:solidFill>
+                      <a:latin typeface="+mn-lt"/>
+                      <a:ea typeface="+mn-ea"/>
+                      <a:cs typeface="+mn-cs"/>
+                    </a:defRPr>
+                  </a:lvl9pPr>
+                </a:lstStyle>
+                <a:p>
+                  <a:pPr marL="0" indent="0" algn="ctr">
+                    <a:buFont typeface="Arial" pitchFamily="34" charset="0"/>
+                    <a:buNone/>
+                  </a:pPr>
+                  <a:r>
+                    <a:rPr lang="en-GB" sz="1100" b="1" dirty="0" smtClean="0">
+                      <a:latin typeface="Airal"/>
+                    </a:rPr>
+                    <a:t>38%</a:t>
+                  </a:r>
+                </a:p>
+              </p:txBody>
+            </p:sp>
+          </p:grpSp>
+          <p:grpSp>
+            <p:nvGrpSpPr>
+              <p:cNvPr id="22" name="Group 21"/>
+              <p:cNvGrpSpPr/>
+              <p:nvPr/>
+            </p:nvGrpSpPr>
+            <p:grpSpPr>
+              <a:xfrm>
+                <a:off x="4219234" y="5523032"/>
+                <a:ext cx="972469" cy="273899"/>
+                <a:chOff x="3785201" y="3763969"/>
+                <a:chExt cx="972469" cy="273899"/>
+              </a:xfrm>
+            </p:grpSpPr>
+            <p:pic>
+              <p:nvPicPr>
+                <p:cNvPr id="24" name="Picture 23"/>
+                <p:cNvPicPr>
+                  <a:picLocks noChangeAspect="1"/>
+                </p:cNvPicPr>
+                <p:nvPr/>
+              </p:nvPicPr>
+              <p:blipFill>
+                <a:blip r:embed="rId4" cstate="print">
+                  <a:duotone>
+                    <a:schemeClr val="accent2">
+                      <a:shade val="45000"/>
+                      <a:satMod val="135000"/>
+                    </a:schemeClr>
+                    <a:prstClr val="white"/>
+                  </a:duotone>
+                  <a:extLst>
+                    <a:ext uri="{28A0092B-C50C-407E-A947-70E740481C1C}">
+                      <a14:useLocalDpi xmlns:a14="http://schemas.microsoft.com/office/drawing/2010/main" val="0"/>
+                    </a:ext>
+                  </a:extLst>
+                </a:blip>
+                <a:stretch>
+                  <a:fillRect/>
+                </a:stretch>
+              </p:blipFill>
+              <p:spPr>
+                <a:xfrm>
+                  <a:off x="3785201" y="3763969"/>
+                  <a:ext cx="273899" cy="273899"/>
+                </a:xfrm>
+                <a:prstGeom prst="rect">
+                  <a:avLst/>
+                </a:prstGeom>
+              </p:spPr>
+            </p:pic>
+            <p:sp>
+              <p:nvSpPr>
+                <p:cNvPr id="25" name="Content Placeholder 2"/>
+                <p:cNvSpPr txBox="1">
+                  <a:spLocks/>
+                </p:cNvSpPr>
+                <p:nvPr/>
+              </p:nvSpPr>
+              <p:spPr>
+                <a:xfrm>
+                  <a:off x="4183810" y="3800722"/>
+                  <a:ext cx="573860" cy="210837"/>
+                </a:xfrm>
+                <a:prstGeom prst="rect">
+                  <a:avLst/>
+                </a:prstGeom>
+                <a:solidFill>
+                  <a:schemeClr val="accent6">
+                    <a:lumMod val="20000"/>
+                    <a:lumOff val="80000"/>
+                  </a:schemeClr>
+                </a:solidFill>
+                <a:ln w="38100">
+                  <a:solidFill>
+                    <a:schemeClr val="bg1"/>
+                  </a:solidFill>
+                </a:ln>
+              </p:spPr>
+              <p:txBody>
+                <a:bodyPr anchor="ctr"/>
+                <a:lstStyle>
+                  <a:lvl1pPr marL="342900" indent="-342900" algn="l" defTabSz="914400" rtl="0" eaLnBrk="1" latinLnBrk="0" hangingPunct="1">
+                    <a:spcBef>
+                      <a:spcPct val="20000"/>
+                    </a:spcBef>
+                    <a:buFont typeface="Arial" pitchFamily="34" charset="0"/>
+                    <a:buChar char="•"/>
+                    <a:defRPr sz="3200" kern="1200">
+                      <a:solidFill>
+                        <a:schemeClr val="tx1"/>
+                      </a:solidFill>
+                      <a:latin typeface="+mn-lt"/>
+                      <a:ea typeface="+mn-ea"/>
+                      <a:cs typeface="+mn-cs"/>
+                    </a:defRPr>
+                  </a:lvl1pPr>
+                  <a:lvl2pPr marL="742950" indent="-285750" algn="l" defTabSz="914400" rtl="0" eaLnBrk="1" latinLnBrk="0" hangingPunct="1">
+                    <a:spcBef>
+                      <a:spcPct val="20000"/>
+                    </a:spcBef>
+                    <a:buFont typeface="Arial" pitchFamily="34" charset="0"/>
+                    <a:buChar char="–"/>
+                    <a:defRPr sz="2800" kern="1200">
+                      <a:solidFill>
+                        <a:schemeClr val="tx1"/>
+                      </a:solidFill>
+                      <a:latin typeface="+mn-lt"/>
+                      <a:ea typeface="+mn-ea"/>
+                      <a:cs typeface="+mn-cs"/>
+                    </a:defRPr>
+                  </a:lvl2pPr>
+                  <a:lvl3pPr marL="1143000" indent="-228600" algn="l" defTabSz="914400" rtl="0" eaLnBrk="1" latinLnBrk="0" hangingPunct="1">
+                    <a:spcBef>
+                      <a:spcPct val="20000"/>
+                    </a:spcBef>
+                    <a:buFont typeface="Arial" pitchFamily="34" charset="0"/>
+                    <a:buChar char="•"/>
+                    <a:defRPr sz="2400" kern="1200">
+                      <a:solidFill>
+                        <a:schemeClr val="tx1"/>
+                      </a:solidFill>
+                      <a:latin typeface="+mn-lt"/>
+                      <a:ea typeface="+mn-ea"/>
+                      <a:cs typeface="+mn-cs"/>
+                    </a:defRPr>
+                  </a:lvl3pPr>
+                  <a:lvl4pPr marL="1600200" indent="-228600" algn="l" defTabSz="914400" rtl="0" eaLnBrk="1" latinLnBrk="0" hangingPunct="1">
+                    <a:spcBef>
+                      <a:spcPct val="20000"/>
+                    </a:spcBef>
+                    <a:buFont typeface="Arial" pitchFamily="34" charset="0"/>
+                    <a:buChar char="–"/>
+                    <a:defRPr sz="2000" kern="1200">
+                      <a:solidFill>
+                        <a:schemeClr val="tx1"/>
+                      </a:solidFill>
+                      <a:latin typeface="+mn-lt"/>
+                      <a:ea typeface="+mn-ea"/>
+                      <a:cs typeface="+mn-cs"/>
+                    </a:defRPr>
+                  </a:lvl4pPr>
+                  <a:lvl5pPr marL="2057400" indent="-228600" algn="l" defTabSz="914400" rtl="0" eaLnBrk="1" latinLnBrk="0" hangingPunct="1">
+                    <a:spcBef>
+                      <a:spcPct val="20000"/>
+                    </a:spcBef>
+                    <a:buFont typeface="Arial" pitchFamily="34" charset="0"/>
+                    <a:buChar char="»"/>
+                    <a:defRPr sz="2000" kern="1200">
+                      <a:solidFill>
+                        <a:schemeClr val="tx1"/>
+                      </a:solidFill>
+                      <a:latin typeface="+mn-lt"/>
+                      <a:ea typeface="+mn-ea"/>
+                      <a:cs typeface="+mn-cs"/>
+                    </a:defRPr>
+                  </a:lvl5pPr>
+                  <a:lvl6pPr marL="2514600" indent="-228600" algn="l" defTabSz="914400" rtl="0" eaLnBrk="1" latinLnBrk="0" hangingPunct="1">
+                    <a:spcBef>
+                      <a:spcPct val="20000"/>
+                    </a:spcBef>
+                    <a:buFont typeface="Arial" pitchFamily="34" charset="0"/>
+                    <a:buChar char="•"/>
+                    <a:defRPr sz="2000" kern="1200">
+                      <a:solidFill>
+                        <a:schemeClr val="tx1"/>
+                      </a:solidFill>
+                      <a:latin typeface="+mn-lt"/>
+                      <a:ea typeface="+mn-ea"/>
+                      <a:cs typeface="+mn-cs"/>
+                    </a:defRPr>
+                  </a:lvl6pPr>
+                  <a:lvl7pPr marL="2971800" indent="-228600" algn="l" defTabSz="914400" rtl="0" eaLnBrk="1" latinLnBrk="0" hangingPunct="1">
+                    <a:spcBef>
+                      <a:spcPct val="20000"/>
+                    </a:spcBef>
+                    <a:buFont typeface="Arial" pitchFamily="34" charset="0"/>
+                    <a:buChar char="•"/>
+                    <a:defRPr sz="2000" kern="1200">
+                      <a:solidFill>
+                        <a:schemeClr val="tx1"/>
+                      </a:solidFill>
+                      <a:latin typeface="+mn-lt"/>
+                      <a:ea typeface="+mn-ea"/>
+                      <a:cs typeface="+mn-cs"/>
+                    </a:defRPr>
+                  </a:lvl7pPr>
+                  <a:lvl8pPr marL="3429000" indent="-228600" algn="l" defTabSz="914400" rtl="0" eaLnBrk="1" latinLnBrk="0" hangingPunct="1">
+                    <a:spcBef>
+                      <a:spcPct val="20000"/>
+                    </a:spcBef>
+                    <a:buFont typeface="Arial" pitchFamily="34" charset="0"/>
+                    <a:buChar char="•"/>
+                    <a:defRPr sz="2000" kern="1200">
+                      <a:solidFill>
+                        <a:schemeClr val="tx1"/>
+                      </a:solidFill>
+                      <a:latin typeface="+mn-lt"/>
+                      <a:ea typeface="+mn-ea"/>
+                      <a:cs typeface="+mn-cs"/>
+                    </a:defRPr>
+                  </a:lvl8pPr>
+                  <a:lvl9pPr marL="3886200" indent="-228600" algn="l" defTabSz="914400" rtl="0" eaLnBrk="1" latinLnBrk="0" hangingPunct="1">
+                    <a:spcBef>
+                      <a:spcPct val="20000"/>
+                    </a:spcBef>
+                    <a:buFont typeface="Arial" pitchFamily="34" charset="0"/>
+                    <a:buChar char="•"/>
+                    <a:defRPr sz="2000" kern="1200">
+                      <a:solidFill>
+                        <a:schemeClr val="tx1"/>
+                      </a:solidFill>
+                      <a:latin typeface="+mn-lt"/>
+                      <a:ea typeface="+mn-ea"/>
+                      <a:cs typeface="+mn-cs"/>
+                    </a:defRPr>
+                  </a:lvl9pPr>
+                </a:lstStyle>
+                <a:p>
+                  <a:pPr marL="0" indent="0" algn="ctr">
+                    <a:buFont typeface="Arial" pitchFamily="34" charset="0"/>
+                    <a:buNone/>
+                  </a:pPr>
+                  <a:r>
+                    <a:rPr lang="en-GB" sz="1100" b="1" dirty="0" smtClean="0">
+                      <a:latin typeface="Airal"/>
+                    </a:rPr>
+                    <a:t>67%</a:t>
+                  </a:r>
+                </a:p>
+              </p:txBody>
+            </p:sp>
+          </p:grpSp>
+          <p:sp>
+            <p:nvSpPr>
+              <p:cNvPr id="23" name="Rectangle 22"/>
+              <p:cNvSpPr/>
+              <p:nvPr/>
+            </p:nvSpPr>
+            <p:spPr>
+              <a:xfrm>
+                <a:off x="426027" y="4183013"/>
+                <a:ext cx="4820387" cy="1613918"/>
+              </a:xfrm>
+              <a:prstGeom prst="rect">
+                <a:avLst/>
+              </a:prstGeom>
+              <a:noFill/>
+              <a:ln w="28575">
+                <a:prstDash val="sysDot"/>
+              </a:ln>
+            </p:spPr>
+            <p:style>
+              <a:lnRef idx="2">
+                <a:schemeClr val="accent1">
+                  <a:shade val="50000"/>
+                </a:schemeClr>
+              </a:lnRef>
+              <a:fillRef idx="1">
+                <a:schemeClr val="accent1"/>
+              </a:fillRef>
+              <a:effectRef idx="0">
+                <a:schemeClr val="accent1"/>
+              </a:effectRef>
+              <a:fontRef idx="minor">
+                <a:schemeClr val="lt1"/>
+              </a:fontRef>
+            </p:style>
+            <p:txBody>
+              <a:bodyPr rtlCol="0" anchor="ctr"/>
+              <a:lstStyle/>
+              <a:p>
+                <a:r>
+                  <a:rPr lang="en-GB" sz="1300" b="1" dirty="0" smtClean="0">
+                    <a:solidFill>
+                      <a:schemeClr val="tx1"/>
+                    </a:solidFill>
+                    <a:latin typeface="Airal"/>
+                  </a:rPr>
+                  <a:t>Step II:</a:t>
+                </a:r>
+              </a:p>
+              <a:p>
+                <a:r>
+                  <a:rPr lang="en-GB" sz="1300" b="1" dirty="0" smtClean="0">
+                    <a:solidFill>
+                      <a:schemeClr val="tx1"/>
+                    </a:solidFill>
+                    <a:latin typeface="Airal"/>
+                  </a:rPr>
+                  <a:t>Predict</a:t>
+                </a:r>
+                <a:endParaRPr lang="en-US" sz="1300" b="1" dirty="0">
+                  <a:solidFill>
+                    <a:schemeClr val="tx1"/>
+                  </a:solidFill>
+                  <a:latin typeface="Airal"/>
+                </a:endParaRPr>
+              </a:p>
+            </p:txBody>
+          </p:sp>
+        </p:grpSp>
+        <p:grpSp>
+          <p:nvGrpSpPr>
+            <p:cNvPr id="42" name="Group 41"/>
+            <p:cNvGrpSpPr/>
+            <p:nvPr/>
+          </p:nvGrpSpPr>
+          <p:grpSpPr>
+            <a:xfrm>
+              <a:off x="6599220" y="3052952"/>
+              <a:ext cx="2645119" cy="1613918"/>
+              <a:chOff x="7021909" y="4183013"/>
+              <a:chExt cx="3859121" cy="1613918"/>
+            </a:xfrm>
+          </p:grpSpPr>
+          <p:sp>
+            <p:nvSpPr>
+              <p:cNvPr id="43" name="Right Arrow 42"/>
+              <p:cNvSpPr/>
+              <p:nvPr/>
+            </p:nvSpPr>
+            <p:spPr>
+              <a:xfrm>
+                <a:off x="7021909" y="4856301"/>
+                <a:ext cx="1661638" cy="360040"/>
+              </a:xfrm>
+              <a:prstGeom prst="rightArrow">
+                <a:avLst/>
+              </a:prstGeom>
+              <a:solidFill>
+                <a:schemeClr val="accent1">
+                  <a:lumMod val="20000"/>
+                  <a:lumOff val="80000"/>
+                </a:schemeClr>
+              </a:solidFill>
+              <a:ln>
+                <a:noFill/>
+              </a:ln>
+            </p:spPr>
+            <p:style>
+              <a:lnRef idx="2">
+                <a:schemeClr val="accent1">
+                  <a:shade val="50000"/>
+                </a:schemeClr>
+              </a:lnRef>
+              <a:fillRef idx="1">
+                <a:schemeClr val="accent1"/>
+              </a:fillRef>
+              <a:effectRef idx="0">
+                <a:schemeClr val="accent1"/>
+              </a:effectRef>
+              <a:fontRef idx="minor">
+                <a:schemeClr val="lt1"/>
+              </a:fontRef>
+            </p:style>
+            <p:txBody>
+              <a:bodyPr rtlCol="0" anchor="ctr"/>
+              <a:lstStyle/>
+              <a:p>
+                <a:pPr algn="ctr"/>
+                <a:endParaRPr lang="en-US" sz="1100">
+                  <a:latin typeface="Airal"/>
+                </a:endParaRPr>
+              </a:p>
+            </p:txBody>
+          </p:sp>
+          <p:sp>
+            <p:nvSpPr>
+              <p:cNvPr id="44" name="Content Placeholder 2"/>
+              <p:cNvSpPr txBox="1">
+                <a:spLocks/>
+              </p:cNvSpPr>
+              <p:nvPr/>
+            </p:nvSpPr>
+            <p:spPr>
+              <a:xfrm>
+                <a:off x="7330569" y="4592374"/>
+                <a:ext cx="950784" cy="872853"/>
+              </a:xfrm>
+              <a:prstGeom prst="rect">
+                <a:avLst/>
+              </a:prstGeom>
+              <a:solidFill>
+                <a:schemeClr val="accent6">
+                  <a:lumMod val="20000"/>
+                  <a:lumOff val="80000"/>
+                </a:schemeClr>
+              </a:solidFill>
+              <a:ln w="38100">
+                <a:solidFill>
+                  <a:schemeClr val="bg1"/>
+                </a:solidFill>
+              </a:ln>
+            </p:spPr>
+            <p:txBody>
+              <a:bodyPr anchor="ctr"/>
+              <a:lstStyle>
+                <a:lvl1pPr marL="342900" indent="-342900" algn="l" defTabSz="914400" rtl="0" eaLnBrk="1" latinLnBrk="0" hangingPunct="1">
+                  <a:spcBef>
+                    <a:spcPct val="20000"/>
+                  </a:spcBef>
+                  <a:buFont typeface="Arial" pitchFamily="34" charset="0"/>
+                  <a:buChar char="•"/>
+                  <a:defRPr sz="3200" kern="1200">
+                    <a:solidFill>
+                      <a:schemeClr val="tx1"/>
+                    </a:solidFill>
+                    <a:latin typeface="+mn-lt"/>
+                    <a:ea typeface="+mn-ea"/>
+                    <a:cs typeface="+mn-cs"/>
+                  </a:defRPr>
+                </a:lvl1pPr>
+                <a:lvl2pPr marL="742950" indent="-285750" algn="l" defTabSz="914400" rtl="0" eaLnBrk="1" latinLnBrk="0" hangingPunct="1">
+                  <a:spcBef>
+                    <a:spcPct val="20000"/>
+                  </a:spcBef>
+                  <a:buFont typeface="Arial" pitchFamily="34" charset="0"/>
+                  <a:buChar char="–"/>
+                  <a:defRPr sz="2800" kern="1200">
+                    <a:solidFill>
+                      <a:schemeClr val="tx1"/>
+                    </a:solidFill>
+                    <a:latin typeface="+mn-lt"/>
+                    <a:ea typeface="+mn-ea"/>
+                    <a:cs typeface="+mn-cs"/>
+                  </a:defRPr>
+                </a:lvl2pPr>
+                <a:lvl3pPr marL="1143000" indent="-228600" algn="l" defTabSz="914400" rtl="0" eaLnBrk="1" latinLnBrk="0" hangingPunct="1">
+                  <a:spcBef>
+                    <a:spcPct val="20000"/>
+                  </a:spcBef>
+                  <a:buFont typeface="Arial" pitchFamily="34" charset="0"/>
+                  <a:buChar char="•"/>
+                  <a:defRPr sz="2400" kern="1200">
+                    <a:solidFill>
+                      <a:schemeClr val="tx1"/>
+                    </a:solidFill>
+                    <a:latin typeface="+mn-lt"/>
+                    <a:ea typeface="+mn-ea"/>
+                    <a:cs typeface="+mn-cs"/>
+                  </a:defRPr>
+                </a:lvl3pPr>
+                <a:lvl4pPr marL="1600200" indent="-228600" algn="l" defTabSz="914400" rtl="0" eaLnBrk="1" latinLnBrk="0" hangingPunct="1">
+                  <a:spcBef>
+                    <a:spcPct val="20000"/>
+                  </a:spcBef>
+                  <a:buFont typeface="Arial" pitchFamily="34" charset="0"/>
+                  <a:buChar char="–"/>
+                  <a:defRPr sz="2000" kern="1200">
+                    <a:solidFill>
+                      <a:schemeClr val="tx1"/>
+                    </a:solidFill>
+                    <a:latin typeface="+mn-lt"/>
+                    <a:ea typeface="+mn-ea"/>
+                    <a:cs typeface="+mn-cs"/>
+                  </a:defRPr>
+                </a:lvl4pPr>
+                <a:lvl5pPr marL="2057400" indent="-228600" algn="l" defTabSz="914400" rtl="0" eaLnBrk="1" latinLnBrk="0" hangingPunct="1">
+                  <a:spcBef>
+                    <a:spcPct val="20000"/>
+                  </a:spcBef>
+                  <a:buFont typeface="Arial" pitchFamily="34" charset="0"/>
+                  <a:buChar char="»"/>
+                  <a:defRPr sz="2000" kern="1200">
+                    <a:solidFill>
+                      <a:schemeClr val="tx1"/>
+                    </a:solidFill>
+                    <a:latin typeface="+mn-lt"/>
+                    <a:ea typeface="+mn-ea"/>
+                    <a:cs typeface="+mn-cs"/>
+                  </a:defRPr>
+                </a:lvl5pPr>
+                <a:lvl6pPr marL="2514600" indent="-228600" algn="l" defTabSz="914400" rtl="0" eaLnBrk="1" latinLnBrk="0" hangingPunct="1">
+                  <a:spcBef>
+                    <a:spcPct val="20000"/>
+                  </a:spcBef>
+                  <a:buFont typeface="Arial" pitchFamily="34" charset="0"/>
+                  <a:buChar char="•"/>
+                  <a:defRPr sz="2000" kern="1200">
+                    <a:solidFill>
+                      <a:schemeClr val="tx1"/>
+                    </a:solidFill>
+                    <a:latin typeface="+mn-lt"/>
+                    <a:ea typeface="+mn-ea"/>
+                    <a:cs typeface="+mn-cs"/>
+                  </a:defRPr>
+                </a:lvl6pPr>
+                <a:lvl7pPr marL="2971800" indent="-228600" algn="l" defTabSz="914400" rtl="0" eaLnBrk="1" latinLnBrk="0" hangingPunct="1">
+                  <a:spcBef>
+                    <a:spcPct val="20000"/>
+                  </a:spcBef>
+                  <a:buFont typeface="Arial" pitchFamily="34" charset="0"/>
+                  <a:buChar char="•"/>
+                  <a:defRPr sz="2000" kern="1200">
+                    <a:solidFill>
+                      <a:schemeClr val="tx1"/>
+                    </a:solidFill>
+                    <a:latin typeface="+mn-lt"/>
+                    <a:ea typeface="+mn-ea"/>
+                    <a:cs typeface="+mn-cs"/>
+                  </a:defRPr>
+                </a:lvl7pPr>
+                <a:lvl8pPr marL="3429000" indent="-228600" algn="l" defTabSz="914400" rtl="0" eaLnBrk="1" latinLnBrk="0" hangingPunct="1">
+                  <a:spcBef>
+                    <a:spcPct val="20000"/>
+                  </a:spcBef>
+                  <a:buFont typeface="Arial" pitchFamily="34" charset="0"/>
+                  <a:buChar char="•"/>
+                  <a:defRPr sz="2000" kern="1200">
+                    <a:solidFill>
+                      <a:schemeClr val="tx1"/>
+                    </a:solidFill>
+                    <a:latin typeface="+mn-lt"/>
+                    <a:ea typeface="+mn-ea"/>
+                    <a:cs typeface="+mn-cs"/>
+                  </a:defRPr>
+                </a:lvl8pPr>
+                <a:lvl9pPr marL="3886200" indent="-228600" algn="l" defTabSz="914400" rtl="0" eaLnBrk="1" latinLnBrk="0" hangingPunct="1">
+                  <a:spcBef>
+                    <a:spcPct val="20000"/>
+                  </a:spcBef>
+                  <a:buFont typeface="Arial" pitchFamily="34" charset="0"/>
+                  <a:buChar char="•"/>
+                  <a:defRPr sz="2000" kern="1200">
+                    <a:solidFill>
+                      <a:schemeClr val="tx1"/>
+                    </a:solidFill>
+                    <a:latin typeface="+mn-lt"/>
+                    <a:ea typeface="+mn-ea"/>
+                    <a:cs typeface="+mn-cs"/>
+                  </a:defRPr>
+                </a:lvl9pPr>
+              </a:lstStyle>
+              <a:p>
+                <a:pPr marL="0" indent="0" algn="ctr">
+                  <a:buFont typeface="Arial" pitchFamily="34" charset="0"/>
+                  <a:buNone/>
+                </a:pPr>
+                <a:r>
+                  <a:rPr lang="en-GB" sz="1100" b="1" dirty="0" smtClean="0">
+                    <a:latin typeface="Airal"/>
+                  </a:rPr>
+                  <a:t>CRM Team</a:t>
+                </a:r>
+              </a:p>
+            </p:txBody>
+          </p:sp>
+          <p:sp>
+            <p:nvSpPr>
+              <p:cNvPr id="45" name="Content Placeholder 2"/>
+              <p:cNvSpPr txBox="1">
+                <a:spLocks/>
+              </p:cNvSpPr>
+              <p:nvPr/>
+            </p:nvSpPr>
+            <p:spPr>
+              <a:xfrm>
+                <a:off x="8731353" y="4183013"/>
+                <a:ext cx="2149677" cy="1613918"/>
+              </a:xfrm>
+              <a:prstGeom prst="rect">
+                <a:avLst/>
+              </a:prstGeom>
+              <a:noFill/>
+              <a:ln w="38100">
+                <a:solidFill>
+                  <a:srgbClr val="00B0F0"/>
+                </a:solidFill>
+                <a:prstDash val="sysDash"/>
+              </a:ln>
+            </p:spPr>
+            <p:txBody>
+              <a:bodyPr anchor="t"/>
+              <a:lstStyle>
+                <a:lvl1pPr marL="342900" indent="-342900" algn="l" defTabSz="914400" rtl="0" eaLnBrk="1" latinLnBrk="0" hangingPunct="1">
+                  <a:spcBef>
+                    <a:spcPct val="20000"/>
+                  </a:spcBef>
+                  <a:buFont typeface="Arial" pitchFamily="34" charset="0"/>
+                  <a:buChar char="•"/>
+                  <a:defRPr sz="3200" kern="1200">
+                    <a:solidFill>
+                      <a:schemeClr val="tx1"/>
+                    </a:solidFill>
+                    <a:latin typeface="+mn-lt"/>
+                    <a:ea typeface="+mn-ea"/>
+                    <a:cs typeface="+mn-cs"/>
+                  </a:defRPr>
+                </a:lvl1pPr>
+                <a:lvl2pPr marL="742950" indent="-285750" algn="l" defTabSz="914400" rtl="0" eaLnBrk="1" latinLnBrk="0" hangingPunct="1">
+                  <a:spcBef>
+                    <a:spcPct val="20000"/>
+                  </a:spcBef>
+                  <a:buFont typeface="Arial" pitchFamily="34" charset="0"/>
+                  <a:buChar char="–"/>
+                  <a:defRPr sz="2800" kern="1200">
+                    <a:solidFill>
+                      <a:schemeClr val="tx1"/>
+                    </a:solidFill>
+                    <a:latin typeface="+mn-lt"/>
+                    <a:ea typeface="+mn-ea"/>
+                    <a:cs typeface="+mn-cs"/>
+                  </a:defRPr>
+                </a:lvl2pPr>
+                <a:lvl3pPr marL="1143000" indent="-228600" algn="l" defTabSz="914400" rtl="0" eaLnBrk="1" latinLnBrk="0" hangingPunct="1">
+                  <a:spcBef>
+                    <a:spcPct val="20000"/>
+                  </a:spcBef>
+                  <a:buFont typeface="Arial" pitchFamily="34" charset="0"/>
+                  <a:buChar char="•"/>
+                  <a:defRPr sz="2400" kern="1200">
+                    <a:solidFill>
+                      <a:schemeClr val="tx1"/>
+                    </a:solidFill>
+                    <a:latin typeface="+mn-lt"/>
+                    <a:ea typeface="+mn-ea"/>
+                    <a:cs typeface="+mn-cs"/>
+                  </a:defRPr>
+                </a:lvl3pPr>
+                <a:lvl4pPr marL="1600200" indent="-228600" algn="l" defTabSz="914400" rtl="0" eaLnBrk="1" latinLnBrk="0" hangingPunct="1">
+                  <a:spcBef>
+                    <a:spcPct val="20000"/>
+                  </a:spcBef>
+                  <a:buFont typeface="Arial" pitchFamily="34" charset="0"/>
+                  <a:buChar char="–"/>
+                  <a:defRPr sz="2000" kern="1200">
+                    <a:solidFill>
+                      <a:schemeClr val="tx1"/>
+                    </a:solidFill>
+                    <a:latin typeface="+mn-lt"/>
+                    <a:ea typeface="+mn-ea"/>
+                    <a:cs typeface="+mn-cs"/>
+                  </a:defRPr>
+                </a:lvl4pPr>
+                <a:lvl5pPr marL="2057400" indent="-228600" algn="l" defTabSz="914400" rtl="0" eaLnBrk="1" latinLnBrk="0" hangingPunct="1">
+                  <a:spcBef>
+                    <a:spcPct val="20000"/>
+                  </a:spcBef>
+                  <a:buFont typeface="Arial" pitchFamily="34" charset="0"/>
+                  <a:buChar char="»"/>
+                  <a:defRPr sz="2000" kern="1200">
+                    <a:solidFill>
+                      <a:schemeClr val="tx1"/>
+                    </a:solidFill>
+                    <a:latin typeface="+mn-lt"/>
+                    <a:ea typeface="+mn-ea"/>
+                    <a:cs typeface="+mn-cs"/>
+                  </a:defRPr>
+                </a:lvl5pPr>
+                <a:lvl6pPr marL="2514600" indent="-228600" algn="l" defTabSz="914400" rtl="0" eaLnBrk="1" latinLnBrk="0" hangingPunct="1">
+                  <a:spcBef>
+                    <a:spcPct val="20000"/>
+                  </a:spcBef>
+                  <a:buFont typeface="Arial" pitchFamily="34" charset="0"/>
+                  <a:buChar char="•"/>
+                  <a:defRPr sz="2000" kern="1200">
+                    <a:solidFill>
+                      <a:schemeClr val="tx1"/>
+                    </a:solidFill>
+                    <a:latin typeface="+mn-lt"/>
+                    <a:ea typeface="+mn-ea"/>
+                    <a:cs typeface="+mn-cs"/>
+                  </a:defRPr>
+                </a:lvl6pPr>
+                <a:lvl7pPr marL="2971800" indent="-228600" algn="l" defTabSz="914400" rtl="0" eaLnBrk="1" latinLnBrk="0" hangingPunct="1">
+                  <a:spcBef>
+                    <a:spcPct val="20000"/>
+                  </a:spcBef>
+                  <a:buFont typeface="Arial" pitchFamily="34" charset="0"/>
+                  <a:buChar char="•"/>
+                  <a:defRPr sz="2000" kern="1200">
+                    <a:solidFill>
+                      <a:schemeClr val="tx1"/>
+                    </a:solidFill>
+                    <a:latin typeface="+mn-lt"/>
+                    <a:ea typeface="+mn-ea"/>
+                    <a:cs typeface="+mn-cs"/>
+                  </a:defRPr>
+                </a:lvl7pPr>
+                <a:lvl8pPr marL="3429000" indent="-228600" algn="l" defTabSz="914400" rtl="0" eaLnBrk="1" latinLnBrk="0" hangingPunct="1">
+                  <a:spcBef>
+                    <a:spcPct val="20000"/>
+                  </a:spcBef>
+                  <a:buFont typeface="Arial" pitchFamily="34" charset="0"/>
+                  <a:buChar char="•"/>
+                  <a:defRPr sz="2000" kern="1200">
+                    <a:solidFill>
+                      <a:schemeClr val="tx1"/>
+                    </a:solidFill>
+                    <a:latin typeface="+mn-lt"/>
+                    <a:ea typeface="+mn-ea"/>
+                    <a:cs typeface="+mn-cs"/>
+                  </a:defRPr>
+                </a:lvl8pPr>
+                <a:lvl9pPr marL="3886200" indent="-228600" algn="l" defTabSz="914400" rtl="0" eaLnBrk="1" latinLnBrk="0" hangingPunct="1">
+                  <a:spcBef>
+                    <a:spcPct val="20000"/>
+                  </a:spcBef>
+                  <a:buFont typeface="Arial" pitchFamily="34" charset="0"/>
+                  <a:buChar char="•"/>
+                  <a:defRPr sz="2000" kern="1200">
+                    <a:solidFill>
+                      <a:schemeClr val="tx1"/>
+                    </a:solidFill>
+                    <a:latin typeface="+mn-lt"/>
+                    <a:ea typeface="+mn-ea"/>
+                    <a:cs typeface="+mn-cs"/>
+                  </a:defRPr>
+                </a:lvl9pPr>
+              </a:lstStyle>
+              <a:p>
+                <a:pPr marL="0" indent="0" algn="ctr">
+                  <a:buFont typeface="Arial" pitchFamily="34" charset="0"/>
+                  <a:buNone/>
+                </a:pPr>
+                <a:r>
+                  <a:rPr lang="en-GB" sz="1100" b="1" dirty="0" smtClean="0">
+                    <a:latin typeface="Airal"/>
+                  </a:rPr>
+                  <a:t>Customised retention strategies:</a:t>
+                </a:r>
+              </a:p>
+              <a:p>
+                <a:pPr marL="0" indent="0" algn="ctr">
+                  <a:buFont typeface="Arial" pitchFamily="34" charset="0"/>
+                  <a:buNone/>
+                </a:pPr>
+                <a:endParaRPr lang="en-GB" sz="1100" b="1" dirty="0">
+                  <a:latin typeface="Airal"/>
+                </a:endParaRPr>
+              </a:p>
+              <a:p>
+                <a:pPr>
+                  <a:buFont typeface="Wingdings" panose="05000000000000000000" pitchFamily="2" charset="2"/>
+                  <a:buChar char="ü"/>
+                </a:pPr>
+                <a:r>
+                  <a:rPr lang="en-GB" sz="1100" dirty="0" smtClean="0">
+                    <a:latin typeface="Airal"/>
+                  </a:rPr>
+                  <a:t>Discount offers</a:t>
+                </a:r>
+              </a:p>
+              <a:p>
+                <a:pPr>
+                  <a:buFont typeface="Wingdings" panose="05000000000000000000" pitchFamily="2" charset="2"/>
+                  <a:buChar char="ü"/>
+                </a:pPr>
+                <a:endParaRPr lang="en-GB" sz="1100" dirty="0" smtClean="0">
+                  <a:latin typeface="Airal"/>
+                </a:endParaRPr>
+              </a:p>
+              <a:p>
+                <a:pPr>
+                  <a:buFont typeface="Wingdings" panose="05000000000000000000" pitchFamily="2" charset="2"/>
+                  <a:buChar char="ü"/>
+                </a:pPr>
+                <a:r>
+                  <a:rPr lang="en-GB" sz="1100" dirty="0" smtClean="0">
+                    <a:latin typeface="Airal"/>
+                  </a:rPr>
+                  <a:t>Reminder of </a:t>
+                </a:r>
+                <a:r>
+                  <a:rPr lang="en-GB" sz="1100" dirty="0" smtClean="0">
+                    <a:latin typeface="Airal"/>
+                  </a:rPr>
+                  <a:t>engagement</a:t>
+                </a:r>
+                <a:endParaRPr lang="en-GB" sz="1100" dirty="0" smtClean="0">
+                  <a:latin typeface="Airal"/>
+                </a:endParaRPr>
+              </a:p>
+            </p:txBody>
+          </p:sp>
+        </p:grpSp>
+      </p:grpSp>
+    </p:spTree>
+    <p:extLst>
+      <p:ext uri="{BB962C8B-B14F-4D97-AF65-F5344CB8AC3E}">
+        <p14:creationId xmlns:p14="http://schemas.microsoft.com/office/powerpoint/2010/main" val="2388042381"/>
+      </p:ext>
+    </p:extLst>
+  </p:cSld>
+  <p:clrMapOvr>
+    <a:masterClrMapping/>
+  </p:clrMapOvr>
+  <p:timing>
+    <p:tnLst>
+      <p:par>
+        <p:cTn id="1" dur="indefinite" restart="never" nodeType="tmRoot"/>
+      </p:par>
+    </p:tnLst>
+  </p:timing>
+</p:sld>
+</file>
+
 <file path=ppt/theme/theme1.xml><?xml version="1.0" encoding="utf-8"?>
 <a:theme xmlns:a="http://schemas.openxmlformats.org/drawingml/2006/main" name="Office Theme">
   <a:themeElements>

--- a/Report/Figure/Figure.pptx
+++ b/Report/Figure/Figure.pptx
@@ -8,6 +8,7 @@
     <p:sldId id="256" r:id="rId2"/>
     <p:sldId id="257" r:id="rId3"/>
     <p:sldId id="258" r:id="rId4"/>
+    <p:sldId id="260" r:id="rId5"/>
   </p:sldIdLst>
   <p:sldSz cx="12192000" cy="6858000"/>
   <p:notesSz cx="6858000" cy="9144000"/>
@@ -123,6 +124,4695 @@
     </p:ext>
   </p:extLst>
 </p:presentation>
+</file>
+
+<file path=ppt/diagrams/colors1.xml><?xml version="1.0" encoding="utf-8"?>
+<dgm:colorsDef xmlns:dgm="http://schemas.openxmlformats.org/drawingml/2006/diagram" xmlns:a="http://schemas.openxmlformats.org/drawingml/2006/main" uniqueId="urn:microsoft.com/office/officeart/2005/8/colors/accent1_2">
+  <dgm:title val=""/>
+  <dgm:desc val=""/>
+  <dgm:catLst>
+    <dgm:cat type="accent1" pri="11200"/>
+  </dgm:catLst>
+  <dgm:styleLbl name="node0">
+    <dgm:fillClrLst meth="repeat">
+      <a:schemeClr val="accent1"/>
+    </dgm:fillClrLst>
+    <dgm:linClrLst meth="repeat">
+      <a:schemeClr val="lt1"/>
+    </dgm:linClrLst>
+    <dgm:effectClrLst/>
+    <dgm:txLinClrLst/>
+    <dgm:txFillClrLst/>
+    <dgm:txEffectClrLst/>
+  </dgm:styleLbl>
+  <dgm:styleLbl name="alignNode1">
+    <dgm:fillClrLst meth="repeat">
+      <a:schemeClr val="accent1"/>
+    </dgm:fillClrLst>
+    <dgm:linClrLst meth="repeat">
+      <a:schemeClr val="accent1"/>
+    </dgm:linClrLst>
+    <dgm:effectClrLst/>
+    <dgm:txLinClrLst/>
+    <dgm:txFillClrLst/>
+    <dgm:txEffectClrLst/>
+  </dgm:styleLbl>
+  <dgm:styleLbl name="node1">
+    <dgm:fillClrLst meth="repeat">
+      <a:schemeClr val="accent1"/>
+    </dgm:fillClrLst>
+    <dgm:linClrLst meth="repeat">
+      <a:schemeClr val="lt1"/>
+    </dgm:linClrLst>
+    <dgm:effectClrLst/>
+    <dgm:txLinClrLst/>
+    <dgm:txFillClrLst/>
+    <dgm:txEffectClrLst/>
+  </dgm:styleLbl>
+  <dgm:styleLbl name="lnNode1">
+    <dgm:fillClrLst meth="repeat">
+      <a:schemeClr val="accent1"/>
+    </dgm:fillClrLst>
+    <dgm:linClrLst meth="repeat">
+      <a:schemeClr val="lt1"/>
+    </dgm:linClrLst>
+    <dgm:effectClrLst/>
+    <dgm:txLinClrLst/>
+    <dgm:txFillClrLst/>
+    <dgm:txEffectClrLst/>
+  </dgm:styleLbl>
+  <dgm:styleLbl name="vennNode1">
+    <dgm:fillClrLst meth="repeat">
+      <a:schemeClr val="accent1">
+        <a:alpha val="50000"/>
+      </a:schemeClr>
+    </dgm:fillClrLst>
+    <dgm:linClrLst meth="repeat">
+      <a:schemeClr val="lt1"/>
+    </dgm:linClrLst>
+    <dgm:effectClrLst/>
+    <dgm:txLinClrLst/>
+    <dgm:txFillClrLst/>
+    <dgm:txEffectClrLst/>
+  </dgm:styleLbl>
+  <dgm:styleLbl name="node2">
+    <dgm:fillClrLst meth="repeat">
+      <a:schemeClr val="accent1"/>
+    </dgm:fillClrLst>
+    <dgm:linClrLst meth="repeat">
+      <a:schemeClr val="lt1"/>
+    </dgm:linClrLst>
+    <dgm:effectClrLst/>
+    <dgm:txLinClrLst/>
+    <dgm:txFillClrLst/>
+    <dgm:txEffectClrLst/>
+  </dgm:styleLbl>
+  <dgm:styleLbl name="node3">
+    <dgm:fillClrLst meth="repeat">
+      <a:schemeClr val="accent1"/>
+    </dgm:fillClrLst>
+    <dgm:linClrLst meth="repeat">
+      <a:schemeClr val="lt1"/>
+    </dgm:linClrLst>
+    <dgm:effectClrLst/>
+    <dgm:txLinClrLst/>
+    <dgm:txFillClrLst/>
+    <dgm:txEffectClrLst/>
+  </dgm:styleLbl>
+  <dgm:styleLbl name="node4">
+    <dgm:fillClrLst meth="repeat">
+      <a:schemeClr val="accent1"/>
+    </dgm:fillClrLst>
+    <dgm:linClrLst meth="repeat">
+      <a:schemeClr val="lt1"/>
+    </dgm:linClrLst>
+    <dgm:effectClrLst/>
+    <dgm:txLinClrLst/>
+    <dgm:txFillClrLst/>
+    <dgm:txEffectClrLst/>
+  </dgm:styleLbl>
+  <dgm:styleLbl name="fgImgPlace1">
+    <dgm:fillClrLst meth="repeat">
+      <a:schemeClr val="accent1">
+        <a:tint val="50000"/>
+      </a:schemeClr>
+    </dgm:fillClrLst>
+    <dgm:linClrLst meth="repeat">
+      <a:schemeClr val="lt1"/>
+    </dgm:linClrLst>
+    <dgm:effectClrLst/>
+    <dgm:txLinClrLst/>
+    <dgm:txFillClrLst meth="repeat">
+      <a:schemeClr val="lt1"/>
+    </dgm:txFillClrLst>
+    <dgm:txEffectClrLst/>
+  </dgm:styleLbl>
+  <dgm:styleLbl name="alignImgPlace1">
+    <dgm:fillClrLst meth="repeat">
+      <a:schemeClr val="accent1">
+        <a:tint val="50000"/>
+      </a:schemeClr>
+    </dgm:fillClrLst>
+    <dgm:linClrLst meth="repeat">
+      <a:schemeClr val="lt1"/>
+    </dgm:linClrLst>
+    <dgm:effectClrLst/>
+    <dgm:txLinClrLst/>
+    <dgm:txFillClrLst meth="repeat">
+      <a:schemeClr val="lt1"/>
+    </dgm:txFillClrLst>
+    <dgm:txEffectClrLst/>
+  </dgm:styleLbl>
+  <dgm:styleLbl name="bgImgPlace1">
+    <dgm:fillClrLst meth="repeat">
+      <a:schemeClr val="accent1">
+        <a:tint val="50000"/>
+      </a:schemeClr>
+    </dgm:fillClrLst>
+    <dgm:linClrLst meth="repeat">
+      <a:schemeClr val="lt1"/>
+    </dgm:linClrLst>
+    <dgm:effectClrLst/>
+    <dgm:txLinClrLst/>
+    <dgm:txFillClrLst meth="repeat">
+      <a:schemeClr val="lt1"/>
+    </dgm:txFillClrLst>
+    <dgm:txEffectClrLst/>
+  </dgm:styleLbl>
+  <dgm:styleLbl name="sibTrans2D1">
+    <dgm:fillClrLst meth="repeat">
+      <a:schemeClr val="accent1">
+        <a:tint val="60000"/>
+      </a:schemeClr>
+    </dgm:fillClrLst>
+    <dgm:linClrLst meth="repeat">
+      <a:schemeClr val="accent1">
+        <a:tint val="60000"/>
+      </a:schemeClr>
+    </dgm:linClrLst>
+    <dgm:effectClrLst/>
+    <dgm:txLinClrLst/>
+    <dgm:txFillClrLst/>
+    <dgm:txEffectClrLst/>
+  </dgm:styleLbl>
+  <dgm:styleLbl name="fgSibTrans2D1">
+    <dgm:fillClrLst meth="repeat">
+      <a:schemeClr val="accent1">
+        <a:tint val="60000"/>
+      </a:schemeClr>
+    </dgm:fillClrLst>
+    <dgm:linClrLst meth="repeat">
+      <a:schemeClr val="accent1">
+        <a:tint val="60000"/>
+      </a:schemeClr>
+    </dgm:linClrLst>
+    <dgm:effectClrLst/>
+    <dgm:txLinClrLst/>
+    <dgm:txFillClrLst/>
+    <dgm:txEffectClrLst/>
+  </dgm:styleLbl>
+  <dgm:styleLbl name="bgSibTrans2D1">
+    <dgm:fillClrLst meth="repeat">
+      <a:schemeClr val="accent1">
+        <a:tint val="60000"/>
+      </a:schemeClr>
+    </dgm:fillClrLst>
+    <dgm:linClrLst meth="repeat">
+      <a:schemeClr val="accent1">
+        <a:tint val="60000"/>
+      </a:schemeClr>
+    </dgm:linClrLst>
+    <dgm:effectClrLst/>
+    <dgm:txLinClrLst/>
+    <dgm:txFillClrLst/>
+    <dgm:txEffectClrLst/>
+  </dgm:styleLbl>
+  <dgm:styleLbl name="sibTrans1D1">
+    <dgm:fillClrLst meth="repeat">
+      <a:schemeClr val="accent1"/>
+    </dgm:fillClrLst>
+    <dgm:linClrLst meth="repeat">
+      <a:schemeClr val="accent1"/>
+    </dgm:linClrLst>
+    <dgm:effectClrLst/>
+    <dgm:txLinClrLst/>
+    <dgm:txFillClrLst meth="repeat">
+      <a:schemeClr val="tx1"/>
+    </dgm:txFillClrLst>
+    <dgm:txEffectClrLst/>
+  </dgm:styleLbl>
+  <dgm:styleLbl name="callout">
+    <dgm:fillClrLst meth="repeat">
+      <a:schemeClr val="accent1"/>
+    </dgm:fillClrLst>
+    <dgm:linClrLst meth="repeat">
+      <a:schemeClr val="accent1">
+        <a:tint val="50000"/>
+      </a:schemeClr>
+    </dgm:linClrLst>
+    <dgm:effectClrLst/>
+    <dgm:txLinClrLst/>
+    <dgm:txFillClrLst meth="repeat">
+      <a:schemeClr val="tx1"/>
+    </dgm:txFillClrLst>
+    <dgm:txEffectClrLst/>
+  </dgm:styleLbl>
+  <dgm:styleLbl name="asst0">
+    <dgm:fillClrLst meth="repeat">
+      <a:schemeClr val="accent1"/>
+    </dgm:fillClrLst>
+    <dgm:linClrLst meth="repeat">
+      <a:schemeClr val="lt1"/>
+    </dgm:linClrLst>
+    <dgm:effectClrLst/>
+    <dgm:txLinClrLst/>
+    <dgm:txFillClrLst/>
+    <dgm:txEffectClrLst/>
+  </dgm:styleLbl>
+  <dgm:styleLbl name="asst1">
+    <dgm:fillClrLst meth="repeat">
+      <a:schemeClr val="accent1"/>
+    </dgm:fillClrLst>
+    <dgm:linClrLst meth="repeat">
+      <a:schemeClr val="lt1"/>
+    </dgm:linClrLst>
+    <dgm:effectClrLst/>
+    <dgm:txLinClrLst/>
+    <dgm:txFillClrLst/>
+    <dgm:txEffectClrLst/>
+  </dgm:styleLbl>
+  <dgm:styleLbl name="asst2">
+    <dgm:fillClrLst meth="repeat">
+      <a:schemeClr val="accent1"/>
+    </dgm:fillClrLst>
+    <dgm:linClrLst meth="repeat">
+      <a:schemeClr val="lt1"/>
+    </dgm:linClrLst>
+    <dgm:effectClrLst/>
+    <dgm:txLinClrLst/>
+    <dgm:txFillClrLst/>
+    <dgm:txEffectClrLst/>
+  </dgm:styleLbl>
+  <dgm:styleLbl name="asst3">
+    <dgm:fillClrLst meth="repeat">
+      <a:schemeClr val="accent1"/>
+    </dgm:fillClrLst>
+    <dgm:linClrLst meth="repeat">
+      <a:schemeClr val="lt1"/>
+    </dgm:linClrLst>
+    <dgm:effectClrLst/>
+    <dgm:txLinClrLst/>
+    <dgm:txFillClrLst/>
+    <dgm:txEffectClrLst/>
+  </dgm:styleLbl>
+  <dgm:styleLbl name="asst4">
+    <dgm:fillClrLst meth="repeat">
+      <a:schemeClr val="accent1"/>
+    </dgm:fillClrLst>
+    <dgm:linClrLst meth="repeat">
+      <a:schemeClr val="lt1"/>
+    </dgm:linClrLst>
+    <dgm:effectClrLst/>
+    <dgm:txLinClrLst/>
+    <dgm:txFillClrLst/>
+    <dgm:txEffectClrLst/>
+  </dgm:styleLbl>
+  <dgm:styleLbl name="parChTrans2D1">
+    <dgm:fillClrLst meth="repeat">
+      <a:schemeClr val="accent1">
+        <a:tint val="60000"/>
+      </a:schemeClr>
+    </dgm:fillClrLst>
+    <dgm:linClrLst meth="repeat">
+      <a:schemeClr val="accent1">
+        <a:tint val="60000"/>
+      </a:schemeClr>
+    </dgm:linClrLst>
+    <dgm:effectClrLst/>
+    <dgm:txLinClrLst/>
+    <dgm:txFillClrLst meth="repeat">
+      <a:schemeClr val="lt1"/>
+    </dgm:txFillClrLst>
+    <dgm:txEffectClrLst/>
+  </dgm:styleLbl>
+  <dgm:styleLbl name="parChTrans2D2">
+    <dgm:fillClrLst meth="repeat">
+      <a:schemeClr val="accent1"/>
+    </dgm:fillClrLst>
+    <dgm:linClrLst meth="repeat">
+      <a:schemeClr val="accent1"/>
+    </dgm:linClrLst>
+    <dgm:effectClrLst/>
+    <dgm:txLinClrLst/>
+    <dgm:txFillClrLst meth="repeat">
+      <a:schemeClr val="lt1"/>
+    </dgm:txFillClrLst>
+    <dgm:txEffectClrLst/>
+  </dgm:styleLbl>
+  <dgm:styleLbl name="parChTrans2D3">
+    <dgm:fillClrLst meth="repeat">
+      <a:schemeClr val="accent1"/>
+    </dgm:fillClrLst>
+    <dgm:linClrLst meth="repeat">
+      <a:schemeClr val="accent1"/>
+    </dgm:linClrLst>
+    <dgm:effectClrLst/>
+    <dgm:txLinClrLst/>
+    <dgm:txFillClrLst meth="repeat">
+      <a:schemeClr val="lt1"/>
+    </dgm:txFillClrLst>
+    <dgm:txEffectClrLst/>
+  </dgm:styleLbl>
+  <dgm:styleLbl name="parChTrans2D4">
+    <dgm:fillClrLst meth="repeat">
+      <a:schemeClr val="accent1"/>
+    </dgm:fillClrLst>
+    <dgm:linClrLst meth="repeat">
+      <a:schemeClr val="accent1"/>
+    </dgm:linClrLst>
+    <dgm:effectClrLst/>
+    <dgm:txLinClrLst/>
+    <dgm:txFillClrLst meth="repeat">
+      <a:schemeClr val="lt1"/>
+    </dgm:txFillClrLst>
+    <dgm:txEffectClrLst/>
+  </dgm:styleLbl>
+  <dgm:styleLbl name="parChTrans1D1">
+    <dgm:fillClrLst meth="repeat">
+      <a:schemeClr val="accent1"/>
+    </dgm:fillClrLst>
+    <dgm:linClrLst meth="repeat">
+      <a:schemeClr val="accent1">
+        <a:shade val="60000"/>
+      </a:schemeClr>
+    </dgm:linClrLst>
+    <dgm:effectClrLst/>
+    <dgm:txLinClrLst/>
+    <dgm:txFillClrLst meth="repeat">
+      <a:schemeClr val="tx1"/>
+    </dgm:txFillClrLst>
+    <dgm:txEffectClrLst/>
+  </dgm:styleLbl>
+  <dgm:styleLbl name="parChTrans1D2">
+    <dgm:fillClrLst meth="repeat">
+      <a:schemeClr val="accent1"/>
+    </dgm:fillClrLst>
+    <dgm:linClrLst meth="repeat">
+      <a:schemeClr val="accent1">
+        <a:shade val="60000"/>
+      </a:schemeClr>
+    </dgm:linClrLst>
+    <dgm:effectClrLst/>
+    <dgm:txLinClrLst/>
+    <dgm:txFillClrLst meth="repeat">
+      <a:schemeClr val="tx1"/>
+    </dgm:txFillClrLst>
+    <dgm:txEffectClrLst/>
+  </dgm:styleLbl>
+  <dgm:styleLbl name="parChTrans1D3">
+    <dgm:fillClrLst meth="repeat">
+      <a:schemeClr val="accent1"/>
+    </dgm:fillClrLst>
+    <dgm:linClrLst meth="repeat">
+      <a:schemeClr val="accent1">
+        <a:shade val="80000"/>
+      </a:schemeClr>
+    </dgm:linClrLst>
+    <dgm:effectClrLst/>
+    <dgm:txLinClrLst/>
+    <dgm:txFillClrLst meth="repeat">
+      <a:schemeClr val="tx1"/>
+    </dgm:txFillClrLst>
+    <dgm:txEffectClrLst/>
+  </dgm:styleLbl>
+  <dgm:styleLbl name="parChTrans1D4">
+    <dgm:fillClrLst meth="repeat">
+      <a:schemeClr val="accent1"/>
+    </dgm:fillClrLst>
+    <dgm:linClrLst meth="repeat">
+      <a:schemeClr val="accent1">
+        <a:shade val="80000"/>
+      </a:schemeClr>
+    </dgm:linClrLst>
+    <dgm:effectClrLst/>
+    <dgm:txLinClrLst/>
+    <dgm:txFillClrLst meth="repeat">
+      <a:schemeClr val="tx1"/>
+    </dgm:txFillClrLst>
+    <dgm:txEffectClrLst/>
+  </dgm:styleLbl>
+  <dgm:styleLbl name="fgAcc1">
+    <dgm:fillClrLst meth="repeat">
+      <a:schemeClr val="lt1">
+        <a:alpha val="90000"/>
+      </a:schemeClr>
+    </dgm:fillClrLst>
+    <dgm:linClrLst meth="repeat">
+      <a:schemeClr val="accent1"/>
+    </dgm:linClrLst>
+    <dgm:effectClrLst/>
+    <dgm:txLinClrLst/>
+    <dgm:txFillClrLst meth="repeat">
+      <a:schemeClr val="dk1"/>
+    </dgm:txFillClrLst>
+    <dgm:txEffectClrLst/>
+  </dgm:styleLbl>
+  <dgm:styleLbl name="conFgAcc1">
+    <dgm:fillClrLst meth="repeat">
+      <a:schemeClr val="lt1">
+        <a:alpha val="90000"/>
+      </a:schemeClr>
+    </dgm:fillClrLst>
+    <dgm:linClrLst meth="repeat">
+      <a:schemeClr val="accent1"/>
+    </dgm:linClrLst>
+    <dgm:effectClrLst/>
+    <dgm:txLinClrLst/>
+    <dgm:txFillClrLst meth="repeat">
+      <a:schemeClr val="dk1"/>
+    </dgm:txFillClrLst>
+    <dgm:txEffectClrLst/>
+  </dgm:styleLbl>
+  <dgm:styleLbl name="alignAcc1">
+    <dgm:fillClrLst meth="repeat">
+      <a:schemeClr val="lt1">
+        <a:alpha val="90000"/>
+      </a:schemeClr>
+    </dgm:fillClrLst>
+    <dgm:linClrLst meth="repeat">
+      <a:schemeClr val="accent1"/>
+    </dgm:linClrLst>
+    <dgm:effectClrLst/>
+    <dgm:txLinClrLst/>
+    <dgm:txFillClrLst meth="repeat">
+      <a:schemeClr val="dk1"/>
+    </dgm:txFillClrLst>
+    <dgm:txEffectClrLst/>
+  </dgm:styleLbl>
+  <dgm:styleLbl name="trAlignAcc1">
+    <dgm:fillClrLst meth="repeat">
+      <a:schemeClr val="lt1">
+        <a:alpha val="40000"/>
+      </a:schemeClr>
+    </dgm:fillClrLst>
+    <dgm:linClrLst meth="repeat">
+      <a:schemeClr val="accent1"/>
+    </dgm:linClrLst>
+    <dgm:effectClrLst/>
+    <dgm:txLinClrLst/>
+    <dgm:txFillClrLst meth="repeat">
+      <a:schemeClr val="dk1"/>
+    </dgm:txFillClrLst>
+    <dgm:txEffectClrLst/>
+  </dgm:styleLbl>
+  <dgm:styleLbl name="bgAcc1">
+    <dgm:fillClrLst meth="repeat">
+      <a:schemeClr val="lt1">
+        <a:alpha val="90000"/>
+      </a:schemeClr>
+    </dgm:fillClrLst>
+    <dgm:linClrLst meth="repeat">
+      <a:schemeClr val="accent1"/>
+    </dgm:linClrLst>
+    <dgm:effectClrLst/>
+    <dgm:txLinClrLst/>
+    <dgm:txFillClrLst meth="repeat">
+      <a:schemeClr val="dk1"/>
+    </dgm:txFillClrLst>
+    <dgm:txEffectClrLst/>
+  </dgm:styleLbl>
+  <dgm:styleLbl name="solidFgAcc1">
+    <dgm:fillClrLst meth="repeat">
+      <a:schemeClr val="lt1"/>
+    </dgm:fillClrLst>
+    <dgm:linClrLst meth="repeat">
+      <a:schemeClr val="accent1"/>
+    </dgm:linClrLst>
+    <dgm:effectClrLst/>
+    <dgm:txLinClrLst/>
+    <dgm:txFillClrLst meth="repeat">
+      <a:schemeClr val="dk1"/>
+    </dgm:txFillClrLst>
+    <dgm:txEffectClrLst/>
+  </dgm:styleLbl>
+  <dgm:styleLbl name="solidAlignAcc1">
+    <dgm:fillClrLst meth="repeat">
+      <a:schemeClr val="lt1"/>
+    </dgm:fillClrLst>
+    <dgm:linClrLst meth="repeat">
+      <a:schemeClr val="accent1"/>
+    </dgm:linClrLst>
+    <dgm:effectClrLst/>
+    <dgm:txLinClrLst/>
+    <dgm:txFillClrLst meth="repeat">
+      <a:schemeClr val="dk1"/>
+    </dgm:txFillClrLst>
+    <dgm:txEffectClrLst/>
+  </dgm:styleLbl>
+  <dgm:styleLbl name="solidBgAcc1">
+    <dgm:fillClrLst meth="repeat">
+      <a:schemeClr val="lt1"/>
+    </dgm:fillClrLst>
+    <dgm:linClrLst meth="repeat">
+      <a:schemeClr val="accent1"/>
+    </dgm:linClrLst>
+    <dgm:effectClrLst/>
+    <dgm:txLinClrLst/>
+    <dgm:txFillClrLst meth="repeat">
+      <a:schemeClr val="dk1"/>
+    </dgm:txFillClrLst>
+    <dgm:txEffectClrLst/>
+  </dgm:styleLbl>
+  <dgm:styleLbl name="fgAccFollowNode1">
+    <dgm:fillClrLst meth="repeat">
+      <a:schemeClr val="accent1">
+        <a:alpha val="90000"/>
+        <a:tint val="40000"/>
+      </a:schemeClr>
+    </dgm:fillClrLst>
+    <dgm:linClrLst meth="repeat">
+      <a:schemeClr val="accent1">
+        <a:alpha val="90000"/>
+        <a:tint val="40000"/>
+      </a:schemeClr>
+    </dgm:linClrLst>
+    <dgm:effectClrLst/>
+    <dgm:txLinClrLst/>
+    <dgm:txFillClrLst meth="repeat">
+      <a:schemeClr val="dk1"/>
+    </dgm:txFillClrLst>
+    <dgm:txEffectClrLst/>
+  </dgm:styleLbl>
+  <dgm:styleLbl name="alignAccFollowNode1">
+    <dgm:fillClrLst meth="repeat">
+      <a:schemeClr val="accent1">
+        <a:alpha val="90000"/>
+        <a:tint val="40000"/>
+      </a:schemeClr>
+    </dgm:fillClrLst>
+    <dgm:linClrLst meth="repeat">
+      <a:schemeClr val="accent1">
+        <a:alpha val="90000"/>
+        <a:tint val="40000"/>
+      </a:schemeClr>
+    </dgm:linClrLst>
+    <dgm:effectClrLst/>
+    <dgm:txLinClrLst/>
+    <dgm:txFillClrLst meth="repeat">
+      <a:schemeClr val="dk1"/>
+    </dgm:txFillClrLst>
+    <dgm:txEffectClrLst/>
+  </dgm:styleLbl>
+  <dgm:styleLbl name="bgAccFollowNode1">
+    <dgm:fillClrLst meth="repeat">
+      <a:schemeClr val="accent1">
+        <a:alpha val="90000"/>
+        <a:tint val="40000"/>
+      </a:schemeClr>
+    </dgm:fillClrLst>
+    <dgm:linClrLst meth="repeat">
+      <a:schemeClr val="accent1">
+        <a:alpha val="90000"/>
+        <a:tint val="40000"/>
+      </a:schemeClr>
+    </dgm:linClrLst>
+    <dgm:effectClrLst/>
+    <dgm:txLinClrLst/>
+    <dgm:txFillClrLst meth="repeat">
+      <a:schemeClr val="dk1"/>
+    </dgm:txFillClrLst>
+    <dgm:txEffectClrLst/>
+  </dgm:styleLbl>
+  <dgm:styleLbl name="fgAcc0">
+    <dgm:fillClrLst meth="repeat">
+      <a:schemeClr val="lt1">
+        <a:alpha val="90000"/>
+      </a:schemeClr>
+    </dgm:fillClrLst>
+    <dgm:linClrLst meth="repeat">
+      <a:schemeClr val="accent1"/>
+    </dgm:linClrLst>
+    <dgm:effectClrLst/>
+    <dgm:txLinClrLst/>
+    <dgm:txFillClrLst meth="repeat">
+      <a:schemeClr val="dk1"/>
+    </dgm:txFillClrLst>
+    <dgm:txEffectClrLst/>
+  </dgm:styleLbl>
+  <dgm:styleLbl name="fgAcc2">
+    <dgm:fillClrLst meth="repeat">
+      <a:schemeClr val="lt1">
+        <a:alpha val="90000"/>
+      </a:schemeClr>
+    </dgm:fillClrLst>
+    <dgm:linClrLst meth="repeat">
+      <a:schemeClr val="accent1"/>
+    </dgm:linClrLst>
+    <dgm:effectClrLst/>
+    <dgm:txLinClrLst/>
+    <dgm:txFillClrLst meth="repeat">
+      <a:schemeClr val="dk1"/>
+    </dgm:txFillClrLst>
+    <dgm:txEffectClrLst/>
+  </dgm:styleLbl>
+  <dgm:styleLbl name="fgAcc3">
+    <dgm:fillClrLst meth="repeat">
+      <a:schemeClr val="lt1">
+        <a:alpha val="90000"/>
+      </a:schemeClr>
+    </dgm:fillClrLst>
+    <dgm:linClrLst meth="repeat">
+      <a:schemeClr val="accent1"/>
+    </dgm:linClrLst>
+    <dgm:effectClrLst/>
+    <dgm:txLinClrLst/>
+    <dgm:txFillClrLst meth="repeat">
+      <a:schemeClr val="dk1"/>
+    </dgm:txFillClrLst>
+    <dgm:txEffectClrLst/>
+  </dgm:styleLbl>
+  <dgm:styleLbl name="fgAcc4">
+    <dgm:fillClrLst meth="repeat">
+      <a:schemeClr val="lt1">
+        <a:alpha val="90000"/>
+      </a:schemeClr>
+    </dgm:fillClrLst>
+    <dgm:linClrLst meth="repeat">
+      <a:schemeClr val="accent1"/>
+    </dgm:linClrLst>
+    <dgm:effectClrLst/>
+    <dgm:txLinClrLst/>
+    <dgm:txFillClrLst meth="repeat">
+      <a:schemeClr val="dk1"/>
+    </dgm:txFillClrLst>
+    <dgm:txEffectClrLst/>
+  </dgm:styleLbl>
+  <dgm:styleLbl name="bgShp">
+    <dgm:fillClrLst meth="repeat">
+      <a:schemeClr val="accent1">
+        <a:tint val="40000"/>
+      </a:schemeClr>
+    </dgm:fillClrLst>
+    <dgm:linClrLst meth="repeat">
+      <a:schemeClr val="accent1"/>
+    </dgm:linClrLst>
+    <dgm:effectClrLst/>
+    <dgm:txLinClrLst/>
+    <dgm:txFillClrLst meth="repeat">
+      <a:schemeClr val="dk1"/>
+    </dgm:txFillClrLst>
+    <dgm:txEffectClrLst/>
+  </dgm:styleLbl>
+  <dgm:styleLbl name="dkBgShp">
+    <dgm:fillClrLst meth="repeat">
+      <a:schemeClr val="accent1">
+        <a:shade val="80000"/>
+      </a:schemeClr>
+    </dgm:fillClrLst>
+    <dgm:linClrLst meth="repeat">
+      <a:schemeClr val="accent1"/>
+    </dgm:linClrLst>
+    <dgm:effectClrLst/>
+    <dgm:txLinClrLst/>
+    <dgm:txFillClrLst meth="repeat">
+      <a:schemeClr val="lt1"/>
+    </dgm:txFillClrLst>
+    <dgm:txEffectClrLst/>
+  </dgm:styleLbl>
+  <dgm:styleLbl name="trBgShp">
+    <dgm:fillClrLst meth="repeat">
+      <a:schemeClr val="accent1">
+        <a:tint val="50000"/>
+        <a:alpha val="40000"/>
+      </a:schemeClr>
+    </dgm:fillClrLst>
+    <dgm:linClrLst meth="repeat">
+      <a:schemeClr val="accent1"/>
+    </dgm:linClrLst>
+    <dgm:effectClrLst/>
+    <dgm:txLinClrLst/>
+    <dgm:txFillClrLst meth="repeat">
+      <a:schemeClr val="lt1"/>
+    </dgm:txFillClrLst>
+    <dgm:txEffectClrLst/>
+  </dgm:styleLbl>
+  <dgm:styleLbl name="fgShp">
+    <dgm:fillClrLst meth="repeat">
+      <a:schemeClr val="accent1">
+        <a:tint val="60000"/>
+      </a:schemeClr>
+    </dgm:fillClrLst>
+    <dgm:linClrLst meth="repeat">
+      <a:schemeClr val="lt1"/>
+    </dgm:linClrLst>
+    <dgm:effectClrLst/>
+    <dgm:txLinClrLst/>
+    <dgm:txFillClrLst meth="repeat">
+      <a:schemeClr val="dk1"/>
+    </dgm:txFillClrLst>
+    <dgm:txEffectClrLst/>
+  </dgm:styleLbl>
+  <dgm:styleLbl name="revTx">
+    <dgm:fillClrLst meth="repeat">
+      <a:schemeClr val="lt1">
+        <a:alpha val="0"/>
+      </a:schemeClr>
+    </dgm:fillClrLst>
+    <dgm:linClrLst meth="repeat">
+      <a:schemeClr val="dk1">
+        <a:alpha val="0"/>
+      </a:schemeClr>
+    </dgm:linClrLst>
+    <dgm:effectClrLst/>
+    <dgm:txLinClrLst/>
+    <dgm:txFillClrLst meth="repeat">
+      <a:schemeClr val="tx1"/>
+    </dgm:txFillClrLst>
+    <dgm:txEffectClrLst/>
+  </dgm:styleLbl>
+</dgm:colorsDef>
+</file>
+
+<file path=ppt/diagrams/data1.xml><?xml version="1.0" encoding="utf-8"?>
+<dgm:dataModel xmlns:dgm="http://schemas.openxmlformats.org/drawingml/2006/diagram" xmlns:a="http://schemas.openxmlformats.org/drawingml/2006/main">
+  <dgm:ptLst>
+    <dgm:pt modelId="{FFDEF465-555C-4C54-8411-88F10898A2F1}" type="doc">
+      <dgm:prSet loTypeId="urn:microsoft.com/office/officeart/2009/layout/CircleArrowProcess" loCatId="process" qsTypeId="urn:microsoft.com/office/officeart/2005/8/quickstyle/simple1" qsCatId="simple" csTypeId="urn:microsoft.com/office/officeart/2005/8/colors/accent1_2" csCatId="accent1" phldr="1"/>
+      <dgm:spPr/>
+      <dgm:t>
+        <a:bodyPr/>
+        <a:lstStyle/>
+        <a:p>
+          <a:endParaRPr lang="en-US"/>
+        </a:p>
+      </dgm:t>
+    </dgm:pt>
+    <dgm:pt modelId="{59F5A144-EE7B-4755-97A7-438EDF7FE382}">
+      <dgm:prSet phldrT="[Text]" custT="1"/>
+      <dgm:spPr/>
+      <dgm:t>
+        <a:bodyPr/>
+        <a:lstStyle/>
+        <a:p>
+          <a:r>
+            <a:rPr lang="en-GB" sz="1200" b="1" dirty="0" smtClean="0">
+              <a:latin typeface="Airal"/>
+            </a:rPr>
+            <a:t>Feature</a:t>
+          </a:r>
+          <a:r>
+            <a:rPr lang="en-GB" sz="1200" b="1" dirty="0" smtClean="0"/>
+            <a:t> Extraction</a:t>
+          </a:r>
+          <a:endParaRPr lang="en-US" sz="1200" b="1" dirty="0"/>
+        </a:p>
+      </dgm:t>
+    </dgm:pt>
+    <dgm:pt modelId="{8BE306E9-B1EC-47EC-B87E-E4839A90118E}" type="parTrans" cxnId="{E4B4593B-9F55-4562-9FC0-D5418EFE29F1}">
+      <dgm:prSet/>
+      <dgm:spPr/>
+      <dgm:t>
+        <a:bodyPr/>
+        <a:lstStyle/>
+        <a:p>
+          <a:endParaRPr lang="en-US"/>
+        </a:p>
+      </dgm:t>
+    </dgm:pt>
+    <dgm:pt modelId="{86DA9ACA-8144-49AD-82CC-B30BF1BDCCF2}" type="sibTrans" cxnId="{E4B4593B-9F55-4562-9FC0-D5418EFE29F1}">
+      <dgm:prSet/>
+      <dgm:spPr/>
+      <dgm:t>
+        <a:bodyPr/>
+        <a:lstStyle/>
+        <a:p>
+          <a:endParaRPr lang="en-US"/>
+        </a:p>
+      </dgm:t>
+    </dgm:pt>
+    <dgm:pt modelId="{A9E1FA75-441B-4ACD-8EE9-F14F36F1732F}">
+      <dgm:prSet phldrT="[Text]" custT="1"/>
+      <dgm:spPr/>
+      <dgm:t>
+        <a:bodyPr/>
+        <a:lstStyle/>
+        <a:p>
+          <a:r>
+            <a:rPr lang="en-GB" sz="1200" b="1" dirty="0" smtClean="0"/>
+            <a:t>Feature </a:t>
+          </a:r>
+          <a:r>
+            <a:rPr lang="en-GB" sz="1200" b="1" dirty="0" smtClean="0">
+              <a:latin typeface="Airal"/>
+            </a:rPr>
+            <a:t>Distributional</a:t>
+          </a:r>
+          <a:r>
+            <a:rPr lang="en-GB" sz="1200" b="1" dirty="0" smtClean="0"/>
+            <a:t> Modelling</a:t>
+          </a:r>
+          <a:endParaRPr lang="en-US" sz="1200" b="1" dirty="0"/>
+        </a:p>
+      </dgm:t>
+    </dgm:pt>
+    <dgm:pt modelId="{069F55F5-5B70-4492-BEA2-50E4B53BC7A5}" type="parTrans" cxnId="{DCDB56B0-2BBD-4312-8F75-8425E7C89F68}">
+      <dgm:prSet/>
+      <dgm:spPr/>
+      <dgm:t>
+        <a:bodyPr/>
+        <a:lstStyle/>
+        <a:p>
+          <a:endParaRPr lang="en-US"/>
+        </a:p>
+      </dgm:t>
+    </dgm:pt>
+    <dgm:pt modelId="{43E12D8A-C635-4321-8CAA-A288BE8DBBBC}" type="sibTrans" cxnId="{DCDB56B0-2BBD-4312-8F75-8425E7C89F68}">
+      <dgm:prSet/>
+      <dgm:spPr/>
+      <dgm:t>
+        <a:bodyPr/>
+        <a:lstStyle/>
+        <a:p>
+          <a:endParaRPr lang="en-US"/>
+        </a:p>
+      </dgm:t>
+    </dgm:pt>
+    <dgm:pt modelId="{CA6BF94B-E0FA-416D-9092-7547EBB013EC}">
+      <dgm:prSet phldrT="[Text]"/>
+      <dgm:spPr/>
+      <dgm:t>
+        <a:bodyPr/>
+        <a:lstStyle/>
+        <a:p>
+          <a:r>
+            <a:rPr lang="en-GB" b="1" dirty="0" smtClean="0"/>
+            <a:t>Fitting Mixture Model</a:t>
+          </a:r>
+          <a:endParaRPr lang="en-US" b="1" dirty="0"/>
+        </a:p>
+      </dgm:t>
+    </dgm:pt>
+    <dgm:pt modelId="{8889F21E-4817-462B-8616-4B257C17DB11}" type="parTrans" cxnId="{4AE2AB29-2DB6-4291-BB36-3DE2DE60BDDB}">
+      <dgm:prSet/>
+      <dgm:spPr/>
+      <dgm:t>
+        <a:bodyPr/>
+        <a:lstStyle/>
+        <a:p>
+          <a:endParaRPr lang="en-US"/>
+        </a:p>
+      </dgm:t>
+    </dgm:pt>
+    <dgm:pt modelId="{E0FCABF2-A56D-4DAB-A636-120EA24CB806}" type="sibTrans" cxnId="{4AE2AB29-2DB6-4291-BB36-3DE2DE60BDDB}">
+      <dgm:prSet/>
+      <dgm:spPr/>
+      <dgm:t>
+        <a:bodyPr/>
+        <a:lstStyle/>
+        <a:p>
+          <a:endParaRPr lang="en-US"/>
+        </a:p>
+      </dgm:t>
+    </dgm:pt>
+    <dgm:pt modelId="{36B6A8E8-F233-4CD4-AC7A-3D84926327C6}">
+      <dgm:prSet phldrT="[Text]"/>
+      <dgm:spPr/>
+      <dgm:t>
+        <a:bodyPr/>
+        <a:lstStyle/>
+        <a:p>
+          <a:r>
+            <a:rPr lang="en-GB" b="1" dirty="0" smtClean="0">
+              <a:latin typeface="Airal"/>
+            </a:rPr>
+            <a:t>Analytics</a:t>
+          </a:r>
+          <a:r>
+            <a:rPr lang="en-GB" b="1" dirty="0" smtClean="0"/>
+            <a:t> and Prediction</a:t>
+          </a:r>
+          <a:endParaRPr lang="en-US" b="1" dirty="0"/>
+        </a:p>
+      </dgm:t>
+    </dgm:pt>
+    <dgm:pt modelId="{7FF9F793-04E4-4261-B20E-70903AA013DA}" type="parTrans" cxnId="{1BDC2FB2-9A4A-4BE8-B114-B451162C49FB}">
+      <dgm:prSet/>
+      <dgm:spPr/>
+      <dgm:t>
+        <a:bodyPr/>
+        <a:lstStyle/>
+        <a:p>
+          <a:endParaRPr lang="en-US"/>
+        </a:p>
+      </dgm:t>
+    </dgm:pt>
+    <dgm:pt modelId="{74645B06-CA84-4D0A-B1CB-7009021A2EDB}" type="sibTrans" cxnId="{1BDC2FB2-9A4A-4BE8-B114-B451162C49FB}">
+      <dgm:prSet/>
+      <dgm:spPr/>
+      <dgm:t>
+        <a:bodyPr/>
+        <a:lstStyle/>
+        <a:p>
+          <a:endParaRPr lang="en-US"/>
+        </a:p>
+      </dgm:t>
+    </dgm:pt>
+    <dgm:pt modelId="{02B3B863-3153-4F75-9EBA-3F40ED54EA8A}" type="pres">
+      <dgm:prSet presAssocID="{FFDEF465-555C-4C54-8411-88F10898A2F1}" presName="Name0" presStyleCnt="0">
+        <dgm:presLayoutVars>
+          <dgm:chMax val="7"/>
+          <dgm:chPref val="7"/>
+          <dgm:dir/>
+          <dgm:animLvl val="lvl"/>
+        </dgm:presLayoutVars>
+      </dgm:prSet>
+      <dgm:spPr/>
+      <dgm:t>
+        <a:bodyPr/>
+        <a:lstStyle/>
+        <a:p>
+          <a:endParaRPr lang="en-US"/>
+        </a:p>
+      </dgm:t>
+    </dgm:pt>
+    <dgm:pt modelId="{E767E2A3-8172-4971-9278-90703AED40D1}" type="pres">
+      <dgm:prSet presAssocID="{59F5A144-EE7B-4755-97A7-438EDF7FE382}" presName="Accent1" presStyleCnt="0"/>
+      <dgm:spPr/>
+    </dgm:pt>
+    <dgm:pt modelId="{FB0A8A38-B833-489B-A36D-5A14937A5299}" type="pres">
+      <dgm:prSet presAssocID="{59F5A144-EE7B-4755-97A7-438EDF7FE382}" presName="Accent" presStyleLbl="node1" presStyleIdx="0" presStyleCnt="4"/>
+      <dgm:spPr/>
+    </dgm:pt>
+    <dgm:pt modelId="{1FFD07E3-3120-4C81-9A39-1298C5EE5977}" type="pres">
+      <dgm:prSet presAssocID="{59F5A144-EE7B-4755-97A7-438EDF7FE382}" presName="Parent1" presStyleLbl="revTx" presStyleIdx="0" presStyleCnt="4">
+        <dgm:presLayoutVars>
+          <dgm:chMax val="1"/>
+          <dgm:chPref val="1"/>
+          <dgm:bulletEnabled val="1"/>
+        </dgm:presLayoutVars>
+      </dgm:prSet>
+      <dgm:spPr/>
+      <dgm:t>
+        <a:bodyPr/>
+        <a:lstStyle/>
+        <a:p>
+          <a:endParaRPr lang="en-US"/>
+        </a:p>
+      </dgm:t>
+    </dgm:pt>
+    <dgm:pt modelId="{95AE9DD9-1CD6-4EB6-8B09-87EDE809DF0B}" type="pres">
+      <dgm:prSet presAssocID="{A9E1FA75-441B-4ACD-8EE9-F14F36F1732F}" presName="Accent2" presStyleCnt="0"/>
+      <dgm:spPr/>
+    </dgm:pt>
+    <dgm:pt modelId="{439255D1-80B8-4260-B1C1-795B8102FB08}" type="pres">
+      <dgm:prSet presAssocID="{A9E1FA75-441B-4ACD-8EE9-F14F36F1732F}" presName="Accent" presStyleLbl="node1" presStyleIdx="1" presStyleCnt="4"/>
+      <dgm:spPr/>
+    </dgm:pt>
+    <dgm:pt modelId="{ABD211B4-68F1-423D-BEA4-6A1A04FDE8ED}" type="pres">
+      <dgm:prSet presAssocID="{A9E1FA75-441B-4ACD-8EE9-F14F36F1732F}" presName="Parent2" presStyleLbl="revTx" presStyleIdx="1" presStyleCnt="4" custScaleX="112846">
+        <dgm:presLayoutVars>
+          <dgm:chMax val="1"/>
+          <dgm:chPref val="1"/>
+          <dgm:bulletEnabled val="1"/>
+        </dgm:presLayoutVars>
+      </dgm:prSet>
+      <dgm:spPr/>
+      <dgm:t>
+        <a:bodyPr/>
+        <a:lstStyle/>
+        <a:p>
+          <a:endParaRPr lang="en-US"/>
+        </a:p>
+      </dgm:t>
+    </dgm:pt>
+    <dgm:pt modelId="{753745BC-D3FA-44C4-B3F3-500FA97234B7}" type="pres">
+      <dgm:prSet presAssocID="{CA6BF94B-E0FA-416D-9092-7547EBB013EC}" presName="Accent3" presStyleCnt="0"/>
+      <dgm:spPr/>
+    </dgm:pt>
+    <dgm:pt modelId="{A9FB8234-C12B-4BF6-A0DE-581332929C75}" type="pres">
+      <dgm:prSet presAssocID="{CA6BF94B-E0FA-416D-9092-7547EBB013EC}" presName="Accent" presStyleLbl="node1" presStyleIdx="2" presStyleCnt="4"/>
+      <dgm:spPr/>
+    </dgm:pt>
+    <dgm:pt modelId="{995A844F-2394-489C-8FD0-C88A18C57EF3}" type="pres">
+      <dgm:prSet presAssocID="{CA6BF94B-E0FA-416D-9092-7547EBB013EC}" presName="Parent3" presStyleLbl="revTx" presStyleIdx="2" presStyleCnt="4">
+        <dgm:presLayoutVars>
+          <dgm:chMax val="1"/>
+          <dgm:chPref val="1"/>
+          <dgm:bulletEnabled val="1"/>
+        </dgm:presLayoutVars>
+      </dgm:prSet>
+      <dgm:spPr/>
+      <dgm:t>
+        <a:bodyPr/>
+        <a:lstStyle/>
+        <a:p>
+          <a:endParaRPr lang="en-US"/>
+        </a:p>
+      </dgm:t>
+    </dgm:pt>
+    <dgm:pt modelId="{E30A4B13-9413-46A8-8ADF-643A90641357}" type="pres">
+      <dgm:prSet presAssocID="{36B6A8E8-F233-4CD4-AC7A-3D84926327C6}" presName="Accent4" presStyleCnt="0"/>
+      <dgm:spPr/>
+    </dgm:pt>
+    <dgm:pt modelId="{F756996F-F41C-44E7-9AA9-95652EC0C1D5}" type="pres">
+      <dgm:prSet presAssocID="{36B6A8E8-F233-4CD4-AC7A-3D84926327C6}" presName="Accent" presStyleLbl="node1" presStyleIdx="3" presStyleCnt="4"/>
+      <dgm:spPr/>
+    </dgm:pt>
+    <dgm:pt modelId="{A81472AA-DD90-4B65-9FD4-E1C62E35ECD2}" type="pres">
+      <dgm:prSet presAssocID="{36B6A8E8-F233-4CD4-AC7A-3D84926327C6}" presName="Parent4" presStyleLbl="revTx" presStyleIdx="3" presStyleCnt="4">
+        <dgm:presLayoutVars>
+          <dgm:chMax val="1"/>
+          <dgm:chPref val="1"/>
+          <dgm:bulletEnabled val="1"/>
+        </dgm:presLayoutVars>
+      </dgm:prSet>
+      <dgm:spPr/>
+      <dgm:t>
+        <a:bodyPr/>
+        <a:lstStyle/>
+        <a:p>
+          <a:endParaRPr lang="en-US"/>
+        </a:p>
+      </dgm:t>
+    </dgm:pt>
+  </dgm:ptLst>
+  <dgm:cxnLst>
+    <dgm:cxn modelId="{A7B3BF8E-97A6-4835-8BC5-712BE8ED3847}" type="presOf" srcId="{A9E1FA75-441B-4ACD-8EE9-F14F36F1732F}" destId="{ABD211B4-68F1-423D-BEA4-6A1A04FDE8ED}" srcOrd="0" destOrd="0" presId="urn:microsoft.com/office/officeart/2009/layout/CircleArrowProcess"/>
+    <dgm:cxn modelId="{AE69E28C-E1DD-47AF-8052-6A15FB54D676}" type="presOf" srcId="{CA6BF94B-E0FA-416D-9092-7547EBB013EC}" destId="{995A844F-2394-489C-8FD0-C88A18C57EF3}" srcOrd="0" destOrd="0" presId="urn:microsoft.com/office/officeart/2009/layout/CircleArrowProcess"/>
+    <dgm:cxn modelId="{4AE2AB29-2DB6-4291-BB36-3DE2DE60BDDB}" srcId="{FFDEF465-555C-4C54-8411-88F10898A2F1}" destId="{CA6BF94B-E0FA-416D-9092-7547EBB013EC}" srcOrd="2" destOrd="0" parTransId="{8889F21E-4817-462B-8616-4B257C17DB11}" sibTransId="{E0FCABF2-A56D-4DAB-A636-120EA24CB806}"/>
+    <dgm:cxn modelId="{047FAF94-B105-425D-80FA-BAD93743F571}" type="presOf" srcId="{59F5A144-EE7B-4755-97A7-438EDF7FE382}" destId="{1FFD07E3-3120-4C81-9A39-1298C5EE5977}" srcOrd="0" destOrd="0" presId="urn:microsoft.com/office/officeart/2009/layout/CircleArrowProcess"/>
+    <dgm:cxn modelId="{1BDC2FB2-9A4A-4BE8-B114-B451162C49FB}" srcId="{FFDEF465-555C-4C54-8411-88F10898A2F1}" destId="{36B6A8E8-F233-4CD4-AC7A-3D84926327C6}" srcOrd="3" destOrd="0" parTransId="{7FF9F793-04E4-4261-B20E-70903AA013DA}" sibTransId="{74645B06-CA84-4D0A-B1CB-7009021A2EDB}"/>
+    <dgm:cxn modelId="{E41316DA-E812-40EF-A152-38C3CB2E5271}" type="presOf" srcId="{36B6A8E8-F233-4CD4-AC7A-3D84926327C6}" destId="{A81472AA-DD90-4B65-9FD4-E1C62E35ECD2}" srcOrd="0" destOrd="0" presId="urn:microsoft.com/office/officeart/2009/layout/CircleArrowProcess"/>
+    <dgm:cxn modelId="{DCDB56B0-2BBD-4312-8F75-8425E7C89F68}" srcId="{FFDEF465-555C-4C54-8411-88F10898A2F1}" destId="{A9E1FA75-441B-4ACD-8EE9-F14F36F1732F}" srcOrd="1" destOrd="0" parTransId="{069F55F5-5B70-4492-BEA2-50E4B53BC7A5}" sibTransId="{43E12D8A-C635-4321-8CAA-A288BE8DBBBC}"/>
+    <dgm:cxn modelId="{E4B4593B-9F55-4562-9FC0-D5418EFE29F1}" srcId="{FFDEF465-555C-4C54-8411-88F10898A2F1}" destId="{59F5A144-EE7B-4755-97A7-438EDF7FE382}" srcOrd="0" destOrd="0" parTransId="{8BE306E9-B1EC-47EC-B87E-E4839A90118E}" sibTransId="{86DA9ACA-8144-49AD-82CC-B30BF1BDCCF2}"/>
+    <dgm:cxn modelId="{69232DB7-D540-4C72-9B50-3A13FCAA185E}" type="presOf" srcId="{FFDEF465-555C-4C54-8411-88F10898A2F1}" destId="{02B3B863-3153-4F75-9EBA-3F40ED54EA8A}" srcOrd="0" destOrd="0" presId="urn:microsoft.com/office/officeart/2009/layout/CircleArrowProcess"/>
+    <dgm:cxn modelId="{64EEEA48-C8A9-44B3-AB48-B34EDE4AD94A}" type="presParOf" srcId="{02B3B863-3153-4F75-9EBA-3F40ED54EA8A}" destId="{E767E2A3-8172-4971-9278-90703AED40D1}" srcOrd="0" destOrd="0" presId="urn:microsoft.com/office/officeart/2009/layout/CircleArrowProcess"/>
+    <dgm:cxn modelId="{B67E6596-B8F3-4600-9D9F-ABC8138EF3C7}" type="presParOf" srcId="{E767E2A3-8172-4971-9278-90703AED40D1}" destId="{FB0A8A38-B833-489B-A36D-5A14937A5299}" srcOrd="0" destOrd="0" presId="urn:microsoft.com/office/officeart/2009/layout/CircleArrowProcess"/>
+    <dgm:cxn modelId="{D6AC5890-5649-4821-85B8-EDB0C631E2AA}" type="presParOf" srcId="{02B3B863-3153-4F75-9EBA-3F40ED54EA8A}" destId="{1FFD07E3-3120-4C81-9A39-1298C5EE5977}" srcOrd="1" destOrd="0" presId="urn:microsoft.com/office/officeart/2009/layout/CircleArrowProcess"/>
+    <dgm:cxn modelId="{32961D80-BB83-4DC8-AF8E-31D86B8811A8}" type="presParOf" srcId="{02B3B863-3153-4F75-9EBA-3F40ED54EA8A}" destId="{95AE9DD9-1CD6-4EB6-8B09-87EDE809DF0B}" srcOrd="2" destOrd="0" presId="urn:microsoft.com/office/officeart/2009/layout/CircleArrowProcess"/>
+    <dgm:cxn modelId="{95AA0856-6682-470A-A7EE-E4062958ED4E}" type="presParOf" srcId="{95AE9DD9-1CD6-4EB6-8B09-87EDE809DF0B}" destId="{439255D1-80B8-4260-B1C1-795B8102FB08}" srcOrd="0" destOrd="0" presId="urn:microsoft.com/office/officeart/2009/layout/CircleArrowProcess"/>
+    <dgm:cxn modelId="{F4C39D31-7119-4933-B2CF-D6F31079E012}" type="presParOf" srcId="{02B3B863-3153-4F75-9EBA-3F40ED54EA8A}" destId="{ABD211B4-68F1-423D-BEA4-6A1A04FDE8ED}" srcOrd="3" destOrd="0" presId="urn:microsoft.com/office/officeart/2009/layout/CircleArrowProcess"/>
+    <dgm:cxn modelId="{F4663325-AD2A-4C1C-AA7E-EA7823C840C2}" type="presParOf" srcId="{02B3B863-3153-4F75-9EBA-3F40ED54EA8A}" destId="{753745BC-D3FA-44C4-B3F3-500FA97234B7}" srcOrd="4" destOrd="0" presId="urn:microsoft.com/office/officeart/2009/layout/CircleArrowProcess"/>
+    <dgm:cxn modelId="{12A4876C-30E1-487E-9EEC-68985CCA8F96}" type="presParOf" srcId="{753745BC-D3FA-44C4-B3F3-500FA97234B7}" destId="{A9FB8234-C12B-4BF6-A0DE-581332929C75}" srcOrd="0" destOrd="0" presId="urn:microsoft.com/office/officeart/2009/layout/CircleArrowProcess"/>
+    <dgm:cxn modelId="{94D565DE-23AD-4F98-8D80-87086D252E01}" type="presParOf" srcId="{02B3B863-3153-4F75-9EBA-3F40ED54EA8A}" destId="{995A844F-2394-489C-8FD0-C88A18C57EF3}" srcOrd="5" destOrd="0" presId="urn:microsoft.com/office/officeart/2009/layout/CircleArrowProcess"/>
+    <dgm:cxn modelId="{A9AD8376-F0DB-4724-AD0F-EF1C51DD7F8D}" type="presParOf" srcId="{02B3B863-3153-4F75-9EBA-3F40ED54EA8A}" destId="{E30A4B13-9413-46A8-8ADF-643A90641357}" srcOrd="6" destOrd="0" presId="urn:microsoft.com/office/officeart/2009/layout/CircleArrowProcess"/>
+    <dgm:cxn modelId="{4E0C89B6-B071-45CD-9332-F15D2AC21E01}" type="presParOf" srcId="{E30A4B13-9413-46A8-8ADF-643A90641357}" destId="{F756996F-F41C-44E7-9AA9-95652EC0C1D5}" srcOrd="0" destOrd="0" presId="urn:microsoft.com/office/officeart/2009/layout/CircleArrowProcess"/>
+    <dgm:cxn modelId="{889D32BF-3E96-425E-9331-46B1A5F4D9F6}" type="presParOf" srcId="{02B3B863-3153-4F75-9EBA-3F40ED54EA8A}" destId="{A81472AA-DD90-4B65-9FD4-E1C62E35ECD2}" srcOrd="7" destOrd="0" presId="urn:microsoft.com/office/officeart/2009/layout/CircleArrowProcess"/>
+  </dgm:cxnLst>
+  <dgm:bg/>
+  <dgm:whole/>
+  <dgm:extLst>
+    <a:ext uri="http://schemas.microsoft.com/office/drawing/2008/diagram">
+      <dsp:dataModelExt xmlns:dsp="http://schemas.microsoft.com/office/drawing/2008/diagram" relId="rId6" minVer="http://schemas.openxmlformats.org/drawingml/2006/diagram"/>
+    </a:ext>
+  </dgm:extLst>
+</dgm:dataModel>
+</file>
+
+<file path=ppt/diagrams/drawing1.xml><?xml version="1.0" encoding="utf-8"?>
+<dsp:drawing xmlns:dgm="http://schemas.openxmlformats.org/drawingml/2006/diagram" xmlns:dsp="http://schemas.microsoft.com/office/drawing/2008/diagram" xmlns:a="http://schemas.openxmlformats.org/drawingml/2006/main">
+  <dsp:spTree>
+    <dsp:nvGrpSpPr>
+      <dsp:cNvPr id="0" name=""/>
+      <dsp:cNvGrpSpPr/>
+    </dsp:nvGrpSpPr>
+    <dsp:grpSpPr/>
+    <dsp:sp modelId="{FB0A8A38-B833-489B-A36D-5A14937A5299}">
+      <dsp:nvSpPr>
+        <dsp:cNvPr id="0" name=""/>
+        <dsp:cNvSpPr/>
+      </dsp:nvSpPr>
+      <dsp:spPr>
+        <a:xfrm>
+          <a:off x="994862" y="982096"/>
+          <a:ext cx="1724751" cy="1724927"/>
+        </a:xfrm>
+        <a:prstGeom prst="circularArrow">
+          <a:avLst>
+            <a:gd name="adj1" fmla="val 10980"/>
+            <a:gd name="adj2" fmla="val 1142322"/>
+            <a:gd name="adj3" fmla="val 4500000"/>
+            <a:gd name="adj4" fmla="val 10800000"/>
+            <a:gd name="adj5" fmla="val 12500"/>
+          </a:avLst>
+        </a:prstGeom>
+        <a:solidFill>
+          <a:schemeClr val="accent1">
+            <a:hueOff val="0"/>
+            <a:satOff val="0"/>
+            <a:lumOff val="0"/>
+            <a:alphaOff val="0"/>
+          </a:schemeClr>
+        </a:solidFill>
+        <a:ln w="12700" cap="flat" cmpd="sng" algn="ctr">
+          <a:solidFill>
+            <a:schemeClr val="lt1">
+              <a:hueOff val="0"/>
+              <a:satOff val="0"/>
+              <a:lumOff val="0"/>
+              <a:alphaOff val="0"/>
+            </a:schemeClr>
+          </a:solidFill>
+          <a:prstDash val="solid"/>
+          <a:miter lim="800000"/>
+        </a:ln>
+        <a:effectLst/>
+      </dsp:spPr>
+      <dsp:style>
+        <a:lnRef idx="2">
+          <a:scrgbClr r="0" g="0" b="0"/>
+        </a:lnRef>
+        <a:fillRef idx="1">
+          <a:scrgbClr r="0" g="0" b="0"/>
+        </a:fillRef>
+        <a:effectRef idx="0">
+          <a:scrgbClr r="0" g="0" b="0"/>
+        </a:effectRef>
+        <a:fontRef idx="minor">
+          <a:schemeClr val="lt1"/>
+        </a:fontRef>
+      </dsp:style>
+    </dsp:sp>
+    <dsp:sp modelId="{1FFD07E3-3120-4C81-9A39-1298C5EE5977}">
+      <dsp:nvSpPr>
+        <dsp:cNvPr id="0" name=""/>
+        <dsp:cNvSpPr/>
+      </dsp:nvSpPr>
+      <dsp:spPr>
+        <a:xfrm>
+          <a:off x="1375660" y="1606473"/>
+          <a:ext cx="962509" cy="481204"/>
+        </a:xfrm>
+        <a:prstGeom prst="rect">
+          <a:avLst/>
+        </a:prstGeom>
+        <a:noFill/>
+        <a:ln>
+          <a:noFill/>
+        </a:ln>
+        <a:effectLst/>
+      </dsp:spPr>
+      <dsp:style>
+        <a:lnRef idx="0">
+          <a:scrgbClr r="0" g="0" b="0"/>
+        </a:lnRef>
+        <a:fillRef idx="0">
+          <a:scrgbClr r="0" g="0" b="0"/>
+        </a:fillRef>
+        <a:effectRef idx="0">
+          <a:scrgbClr r="0" g="0" b="0"/>
+        </a:effectRef>
+        <a:fontRef idx="minor"/>
+      </dsp:style>
+      <dsp:txBody>
+        <a:bodyPr spcFirstLastPara="0" vert="horz" wrap="square" lIns="7620" tIns="7620" rIns="7620" bIns="7620" numCol="1" spcCol="1270" anchor="ctr" anchorCtr="0">
+          <a:noAutofit/>
+        </a:bodyPr>
+        <a:lstStyle/>
+        <a:p>
+          <a:pPr lvl="0" algn="ctr" defTabSz="533400">
+            <a:lnSpc>
+              <a:spcPct val="90000"/>
+            </a:lnSpc>
+            <a:spcBef>
+              <a:spcPct val="0"/>
+            </a:spcBef>
+            <a:spcAft>
+              <a:spcPct val="35000"/>
+            </a:spcAft>
+          </a:pPr>
+          <a:r>
+            <a:rPr lang="en-GB" sz="1200" b="1" kern="1200" dirty="0" smtClean="0">
+              <a:latin typeface="Airal"/>
+            </a:rPr>
+            <a:t>Feature</a:t>
+          </a:r>
+          <a:r>
+            <a:rPr lang="en-GB" sz="1200" b="1" kern="1200" dirty="0" smtClean="0"/>
+            <a:t> Extraction</a:t>
+          </a:r>
+          <a:endParaRPr lang="en-US" sz="1200" b="1" kern="1200" dirty="0"/>
+        </a:p>
+      </dsp:txBody>
+      <dsp:txXfrm>
+        <a:off x="1375660" y="1606473"/>
+        <a:ext cx="962509" cy="481204"/>
+      </dsp:txXfrm>
+    </dsp:sp>
+    <dsp:sp modelId="{439255D1-80B8-4260-B1C1-795B8102FB08}">
+      <dsp:nvSpPr>
+        <dsp:cNvPr id="0" name=""/>
+        <dsp:cNvSpPr/>
+      </dsp:nvSpPr>
+      <dsp:spPr>
+        <a:xfrm>
+          <a:off x="515710" y="1973323"/>
+          <a:ext cx="1724751" cy="1724927"/>
+        </a:xfrm>
+        <a:prstGeom prst="leftCircularArrow">
+          <a:avLst>
+            <a:gd name="adj1" fmla="val 10980"/>
+            <a:gd name="adj2" fmla="val 1142322"/>
+            <a:gd name="adj3" fmla="val 6300000"/>
+            <a:gd name="adj4" fmla="val 18900000"/>
+            <a:gd name="adj5" fmla="val 12500"/>
+          </a:avLst>
+        </a:prstGeom>
+        <a:solidFill>
+          <a:schemeClr val="accent1">
+            <a:hueOff val="0"/>
+            <a:satOff val="0"/>
+            <a:lumOff val="0"/>
+            <a:alphaOff val="0"/>
+          </a:schemeClr>
+        </a:solidFill>
+        <a:ln w="12700" cap="flat" cmpd="sng" algn="ctr">
+          <a:solidFill>
+            <a:schemeClr val="lt1">
+              <a:hueOff val="0"/>
+              <a:satOff val="0"/>
+              <a:lumOff val="0"/>
+              <a:alphaOff val="0"/>
+            </a:schemeClr>
+          </a:solidFill>
+          <a:prstDash val="solid"/>
+          <a:miter lim="800000"/>
+        </a:ln>
+        <a:effectLst/>
+      </dsp:spPr>
+      <dsp:style>
+        <a:lnRef idx="2">
+          <a:scrgbClr r="0" g="0" b="0"/>
+        </a:lnRef>
+        <a:fillRef idx="1">
+          <a:scrgbClr r="0" g="0" b="0"/>
+        </a:fillRef>
+        <a:effectRef idx="0">
+          <a:scrgbClr r="0" g="0" b="0"/>
+        </a:effectRef>
+        <a:fontRef idx="minor">
+          <a:schemeClr val="lt1"/>
+        </a:fontRef>
+      </dsp:style>
+    </dsp:sp>
+    <dsp:sp modelId="{ABD211B4-68F1-423D-BEA4-6A1A04FDE8ED}">
+      <dsp:nvSpPr>
+        <dsp:cNvPr id="0" name=""/>
+        <dsp:cNvSpPr/>
+      </dsp:nvSpPr>
+      <dsp:spPr>
+        <a:xfrm>
+          <a:off x="832745" y="2599530"/>
+          <a:ext cx="1086153" cy="481204"/>
+        </a:xfrm>
+        <a:prstGeom prst="rect">
+          <a:avLst/>
+        </a:prstGeom>
+        <a:noFill/>
+        <a:ln>
+          <a:noFill/>
+        </a:ln>
+        <a:effectLst/>
+      </dsp:spPr>
+      <dsp:style>
+        <a:lnRef idx="0">
+          <a:scrgbClr r="0" g="0" b="0"/>
+        </a:lnRef>
+        <a:fillRef idx="0">
+          <a:scrgbClr r="0" g="0" b="0"/>
+        </a:fillRef>
+        <a:effectRef idx="0">
+          <a:scrgbClr r="0" g="0" b="0"/>
+        </a:effectRef>
+        <a:fontRef idx="minor"/>
+      </dsp:style>
+      <dsp:txBody>
+        <a:bodyPr spcFirstLastPara="0" vert="horz" wrap="square" lIns="7620" tIns="7620" rIns="7620" bIns="7620" numCol="1" spcCol="1270" anchor="ctr" anchorCtr="0">
+          <a:noAutofit/>
+        </a:bodyPr>
+        <a:lstStyle/>
+        <a:p>
+          <a:pPr lvl="0" algn="ctr" defTabSz="533400">
+            <a:lnSpc>
+              <a:spcPct val="90000"/>
+            </a:lnSpc>
+            <a:spcBef>
+              <a:spcPct val="0"/>
+            </a:spcBef>
+            <a:spcAft>
+              <a:spcPct val="35000"/>
+            </a:spcAft>
+          </a:pPr>
+          <a:r>
+            <a:rPr lang="en-GB" sz="1200" b="1" kern="1200" dirty="0" smtClean="0"/>
+            <a:t>Feature </a:t>
+          </a:r>
+          <a:r>
+            <a:rPr lang="en-GB" sz="1200" b="1" kern="1200" dirty="0" smtClean="0">
+              <a:latin typeface="Airal"/>
+            </a:rPr>
+            <a:t>Distributional</a:t>
+          </a:r>
+          <a:r>
+            <a:rPr lang="en-GB" sz="1200" b="1" kern="1200" dirty="0" smtClean="0"/>
+            <a:t> Modelling</a:t>
+          </a:r>
+          <a:endParaRPr lang="en-US" sz="1200" b="1" kern="1200" dirty="0"/>
+        </a:p>
+      </dsp:txBody>
+      <dsp:txXfrm>
+        <a:off x="832745" y="2599530"/>
+        <a:ext cx="1086153" cy="481204"/>
+      </dsp:txXfrm>
+    </dsp:sp>
+    <dsp:sp modelId="{A9FB8234-C12B-4BF6-A0DE-581332929C75}">
+      <dsp:nvSpPr>
+        <dsp:cNvPr id="0" name=""/>
+        <dsp:cNvSpPr/>
+      </dsp:nvSpPr>
+      <dsp:spPr>
+        <a:xfrm>
+          <a:off x="994862" y="2968210"/>
+          <a:ext cx="1724751" cy="1724927"/>
+        </a:xfrm>
+        <a:prstGeom prst="circularArrow">
+          <a:avLst>
+            <a:gd name="adj1" fmla="val 10980"/>
+            <a:gd name="adj2" fmla="val 1142322"/>
+            <a:gd name="adj3" fmla="val 4500000"/>
+            <a:gd name="adj4" fmla="val 13500000"/>
+            <a:gd name="adj5" fmla="val 12500"/>
+          </a:avLst>
+        </a:prstGeom>
+        <a:solidFill>
+          <a:schemeClr val="accent1">
+            <a:hueOff val="0"/>
+            <a:satOff val="0"/>
+            <a:lumOff val="0"/>
+            <a:alphaOff val="0"/>
+          </a:schemeClr>
+        </a:solidFill>
+        <a:ln w="12700" cap="flat" cmpd="sng" algn="ctr">
+          <a:solidFill>
+            <a:schemeClr val="lt1">
+              <a:hueOff val="0"/>
+              <a:satOff val="0"/>
+              <a:lumOff val="0"/>
+              <a:alphaOff val="0"/>
+            </a:schemeClr>
+          </a:solidFill>
+          <a:prstDash val="solid"/>
+          <a:miter lim="800000"/>
+        </a:ln>
+        <a:effectLst/>
+      </dsp:spPr>
+      <dsp:style>
+        <a:lnRef idx="2">
+          <a:scrgbClr r="0" g="0" b="0"/>
+        </a:lnRef>
+        <a:fillRef idx="1">
+          <a:scrgbClr r="0" g="0" b="0"/>
+        </a:fillRef>
+        <a:effectRef idx="0">
+          <a:scrgbClr r="0" g="0" b="0"/>
+        </a:effectRef>
+        <a:fontRef idx="minor">
+          <a:schemeClr val="lt1"/>
+        </a:fontRef>
+      </dsp:style>
+    </dsp:sp>
+    <dsp:sp modelId="{995A844F-2394-489C-8FD0-C88A18C57EF3}">
+      <dsp:nvSpPr>
+        <dsp:cNvPr id="0" name=""/>
+        <dsp:cNvSpPr/>
+      </dsp:nvSpPr>
+      <dsp:spPr>
+        <a:xfrm>
+          <a:off x="1375660" y="3592587"/>
+          <a:ext cx="962509" cy="481204"/>
+        </a:xfrm>
+        <a:prstGeom prst="rect">
+          <a:avLst/>
+        </a:prstGeom>
+        <a:noFill/>
+        <a:ln>
+          <a:noFill/>
+        </a:ln>
+        <a:effectLst/>
+      </dsp:spPr>
+      <dsp:style>
+        <a:lnRef idx="0">
+          <a:scrgbClr r="0" g="0" b="0"/>
+        </a:lnRef>
+        <a:fillRef idx="0">
+          <a:scrgbClr r="0" g="0" b="0"/>
+        </a:fillRef>
+        <a:effectRef idx="0">
+          <a:scrgbClr r="0" g="0" b="0"/>
+        </a:effectRef>
+        <a:fontRef idx="minor"/>
+      </dsp:style>
+      <dsp:txBody>
+        <a:bodyPr spcFirstLastPara="0" vert="horz" wrap="square" lIns="7620" tIns="7620" rIns="7620" bIns="7620" numCol="1" spcCol="1270" anchor="ctr" anchorCtr="0">
+          <a:noAutofit/>
+        </a:bodyPr>
+        <a:lstStyle/>
+        <a:p>
+          <a:pPr lvl="0" algn="ctr" defTabSz="533400">
+            <a:lnSpc>
+              <a:spcPct val="90000"/>
+            </a:lnSpc>
+            <a:spcBef>
+              <a:spcPct val="0"/>
+            </a:spcBef>
+            <a:spcAft>
+              <a:spcPct val="35000"/>
+            </a:spcAft>
+          </a:pPr>
+          <a:r>
+            <a:rPr lang="en-GB" sz="1200" b="1" kern="1200" dirty="0" smtClean="0"/>
+            <a:t>Fitting Mixture Model</a:t>
+          </a:r>
+          <a:endParaRPr lang="en-US" sz="1200" b="1" kern="1200" dirty="0"/>
+        </a:p>
+      </dsp:txBody>
+      <dsp:txXfrm>
+        <a:off x="1375660" y="3592587"/>
+        <a:ext cx="962509" cy="481204"/>
+      </dsp:txXfrm>
+    </dsp:sp>
+    <dsp:sp modelId="{F756996F-F41C-44E7-9AA9-95652EC0C1D5}">
+      <dsp:nvSpPr>
+        <dsp:cNvPr id="0" name=""/>
+        <dsp:cNvSpPr/>
+      </dsp:nvSpPr>
+      <dsp:spPr>
+        <a:xfrm>
+          <a:off x="638653" y="4073792"/>
+          <a:ext cx="1481778" cy="1482495"/>
+        </a:xfrm>
+        <a:prstGeom prst="blockArc">
+          <a:avLst>
+            <a:gd name="adj1" fmla="val 0"/>
+            <a:gd name="adj2" fmla="val 18900000"/>
+            <a:gd name="adj3" fmla="val 12740"/>
+          </a:avLst>
+        </a:prstGeom>
+        <a:solidFill>
+          <a:schemeClr val="accent1">
+            <a:hueOff val="0"/>
+            <a:satOff val="0"/>
+            <a:lumOff val="0"/>
+            <a:alphaOff val="0"/>
+          </a:schemeClr>
+        </a:solidFill>
+        <a:ln w="12700" cap="flat" cmpd="sng" algn="ctr">
+          <a:solidFill>
+            <a:schemeClr val="lt1">
+              <a:hueOff val="0"/>
+              <a:satOff val="0"/>
+              <a:lumOff val="0"/>
+              <a:alphaOff val="0"/>
+            </a:schemeClr>
+          </a:solidFill>
+          <a:prstDash val="solid"/>
+          <a:miter lim="800000"/>
+        </a:ln>
+        <a:effectLst/>
+      </dsp:spPr>
+      <dsp:style>
+        <a:lnRef idx="2">
+          <a:scrgbClr r="0" g="0" b="0"/>
+        </a:lnRef>
+        <a:fillRef idx="1">
+          <a:scrgbClr r="0" g="0" b="0"/>
+        </a:fillRef>
+        <a:effectRef idx="0">
+          <a:scrgbClr r="0" g="0" b="0"/>
+        </a:effectRef>
+        <a:fontRef idx="minor">
+          <a:schemeClr val="lt1"/>
+        </a:fontRef>
+      </dsp:style>
+    </dsp:sp>
+    <dsp:sp modelId="{A81472AA-DD90-4B65-9FD4-E1C62E35ECD2}">
+      <dsp:nvSpPr>
+        <dsp:cNvPr id="0" name=""/>
+        <dsp:cNvSpPr/>
+      </dsp:nvSpPr>
+      <dsp:spPr>
+        <a:xfrm>
+          <a:off x="894567" y="4585644"/>
+          <a:ext cx="962509" cy="481204"/>
+        </a:xfrm>
+        <a:prstGeom prst="rect">
+          <a:avLst/>
+        </a:prstGeom>
+        <a:noFill/>
+        <a:ln>
+          <a:noFill/>
+        </a:ln>
+        <a:effectLst/>
+      </dsp:spPr>
+      <dsp:style>
+        <a:lnRef idx="0">
+          <a:scrgbClr r="0" g="0" b="0"/>
+        </a:lnRef>
+        <a:fillRef idx="0">
+          <a:scrgbClr r="0" g="0" b="0"/>
+        </a:fillRef>
+        <a:effectRef idx="0">
+          <a:scrgbClr r="0" g="0" b="0"/>
+        </a:effectRef>
+        <a:fontRef idx="minor"/>
+      </dsp:style>
+      <dsp:txBody>
+        <a:bodyPr spcFirstLastPara="0" vert="horz" wrap="square" lIns="7620" tIns="7620" rIns="7620" bIns="7620" numCol="1" spcCol="1270" anchor="ctr" anchorCtr="0">
+          <a:noAutofit/>
+        </a:bodyPr>
+        <a:lstStyle/>
+        <a:p>
+          <a:pPr lvl="0" algn="ctr" defTabSz="533400">
+            <a:lnSpc>
+              <a:spcPct val="90000"/>
+            </a:lnSpc>
+            <a:spcBef>
+              <a:spcPct val="0"/>
+            </a:spcBef>
+            <a:spcAft>
+              <a:spcPct val="35000"/>
+            </a:spcAft>
+          </a:pPr>
+          <a:r>
+            <a:rPr lang="en-GB" sz="1200" b="1" kern="1200" dirty="0" smtClean="0">
+              <a:latin typeface="Airal"/>
+            </a:rPr>
+            <a:t>Analytics</a:t>
+          </a:r>
+          <a:r>
+            <a:rPr lang="en-GB" sz="1200" b="1" kern="1200" dirty="0" smtClean="0"/>
+            <a:t> and Prediction</a:t>
+          </a:r>
+          <a:endParaRPr lang="en-US" sz="1200" b="1" kern="1200" dirty="0"/>
+        </a:p>
+      </dsp:txBody>
+      <dsp:txXfrm>
+        <a:off x="894567" y="4585644"/>
+        <a:ext cx="962509" cy="481204"/>
+      </dsp:txXfrm>
+    </dsp:sp>
+  </dsp:spTree>
+</dsp:drawing>
+</file>
+
+<file path=ppt/diagrams/layout1.xml><?xml version="1.0" encoding="utf-8"?>
+<dgm:layoutDef xmlns:dgm="http://schemas.openxmlformats.org/drawingml/2006/diagram" xmlns:a="http://schemas.openxmlformats.org/drawingml/2006/main" uniqueId="urn:microsoft.com/office/officeart/2009/layout/CircleArrowProcess">
+  <dgm:title val=""/>
+  <dgm:desc val=""/>
+  <dgm:catLst>
+    <dgm:cat type="process" pri="16500"/>
+    <dgm:cat type="cycle" pri="16000"/>
+  </dgm:catLst>
+  <dgm:sampData>
+    <dgm:dataModel>
+      <dgm:ptLst>
+        <dgm:pt modelId="0" type="doc"/>
+        <dgm:pt modelId="10">
+          <dgm:prSet phldr="1"/>
+        </dgm:pt>
+        <dgm:pt modelId="20">
+          <dgm:prSet phldr="1"/>
+        </dgm:pt>
+        <dgm:pt modelId="30">
+          <dgm:prSet phldr="1"/>
+        </dgm:pt>
+      </dgm:ptLst>
+      <dgm:cxnLst>
+        <dgm:cxn modelId="40" srcId="0" destId="10" srcOrd="0" destOrd="0"/>
+        <dgm:cxn modelId="50" srcId="0" destId="20" srcOrd="1" destOrd="0"/>
+        <dgm:cxn modelId="60" srcId="0" destId="30" srcOrd="2" destOrd="0"/>
+      </dgm:cxnLst>
+      <dgm:bg/>
+      <dgm:whole/>
+    </dgm:dataModel>
+  </dgm:sampData>
+  <dgm:styleData>
+    <dgm:dataModel>
+      <dgm:ptLst>
+        <dgm:pt modelId="0" type="doc"/>
+        <dgm:pt modelId="10">
+          <dgm:prSet phldr="1"/>
+        </dgm:pt>
+        <dgm:pt modelId="20">
+          <dgm:prSet phldr="1"/>
+        </dgm:pt>
+      </dgm:ptLst>
+      <dgm:cxnLst>
+        <dgm:cxn modelId="30" srcId="0" destId="10" srcOrd="0" destOrd="0"/>
+        <dgm:cxn modelId="40" srcId="0" destId="20" srcOrd="1" destOrd="0"/>
+      </dgm:cxnLst>
+      <dgm:bg/>
+      <dgm:whole/>
+    </dgm:dataModel>
+  </dgm:styleData>
+  <dgm:clrData>
+    <dgm:dataModel>
+      <dgm:ptLst>
+        <dgm:pt modelId="0" type="doc"/>
+        <dgm:pt modelId="10">
+          <dgm:prSet phldr="1"/>
+        </dgm:pt>
+        <dgm:pt modelId="20">
+          <dgm:prSet phldr="1"/>
+        </dgm:pt>
+        <dgm:pt modelId="30">
+          <dgm:prSet phldr="1"/>
+        </dgm:pt>
+        <dgm:pt modelId="40">
+          <dgm:prSet phldr="1"/>
+        </dgm:pt>
+      </dgm:ptLst>
+      <dgm:cxnLst>
+        <dgm:cxn modelId="50" srcId="0" destId="10" srcOrd="0" destOrd="0"/>
+        <dgm:cxn modelId="60" srcId="0" destId="20" srcOrd="1" destOrd="0"/>
+        <dgm:cxn modelId="70" srcId="0" destId="30" srcOrd="2" destOrd="0"/>
+        <dgm:cxn modelId="80" srcId="0" destId="40" srcOrd="3" destOrd="0"/>
+      </dgm:cxnLst>
+      <dgm:bg/>
+      <dgm:whole/>
+    </dgm:dataModel>
+  </dgm:clrData>
+  <dgm:layoutNode name="Name0">
+    <dgm:varLst>
+      <dgm:chMax val="7"/>
+      <dgm:chPref val="7"/>
+      <dgm:dir/>
+      <dgm:animLvl val="lvl"/>
+    </dgm:varLst>
+    <dgm:shape xmlns:r="http://schemas.openxmlformats.org/officeDocument/2006/relationships" r:blip="">
+      <dgm:adjLst/>
+    </dgm:shape>
+    <dgm:choose name="Name1">
+      <dgm:if name="Name2" func="var" arg="dir" op="equ" val="norm">
+        <dgm:choose name="Name3">
+          <dgm:if name="Name4" axis="ch" ptType="node" func="cnt" op="equ" val="1">
+            <dgm:alg type="composite">
+              <dgm:param type="ar" val="1.5999"/>
+            </dgm:alg>
+            <dgm:constrLst>
+              <dgm:constr type="primFontSz" for="des" forName="Child1" val="65"/>
+              <dgm:constr type="primFontSz" for="des" forName="Parent1" val="65"/>
+              <dgm:constr type="primFontSz" for="des" forName="Child1" refType="primFontSz" refFor="des" refForName="Parent1" op="lte"/>
+              <dgm:constr type="l" for="ch" forName="Child1" refType="w" fact="0.625"/>
+              <dgm:constr type="t" for="ch" forName="Child1" refType="h" fact="0.2981"/>
+              <dgm:constr type="w" for="ch" forName="Child1" refType="w" fact="0.375"/>
+              <dgm:constr type="h" for="ch" forName="Child1" refType="h" fact="0.4001"/>
+              <dgm:constr type="l" for="ch" forName="Accent1" refType="w" fact="0"/>
+              <dgm:constr type="t" for="ch" forName="Accent1" refType="h" fact="0"/>
+              <dgm:constr type="w" for="ch" forName="Accent1" refType="w" fact="0.6249"/>
+              <dgm:constr type="h" for="ch" forName="Accent1" refType="h"/>
+              <dgm:constr type="l" for="ch" forName="Parent1" refType="w" fact="0.138"/>
+              <dgm:constr type="t" for="ch" forName="Parent1" refType="h" fact="0.362"/>
+              <dgm:constr type="w" for="ch" forName="Parent1" refType="w" fact="0.3487"/>
+              <dgm:constr type="h" for="ch" forName="Parent1" refType="h" fact="0.2789"/>
+            </dgm:constrLst>
+          </dgm:if>
+          <dgm:if name="Name5" axis="ch" ptType="node" func="cnt" op="equ" val="2">
+            <dgm:alg type="composite">
+              <dgm:param type="ar" val="1.2026"/>
+            </dgm:alg>
+            <dgm:constrLst>
+              <dgm:constr type="primFontSz" for="des" forName="Child1" val="65"/>
+              <dgm:constr type="primFontSz" for="des" forName="Parent1" val="65"/>
+              <dgm:constr type="primFontSz" for="des" forName="Child1" refType="primFontSz" refFor="des" refForName="Parent1" op="lte"/>
+              <dgm:constr type="primFontSz" for="des" forName="Child2" refType="primFontSz" refFor="des" refForName="Parent1" op="lte"/>
+              <dgm:constr type="primFontSz" for="des" forName="Child1" refType="primFontSz" refFor="des" refForName="Parent2" op="lte"/>
+              <dgm:constr type="primFontSz" for="des" forName="Child2" refType="primFontSz" refFor="des" refForName="Parent2" op="lte"/>
+              <dgm:constr type="primFontSz" for="des" forName="Parent2" refType="primFontSz" refFor="des" refForName="Parent1" op="equ"/>
+              <dgm:constr type="primFontSz" for="des" forName="Child2" refType="primFontSz" refFor="des" refForName="Child1" op="equ"/>
+              <dgm:constr type="l" for="ch" forName="Accent1" refType="w" fact="0.1144"/>
+              <dgm:constr type="t" for="ch" forName="Accent1" refType="h" fact="0"/>
+              <dgm:constr type="w" for="ch" forName="Accent1" refType="w" fact="0.5542"/>
+              <dgm:constr type="h" for="ch" forName="Accent1" refType="h" fact="0.6665"/>
+              <dgm:constr type="l" for="ch" forName="Parent1" refType="w" fact="0.2368"/>
+              <dgm:constr type="t" for="ch" forName="Parent1" refType="h" fact="0.2413"/>
+              <dgm:constr type="w" for="ch" forName="Parent1" refType="w" fact="0.3092"/>
+              <dgm:constr type="h" for="ch" forName="Parent1" refType="h" fact="0.1859"/>
+              <dgm:constr type="l" for="ch" forName="Parent2" refType="w" fact="0.0822"/>
+              <dgm:constr type="t" for="ch" forName="Parent2" refType="h" fact="0.625"/>
+              <dgm:constr type="w" for="ch" forName="Parent2" refType="w" fact="0.3092"/>
+              <dgm:constr type="h" for="ch" forName="Parent2" refType="h" fact="0.1859"/>
+              <dgm:constr type="l" for="ch" forName="Child1" refType="w" fact="0.6678"/>
+              <dgm:constr type="t" for="ch" forName="Child1" refType="h" fact="0.1978"/>
+              <dgm:constr type="w" for="ch" forName="Child1" refType="w" fact="0.3322"/>
+              <dgm:constr type="h" for="ch" forName="Child1" refType="h" fact="0.265"/>
+              <dgm:constr type="l" for="ch" forName="Child2" refType="w" fact="0.5164"/>
+              <dgm:constr type="t" for="ch" forName="Child2" refType="h" fact="0.5855"/>
+              <dgm:constr type="w" for="ch" forName="Child2" refType="w" fact="0.3322"/>
+              <dgm:constr type="h" for="ch" forName="Child2" refType="h" fact="0.265"/>
+              <dgm:constr type="l" for="ch" forName="Accent2" refType="w" fact="0"/>
+              <dgm:constr type="t" for="ch" forName="Accent2" refType="h" fact="0.4272"/>
+              <dgm:constr type="w" for="ch" forName="Accent2" refType="w" fact="0.4761"/>
+              <dgm:constr type="h" for="ch" forName="Accent2" refType="h" fact="0.5728"/>
+            </dgm:constrLst>
+          </dgm:if>
+          <dgm:if name="Name6" axis="ch" ptType="node" func="cnt" op="equ" val="3">
+            <dgm:alg type="composite">
+              <dgm:param type="ar" val="0.9039"/>
+            </dgm:alg>
+            <dgm:shape xmlns:r="http://schemas.openxmlformats.org/officeDocument/2006/relationships" r:blip="">
+              <dgm:adjLst/>
+            </dgm:shape>
+            <dgm:constrLst>
+              <dgm:constr type="primFontSz" for="des" forName="Child1" val="65"/>
+              <dgm:constr type="primFontSz" for="des" forName="Parent1" val="65"/>
+              <dgm:constr type="primFontSz" for="des" forName="Child1" refType="primFontSz" refFor="des" refForName="Parent1" op="lte"/>
+              <dgm:constr type="primFontSz" for="des" forName="Child2" refType="primFontSz" refFor="des" refForName="Parent1" op="lte"/>
+              <dgm:constr type="primFontSz" for="des" forName="Child3" refType="primFontSz" refFor="des" refForName="Parent1" op="lte"/>
+              <dgm:constr type="primFontSz" for="des" forName="Child1" refType="primFontSz" refFor="des" refForName="Parent2" op="lte"/>
+              <dgm:constr type="primFontSz" for="des" forName="Child2" refType="primFontSz" refFor="des" refForName="Parent2" op="lte"/>
+              <dgm:constr type="primFontSz" for="des" forName="Child3" refType="primFontSz" refFor="des" refForName="Parent2" op="lte"/>
+              <dgm:constr type="primFontSz" for="des" forName="Child1" refType="primFontSz" refFor="des" refForName="Parent3" op="lte"/>
+              <dgm:constr type="primFontSz" for="des" forName="Child2" refType="primFontSz" refFor="des" refForName="Parent3" op="lte"/>
+              <dgm:constr type="primFontSz" for="des" forName="Child3" refType="primFontSz" refFor="des" refForName="Parent3" op="lte"/>
+              <dgm:constr type="primFontSz" for="des" forName="Parent2" refType="primFontSz" refFor="des" refForName="Parent1" op="equ"/>
+              <dgm:constr type="primFontSz" for="des" forName="Parent3" refType="primFontSz" refFor="des" refForName="Parent1" op="equ"/>
+              <dgm:constr type="primFontSz" for="des" forName="Child2" refType="primFontSz" refFor="des" refForName="Child1" op="equ"/>
+              <dgm:constr type="primFontSz" for="des" forName="Child3" refType="primFontSz" refFor="des" refForName="Child1" op="equ"/>
+              <dgm:constr type="l" for="ch" forName="Accent1" refType="w" fact="0.1479"/>
+              <dgm:constr type="t" for="ch" forName="Accent1" refType="h" fact="0"/>
+              <dgm:constr type="w" for="ch" forName="Accent1" refType="w" fact="0.5325"/>
+              <dgm:constr type="h" for="ch" forName="Accent1" refType="h" fact="0.4814"/>
+              <dgm:constr type="l" for="ch" forName="Accent2" refType="w" fact="0"/>
+              <dgm:constr type="t" for="ch" forName="Accent2" refType="h" fact="0.2766"/>
+              <dgm:constr type="w" for="ch" forName="Accent2" refType="w" fact="0.5325"/>
+              <dgm:constr type="h" for="ch" forName="Accent2" refType="h" fact="0.4814"/>
+              <dgm:constr type="l" for="ch" forName="Parent1" refType="w" fact="0.2656"/>
+              <dgm:constr type="t" for="ch" forName="Parent1" refType="h" fact="0.1738"/>
+              <dgm:constr type="w" for="ch" forName="Parent1" refType="w" fact="0.2959"/>
+              <dgm:constr type="h" for="ch" forName="Parent1" refType="h" fact="0.1337"/>
+              <dgm:constr type="l" for="ch" forName="Accent3" refType="w" fact="0.1858"/>
+              <dgm:constr type="t" for="ch" forName="Accent3" refType="h" fact="0.5863"/>
+              <dgm:constr type="w" for="ch" forName="Accent3" refType="w" fact="0.4575"/>
+              <dgm:constr type="h" for="ch" forName="Accent3" refType="h" fact="0.4137"/>
+              <dgm:constr type="l" for="ch" forName="Parent2" refType="w" fact="0.1183"/>
+              <dgm:constr type="t" for="ch" forName="Parent2" refType="h" fact="0.452"/>
+              <dgm:constr type="w" for="ch" forName="Parent2" refType="w" fact="0.2959"/>
+              <dgm:constr type="h" for="ch" forName="Parent2" refType="h" fact="0.1337"/>
+              <dgm:constr type="l" for="ch" forName="Parent3" refType="w" fact="0.2663"/>
+              <dgm:constr type="t" for="ch" forName="Parent3" refType="h" fact="0.7306"/>
+              <dgm:constr type="w" for="ch" forName="Parent3" refType="w" fact="0.2959"/>
+              <dgm:constr type="h" for="ch" forName="Parent3" refType="h" fact="0.1337"/>
+              <dgm:constr type="l" for="ch" forName="Child2" refType="w" fact="0.5325"/>
+              <dgm:constr type="t" for="ch" forName="Child2" refType="h" fact="0.4217"/>
+              <dgm:constr type="w" for="ch" forName="Child2" refType="w" fact="0.3195"/>
+              <dgm:constr type="h" for="ch" forName="Child2" refType="h" fact="0.1926"/>
+              <dgm:constr type="l" for="ch" forName="Child1" refType="w" fact="0.6805"/>
+              <dgm:constr type="t" for="ch" forName="Child1" refType="h" fact="0.1435"/>
+              <dgm:constr type="w" for="ch" forName="Child1" refType="w" fact="0.3195"/>
+              <dgm:constr type="h" for="ch" forName="Child1" refType="h" fact="0.1926"/>
+              <dgm:constr type="l" for="ch" forName="Child3" refType="w" fact="0.6805"/>
+              <dgm:constr type="t" for="ch" forName="Child3" refType="h" fact="0.6998"/>
+              <dgm:constr type="w" for="ch" forName="Child3" refType="w" fact="0.3195"/>
+              <dgm:constr type="h" for="ch" forName="Child3" refType="h" fact="0.1926"/>
+            </dgm:constrLst>
+          </dgm:if>
+          <dgm:if name="Name7" axis="ch" ptType="node" func="cnt" op="equ" val="4">
+            <dgm:alg type="composite">
+              <dgm:param type="ar" val="0.7073"/>
+            </dgm:alg>
+            <dgm:constrLst>
+              <dgm:constr type="primFontSz" for="des" forName="Child1" val="65"/>
+              <dgm:constr type="primFontSz" for="des" forName="Parent1" val="65"/>
+              <dgm:constr type="primFontSz" for="des" forName="Child1" refType="primFontSz" refFor="des" refForName="Parent1" op="lte"/>
+              <dgm:constr type="primFontSz" for="des" forName="Child2" refType="primFontSz" refFor="des" refForName="Parent1" op="lte"/>
+              <dgm:constr type="primFontSz" for="des" forName="Child3" refType="primFontSz" refFor="des" refForName="Parent1" op="lte"/>
+              <dgm:constr type="primFontSz" for="des" forName="Child4" refType="primFontSz" refFor="des" refForName="Parent1" op="lte"/>
+              <dgm:constr type="primFontSz" for="des" forName="Child1" refType="primFontSz" refFor="des" refForName="Parent2" op="lte"/>
+              <dgm:constr type="primFontSz" for="des" forName="Child2" refType="primFontSz" refFor="des" refForName="Parent2" op="lte"/>
+              <dgm:constr type="primFontSz" for="des" forName="Child3" refType="primFontSz" refFor="des" refForName="Parent2" op="lte"/>
+              <dgm:constr type="primFontSz" for="des" forName="Child4" refType="primFontSz" refFor="des" refForName="Parent2" op="lte"/>
+              <dgm:constr type="primFontSz" for="des" forName="Child1" refType="primFontSz" refFor="des" refForName="Parent3" op="lte"/>
+              <dgm:constr type="primFontSz" for="des" forName="Child2" refType="primFontSz" refFor="des" refForName="Parent3" op="lte"/>
+              <dgm:constr type="primFontSz" for="des" forName="Child3" refType="primFontSz" refFor="des" refForName="Parent3" op="lte"/>
+              <dgm:constr type="primFontSz" for="des" forName="Child4" refType="primFontSz" refFor="des" refForName="Parent3" op="lte"/>
+              <dgm:constr type="primFontSz" for="des" forName="Child1" refType="primFontSz" refFor="des" refForName="Parent4" op="lte"/>
+              <dgm:constr type="primFontSz" for="des" forName="Child2" refType="primFontSz" refFor="des" refForName="Parent4" op="lte"/>
+              <dgm:constr type="primFontSz" for="des" forName="Child3" refType="primFontSz" refFor="des" refForName="Parent4" op="lte"/>
+              <dgm:constr type="primFontSz" for="des" forName="Child4" refType="primFontSz" refFor="des" refForName="Parent4" op="lte"/>
+              <dgm:constr type="primFontSz" for="des" forName="Parent2" refType="primFontSz" refFor="des" refForName="Parent1" op="equ"/>
+              <dgm:constr type="primFontSz" for="des" forName="Parent3" refType="primFontSz" refFor="des" refForName="Parent1" op="equ"/>
+              <dgm:constr type="primFontSz" for="des" forName="Parent4" refType="primFontSz" refFor="des" refForName="Parent1" op="equ"/>
+              <dgm:constr type="primFontSz" for="des" forName="Child2" refType="primFontSz" refFor="des" refForName="Child1" op="equ"/>
+              <dgm:constr type="primFontSz" for="des" forName="Child3" refType="primFontSz" refFor="des" refForName="Child1" op="equ"/>
+              <dgm:constr type="primFontSz" for="des" forName="Child4" refType="primFontSz" refFor="des" refForName="Child1" op="equ"/>
+              <dgm:constr type="l" for="ch" forName="Accent1" refType="w" fact="0.1481"/>
+              <dgm:constr type="t" for="ch" forName="Accent1" refType="h" fact="0"/>
+              <dgm:constr type="w" for="ch" forName="Accent1" refType="w" fact="0.5331"/>
+              <dgm:constr type="h" for="ch" forName="Accent1" refType="h" fact="0.3771"/>
+              <dgm:constr type="l" for="ch" forName="Accent2" refType="w" fact="0"/>
+              <dgm:constr type="t" for="ch" forName="Accent2" refType="h" fact="0.2167"/>
+              <dgm:constr type="w" for="ch" forName="Accent2" refType="w" fact="0.5331"/>
+              <dgm:constr type="h" for="ch" forName="Accent2" refType="h" fact="0.3771"/>
+              <dgm:constr type="l" for="ch" forName="Accent3" refType="w" fact="0.1481"/>
+              <dgm:constr type="t" for="ch" forName="Accent3" refType="h" fact="0.4342"/>
+              <dgm:constr type="w" for="ch" forName="Accent3" refType="w" fact="0.5331"/>
+              <dgm:constr type="h" for="ch" forName="Accent3" refType="h" fact="0.3771"/>
+              <dgm:constr type="l" for="ch" forName="Parent1" refType="w" fact="0.2658"/>
+              <dgm:constr type="t" for="ch" forName="Parent1" refType="h" fact="0.1365"/>
+              <dgm:constr type="w" for="ch" forName="Parent1" refType="w" fact="0.2975"/>
+              <dgm:constr type="h" for="ch" forName="Parent1" refType="h" fact="0.1052"/>
+              <dgm:constr type="l" for="ch" forName="Parent2" refType="w" fact="0.1171"/>
+              <dgm:constr type="t" for="ch" forName="Parent2" refType="h" fact="0.3536"/>
+              <dgm:constr type="w" for="ch" forName="Parent2" refType="w" fact="0.2975"/>
+              <dgm:constr type="h" for="ch" forName="Parent2" refType="h" fact="0.1052"/>
+              <dgm:constr type="l" for="ch" forName="Parent3" refType="w" fact="0.2658"/>
+              <dgm:constr type="t" for="ch" forName="Parent3" refType="h" fact="0.5707"/>
+              <dgm:constr type="w" for="ch" forName="Parent3" refType="w" fact="0.2975"/>
+              <dgm:constr type="h" for="ch" forName="Parent3" refType="h" fact="0.1052"/>
+              <dgm:constr type="l" for="ch" forName="Parent4" refType="w" fact="0.1171"/>
+              <dgm:constr type="t" for="ch" forName="Parent4" refType="h" fact="0.7878"/>
+              <dgm:constr type="w" for="ch" forName="Parent4" refType="w" fact="0.2975"/>
+              <dgm:constr type="h" for="ch" forName="Parent4" refType="h" fact="0.1052"/>
+              <dgm:constr type="l" for="ch" forName="Child1" refType="w" fact="0.6804"/>
+              <dgm:constr type="t" for="ch" forName="Child1" refType="h" fact="0.1119"/>
+              <dgm:constr type="w" for="ch" forName="Child1" refType="w" fact="0.3196"/>
+              <dgm:constr type="h" for="ch" forName="Child1" refType="h" fact="0.15"/>
+              <dgm:constr type="l" for="ch" forName="Child2" refType="w" fact="0.5348"/>
+              <dgm:constr type="t" for="ch" forName="Child2" refType="h" fact="0.3312"/>
+              <dgm:constr type="w" for="ch" forName="Child2" refType="w" fact="0.3196"/>
+              <dgm:constr type="h" for="ch" forName="Child2" refType="h" fact="0.15"/>
+              <dgm:constr type="l" for="ch" forName="Child3" refType="w" fact="0.6804"/>
+              <dgm:constr type="t" for="ch" forName="Child3" refType="h" fact="0.5461"/>
+              <dgm:constr type="w" for="ch" forName="Child3" refType="w" fact="0.3196"/>
+              <dgm:constr type="h" for="ch" forName="Child3" refType="h" fact="0.15"/>
+              <dgm:constr type="l" for="ch" forName="Child4" refType="w" fact="0.5348"/>
+              <dgm:constr type="t" for="ch" forName="Child4" refType="h" fact="0.7632"/>
+              <dgm:constr type="w" for="ch" forName="Child4" refType="w" fact="0.3196"/>
+              <dgm:constr type="h" for="ch" forName="Child4" refType="h" fact="0.15"/>
+              <dgm:constr type="l" for="ch" forName="Accent4" refType="w" fact="0.038"/>
+              <dgm:constr type="t" for="ch" forName="Accent4" refType="h" fact="0.6759"/>
+              <dgm:constr type="w" for="ch" forName="Accent4" refType="w" fact="0.458"/>
+              <dgm:constr type="h" for="ch" forName="Accent4" refType="h" fact="0.3241"/>
+            </dgm:constrLst>
+          </dgm:if>
+          <dgm:if name="Name8" axis="ch" ptType="node" func="cnt" op="equ" val="5">
+            <dgm:alg type="composite">
+              <dgm:param type="ar" val="0.5811"/>
+            </dgm:alg>
+            <dgm:constrLst>
+              <dgm:constr type="primFontSz" for="des" forName="Child1" val="65"/>
+              <dgm:constr type="primFontSz" for="des" forName="Parent1" val="65"/>
+              <dgm:constr type="primFontSz" for="des" forName="Child1" refType="primFontSz" refFor="des" refForName="Parent1" op="lte"/>
+              <dgm:constr type="primFontSz" for="des" forName="Child2" refType="primFontSz" refFor="des" refForName="Parent1" op="lte"/>
+              <dgm:constr type="primFontSz" for="des" forName="Child3" refType="primFontSz" refFor="des" refForName="Parent1" op="lte"/>
+              <dgm:constr type="primFontSz" for="des" forName="Child4" refType="primFontSz" refFor="des" refForName="Parent1" op="lte"/>
+              <dgm:constr type="primFontSz" for="des" forName="Child5" refType="primFontSz" refFor="des" refForName="Parent1" op="lte"/>
+              <dgm:constr type="primFontSz" for="des" forName="Child1" refType="primFontSz" refFor="des" refForName="Parent2" op="lte"/>
+              <dgm:constr type="primFontSz" for="des" forName="Child2" refType="primFontSz" refFor="des" refForName="Parent2" op="lte"/>
+              <dgm:constr type="primFontSz" for="des" forName="Child3" refType="primFontSz" refFor="des" refForName="Parent2" op="lte"/>
+              <dgm:constr type="primFontSz" for="des" forName="Child4" refType="primFontSz" refFor="des" refForName="Parent2" op="lte"/>
+              <dgm:constr type="primFontSz" for="des" forName="Child5" refType="primFontSz" refFor="des" refForName="Parent2" op="lte"/>
+              <dgm:constr type="primFontSz" for="des" forName="Child1" refType="primFontSz" refFor="des" refForName="Parent3" op="lte"/>
+              <dgm:constr type="primFontSz" for="des" forName="Child2" refType="primFontSz" refFor="des" refForName="Parent3" op="lte"/>
+              <dgm:constr type="primFontSz" for="des" forName="Child3" refType="primFontSz" refFor="des" refForName="Parent3" op="lte"/>
+              <dgm:constr type="primFontSz" for="des" forName="Child4" refType="primFontSz" refFor="des" refForName="Parent3" op="lte"/>
+              <dgm:constr type="primFontSz" for="des" forName="Child5" refType="primFontSz" refFor="des" refForName="Parent3" op="lte"/>
+              <dgm:constr type="primFontSz" for="des" forName="Child1" refType="primFontSz" refFor="des" refForName="Parent4" op="lte"/>
+              <dgm:constr type="primFontSz" for="des" forName="Child2" refType="primFontSz" refFor="des" refForName="Parent4" op="lte"/>
+              <dgm:constr type="primFontSz" for="des" forName="Child3" refType="primFontSz" refFor="des" refForName="Parent4" op="lte"/>
+              <dgm:constr type="primFontSz" for="des" forName="Child4" refType="primFontSz" refFor="des" refForName="Parent4" op="lte"/>
+              <dgm:constr type="primFontSz" for="des" forName="Child5" refType="primFontSz" refFor="des" refForName="Parent4" op="lte"/>
+              <dgm:constr type="primFontSz" for="des" forName="Child1" refType="primFontSz" refFor="des" refForName="Parent5" op="lte"/>
+              <dgm:constr type="primFontSz" for="des" forName="Child2" refType="primFontSz" refFor="des" refForName="Parent5" op="lte"/>
+              <dgm:constr type="primFontSz" for="des" forName="Child3" refType="primFontSz" refFor="des" refForName="Parent5" op="lte"/>
+              <dgm:constr type="primFontSz" for="des" forName="Child4" refType="primFontSz" refFor="des" refForName="Parent5" op="lte"/>
+              <dgm:constr type="primFontSz" for="des" forName="Child5" refType="primFontSz" refFor="des" refForName="Parent5" op="lte"/>
+              <dgm:constr type="primFontSz" for="des" forName="Parent2" refType="primFontSz" refFor="des" refForName="Parent1" op="equ"/>
+              <dgm:constr type="primFontSz" for="des" forName="Parent3" refType="primFontSz" refFor="des" refForName="Parent1" op="equ"/>
+              <dgm:constr type="primFontSz" for="des" forName="Parent4" refType="primFontSz" refFor="des" refForName="Parent1" op="equ"/>
+              <dgm:constr type="primFontSz" for="des" forName="Parent5" refType="primFontSz" refFor="des" refForName="Parent1" op="equ"/>
+              <dgm:constr type="primFontSz" for="des" forName="Child2" refType="primFontSz" refFor="des" refForName="Child1" op="equ"/>
+              <dgm:constr type="primFontSz" for="des" forName="Child3" refType="primFontSz" refFor="des" refForName="Child1" op="equ"/>
+              <dgm:constr type="primFontSz" for="des" forName="Child4" refType="primFontSz" refFor="des" refForName="Child1" op="equ"/>
+              <dgm:constr type="primFontSz" for="des" forName="Child5" refType="primFontSz" refFor="des" refForName="Child1" op="equ"/>
+              <dgm:constr type="l" for="ch" forName="Accent1" refType="w" fact="0.1481"/>
+              <dgm:constr type="t" for="ch" forName="Accent1" refType="h" fact="0"/>
+              <dgm:constr type="w" for="ch" forName="Accent1" refType="w" fact="0.5331"/>
+              <dgm:constr type="h" for="ch" forName="Accent1" refType="h" fact="0.3098"/>
+              <dgm:constr type="l" for="ch" forName="Accent2" refType="w" fact="0"/>
+              <dgm:constr type="t" for="ch" forName="Accent2" refType="h" fact="0.178"/>
+              <dgm:constr type="w" for="ch" forName="Accent2" refType="w" fact="0.5331"/>
+              <dgm:constr type="h" for="ch" forName="Accent2" refType="h" fact="0.3098"/>
+              <dgm:constr type="l" for="ch" forName="Accent3" refType="w" fact="0.1481"/>
+              <dgm:constr type="t" for="ch" forName="Accent3" refType="h" fact="0.3568"/>
+              <dgm:constr type="w" for="ch" forName="Accent3" refType="w" fact="0.5331"/>
+              <dgm:constr type="h" for="ch" forName="Accent3" refType="h" fact="0.3098"/>
+              <dgm:constr type="l" for="ch" forName="Accent4" refType="w" fact="0"/>
+              <dgm:constr type="t" for="ch" forName="Accent4" refType="h" fact="0.5351"/>
+              <dgm:constr type="w" for="ch" forName="Accent4" refType="w" fact="0.5331"/>
+              <dgm:constr type="h" for="ch" forName="Accent4" refType="h" fact="0.3098"/>
+              <dgm:constr type="l" for="ch" forName="Accent5" refType="w" fact="0.186"/>
+              <dgm:constr type="t" for="ch" forName="Accent5" refType="h" fact="0.7337"/>
+              <dgm:constr type="w" for="ch" forName="Accent5" refType="w" fact="0.458"/>
+              <dgm:constr type="h" for="ch" forName="Accent5" refType="h" fact="0.2663"/>
+              <dgm:constr type="l" for="ch" forName="Parent1" refType="w" fact="0.2658"/>
+              <dgm:constr type="t" for="ch" forName="Parent1" refType="h" fact="0.1122"/>
+              <dgm:constr type="w" for="ch" forName="Parent1" refType="w" fact="0.2975"/>
+              <dgm:constr type="h" for="ch" forName="Parent1" refType="h" fact="0.0864"/>
+              <dgm:constr type="l" for="ch" forName="Parent2" refType="w" fact="0.1171"/>
+              <dgm:constr type="t" for="ch" forName="Parent2" refType="h" fact="0.2906"/>
+              <dgm:constr type="w" for="ch" forName="Parent2" refType="w" fact="0.2975"/>
+              <dgm:constr type="h" for="ch" forName="Parent2" refType="h" fact="0.0864"/>
+              <dgm:constr type="l" for="ch" forName="Parent3" refType="w" fact="0.2658"/>
+              <dgm:constr type="t" for="ch" forName="Parent3" refType="h" fact="0.4689"/>
+              <dgm:constr type="w" for="ch" forName="Parent3" refType="w" fact="0.2975"/>
+              <dgm:constr type="h" for="ch" forName="Parent3" refType="h" fact="0.0864"/>
+              <dgm:constr type="l" for="ch" forName="Parent4" refType="w" fact="0.1171"/>
+              <dgm:constr type="t" for="ch" forName="Parent4" refType="h" fact="0.6473"/>
+              <dgm:constr type="w" for="ch" forName="Parent4" refType="w" fact="0.2975"/>
+              <dgm:constr type="h" for="ch" forName="Parent4" refType="h" fact="0.0864"/>
+              <dgm:constr type="l" for="ch" forName="Parent5" refType="w" fact="0.2658"/>
+              <dgm:constr type="t" for="ch" forName="Parent5" refType="h" fact="0.8257"/>
+              <dgm:constr type="w" for="ch" forName="Parent5" refType="w" fact="0.2975"/>
+              <dgm:constr type="h" for="ch" forName="Parent5" refType="h" fact="0.0864"/>
+              <dgm:constr type="l" for="ch" forName="Child1" refType="w" fact="0.6804"/>
+              <dgm:constr type="t" for="ch" forName="Child1" refType="h" fact="0.0919"/>
+              <dgm:constr type="w" for="ch" forName="Child1" refType="w" fact="0.3196"/>
+              <dgm:constr type="h" for="ch" forName="Child1" refType="h" fact="0.1232"/>
+              <dgm:constr type="l" for="ch" forName="Child2" refType="w" fact="0.5348"/>
+              <dgm:constr type="t" for="ch" forName="Child2" refType="h" fact="0.2722"/>
+              <dgm:constr type="w" for="ch" forName="Child2" refType="w" fact="0.3196"/>
+              <dgm:constr type="h" for="ch" forName="Child2" refType="h" fact="0.1232"/>
+              <dgm:constr type="l" for="ch" forName="Child3" refType="w" fact="0.6804"/>
+              <dgm:constr type="t" for="ch" forName="Child3" refType="h" fact="0.4487"/>
+              <dgm:constr type="w" for="ch" forName="Child3" refType="w" fact="0.3196"/>
+              <dgm:constr type="h" for="ch" forName="Child3" refType="h" fact="0.1232"/>
+              <dgm:constr type="l" for="ch" forName="Child4" refType="w" fact="0.5348"/>
+              <dgm:constr type="t" for="ch" forName="Child4" refType="h" fact="0.6271"/>
+              <dgm:constr type="w" for="ch" forName="Child4" refType="w" fact="0.3196"/>
+              <dgm:constr type="h" for="ch" forName="Child4" refType="h" fact="0.1232"/>
+              <dgm:constr type="l" for="ch" forName="Child5" refType="w" fact="0.6804"/>
+              <dgm:constr type="t" for="ch" forName="Child5" refType="h" fact="0.8073"/>
+              <dgm:constr type="w" for="ch" forName="Child5" refType="w" fact="0.3196"/>
+              <dgm:constr type="h" for="ch" forName="Child5" refType="h" fact="0.1232"/>
+            </dgm:constrLst>
+          </dgm:if>
+          <dgm:if name="Name9" axis="ch" ptType="node" func="cnt" op="equ" val="6">
+            <dgm:alg type="composite">
+              <dgm:param type="ar" val="0.4931"/>
+            </dgm:alg>
+            <dgm:constrLst>
+              <dgm:constr type="primFontSz" for="des" forName="Child1" val="65"/>
+              <dgm:constr type="primFontSz" for="des" forName="Parent1" val="65"/>
+              <dgm:constr type="primFontSz" for="des" forName="Child1" refType="primFontSz" refFor="des" refForName="Parent1" op="lte"/>
+              <dgm:constr type="primFontSz" for="des" forName="Child2" refType="primFontSz" refFor="des" refForName="Parent1" op="lte"/>
+              <dgm:constr type="primFontSz" for="des" forName="Child3" refType="primFontSz" refFor="des" refForName="Parent1" op="lte"/>
+              <dgm:constr type="primFontSz" for="des" forName="Child4" refType="primFontSz" refFor="des" refForName="Parent1" op="lte"/>
+              <dgm:constr type="primFontSz" for="des" forName="Child5" refType="primFontSz" refFor="des" refForName="Parent1" op="lte"/>
+              <dgm:constr type="primFontSz" for="des" forName="Child6" refType="primFontSz" refFor="des" refForName="Parent1" op="lte"/>
+              <dgm:constr type="primFontSz" for="des" forName="Child1" refType="primFontSz" refFor="des" refForName="Parent2" op="lte"/>
+              <dgm:constr type="primFontSz" for="des" forName="Child2" refType="primFontSz" refFor="des" refForName="Parent2" op="lte"/>
+              <dgm:constr type="primFontSz" for="des" forName="Child3" refType="primFontSz" refFor="des" refForName="Parent2" op="lte"/>
+              <dgm:constr type="primFontSz" for="des" forName="Child4" refType="primFontSz" refFor="des" refForName="Parent2" op="lte"/>
+              <dgm:constr type="primFontSz" for="des" forName="Child5" refType="primFontSz" refFor="des" refForName="Parent2" op="lte"/>
+              <dgm:constr type="primFontSz" for="des" forName="Child6" refType="primFontSz" refFor="des" refForName="Parent2" op="lte"/>
+              <dgm:constr type="primFontSz" for="des" forName="Child1" refType="primFontSz" refFor="des" refForName="Parent3" op="lte"/>
+              <dgm:constr type="primFontSz" for="des" forName="Child2" refType="primFontSz" refFor="des" refForName="Parent3" op="lte"/>
+              <dgm:constr type="primFontSz" for="des" forName="Child3" refType="primFontSz" refFor="des" refForName="Parent3" op="lte"/>
+              <dgm:constr type="primFontSz" for="des" forName="Child4" refType="primFontSz" refFor="des" refForName="Parent3" op="lte"/>
+              <dgm:constr type="primFontSz" for="des" forName="Child5" refType="primFontSz" refFor="des" refForName="Parent3" op="lte"/>
+              <dgm:constr type="primFontSz" for="des" forName="Child6" refType="primFontSz" refFor="des" refForName="Parent3" op="lte"/>
+              <dgm:constr type="primFontSz" for="des" forName="Child1" refType="primFontSz" refFor="des" refForName="Parent4" op="lte"/>
+              <dgm:constr type="primFontSz" for="des" forName="Child2" refType="primFontSz" refFor="des" refForName="Parent4" op="lte"/>
+              <dgm:constr type="primFontSz" for="des" forName="Child3" refType="primFontSz" refFor="des" refForName="Parent4" op="lte"/>
+              <dgm:constr type="primFontSz" for="des" forName="Child4" refType="primFontSz" refFor="des" refForName="Parent4" op="lte"/>
+              <dgm:constr type="primFontSz" for="des" forName="Child5" refType="primFontSz" refFor="des" refForName="Parent4" op="lte"/>
+              <dgm:constr type="primFontSz" for="des" forName="Child6" refType="primFontSz" refFor="des" refForName="Parent4" op="lte"/>
+              <dgm:constr type="primFontSz" for="des" forName="Child1" refType="primFontSz" refFor="des" refForName="Parent5" op="lte"/>
+              <dgm:constr type="primFontSz" for="des" forName="Child2" refType="primFontSz" refFor="des" refForName="Parent5" op="lte"/>
+              <dgm:constr type="primFontSz" for="des" forName="Child3" refType="primFontSz" refFor="des" refForName="Parent5" op="lte"/>
+              <dgm:constr type="primFontSz" for="des" forName="Child4" refType="primFontSz" refFor="des" refForName="Parent5" op="lte"/>
+              <dgm:constr type="primFontSz" for="des" forName="Child5" refType="primFontSz" refFor="des" refForName="Parent5" op="lte"/>
+              <dgm:constr type="primFontSz" for="des" forName="Child6" refType="primFontSz" refFor="des" refForName="Parent5" op="lte"/>
+              <dgm:constr type="primFontSz" for="des" forName="Child1" refType="primFontSz" refFor="des" refForName="Parent6" op="lte"/>
+              <dgm:constr type="primFontSz" for="des" forName="Child2" refType="primFontSz" refFor="des" refForName="Parent6" op="lte"/>
+              <dgm:constr type="primFontSz" for="des" forName="Child3" refType="primFontSz" refFor="des" refForName="Parent6" op="lte"/>
+              <dgm:constr type="primFontSz" for="des" forName="Child4" refType="primFontSz" refFor="des" refForName="Parent6" op="lte"/>
+              <dgm:constr type="primFontSz" for="des" forName="Child5" refType="primFontSz" refFor="des" refForName="Parent6" op="lte"/>
+              <dgm:constr type="primFontSz" for="des" forName="Child6" refType="primFontSz" refFor="des" refForName="Parent6" op="lte"/>
+              <dgm:constr type="primFontSz" for="des" forName="Parent2" refType="primFontSz" refFor="des" refForName="Parent1" op="equ"/>
+              <dgm:constr type="primFontSz" for="des" forName="Parent3" refType="primFontSz" refFor="des" refForName="Parent1" op="equ"/>
+              <dgm:constr type="primFontSz" for="des" forName="Parent4" refType="primFontSz" refFor="des" refForName="Parent1" op="equ"/>
+              <dgm:constr type="primFontSz" for="des" forName="Parent5" refType="primFontSz" refFor="des" refForName="Parent1" op="equ"/>
+              <dgm:constr type="primFontSz" for="des" forName="Parent6" refType="primFontSz" refFor="des" refForName="Parent1" op="equ"/>
+              <dgm:constr type="primFontSz" for="des" forName="Child2" refType="primFontSz" refFor="des" refForName="Child1" op="equ"/>
+              <dgm:constr type="primFontSz" for="des" forName="Child3" refType="primFontSz" refFor="des" refForName="Child1" op="equ"/>
+              <dgm:constr type="primFontSz" for="des" forName="Child4" refType="primFontSz" refFor="des" refForName="Child1" op="equ"/>
+              <dgm:constr type="primFontSz" for="des" forName="Child5" refType="primFontSz" refFor="des" refForName="Child1" op="equ"/>
+              <dgm:constr type="primFontSz" for="des" forName="Child6" refType="primFontSz" refFor="des" refForName="Child1" op="equ"/>
+              <dgm:constr type="l" for="ch" forName="Accent1" refType="w" fact="0.1481"/>
+              <dgm:constr type="t" for="ch" forName="Accent1" refType="h" fact="0"/>
+              <dgm:constr type="w" for="ch" forName="Accent1" refType="w" fact="0.5331"/>
+              <dgm:constr type="h" for="ch" forName="Accent1" refType="h" fact="0.2629"/>
+              <dgm:constr type="l" for="ch" forName="Accent2" refType="w" fact="0"/>
+              <dgm:constr type="t" for="ch" forName="Accent2" refType="h" fact="0.1511"/>
+              <dgm:constr type="w" for="ch" forName="Accent2" refType="w" fact="0.5331"/>
+              <dgm:constr type="h" for="ch" forName="Accent2" refType="h" fact="0.2629"/>
+              <dgm:constr type="l" for="ch" forName="Accent3" refType="w" fact="0.1481"/>
+              <dgm:constr type="t" for="ch" forName="Accent3" refType="h" fact="0.3027"/>
+              <dgm:constr type="w" for="ch" forName="Accent3" refType="w" fact="0.5331"/>
+              <dgm:constr type="h" for="ch" forName="Accent3" refType="h" fact="0.2629"/>
+              <dgm:constr type="l" for="ch" forName="Accent4" refType="w" fact="0"/>
+              <dgm:constr type="t" for="ch" forName="Accent4" refType="h" fact="0.4541"/>
+              <dgm:constr type="w" for="ch" forName="Accent4" refType="w" fact="0.5331"/>
+              <dgm:constr type="h" for="ch" forName="Accent4" refType="h" fact="0.2629"/>
+              <dgm:constr type="l" for="ch" forName="Parent1" refType="w" fact="0.2658"/>
+              <dgm:constr type="t" for="ch" forName="Parent1" refType="h" fact="0.0952"/>
+              <dgm:constr type="w" for="ch" forName="Parent1" refType="w" fact="0.2975"/>
+              <dgm:constr type="h" for="ch" forName="Parent1" refType="h" fact="0.0733"/>
+              <dgm:constr type="l" for="ch" forName="Parent2" refType="w" fact="0.1171"/>
+              <dgm:constr type="t" for="ch" forName="Parent2" refType="h" fact="0.2466"/>
+              <dgm:constr type="w" for="ch" forName="Parent2" refType="w" fact="0.2975"/>
+              <dgm:constr type="h" for="ch" forName="Parent2" refType="h" fact="0.0733"/>
+              <dgm:constr type="l" for="ch" forName="Parent3" refType="w" fact="0.2658"/>
+              <dgm:constr type="t" for="ch" forName="Parent3" refType="h" fact="0.3979"/>
+              <dgm:constr type="w" for="ch" forName="Parent3" refType="w" fact="0.2975"/>
+              <dgm:constr type="h" for="ch" forName="Parent3" refType="h" fact="0.0733"/>
+              <dgm:constr type="l" for="ch" forName="Parent4" refType="w" fact="0.1171"/>
+              <dgm:constr type="t" for="ch" forName="Parent4" refType="h" fact="0.5493"/>
+              <dgm:constr type="w" for="ch" forName="Parent4" refType="w" fact="0.2975"/>
+              <dgm:constr type="h" for="ch" forName="Parent4" refType="h" fact="0.0733"/>
+              <dgm:constr type="l" for="ch" forName="Child1" refType="w" fact="0.6804"/>
+              <dgm:constr type="t" for="ch" forName="Child1" refType="h" fact="0.078"/>
+              <dgm:constr type="w" for="ch" forName="Child1" refType="w" fact="0.3196"/>
+              <dgm:constr type="h" for="ch" forName="Child1" refType="h" fact="0.1046"/>
+              <dgm:constr type="l" for="ch" forName="Child2" refType="w" fact="0.5348"/>
+              <dgm:constr type="t" for="ch" forName="Child2" refType="h" fact="0.231"/>
+              <dgm:constr type="w" for="ch" forName="Child2" refType="w" fact="0.3196"/>
+              <dgm:constr type="h" for="ch" forName="Child2" refType="h" fact="0.1046"/>
+              <dgm:constr type="l" for="ch" forName="Child3" refType="w" fact="0.6804"/>
+              <dgm:constr type="t" for="ch" forName="Child3" refType="h" fact="0.3808"/>
+              <dgm:constr type="w" for="ch" forName="Child3" refType="w" fact="0.3196"/>
+              <dgm:constr type="h" for="ch" forName="Child3" refType="h" fact="0.1046"/>
+              <dgm:constr type="l" for="ch" forName="Child4" refType="w" fact="0.5348"/>
+              <dgm:constr type="t" for="ch" forName="Child4" refType="h" fact="0.5322"/>
+              <dgm:constr type="w" for="ch" forName="Child4" refType="w" fact="0.3196"/>
+              <dgm:constr type="h" for="ch" forName="Child4" refType="h" fact="0.1046"/>
+              <dgm:constr type="l" for="ch" forName="Accent5" refType="w" fact="0.1481"/>
+              <dgm:constr type="t" for="ch" forName="Accent5" refType="h" fact="0.6053"/>
+              <dgm:constr type="w" for="ch" forName="Accent5" refType="w" fact="0.5331"/>
+              <dgm:constr type="h" for="ch" forName="Accent5" refType="h" fact="0.2629"/>
+              <dgm:constr type="l" for="ch" forName="Accent6" refType="w" fact="0.038"/>
+              <dgm:constr type="t" for="ch" forName="Accent6" refType="h" fact="0.774"/>
+              <dgm:constr type="w" for="ch" forName="Accent6" refType="w" fact="0.458"/>
+              <dgm:constr type="h" for="ch" forName="Accent6" refType="h" fact="0.226"/>
+              <dgm:constr type="l" for="ch" forName="Parent5" refType="w" fact="0.2658"/>
+              <dgm:constr type="t" for="ch" forName="Parent5" refType="h" fact="0.7005"/>
+              <dgm:constr type="w" for="ch" forName="Parent5" refType="w" fact="0.2975"/>
+              <dgm:constr type="h" for="ch" forName="Parent5" refType="h" fact="0.0733"/>
+              <dgm:constr type="l" for="ch" forName="Parent6" refType="w" fact="0.1171"/>
+              <dgm:constr type="t" for="ch" forName="Parent6" refType="h" fact="0.8519"/>
+              <dgm:constr type="w" for="ch" forName="Parent6" refType="w" fact="0.2975"/>
+              <dgm:constr type="h" for="ch" forName="Parent6" refType="h" fact="0.0733"/>
+              <dgm:constr type="l" for="ch" forName="Child5" refType="w" fact="0.6804"/>
+              <dgm:constr type="t" for="ch" forName="Child5" refType="h" fact="0.6833"/>
+              <dgm:constr type="w" for="ch" forName="Child5" refType="w" fact="0.3196"/>
+              <dgm:constr type="h" for="ch" forName="Child5" refType="h" fact="0.1046"/>
+              <dgm:constr type="l" for="ch" forName="Child6" refType="w" fact="0.5348"/>
+              <dgm:constr type="t" for="ch" forName="Child6" refType="h" fact="0.8347"/>
+              <dgm:constr type="w" for="ch" forName="Child6" refType="w" fact="0.3196"/>
+              <dgm:constr type="h" for="ch" forName="Child6" refType="h" fact="0.1046"/>
+            </dgm:constrLst>
+          </dgm:if>
+          <dgm:else name="Name10">
+            <dgm:alg type="composite">
+              <dgm:param type="ar" val="0.4284"/>
+            </dgm:alg>
+            <dgm:constrLst>
+              <dgm:constr type="primFontSz" for="des" forName="Child1" val="65"/>
+              <dgm:constr type="primFontSz" for="des" forName="Parent1" val="65"/>
+              <dgm:constr type="primFontSz" for="des" forName="Child1" refType="primFontSz" refFor="des" refForName="Parent1" op="lte"/>
+              <dgm:constr type="primFontSz" for="des" forName="Child2" refType="primFontSz" refFor="des" refForName="Parent1" op="lte"/>
+              <dgm:constr type="primFontSz" for="des" forName="Child3" refType="primFontSz" refFor="des" refForName="Parent1" op="lte"/>
+              <dgm:constr type="primFontSz" for="des" forName="Child4" refType="primFontSz" refFor="des" refForName="Parent1" op="lte"/>
+              <dgm:constr type="primFontSz" for="des" forName="Child5" refType="primFontSz" refFor="des" refForName="Parent1" op="lte"/>
+              <dgm:constr type="primFontSz" for="des" forName="Child6" refType="primFontSz" refFor="des" refForName="Parent1" op="lte"/>
+              <dgm:constr type="primFontSz" for="des" forName="Child7" refType="primFontSz" refFor="des" refForName="Parent1" op="lte"/>
+              <dgm:constr type="primFontSz" for="des" forName="Child1" refType="primFontSz" refFor="des" refForName="Parent2" op="lte"/>
+              <dgm:constr type="primFontSz" for="des" forName="Child2" refType="primFontSz" refFor="des" refForName="Parent2" op="lte"/>
+              <dgm:constr type="primFontSz" for="des" forName="Child3" refType="primFontSz" refFor="des" refForName="Parent2" op="lte"/>
+              <dgm:constr type="primFontSz" for="des" forName="Child4" refType="primFontSz" refFor="des" refForName="Parent2" op="lte"/>
+              <dgm:constr type="primFontSz" for="des" forName="Child5" refType="primFontSz" refFor="des" refForName="Parent2" op="lte"/>
+              <dgm:constr type="primFontSz" for="des" forName="Child6" refType="primFontSz" refFor="des" refForName="Parent2" op="lte"/>
+              <dgm:constr type="primFontSz" for="des" forName="Child7" refType="primFontSz" refFor="des" refForName="Parent2" op="lte"/>
+              <dgm:constr type="primFontSz" for="des" forName="Child1" refType="primFontSz" refFor="des" refForName="Parent3" op="lte"/>
+              <dgm:constr type="primFontSz" for="des" forName="Child2" refType="primFontSz" refFor="des" refForName="Parent3" op="lte"/>
+              <dgm:constr type="primFontSz" for="des" forName="Child3" refType="primFontSz" refFor="des" refForName="Parent3" op="lte"/>
+              <dgm:constr type="primFontSz" for="des" forName="Child4" refType="primFontSz" refFor="des" refForName="Parent3" op="lte"/>
+              <dgm:constr type="primFontSz" for="des" forName="Child5" refType="primFontSz" refFor="des" refForName="Parent3" op="lte"/>
+              <dgm:constr type="primFontSz" for="des" forName="Child6" refType="primFontSz" refFor="des" refForName="Parent3" op="lte"/>
+              <dgm:constr type="primFontSz" for="des" forName="Child7" refType="primFontSz" refFor="des" refForName="Parent3" op="lte"/>
+              <dgm:constr type="primFontSz" for="des" forName="Child1" refType="primFontSz" refFor="des" refForName="Parent4" op="lte"/>
+              <dgm:constr type="primFontSz" for="des" forName="Child2" refType="primFontSz" refFor="des" refForName="Parent4" op="lte"/>
+              <dgm:constr type="primFontSz" for="des" forName="Child3" refType="primFontSz" refFor="des" refForName="Parent4" op="lte"/>
+              <dgm:constr type="primFontSz" for="des" forName="Child4" refType="primFontSz" refFor="des" refForName="Parent4" op="lte"/>
+              <dgm:constr type="primFontSz" for="des" forName="Child5" refType="primFontSz" refFor="des" refForName="Parent4" op="lte"/>
+              <dgm:constr type="primFontSz" for="des" forName="Child6" refType="primFontSz" refFor="des" refForName="Parent4" op="lte"/>
+              <dgm:constr type="primFontSz" for="des" forName="Child7" refType="primFontSz" refFor="des" refForName="Parent4" op="lte"/>
+              <dgm:constr type="primFontSz" for="des" forName="Child1" refType="primFontSz" refFor="des" refForName="Parent5" op="lte"/>
+              <dgm:constr type="primFontSz" for="des" forName="Child2" refType="primFontSz" refFor="des" refForName="Parent5" op="lte"/>
+              <dgm:constr type="primFontSz" for="des" forName="Child3" refType="primFontSz" refFor="des" refForName="Parent5" op="lte"/>
+              <dgm:constr type="primFontSz" for="des" forName="Child4" refType="primFontSz" refFor="des" refForName="Parent5" op="lte"/>
+              <dgm:constr type="primFontSz" for="des" forName="Child5" refType="primFontSz" refFor="des" refForName="Parent5" op="lte"/>
+              <dgm:constr type="primFontSz" for="des" forName="Child6" refType="primFontSz" refFor="des" refForName="Parent5" op="lte"/>
+              <dgm:constr type="primFontSz" for="des" forName="Child7" refType="primFontSz" refFor="des" refForName="Parent5" op="lte"/>
+              <dgm:constr type="primFontSz" for="des" forName="Child1" refType="primFontSz" refFor="des" refForName="Parent6" op="lte"/>
+              <dgm:constr type="primFontSz" for="des" forName="Child2" refType="primFontSz" refFor="des" refForName="Parent6" op="lte"/>
+              <dgm:constr type="primFontSz" for="des" forName="Child3" refType="primFontSz" refFor="des" refForName="Parent6" op="lte"/>
+              <dgm:constr type="primFontSz" for="des" forName="Child4" refType="primFontSz" refFor="des" refForName="Parent6" op="lte"/>
+              <dgm:constr type="primFontSz" for="des" forName="Child5" refType="primFontSz" refFor="des" refForName="Parent6" op="lte"/>
+              <dgm:constr type="primFontSz" for="des" forName="Child6" refType="primFontSz" refFor="des" refForName="Parent6" op="lte"/>
+              <dgm:constr type="primFontSz" for="des" forName="Child7" refType="primFontSz" refFor="des" refForName="Parent6" op="lte"/>
+              <dgm:constr type="primFontSz" for="des" forName="Child1" refType="primFontSz" refFor="des" refForName="Parent7" op="lte"/>
+              <dgm:constr type="primFontSz" for="des" forName="Child2" refType="primFontSz" refFor="des" refForName="Parent7" op="lte"/>
+              <dgm:constr type="primFontSz" for="des" forName="Child3" refType="primFontSz" refFor="des" refForName="Parent7" op="lte"/>
+              <dgm:constr type="primFontSz" for="des" forName="Child4" refType="primFontSz" refFor="des" refForName="Parent7" op="lte"/>
+              <dgm:constr type="primFontSz" for="des" forName="Child5" refType="primFontSz" refFor="des" refForName="Parent7" op="lte"/>
+              <dgm:constr type="primFontSz" for="des" forName="Child6" refType="primFontSz" refFor="des" refForName="Parent7" op="lte"/>
+              <dgm:constr type="primFontSz" for="des" forName="Child7" refType="primFontSz" refFor="des" refForName="Parent7" op="lte"/>
+              <dgm:constr type="primFontSz" for="des" forName="Parent2" refType="primFontSz" refFor="des" refForName="Parent1" op="equ"/>
+              <dgm:constr type="primFontSz" for="des" forName="Parent3" refType="primFontSz" refFor="des" refForName="Parent1" op="equ"/>
+              <dgm:constr type="primFontSz" for="des" forName="Parent4" refType="primFontSz" refFor="des" refForName="Parent1" op="equ"/>
+              <dgm:constr type="primFontSz" for="des" forName="Parent5" refType="primFontSz" refFor="des" refForName="Parent1" op="equ"/>
+              <dgm:constr type="primFontSz" for="des" forName="Parent6" refType="primFontSz" refFor="des" refForName="Parent1" op="equ"/>
+              <dgm:constr type="primFontSz" for="des" forName="Parent7" refType="primFontSz" refFor="des" refForName="Parent1" op="equ"/>
+              <dgm:constr type="primFontSz" for="des" forName="Child2" refType="primFontSz" refFor="des" refForName="Child1" op="equ"/>
+              <dgm:constr type="primFontSz" for="des" forName="Child3" refType="primFontSz" refFor="des" refForName="Child1" op="equ"/>
+              <dgm:constr type="primFontSz" for="des" forName="Child4" refType="primFontSz" refFor="des" refForName="Child1" op="equ"/>
+              <dgm:constr type="primFontSz" for="des" forName="Child5" refType="primFontSz" refFor="des" refForName="Child1" op="equ"/>
+              <dgm:constr type="primFontSz" for="des" forName="Child6" refType="primFontSz" refFor="des" refForName="Child1" op="equ"/>
+              <dgm:constr type="primFontSz" for="des" forName="Child7" refType="primFontSz" refFor="des" refForName="Child1" op="equ"/>
+              <dgm:constr type="l" for="ch" forName="Accent1" refType="w" fact="0.1481"/>
+              <dgm:constr type="t" for="ch" forName="Accent1" refType="h" fact="0"/>
+              <dgm:constr type="w" for="ch" forName="Accent1" refType="w" fact="0.5331"/>
+              <dgm:constr type="h" for="ch" forName="Accent1" refType="h" fact="0.2284"/>
+              <dgm:constr type="l" for="ch" forName="Accent2" refType="w" fact="0"/>
+              <dgm:constr type="t" for="ch" forName="Accent2" refType="h" fact="0.1312"/>
+              <dgm:constr type="w" for="ch" forName="Accent2" refType="w" fact="0.5331"/>
+              <dgm:constr type="h" for="ch" forName="Accent2" refType="h" fact="0.2284"/>
+              <dgm:constr type="l" for="ch" forName="Accent3" refType="w" fact="0.1481"/>
+              <dgm:constr type="t" for="ch" forName="Accent3" refType="h" fact="0.263"/>
+              <dgm:constr type="w" for="ch" forName="Accent3" refType="w" fact="0.5331"/>
+              <dgm:constr type="h" for="ch" forName="Accent3" refType="h" fact="0.2284"/>
+              <dgm:constr type="l" for="ch" forName="Accent4" refType="w" fact="0"/>
+              <dgm:constr type="t" for="ch" forName="Accent4" refType="h" fact="0.3945"/>
+              <dgm:constr type="w" for="ch" forName="Accent4" refType="w" fact="0.5331"/>
+              <dgm:constr type="h" for="ch" forName="Accent4" refType="h" fact="0.2284"/>
+              <dgm:constr type="l" for="ch" forName="Parent1" refType="w" fact="0.2658"/>
+              <dgm:constr type="t" for="ch" forName="Parent1" refType="h" fact="0.0827"/>
+              <dgm:constr type="w" for="ch" forName="Parent1" refType="w" fact="0.2975"/>
+              <dgm:constr type="h" for="ch" forName="Parent1" refType="h" fact="0.0637"/>
+              <dgm:constr type="l" for="ch" forName="Parent2" refType="w" fact="0.1171"/>
+              <dgm:constr type="t" for="ch" forName="Parent2" refType="h" fact="0.2142"/>
+              <dgm:constr type="w" for="ch" forName="Parent2" refType="w" fact="0.2975"/>
+              <dgm:constr type="h" for="ch" forName="Parent2" refType="h" fact="0.0637"/>
+              <dgm:constr type="l" for="ch" forName="Parent3" refType="w" fact="0.2658"/>
+              <dgm:constr type="t" for="ch" forName="Parent3" refType="h" fact="0.3457"/>
+              <dgm:constr type="w" for="ch" forName="Parent3" refType="w" fact="0.2975"/>
+              <dgm:constr type="h" for="ch" forName="Parent3" refType="h" fact="0.0637"/>
+              <dgm:constr type="l" for="ch" forName="Parent4" refType="w" fact="0.1171"/>
+              <dgm:constr type="t" for="ch" forName="Parent4" refType="h" fact="0.4772"/>
+              <dgm:constr type="w" for="ch" forName="Parent4" refType="w" fact="0.2975"/>
+              <dgm:constr type="h" for="ch" forName="Parent4" refType="h" fact="0.0637"/>
+              <dgm:constr type="l" for="ch" forName="Child1" refType="w" fact="0.6804"/>
+              <dgm:constr type="t" for="ch" forName="Child1" refType="h" fact="0.0678"/>
+              <dgm:constr type="w" for="ch" forName="Child1" refType="w" fact="0.3196"/>
+              <dgm:constr type="h" for="ch" forName="Child1" refType="h" fact="0.0908"/>
+              <dgm:constr type="l" for="ch" forName="Child2" refType="w" fact="0.5348"/>
+              <dgm:constr type="t" for="ch" forName="Child2" refType="h" fact="0.2006"/>
+              <dgm:constr type="w" for="ch" forName="Child2" refType="w" fact="0.3196"/>
+              <dgm:constr type="h" for="ch" forName="Child2" refType="h" fact="0.0908"/>
+              <dgm:constr type="l" for="ch" forName="Child3" refType="w" fact="0.6804"/>
+              <dgm:constr type="t" for="ch" forName="Child3" refType="h" fact="0.3308"/>
+              <dgm:constr type="w" for="ch" forName="Child3" refType="w" fact="0.3196"/>
+              <dgm:constr type="h" for="ch" forName="Child3" refType="h" fact="0.0908"/>
+              <dgm:constr type="l" for="ch" forName="Child4" refType="w" fact="0.5348"/>
+              <dgm:constr type="t" for="ch" forName="Child4" refType="h" fact="0.4623"/>
+              <dgm:constr type="w" for="ch" forName="Child4" refType="w" fact="0.3196"/>
+              <dgm:constr type="h" for="ch" forName="Child4" refType="h" fact="0.0908"/>
+              <dgm:constr type="l" for="ch" forName="Accent5" refType="w" fact="0.1481"/>
+              <dgm:constr type="t" for="ch" forName="Accent5" refType="h" fact="0.5258"/>
+              <dgm:constr type="w" for="ch" forName="Accent5" refType="w" fact="0.5331"/>
+              <dgm:constr type="h" for="ch" forName="Accent5" refType="h" fact="0.2284"/>
+              <dgm:constr type="l" for="ch" forName="Accent6" refType="w" fact="0"/>
+              <dgm:constr type="t" for="ch" forName="Accent6" refType="h" fact="0.6573"/>
+              <dgm:constr type="w" for="ch" forName="Accent6" refType="w" fact="0.5331"/>
+              <dgm:constr type="h" for="ch" forName="Accent6" refType="h" fact="0.2284"/>
+              <dgm:constr type="l" for="ch" forName="Accent7" refType="w" fact="0.186"/>
+              <dgm:constr type="t" for="ch" forName="Accent7" refType="h" fact="0.8037"/>
+              <dgm:constr type="w" for="ch" forName="Accent7" refType="w" fact="0.458"/>
+              <dgm:constr type="h" for="ch" forName="Accent7" refType="h" fact="0.1963"/>
+              <dgm:constr type="l" for="ch" forName="Parent5" refType="w" fact="0.2658"/>
+              <dgm:constr type="t" for="ch" forName="Parent5" refType="h" fact="0.6085"/>
+              <dgm:constr type="w" for="ch" forName="Parent5" refType="w" fact="0.2975"/>
+              <dgm:constr type="h" for="ch" forName="Parent5" refType="h" fact="0.0637"/>
+              <dgm:constr type="l" for="ch" forName="Parent6" refType="w" fact="0.1171"/>
+              <dgm:constr type="t" for="ch" forName="Parent6" refType="h" fact="0.74"/>
+              <dgm:constr type="w" for="ch" forName="Parent6" refType="w" fact="0.2975"/>
+              <dgm:constr type="h" for="ch" forName="Parent6" refType="h" fact="0.0637"/>
+              <dgm:constr type="l" for="ch" forName="Parent7" refType="w" fact="0.2658"/>
+              <dgm:constr type="t" for="ch" forName="Parent7" refType="h" fact="0.8715"/>
+              <dgm:constr type="w" for="ch" forName="Parent7" refType="w" fact="0.2975"/>
+              <dgm:constr type="h" for="ch" forName="Parent7" refType="h" fact="0.0637"/>
+              <dgm:constr type="l" for="ch" forName="Child5" refType="w" fact="0.6804"/>
+              <dgm:constr type="t" for="ch" forName="Child5" refType="h" fact="0.5936"/>
+              <dgm:constr type="w" for="ch" forName="Child5" refType="w" fact="0.3196"/>
+              <dgm:constr type="h" for="ch" forName="Child5" refType="h" fact="0.0908"/>
+              <dgm:constr type="l" for="ch" forName="Child6" refType="w" fact="0.5348"/>
+              <dgm:constr type="t" for="ch" forName="Child6" refType="h" fact="0.7251"/>
+              <dgm:constr type="w" for="ch" forName="Child6" refType="w" fact="0.3196"/>
+              <dgm:constr type="h" for="ch" forName="Child6" refType="h" fact="0.0908"/>
+              <dgm:constr type="l" for="ch" forName="Child7" refType="w" fact="0.6804"/>
+              <dgm:constr type="t" for="ch" forName="Child7" refType="h" fact="0.8579"/>
+              <dgm:constr type="w" for="ch" forName="Child7" refType="w" fact="0.3196"/>
+              <dgm:constr type="h" for="ch" forName="Child7" refType="h" fact="0.0908"/>
+            </dgm:constrLst>
+          </dgm:else>
+        </dgm:choose>
+      </dgm:if>
+      <dgm:else name="Name11">
+        <dgm:choose name="Name12">
+          <dgm:if name="Name13" axis="ch" ptType="node" func="cnt" op="equ" val="1">
+            <dgm:alg type="composite">
+              <dgm:param type="ar" val="1.5999"/>
+            </dgm:alg>
+            <dgm:constrLst>
+              <dgm:constr type="primFontSz" for="des" forName="Child1" val="65"/>
+              <dgm:constr type="primFontSz" for="des" forName="Parent1" val="65"/>
+              <dgm:constr type="primFontSz" for="des" forName="Child1" refType="primFontSz" refFor="des" refForName="Parent1" op="lte"/>
+              <dgm:constr type="l" for="ch" forName="Child1" refType="w" fact="0.625"/>
+              <dgm:constr type="t" for="ch" forName="Child1" refType="h" fact="0.2981"/>
+              <dgm:constr type="w" for="ch" forName="Child1" refType="w" fact="0.375"/>
+              <dgm:constr type="h" for="ch" forName="Child1" refType="h" fact="0.4001"/>
+              <dgm:constr type="l" for="ch" forName="Accent1" refType="w" fact="0"/>
+              <dgm:constr type="t" for="ch" forName="Accent1" refType="h" fact="0"/>
+              <dgm:constr type="w" for="ch" forName="Accent1" refType="w" fact="0.6249"/>
+              <dgm:constr type="h" for="ch" forName="Accent1" refType="h"/>
+              <dgm:constr type="l" for="ch" forName="Parent1" refType="w" fact="0.138"/>
+              <dgm:constr type="t" for="ch" forName="Parent1" refType="h" fact="0.362"/>
+              <dgm:constr type="w" for="ch" forName="Parent1" refType="w" fact="0.3487"/>
+              <dgm:constr type="h" for="ch" forName="Parent1" refType="h" fact="0.2789"/>
+            </dgm:constrLst>
+          </dgm:if>
+          <dgm:if name="Name14" axis="ch" ptType="node" func="cnt" op="equ" val="2">
+            <dgm:alg type="composite">
+              <dgm:param type="ar" val="1.2026"/>
+            </dgm:alg>
+            <dgm:constrLst>
+              <dgm:constr type="primFontSz" for="des" forName="Child1" val="65"/>
+              <dgm:constr type="primFontSz" for="des" forName="Parent1" val="65"/>
+              <dgm:constr type="primFontSz" for="des" forName="Child1" refType="primFontSz" refFor="des" refForName="Parent1" op="lte"/>
+              <dgm:constr type="primFontSz" for="des" forName="Child2" refType="primFontSz" refFor="des" refForName="Parent1" op="lte"/>
+              <dgm:constr type="primFontSz" for="des" forName="Child1" refType="primFontSz" refFor="des" refForName="Parent2" op="lte"/>
+              <dgm:constr type="primFontSz" for="des" forName="Child2" refType="primFontSz" refFor="des" refForName="Parent2" op="lte"/>
+              <dgm:constr type="primFontSz" for="des" forName="Parent2" refType="primFontSz" refFor="des" refForName="Parent1" op="equ"/>
+              <dgm:constr type="primFontSz" for="des" forName="Child2" refType="primFontSz" refFor="des" refForName="Child1" op="equ"/>
+              <dgm:constr type="l" for="ch" forName="Accent1" refType="w" fact="-0.0407"/>
+              <dgm:constr type="t" for="ch" forName="Accent1" refType="h" fact="0"/>
+              <dgm:constr type="w" for="ch" forName="Accent1" refType="w" fact="0.5542"/>
+              <dgm:constr type="h" for="ch" forName="Accent1" refType="h" fact="0.6665"/>
+              <dgm:constr type="l" for="ch" forName="Accent2" refType="w" fact="0.1533"/>
+              <dgm:constr type="t" for="ch" forName="Accent2" refType="h" fact="0.4272"/>
+              <dgm:constr type="w" for="ch" forName="Accent2" refType="w" fact="0.4761"/>
+              <dgm:constr type="h" for="ch" forName="Accent2" refType="h" fact="0.5728"/>
+              <dgm:constr type="l" for="ch" forName="Parent1" refType="w" fact="0.0822"/>
+              <dgm:constr type="t" for="ch" forName="Parent1" refType="h" fact="0.2413"/>
+              <dgm:constr type="w" for="ch" forName="Parent1" refType="w" fact="0.3092"/>
+              <dgm:constr type="h" for="ch" forName="Parent1" refType="h" fact="0.1859"/>
+              <dgm:constr type="l" for="ch" forName="Parent2" refType="w" fact="0.2368"/>
+              <dgm:constr type="t" for="ch" forName="Parent2" refType="h" fact="0.625"/>
+              <dgm:constr type="w" for="ch" forName="Parent2" refType="w" fact="0.3092"/>
+              <dgm:constr type="h" for="ch" forName="Parent2" refType="h" fact="0.1859"/>
+              <dgm:constr type="l" for="ch" forName="Child1" refType="w" fact="0.5164"/>
+              <dgm:constr type="t" for="ch" forName="Child1" refType="h" fact="0.1978"/>
+              <dgm:constr type="w" for="ch" forName="Child1" refType="w" fact="0.3322"/>
+              <dgm:constr type="h" for="ch" forName="Child1" refType="h" fact="0.265"/>
+              <dgm:constr type="l" for="ch" forName="Child2" refType="w" fact="0.6678"/>
+              <dgm:constr type="t" for="ch" forName="Child2" refType="h" fact="0.5855"/>
+              <dgm:constr type="w" for="ch" forName="Child2" refType="w" fact="0.3322"/>
+              <dgm:constr type="h" for="ch" forName="Child2" refType="h" fact="0.265"/>
+            </dgm:constrLst>
+          </dgm:if>
+          <dgm:if name="Name15" axis="ch" ptType="node" func="cnt" op="equ" val="3">
+            <dgm:alg type="composite">
+              <dgm:param type="ar" val="0.9039"/>
+            </dgm:alg>
+            <dgm:shape xmlns:r="http://schemas.openxmlformats.org/officeDocument/2006/relationships" r:blip="">
+              <dgm:adjLst/>
+            </dgm:shape>
+            <dgm:constrLst>
+              <dgm:constr type="primFontSz" for="des" forName="Child1" val="65"/>
+              <dgm:constr type="primFontSz" for="des" forName="Parent1" val="65"/>
+              <dgm:constr type="primFontSz" for="des" forName="Child1" refType="primFontSz" refFor="des" refForName="Parent1" op="lte"/>
+              <dgm:constr type="primFontSz" for="des" forName="Child2" refType="primFontSz" refFor="des" refForName="Parent1" op="lte"/>
+              <dgm:constr type="primFontSz" for="des" forName="Child3" refType="primFontSz" refFor="des" refForName="Parent1" op="lte"/>
+              <dgm:constr type="primFontSz" for="des" forName="Child1" refType="primFontSz" refFor="des" refForName="Parent2" op="lte"/>
+              <dgm:constr type="primFontSz" for="des" forName="Child2" refType="primFontSz" refFor="des" refForName="Parent2" op="lte"/>
+              <dgm:constr type="primFontSz" for="des" forName="Child3" refType="primFontSz" refFor="des" refForName="Parent2" op="lte"/>
+              <dgm:constr type="primFontSz" for="des" forName="Child1" refType="primFontSz" refFor="des" refForName="Parent3" op="lte"/>
+              <dgm:constr type="primFontSz" for="des" forName="Child2" refType="primFontSz" refFor="des" refForName="Parent3" op="lte"/>
+              <dgm:constr type="primFontSz" for="des" forName="Child3" refType="primFontSz" refFor="des" refForName="Parent3" op="lte"/>
+              <dgm:constr type="primFontSz" for="des" forName="Parent2" refType="primFontSz" refFor="des" refForName="Parent1" op="equ"/>
+              <dgm:constr type="primFontSz" for="des" forName="Parent3" refType="primFontSz" refFor="des" refForName="Parent1" op="equ"/>
+              <dgm:constr type="primFontSz" for="des" forName="Child2" refType="primFontSz" refFor="des" refForName="Child1" op="equ"/>
+              <dgm:constr type="primFontSz" for="des" forName="Child3" refType="primFontSz" refFor="des" refForName="Child1" op="equ"/>
+              <dgm:constr type="l" for="ch" forName="Accent1" refType="w" fact="0"/>
+              <dgm:constr type="t" for="ch" forName="Accent1" refType="h" fact="0"/>
+              <dgm:constr type="w" for="ch" forName="Accent1" refType="w" fact="0.5325"/>
+              <dgm:constr type="h" for="ch" forName="Accent1" refType="h" fact="0.4814"/>
+              <dgm:constr type="l" for="ch" forName="Accent2" refType="w" fact="0.1479"/>
+              <dgm:constr type="t" for="ch" forName="Accent2" refType="h" fact="0.2766"/>
+              <dgm:constr type="w" for="ch" forName="Accent2" refType="w" fact="0.5325"/>
+              <dgm:constr type="h" for="ch" forName="Accent2" refType="h" fact="0.4814"/>
+              <dgm:constr type="l" for="ch" forName="Accent3" refType="w" fact="0.0378"/>
+              <dgm:constr type="t" for="ch" forName="Accent3" refType="h" fact="0.5863"/>
+              <dgm:constr type="w" for="ch" forName="Accent3" refType="w" fact="0.4575"/>
+              <dgm:constr type="h" for="ch" forName="Accent3" refType="h" fact="0.4137"/>
+              <dgm:constr type="l" for="ch" forName="Parent1" refType="w" fact="0.1183"/>
+              <dgm:constr type="t" for="ch" forName="Parent1" refType="h" fact="0.1738"/>
+              <dgm:constr type="w" for="ch" forName="Parent1" refType="w" fact="0.2959"/>
+              <dgm:constr type="h" for="ch" forName="Parent1" refType="h" fact="0.1337"/>
+              <dgm:constr type="l" for="ch" forName="Parent2" refType="w" fact="0.2656"/>
+              <dgm:constr type="t" for="ch" forName="Parent2" refType="h" fact="0.452"/>
+              <dgm:constr type="w" for="ch" forName="Parent2" refType="w" fact="0.2959"/>
+              <dgm:constr type="h" for="ch" forName="Parent2" refType="h" fact="0.1337"/>
+              <dgm:constr type="l" for="ch" forName="Parent3" refType="w" fact="0.1183"/>
+              <dgm:constr type="t" for="ch" forName="Parent3" refType="h" fact="0.7306"/>
+              <dgm:constr type="w" for="ch" forName="Parent3" refType="w" fact="0.2959"/>
+              <dgm:constr type="h" for="ch" forName="Parent3" refType="h" fact="0.1337"/>
+              <dgm:constr type="l" for="ch" forName="Child1" refType="w" fact="0.5325"/>
+              <dgm:constr type="t" for="ch" forName="Child1" refType="h" fact="0.1435"/>
+              <dgm:constr type="w" for="ch" forName="Child1" refType="w" fact="0.3195"/>
+              <dgm:constr type="h" for="ch" forName="Child1" refType="h" fact="0.1926"/>
+              <dgm:constr type="l" for="ch" forName="Child2" refType="w" fact="0.6805"/>
+              <dgm:constr type="t" for="ch" forName="Child2" refType="h" fact="0.4217"/>
+              <dgm:constr type="w" for="ch" forName="Child2" refType="w" fact="0.3195"/>
+              <dgm:constr type="h" for="ch" forName="Child2" refType="h" fact="0.1926"/>
+              <dgm:constr type="l" for="ch" forName="Child3" refType="w" fact="0.5325"/>
+              <dgm:constr type="t" for="ch" forName="Child3" refType="h" fact="0.6998"/>
+              <dgm:constr type="w" for="ch" forName="Child3" refType="w" fact="0.3195"/>
+              <dgm:constr type="h" for="ch" forName="Child3" refType="h" fact="0.1926"/>
+            </dgm:constrLst>
+          </dgm:if>
+          <dgm:if name="Name16" axis="ch" ptType="node" func="cnt" op="equ" val="4">
+            <dgm:alg type="composite">
+              <dgm:param type="ar" val="0.7073"/>
+            </dgm:alg>
+            <dgm:constrLst>
+              <dgm:constr type="primFontSz" for="des" forName="Child1" val="65"/>
+              <dgm:constr type="primFontSz" for="des" forName="Parent1" val="65"/>
+              <dgm:constr type="primFontSz" for="des" forName="Child1" refType="primFontSz" refFor="des" refForName="Parent1" op="lte"/>
+              <dgm:constr type="primFontSz" for="des" forName="Child2" refType="primFontSz" refFor="des" refForName="Parent1" op="lte"/>
+              <dgm:constr type="primFontSz" for="des" forName="Child3" refType="primFontSz" refFor="des" refForName="Parent1" op="lte"/>
+              <dgm:constr type="primFontSz" for="des" forName="Child4" refType="primFontSz" refFor="des" refForName="Parent1" op="lte"/>
+              <dgm:constr type="primFontSz" for="des" forName="Child1" refType="primFontSz" refFor="des" refForName="Parent2" op="lte"/>
+              <dgm:constr type="primFontSz" for="des" forName="Child2" refType="primFontSz" refFor="des" refForName="Parent2" op="lte"/>
+              <dgm:constr type="primFontSz" for="des" forName="Child3" refType="primFontSz" refFor="des" refForName="Parent2" op="lte"/>
+              <dgm:constr type="primFontSz" for="des" forName="Child4" refType="primFontSz" refFor="des" refForName="Parent2" op="lte"/>
+              <dgm:constr type="primFontSz" for="des" forName="Child1" refType="primFontSz" refFor="des" refForName="Parent3" op="lte"/>
+              <dgm:constr type="primFontSz" for="des" forName="Child2" refType="primFontSz" refFor="des" refForName="Parent3" op="lte"/>
+              <dgm:constr type="primFontSz" for="des" forName="Child3" refType="primFontSz" refFor="des" refForName="Parent3" op="lte"/>
+              <dgm:constr type="primFontSz" for="des" forName="Child4" refType="primFontSz" refFor="des" refForName="Parent3" op="lte"/>
+              <dgm:constr type="primFontSz" for="des" forName="Child1" refType="primFontSz" refFor="des" refForName="Parent4" op="lte"/>
+              <dgm:constr type="primFontSz" for="des" forName="Child2" refType="primFontSz" refFor="des" refForName="Parent4" op="lte"/>
+              <dgm:constr type="primFontSz" for="des" forName="Child3" refType="primFontSz" refFor="des" refForName="Parent4" op="lte"/>
+              <dgm:constr type="primFontSz" for="des" forName="Child4" refType="primFontSz" refFor="des" refForName="Parent4" op="lte"/>
+              <dgm:constr type="primFontSz" for="des" forName="Parent2" refType="primFontSz" refFor="des" refForName="Parent1" op="equ"/>
+              <dgm:constr type="primFontSz" for="des" forName="Parent3" refType="primFontSz" refFor="des" refForName="Parent1" op="equ"/>
+              <dgm:constr type="primFontSz" for="des" forName="Parent4" refType="primFontSz" refFor="des" refForName="Parent1" op="equ"/>
+              <dgm:constr type="primFontSz" for="des" forName="Child2" refType="primFontSz" refFor="des" refForName="Child1" op="equ"/>
+              <dgm:constr type="primFontSz" for="des" forName="Child3" refType="primFontSz" refFor="des" refForName="Child1" op="equ"/>
+              <dgm:constr type="primFontSz" for="des" forName="Child4" refType="primFontSz" refFor="des" refForName="Child1" op="equ"/>
+              <dgm:constr type="l" for="ch" forName="Accent1" refType="w" fact="0"/>
+              <dgm:constr type="t" for="ch" forName="Accent1" refType="h" fact="0"/>
+              <dgm:constr type="w" for="ch" forName="Accent1" refType="w" fact="0.5331"/>
+              <dgm:constr type="h" for="ch" forName="Accent1" refType="h" fact="0.3771"/>
+              <dgm:constr type="l" for="ch" forName="Accent2" refType="w" fact="0.1481"/>
+              <dgm:constr type="t" for="ch" forName="Accent2" refType="h" fact="0.2167"/>
+              <dgm:constr type="w" for="ch" forName="Accent2" refType="w" fact="0.5331"/>
+              <dgm:constr type="h" for="ch" forName="Accent2" refType="h" fact="0.3771"/>
+              <dgm:constr type="l" for="ch" forName="Accent3" refType="w" fact="0"/>
+              <dgm:constr type="t" for="ch" forName="Accent3" refType="h" fact="0.4342"/>
+              <dgm:constr type="w" for="ch" forName="Accent3" refType="w" fact="0.5331"/>
+              <dgm:constr type="h" for="ch" forName="Accent3" refType="h" fact="0.3771"/>
+              <dgm:constr type="l" for="ch" forName="Accent4" refType="w" fact="0.186"/>
+              <dgm:constr type="t" for="ch" forName="Accent4" refType="h" fact="0.6759"/>
+              <dgm:constr type="w" for="ch" forName="Accent4" refType="w" fact="0.458"/>
+              <dgm:constr type="h" for="ch" forName="Accent4" refType="h" fact="0.3241"/>
+              <dgm:constr type="l" for="ch" forName="Parent1" refType="w" fact="0.1171"/>
+              <dgm:constr type="t" for="ch" forName="Parent1" refType="h" fact="0.1365"/>
+              <dgm:constr type="w" for="ch" forName="Parent1" refType="w" fact="0.2975"/>
+              <dgm:constr type="h" for="ch" forName="Parent1" refType="h" fact="0.1052"/>
+              <dgm:constr type="l" for="ch" forName="Parent2" refType="w" fact="0.2658"/>
+              <dgm:constr type="t" for="ch" forName="Parent2" refType="h" fact="0.3536"/>
+              <dgm:constr type="w" for="ch" forName="Parent2" refType="w" fact="0.2975"/>
+              <dgm:constr type="h" for="ch" forName="Parent2" refType="h" fact="0.1052"/>
+              <dgm:constr type="l" for="ch" forName="Parent3" refType="w" fact="0.1171"/>
+              <dgm:constr type="t" for="ch" forName="Parent3" refType="h" fact="0.5707"/>
+              <dgm:constr type="w" for="ch" forName="Parent3" refType="w" fact="0.2975"/>
+              <dgm:constr type="h" for="ch" forName="Parent3" refType="h" fact="0.1052"/>
+              <dgm:constr type="l" for="ch" forName="Parent4" refType="w" fact="0.2658"/>
+              <dgm:constr type="t" for="ch" forName="Parent4" refType="h" fact="0.7878"/>
+              <dgm:constr type="w" for="ch" forName="Parent4" refType="w" fact="0.2975"/>
+              <dgm:constr type="h" for="ch" forName="Parent4" refType="h" fact="0.1052"/>
+              <dgm:constr type="l" for="ch" forName="Child1" refType="w" fact="0.5348"/>
+              <dgm:constr type="t" for="ch" forName="Child1" refType="h" fact="0.1119"/>
+              <dgm:constr type="w" for="ch" forName="Child1" refType="w" fact="0.3196"/>
+              <dgm:constr type="h" for="ch" forName="Child1" refType="h" fact="0.15"/>
+              <dgm:constr type="l" for="ch" forName="Child2" refType="w" fact="0.6804"/>
+              <dgm:constr type="t" for="ch" forName="Child2" refType="h" fact="0.3312"/>
+              <dgm:constr type="w" for="ch" forName="Child2" refType="w" fact="0.3196"/>
+              <dgm:constr type="h" for="ch" forName="Child2" refType="h" fact="0.15"/>
+              <dgm:constr type="l" for="ch" forName="Child3" refType="w" fact="0.5348"/>
+              <dgm:constr type="t" for="ch" forName="Child3" refType="h" fact="0.5461"/>
+              <dgm:constr type="w" for="ch" forName="Child3" refType="w" fact="0.3196"/>
+              <dgm:constr type="h" for="ch" forName="Child3" refType="h" fact="0.15"/>
+              <dgm:constr type="l" for="ch" forName="Child4" refType="w" fact="0.6804"/>
+              <dgm:constr type="t" for="ch" forName="Child4" refType="h" fact="0.7632"/>
+              <dgm:constr type="w" for="ch" forName="Child4" refType="w" fact="0.3196"/>
+              <dgm:constr type="h" for="ch" forName="Child4" refType="h" fact="0.15"/>
+            </dgm:constrLst>
+          </dgm:if>
+          <dgm:if name="Name17" axis="ch" ptType="node" func="cnt" op="equ" val="5">
+            <dgm:alg type="composite">
+              <dgm:param type="ar" val="0.5811"/>
+            </dgm:alg>
+            <dgm:constrLst>
+              <dgm:constr type="primFontSz" for="des" forName="Child1" val="65"/>
+              <dgm:constr type="primFontSz" for="des" forName="Parent1" val="65"/>
+              <dgm:constr type="primFontSz" for="des" forName="Child1" refType="primFontSz" refFor="des" refForName="Parent1" op="lte"/>
+              <dgm:constr type="primFontSz" for="des" forName="Child2" refType="primFontSz" refFor="des" refForName="Parent1" op="lte"/>
+              <dgm:constr type="primFontSz" for="des" forName="Child3" refType="primFontSz" refFor="des" refForName="Parent1" op="lte"/>
+              <dgm:constr type="primFontSz" for="des" forName="Child4" refType="primFontSz" refFor="des" refForName="Parent1" op="lte"/>
+              <dgm:constr type="primFontSz" for="des" forName="Child5" refType="primFontSz" refFor="des" refForName="Parent1" op="lte"/>
+              <dgm:constr type="primFontSz" for="des" forName="Child1" refType="primFontSz" refFor="des" refForName="Parent2" op="lte"/>
+              <dgm:constr type="primFontSz" for="des" forName="Child2" refType="primFontSz" refFor="des" refForName="Parent2" op="lte"/>
+              <dgm:constr type="primFontSz" for="des" forName="Child3" refType="primFontSz" refFor="des" refForName="Parent2" op="lte"/>
+              <dgm:constr type="primFontSz" for="des" forName="Child4" refType="primFontSz" refFor="des" refForName="Parent2" op="lte"/>
+              <dgm:constr type="primFontSz" for="des" forName="Child5" refType="primFontSz" refFor="des" refForName="Parent2" op="lte"/>
+              <dgm:constr type="primFontSz" for="des" forName="Child1" refType="primFontSz" refFor="des" refForName="Parent3" op="lte"/>
+              <dgm:constr type="primFontSz" for="des" forName="Child2" refType="primFontSz" refFor="des" refForName="Parent3" op="lte"/>
+              <dgm:constr type="primFontSz" for="des" forName="Child3" refType="primFontSz" refFor="des" refForName="Parent3" op="lte"/>
+              <dgm:constr type="primFontSz" for="des" forName="Child4" refType="primFontSz" refFor="des" refForName="Parent3" op="lte"/>
+              <dgm:constr type="primFontSz" for="des" forName="Child5" refType="primFontSz" refFor="des" refForName="Parent3" op="lte"/>
+              <dgm:constr type="primFontSz" for="des" forName="Child1" refType="primFontSz" refFor="des" refForName="Parent4" op="lte"/>
+              <dgm:constr type="primFontSz" for="des" forName="Child2" refType="primFontSz" refFor="des" refForName="Parent4" op="lte"/>
+              <dgm:constr type="primFontSz" for="des" forName="Child3" refType="primFontSz" refFor="des" refForName="Parent4" op="lte"/>
+              <dgm:constr type="primFontSz" for="des" forName="Child4" refType="primFontSz" refFor="des" refForName="Parent4" op="lte"/>
+              <dgm:constr type="primFontSz" for="des" forName="Child5" refType="primFontSz" refFor="des" refForName="Parent4" op="lte"/>
+              <dgm:constr type="primFontSz" for="des" forName="Child1" refType="primFontSz" refFor="des" refForName="Parent5" op="lte"/>
+              <dgm:constr type="primFontSz" for="des" forName="Child2" refType="primFontSz" refFor="des" refForName="Parent5" op="lte"/>
+              <dgm:constr type="primFontSz" for="des" forName="Child3" refType="primFontSz" refFor="des" refForName="Parent5" op="lte"/>
+              <dgm:constr type="primFontSz" for="des" forName="Child4" refType="primFontSz" refFor="des" refForName="Parent5" op="lte"/>
+              <dgm:constr type="primFontSz" for="des" forName="Child5" refType="primFontSz" refFor="des" refForName="Parent5" op="lte"/>
+              <dgm:constr type="primFontSz" for="des" forName="Parent2" refType="primFontSz" refFor="des" refForName="Parent1" op="equ"/>
+              <dgm:constr type="primFontSz" for="des" forName="Parent3" refType="primFontSz" refFor="des" refForName="Parent1" op="equ"/>
+              <dgm:constr type="primFontSz" for="des" forName="Parent4" refType="primFontSz" refFor="des" refForName="Parent1" op="equ"/>
+              <dgm:constr type="primFontSz" for="des" forName="Parent5" refType="primFontSz" refFor="des" refForName="Parent1" op="equ"/>
+              <dgm:constr type="primFontSz" for="des" forName="Child2" refType="primFontSz" refFor="des" refForName="Child1" op="equ"/>
+              <dgm:constr type="primFontSz" for="des" forName="Child3" refType="primFontSz" refFor="des" refForName="Child1" op="equ"/>
+              <dgm:constr type="primFontSz" for="des" forName="Child4" refType="primFontSz" refFor="des" refForName="Child1" op="equ"/>
+              <dgm:constr type="primFontSz" for="des" forName="Child5" refType="primFontSz" refFor="des" refForName="Child1" op="equ"/>
+              <dgm:constr type="l" for="ch" forName="Accent1" refType="w" fact="0"/>
+              <dgm:constr type="t" for="ch" forName="Accent1" refType="h" fact="0"/>
+              <dgm:constr type="w" for="ch" forName="Accent1" refType="w" fact="0.5331"/>
+              <dgm:constr type="h" for="ch" forName="Accent1" refType="h" fact="0.3098"/>
+              <dgm:constr type="l" for="ch" forName="Accent2" refType="w" fact="0.1481"/>
+              <dgm:constr type="t" for="ch" forName="Accent2" refType="h" fact="0.178"/>
+              <dgm:constr type="w" for="ch" forName="Accent2" refType="w" fact="0.5331"/>
+              <dgm:constr type="h" for="ch" forName="Accent2" refType="h" fact="0.3098"/>
+              <dgm:constr type="l" for="ch" forName="Accent3" refType="w" fact="0"/>
+              <dgm:constr type="t" for="ch" forName="Accent3" refType="h" fact="0.3568"/>
+              <dgm:constr type="w" for="ch" forName="Accent3" refType="w" fact="0.5331"/>
+              <dgm:constr type="h" for="ch" forName="Accent3" refType="h" fact="0.3098"/>
+              <dgm:constr type="l" for="ch" forName="Accent4" refType="w" fact="0.1481"/>
+              <dgm:constr type="t" for="ch" forName="Accent4" refType="h" fact="0.5351"/>
+              <dgm:constr type="w" for="ch" forName="Accent4" refType="w" fact="0.5331"/>
+              <dgm:constr type="h" for="ch" forName="Accent4" refType="h" fact="0.3098"/>
+              <dgm:constr type="l" for="ch" forName="Accent5" refType="w" fact="0.0378"/>
+              <dgm:constr type="t" for="ch" forName="Accent5" refType="h" fact="0.7337"/>
+              <dgm:constr type="w" for="ch" forName="Accent5" refType="w" fact="0.458"/>
+              <dgm:constr type="h" for="ch" forName="Accent5" refType="h" fact="0.2663"/>
+              <dgm:constr type="l" for="ch" forName="Parent1" refType="w" fact="0.1171"/>
+              <dgm:constr type="t" for="ch" forName="Parent1" refType="h" fact="0.1122"/>
+              <dgm:constr type="w" for="ch" forName="Parent1" refType="w" fact="0.2975"/>
+              <dgm:constr type="h" for="ch" forName="Parent1" refType="h" fact="0.0864"/>
+              <dgm:constr type="l" for="ch" forName="Parent2" refType="w" fact="0.2658"/>
+              <dgm:constr type="t" for="ch" forName="Parent2" refType="h" fact="0.2906"/>
+              <dgm:constr type="w" for="ch" forName="Parent2" refType="w" fact="0.2975"/>
+              <dgm:constr type="h" for="ch" forName="Parent2" refType="h" fact="0.0864"/>
+              <dgm:constr type="l" for="ch" forName="Parent3" refType="w" fact="0.1171"/>
+              <dgm:constr type="t" for="ch" forName="Parent3" refType="h" fact="0.4689"/>
+              <dgm:constr type="w" for="ch" forName="Parent3" refType="w" fact="0.2975"/>
+              <dgm:constr type="h" for="ch" forName="Parent3" refType="h" fact="0.0864"/>
+              <dgm:constr type="l" for="ch" forName="Parent4" refType="w" fact="0.2658"/>
+              <dgm:constr type="t" for="ch" forName="Parent4" refType="h" fact="0.6473"/>
+              <dgm:constr type="w" for="ch" forName="Parent4" refType="w" fact="0.2975"/>
+              <dgm:constr type="h" for="ch" forName="Parent4" refType="h" fact="0.0864"/>
+              <dgm:constr type="l" for="ch" forName="Parent5" refType="w" fact="0.1171"/>
+              <dgm:constr type="t" for="ch" forName="Parent5" refType="h" fact="0.8257"/>
+              <dgm:constr type="w" for="ch" forName="Parent5" refType="w" fact="0.2975"/>
+              <dgm:constr type="h" for="ch" forName="Parent5" refType="h" fact="0.0864"/>
+              <dgm:constr type="l" for="ch" forName="Child1" refType="w" fact="0.5348"/>
+              <dgm:constr type="t" for="ch" forName="Child1" refType="h" fact="0.0919"/>
+              <dgm:constr type="w" for="ch" forName="Child1" refType="w" fact="0.3196"/>
+              <dgm:constr type="h" for="ch" forName="Child1" refType="h" fact="0.1232"/>
+              <dgm:constr type="l" for="ch" forName="Child2" refType="w" fact="0.6804"/>
+              <dgm:constr type="t" for="ch" forName="Child2" refType="h" fact="0.2722"/>
+              <dgm:constr type="w" for="ch" forName="Child2" refType="w" fact="0.3196"/>
+              <dgm:constr type="h" for="ch" forName="Child2" refType="h" fact="0.1232"/>
+              <dgm:constr type="l" for="ch" forName="Child3" refType="w" fact="0.5348"/>
+              <dgm:constr type="t" for="ch" forName="Child3" refType="h" fact="0.4487"/>
+              <dgm:constr type="w" for="ch" forName="Child3" refType="w" fact="0.3196"/>
+              <dgm:constr type="h" for="ch" forName="Child3" refType="h" fact="0.1232"/>
+              <dgm:constr type="l" for="ch" forName="Child4" refType="w" fact="0.6804"/>
+              <dgm:constr type="t" for="ch" forName="Child4" refType="h" fact="0.6271"/>
+              <dgm:constr type="w" for="ch" forName="Child4" refType="w" fact="0.3196"/>
+              <dgm:constr type="h" for="ch" forName="Child4" refType="h" fact="0.1232"/>
+              <dgm:constr type="l" for="ch" forName="Child5" refType="w" fact="0.5348"/>
+              <dgm:constr type="t" for="ch" forName="Child5" refType="h" fact="0.8073"/>
+              <dgm:constr type="w" for="ch" forName="Child5" refType="w" fact="0.3196"/>
+              <dgm:constr type="h" for="ch" forName="Child5" refType="h" fact="0.1232"/>
+            </dgm:constrLst>
+          </dgm:if>
+          <dgm:if name="Name18" axis="ch" ptType="node" func="cnt" op="equ" val="6">
+            <dgm:alg type="composite">
+              <dgm:param type="ar" val="0.4931"/>
+            </dgm:alg>
+            <dgm:constrLst>
+              <dgm:constr type="primFontSz" for="des" forName="Child1" val="65"/>
+              <dgm:constr type="primFontSz" for="des" forName="Parent1" val="65"/>
+              <dgm:constr type="primFontSz" for="des" forName="Child1" refType="primFontSz" refFor="des" refForName="Parent1" op="lte"/>
+              <dgm:constr type="primFontSz" for="des" forName="Child2" refType="primFontSz" refFor="des" refForName="Parent1" op="lte"/>
+              <dgm:constr type="primFontSz" for="des" forName="Child3" refType="primFontSz" refFor="des" refForName="Parent1" op="lte"/>
+              <dgm:constr type="primFontSz" for="des" forName="Child4" refType="primFontSz" refFor="des" refForName="Parent1" op="lte"/>
+              <dgm:constr type="primFontSz" for="des" forName="Child5" refType="primFontSz" refFor="des" refForName="Parent1" op="lte"/>
+              <dgm:constr type="primFontSz" for="des" forName="Child6" refType="primFontSz" refFor="des" refForName="Parent1" op="lte"/>
+              <dgm:constr type="primFontSz" for="des" forName="Child1" refType="primFontSz" refFor="des" refForName="Parent2" op="lte"/>
+              <dgm:constr type="primFontSz" for="des" forName="Child2" refType="primFontSz" refFor="des" refForName="Parent2" op="lte"/>
+              <dgm:constr type="primFontSz" for="des" forName="Child3" refType="primFontSz" refFor="des" refForName="Parent2" op="lte"/>
+              <dgm:constr type="primFontSz" for="des" forName="Child4" refType="primFontSz" refFor="des" refForName="Parent2" op="lte"/>
+              <dgm:constr type="primFontSz" for="des" forName="Child5" refType="primFontSz" refFor="des" refForName="Parent2" op="lte"/>
+              <dgm:constr type="primFontSz" for="des" forName="Child6" refType="primFontSz" refFor="des" refForName="Parent2" op="lte"/>
+              <dgm:constr type="primFontSz" for="des" forName="Child1" refType="primFontSz" refFor="des" refForName="Parent3" op="lte"/>
+              <dgm:constr type="primFontSz" for="des" forName="Child2" refType="primFontSz" refFor="des" refForName="Parent3" op="lte"/>
+              <dgm:constr type="primFontSz" for="des" forName="Child3" refType="primFontSz" refFor="des" refForName="Parent3" op="lte"/>
+              <dgm:constr type="primFontSz" for="des" forName="Child4" refType="primFontSz" refFor="des" refForName="Parent3" op="lte"/>
+              <dgm:constr type="primFontSz" for="des" forName="Child5" refType="primFontSz" refFor="des" refForName="Parent3" op="lte"/>
+              <dgm:constr type="primFontSz" for="des" forName="Child6" refType="primFontSz" refFor="des" refForName="Parent3" op="lte"/>
+              <dgm:constr type="primFontSz" for="des" forName="Child1" refType="primFontSz" refFor="des" refForName="Parent4" op="lte"/>
+              <dgm:constr type="primFontSz" for="des" forName="Child2" refType="primFontSz" refFor="des" refForName="Parent4" op="lte"/>
+              <dgm:constr type="primFontSz" for="des" forName="Child3" refType="primFontSz" refFor="des" refForName="Parent4" op="lte"/>
+              <dgm:constr type="primFontSz" for="des" forName="Child4" refType="primFontSz" refFor="des" refForName="Parent4" op="lte"/>
+              <dgm:constr type="primFontSz" for="des" forName="Child5" refType="primFontSz" refFor="des" refForName="Parent4" op="lte"/>
+              <dgm:constr type="primFontSz" for="des" forName="Child6" refType="primFontSz" refFor="des" refForName="Parent4" op="lte"/>
+              <dgm:constr type="primFontSz" for="des" forName="Child1" refType="primFontSz" refFor="des" refForName="Parent5" op="lte"/>
+              <dgm:constr type="primFontSz" for="des" forName="Child2" refType="primFontSz" refFor="des" refForName="Parent5" op="lte"/>
+              <dgm:constr type="primFontSz" for="des" forName="Child3" refType="primFontSz" refFor="des" refForName="Parent5" op="lte"/>
+              <dgm:constr type="primFontSz" for="des" forName="Child4" refType="primFontSz" refFor="des" refForName="Parent5" op="lte"/>
+              <dgm:constr type="primFontSz" for="des" forName="Child5" refType="primFontSz" refFor="des" refForName="Parent5" op="lte"/>
+              <dgm:constr type="primFontSz" for="des" forName="Child6" refType="primFontSz" refFor="des" refForName="Parent5" op="lte"/>
+              <dgm:constr type="primFontSz" for="des" forName="Child1" refType="primFontSz" refFor="des" refForName="Parent6" op="lte"/>
+              <dgm:constr type="primFontSz" for="des" forName="Child2" refType="primFontSz" refFor="des" refForName="Parent6" op="lte"/>
+              <dgm:constr type="primFontSz" for="des" forName="Child3" refType="primFontSz" refFor="des" refForName="Parent6" op="lte"/>
+              <dgm:constr type="primFontSz" for="des" forName="Child4" refType="primFontSz" refFor="des" refForName="Parent6" op="lte"/>
+              <dgm:constr type="primFontSz" for="des" forName="Child5" refType="primFontSz" refFor="des" refForName="Parent6" op="lte"/>
+              <dgm:constr type="primFontSz" for="des" forName="Child6" refType="primFontSz" refFor="des" refForName="Parent6" op="lte"/>
+              <dgm:constr type="primFontSz" for="des" forName="Parent2" refType="primFontSz" refFor="des" refForName="Parent1" op="equ"/>
+              <dgm:constr type="primFontSz" for="des" forName="Parent3" refType="primFontSz" refFor="des" refForName="Parent1" op="equ"/>
+              <dgm:constr type="primFontSz" for="des" forName="Parent4" refType="primFontSz" refFor="des" refForName="Parent1" op="equ"/>
+              <dgm:constr type="primFontSz" for="des" forName="Parent5" refType="primFontSz" refFor="des" refForName="Parent1" op="equ"/>
+              <dgm:constr type="primFontSz" for="des" forName="Parent6" refType="primFontSz" refFor="des" refForName="Parent1" op="equ"/>
+              <dgm:constr type="primFontSz" for="des" forName="Child2" refType="primFontSz" refFor="des" refForName="Child1" op="equ"/>
+              <dgm:constr type="primFontSz" for="des" forName="Child3" refType="primFontSz" refFor="des" refForName="Child1" op="equ"/>
+              <dgm:constr type="primFontSz" for="des" forName="Child4" refType="primFontSz" refFor="des" refForName="Child1" op="equ"/>
+              <dgm:constr type="primFontSz" for="des" forName="Child5" refType="primFontSz" refFor="des" refForName="Child1" op="equ"/>
+              <dgm:constr type="primFontSz" for="des" forName="Child6" refType="primFontSz" refFor="des" refForName="Child1" op="equ"/>
+              <dgm:constr type="l" for="ch" forName="Accent1" refType="w" fact="0"/>
+              <dgm:constr type="t" for="ch" forName="Accent1" refType="h" fact="0"/>
+              <dgm:constr type="w" for="ch" forName="Accent1" refType="w" fact="0.5331"/>
+              <dgm:constr type="h" for="ch" forName="Accent1" refType="h" fact="0.2629"/>
+              <dgm:constr type="l" for="ch" forName="Accent2" refType="w" fact="0.1481"/>
+              <dgm:constr type="t" for="ch" forName="Accent2" refType="h" fact="0.1511"/>
+              <dgm:constr type="w" for="ch" forName="Accent2" refType="w" fact="0.5331"/>
+              <dgm:constr type="h" for="ch" forName="Accent2" refType="h" fact="0.2629"/>
+              <dgm:constr type="l" for="ch" forName="Accent3" refType="w" fact="0"/>
+              <dgm:constr type="t" for="ch" forName="Accent3" refType="h" fact="0.3027"/>
+              <dgm:constr type="w" for="ch" forName="Accent3" refType="w" fact="0.5331"/>
+              <dgm:constr type="h" for="ch" forName="Accent3" refType="h" fact="0.2629"/>
+              <dgm:constr type="l" for="ch" forName="Accent4" refType="w" fact="0.1481"/>
+              <dgm:constr type="t" for="ch" forName="Accent4" refType="h" fact="0.4541"/>
+              <dgm:constr type="w" for="ch" forName="Accent4" refType="w" fact="0.5331"/>
+              <dgm:constr type="h" for="ch" forName="Accent4" refType="h" fact="0.2629"/>
+              <dgm:constr type="l" for="ch" forName="Accent5" refType="w" fact="0"/>
+              <dgm:constr type="t" for="ch" forName="Accent5" refType="h" fact="0.6053"/>
+              <dgm:constr type="w" for="ch" forName="Accent5" refType="w" fact="0.5331"/>
+              <dgm:constr type="h" for="ch" forName="Accent5" refType="h" fact="0.2629"/>
+              <dgm:constr type="l" for="ch" forName="Accent6" refType="w" fact="0.186"/>
+              <dgm:constr type="t" for="ch" forName="Accent6" refType="h" fact="0.774"/>
+              <dgm:constr type="w" for="ch" forName="Accent6" refType="w" fact="0.458"/>
+              <dgm:constr type="h" for="ch" forName="Accent6" refType="h" fact="0.226"/>
+              <dgm:constr type="l" for="ch" forName="Parent1" refType="w" fact="0.1171"/>
+              <dgm:constr type="t" for="ch" forName="Parent1" refType="h" fact="0.0952"/>
+              <dgm:constr type="w" for="ch" forName="Parent1" refType="w" fact="0.2975"/>
+              <dgm:constr type="h" for="ch" forName="Parent1" refType="h" fact="0.0733"/>
+              <dgm:constr type="l" for="ch" forName="Parent2" refType="w" fact="0.2658"/>
+              <dgm:constr type="t" for="ch" forName="Parent2" refType="h" fact="0.2466"/>
+              <dgm:constr type="w" for="ch" forName="Parent2" refType="w" fact="0.2975"/>
+              <dgm:constr type="h" for="ch" forName="Parent2" refType="h" fact="0.0733"/>
+              <dgm:constr type="l" for="ch" forName="Parent3" refType="w" fact="0.1171"/>
+              <dgm:constr type="t" for="ch" forName="Parent3" refType="h" fact="0.3979"/>
+              <dgm:constr type="w" for="ch" forName="Parent3" refType="w" fact="0.2975"/>
+              <dgm:constr type="h" for="ch" forName="Parent3" refType="h" fact="0.0733"/>
+              <dgm:constr type="l" for="ch" forName="Parent4" refType="w" fact="0.2658"/>
+              <dgm:constr type="t" for="ch" forName="Parent4" refType="h" fact="0.5493"/>
+              <dgm:constr type="w" for="ch" forName="Parent4" refType="w" fact="0.2975"/>
+              <dgm:constr type="h" for="ch" forName="Parent4" refType="h" fact="0.0733"/>
+              <dgm:constr type="l" for="ch" forName="Parent5" refType="w" fact="0.1171"/>
+              <dgm:constr type="t" for="ch" forName="Parent5" refType="h" fact="0.7005"/>
+              <dgm:constr type="w" for="ch" forName="Parent5" refType="w" fact="0.2975"/>
+              <dgm:constr type="h" for="ch" forName="Parent5" refType="h" fact="0.0733"/>
+              <dgm:constr type="l" for="ch" forName="Parent6" refType="w" fact="0.2658"/>
+              <dgm:constr type="t" for="ch" forName="Parent6" refType="h" fact="0.8519"/>
+              <dgm:constr type="w" for="ch" forName="Parent6" refType="w" fact="0.2975"/>
+              <dgm:constr type="h" for="ch" forName="Parent6" refType="h" fact="0.0733"/>
+              <dgm:constr type="l" for="ch" forName="Child1" refType="w" fact="0.5348"/>
+              <dgm:constr type="t" for="ch" forName="Child1" refType="h" fact="0.078"/>
+              <dgm:constr type="w" for="ch" forName="Child1" refType="w" fact="0.3196"/>
+              <dgm:constr type="h" for="ch" forName="Child1" refType="h" fact="0.1046"/>
+              <dgm:constr type="l" for="ch" forName="Child2" refType="w" fact="0.6804"/>
+              <dgm:constr type="t" for="ch" forName="Child2" refType="h" fact="0.231"/>
+              <dgm:constr type="w" for="ch" forName="Child2" refType="w" fact="0.3196"/>
+              <dgm:constr type="h" for="ch" forName="Child2" refType="h" fact="0.1046"/>
+              <dgm:constr type="l" for="ch" forName="Child3" refType="w" fact="0.5348"/>
+              <dgm:constr type="t" for="ch" forName="Child3" refType="h" fact="0.3808"/>
+              <dgm:constr type="w" for="ch" forName="Child3" refType="w" fact="0.3196"/>
+              <dgm:constr type="h" for="ch" forName="Child3" refType="h" fact="0.1046"/>
+              <dgm:constr type="l" for="ch" forName="Child4" refType="w" fact="0.6804"/>
+              <dgm:constr type="t" for="ch" forName="Child4" refType="h" fact="0.5322"/>
+              <dgm:constr type="w" for="ch" forName="Child4" refType="w" fact="0.3196"/>
+              <dgm:constr type="h" for="ch" forName="Child4" refType="h" fact="0.1046"/>
+              <dgm:constr type="l" for="ch" forName="Child5" refType="w" fact="0.5348"/>
+              <dgm:constr type="t" for="ch" forName="Child5" refType="h" fact="0.6833"/>
+              <dgm:constr type="w" for="ch" forName="Child5" refType="w" fact="0.3196"/>
+              <dgm:constr type="h" for="ch" forName="Child5" refType="h" fact="0.1046"/>
+              <dgm:constr type="l" for="ch" forName="Child6" refType="w" fact="0.6804"/>
+              <dgm:constr type="t" for="ch" forName="Child6" refType="h" fact="0.8347"/>
+              <dgm:constr type="w" for="ch" forName="Child6" refType="w" fact="0.3196"/>
+              <dgm:constr type="h" for="ch" forName="Child6" refType="h" fact="0.1046"/>
+            </dgm:constrLst>
+          </dgm:if>
+          <dgm:else name="Name19">
+            <dgm:alg type="composite">
+              <dgm:param type="ar" val="0.4284"/>
+            </dgm:alg>
+            <dgm:constrLst>
+              <dgm:constr type="primFontSz" for="des" forName="Child1" val="65"/>
+              <dgm:constr type="primFontSz" for="des" forName="Parent1" val="65"/>
+              <dgm:constr type="primFontSz" for="des" forName="Child1" refType="primFontSz" refFor="des" refForName="Parent1" op="lte"/>
+              <dgm:constr type="primFontSz" for="des" forName="Child2" refType="primFontSz" refFor="des" refForName="Parent1" op="lte"/>
+              <dgm:constr type="primFontSz" for="des" forName="Child3" refType="primFontSz" refFor="des" refForName="Parent1" op="lte"/>
+              <dgm:constr type="primFontSz" for="des" forName="Child4" refType="primFontSz" refFor="des" refForName="Parent1" op="lte"/>
+              <dgm:constr type="primFontSz" for="des" forName="Child5" refType="primFontSz" refFor="des" refForName="Parent1" op="lte"/>
+              <dgm:constr type="primFontSz" for="des" forName="Child6" refType="primFontSz" refFor="des" refForName="Parent1" op="lte"/>
+              <dgm:constr type="primFontSz" for="des" forName="Child7" refType="primFontSz" refFor="des" refForName="Parent1" op="lte"/>
+              <dgm:constr type="primFontSz" for="des" forName="Child1" refType="primFontSz" refFor="des" refForName="Parent2" op="lte"/>
+              <dgm:constr type="primFontSz" for="des" forName="Child2" refType="primFontSz" refFor="des" refForName="Parent2" op="lte"/>
+              <dgm:constr type="primFontSz" for="des" forName="Child3" refType="primFontSz" refFor="des" refForName="Parent2" op="lte"/>
+              <dgm:constr type="primFontSz" for="des" forName="Child4" refType="primFontSz" refFor="des" refForName="Parent2" op="lte"/>
+              <dgm:constr type="primFontSz" for="des" forName="Child5" refType="primFontSz" refFor="des" refForName="Parent2" op="lte"/>
+              <dgm:constr type="primFontSz" for="des" forName="Child6" refType="primFontSz" refFor="des" refForName="Parent2" op="lte"/>
+              <dgm:constr type="primFontSz" for="des" forName="Child7" refType="primFontSz" refFor="des" refForName="Parent2" op="lte"/>
+              <dgm:constr type="primFontSz" for="des" forName="Child1" refType="primFontSz" refFor="des" refForName="Parent3" op="lte"/>
+              <dgm:constr type="primFontSz" for="des" forName="Child2" refType="primFontSz" refFor="des" refForName="Parent3" op="lte"/>
+              <dgm:constr type="primFontSz" for="des" forName="Child3" refType="primFontSz" refFor="des" refForName="Parent3" op="lte"/>
+              <dgm:constr type="primFontSz" for="des" forName="Child4" refType="primFontSz" refFor="des" refForName="Parent3" op="lte"/>
+              <dgm:constr type="primFontSz" for="des" forName="Child5" refType="primFontSz" refFor="des" refForName="Parent3" op="lte"/>
+              <dgm:constr type="primFontSz" for="des" forName="Child6" refType="primFontSz" refFor="des" refForName="Parent3" op="lte"/>
+              <dgm:constr type="primFontSz" for="des" forName="Child7" refType="primFontSz" refFor="des" refForName="Parent3" op="lte"/>
+              <dgm:constr type="primFontSz" for="des" forName="Child1" refType="primFontSz" refFor="des" refForName="Parent4" op="lte"/>
+              <dgm:constr type="primFontSz" for="des" forName="Child2" refType="primFontSz" refFor="des" refForName="Parent4" op="lte"/>
+              <dgm:constr type="primFontSz" for="des" forName="Child3" refType="primFontSz" refFor="des" refForName="Parent4" op="lte"/>
+              <dgm:constr type="primFontSz" for="des" forName="Child4" refType="primFontSz" refFor="des" refForName="Parent4" op="lte"/>
+              <dgm:constr type="primFontSz" for="des" forName="Child5" refType="primFontSz" refFor="des" refForName="Parent4" op="lte"/>
+              <dgm:constr type="primFontSz" for="des" forName="Child6" refType="primFontSz" refFor="des" refForName="Parent4" op="lte"/>
+              <dgm:constr type="primFontSz" for="des" forName="Child7" refType="primFontSz" refFor="des" refForName="Parent4" op="lte"/>
+              <dgm:constr type="primFontSz" for="des" forName="Child1" refType="primFontSz" refFor="des" refForName="Parent5" op="lte"/>
+              <dgm:constr type="primFontSz" for="des" forName="Child2" refType="primFontSz" refFor="des" refForName="Parent5" op="lte"/>
+              <dgm:constr type="primFontSz" for="des" forName="Child3" refType="primFontSz" refFor="des" refForName="Parent5" op="lte"/>
+              <dgm:constr type="primFontSz" for="des" forName="Child4" refType="primFontSz" refFor="des" refForName="Parent5" op="lte"/>
+              <dgm:constr type="primFontSz" for="des" forName="Child5" refType="primFontSz" refFor="des" refForName="Parent5" op="lte"/>
+              <dgm:constr type="primFontSz" for="des" forName="Child6" refType="primFontSz" refFor="des" refForName="Parent5" op="lte"/>
+              <dgm:constr type="primFontSz" for="des" forName="Child7" refType="primFontSz" refFor="des" refForName="Parent5" op="lte"/>
+              <dgm:constr type="primFontSz" for="des" forName="Child1" refType="primFontSz" refFor="des" refForName="Parent6" op="lte"/>
+              <dgm:constr type="primFontSz" for="des" forName="Child2" refType="primFontSz" refFor="des" refForName="Parent6" op="lte"/>
+              <dgm:constr type="primFontSz" for="des" forName="Child3" refType="primFontSz" refFor="des" refForName="Parent6" op="lte"/>
+              <dgm:constr type="primFontSz" for="des" forName="Child4" refType="primFontSz" refFor="des" refForName="Parent6" op="lte"/>
+              <dgm:constr type="primFontSz" for="des" forName="Child5" refType="primFontSz" refFor="des" refForName="Parent6" op="lte"/>
+              <dgm:constr type="primFontSz" for="des" forName="Child6" refType="primFontSz" refFor="des" refForName="Parent6" op="lte"/>
+              <dgm:constr type="primFontSz" for="des" forName="Child7" refType="primFontSz" refFor="des" refForName="Parent6" op="lte"/>
+              <dgm:constr type="primFontSz" for="des" forName="Child1" refType="primFontSz" refFor="des" refForName="Parent7" op="lte"/>
+              <dgm:constr type="primFontSz" for="des" forName="Child2" refType="primFontSz" refFor="des" refForName="Parent7" op="lte"/>
+              <dgm:constr type="primFontSz" for="des" forName="Child3" refType="primFontSz" refFor="des" refForName="Parent7" op="lte"/>
+              <dgm:constr type="primFontSz" for="des" forName="Child4" refType="primFontSz" refFor="des" refForName="Parent7" op="lte"/>
+              <dgm:constr type="primFontSz" for="des" forName="Child5" refType="primFontSz" refFor="des" refForName="Parent7" op="lte"/>
+              <dgm:constr type="primFontSz" for="des" forName="Child6" refType="primFontSz" refFor="des" refForName="Parent7" op="lte"/>
+              <dgm:constr type="primFontSz" for="des" forName="Child7" refType="primFontSz" refFor="des" refForName="Parent7" op="lte"/>
+              <dgm:constr type="primFontSz" for="des" forName="Parent2" refType="primFontSz" refFor="des" refForName="Parent1" op="equ"/>
+              <dgm:constr type="primFontSz" for="des" forName="Parent3" refType="primFontSz" refFor="des" refForName="Parent1" op="equ"/>
+              <dgm:constr type="primFontSz" for="des" forName="Parent4" refType="primFontSz" refFor="des" refForName="Parent1" op="equ"/>
+              <dgm:constr type="primFontSz" for="des" forName="Parent5" refType="primFontSz" refFor="des" refForName="Parent1" op="equ"/>
+              <dgm:constr type="primFontSz" for="des" forName="Parent6" refType="primFontSz" refFor="des" refForName="Parent1" op="equ"/>
+              <dgm:constr type="primFontSz" for="des" forName="Parent7" refType="primFontSz" refFor="des" refForName="Parent1" op="equ"/>
+              <dgm:constr type="primFontSz" for="des" forName="Child2" refType="primFontSz" refFor="des" refForName="Child1" op="equ"/>
+              <dgm:constr type="primFontSz" for="des" forName="Child3" refType="primFontSz" refFor="des" refForName="Child1" op="equ"/>
+              <dgm:constr type="primFontSz" for="des" forName="Child4" refType="primFontSz" refFor="des" refForName="Child1" op="equ"/>
+              <dgm:constr type="primFontSz" for="des" forName="Child5" refType="primFontSz" refFor="des" refForName="Child1" op="equ"/>
+              <dgm:constr type="primFontSz" for="des" forName="Child6" refType="primFontSz" refFor="des" refForName="Child1" op="equ"/>
+              <dgm:constr type="primFontSz" for="des" forName="Child7" refType="primFontSz" refFor="des" refForName="Child1" op="equ"/>
+              <dgm:constr type="l" for="ch" forName="Accent1" refType="w" fact="0"/>
+              <dgm:constr type="t" for="ch" forName="Accent1" refType="h" fact="0"/>
+              <dgm:constr type="w" for="ch" forName="Accent1" refType="w" fact="0.5331"/>
+              <dgm:constr type="h" for="ch" forName="Accent1" refType="h" fact="0.2284"/>
+              <dgm:constr type="l" for="ch" forName="Accent2" refType="w" fact="0.1481"/>
+              <dgm:constr type="t" for="ch" forName="Accent2" refType="h" fact="0.1312"/>
+              <dgm:constr type="w" for="ch" forName="Accent2" refType="w" fact="0.5331"/>
+              <dgm:constr type="h" for="ch" forName="Accent2" refType="h" fact="0.2284"/>
+              <dgm:constr type="l" for="ch" forName="Accent3" refType="w" fact="0"/>
+              <dgm:constr type="t" for="ch" forName="Accent3" refType="h" fact="0.263"/>
+              <dgm:constr type="w" for="ch" forName="Accent3" refType="w" fact="0.5331"/>
+              <dgm:constr type="h" for="ch" forName="Accent3" refType="h" fact="0.2284"/>
+              <dgm:constr type="l" for="ch" forName="Accent4" refType="w" fact="0.1481"/>
+              <dgm:constr type="t" for="ch" forName="Accent4" refType="h" fact="0.3945"/>
+              <dgm:constr type="w" for="ch" forName="Accent4" refType="w" fact="0.5331"/>
+              <dgm:constr type="h" for="ch" forName="Accent4" refType="h" fact="0.2284"/>
+              <dgm:constr type="l" for="ch" forName="Accent5" refType="w" fact="0"/>
+              <dgm:constr type="t" for="ch" forName="Accent5" refType="h" fact="0.5258"/>
+              <dgm:constr type="w" for="ch" forName="Accent5" refType="w" fact="0.5331"/>
+              <dgm:constr type="h" for="ch" forName="Accent5" refType="h" fact="0.2284"/>
+              <dgm:constr type="l" for="ch" forName="Accent6" refType="w" fact="0.1481"/>
+              <dgm:constr type="t" for="ch" forName="Accent6" refType="h" fact="0.6573"/>
+              <dgm:constr type="w" for="ch" forName="Accent6" refType="w" fact="0.5331"/>
+              <dgm:constr type="h" for="ch" forName="Accent6" refType="h" fact="0.2284"/>
+              <dgm:constr type="l" for="ch" forName="Accent7" refType="w" fact="0.0378"/>
+              <dgm:constr type="t" for="ch" forName="Accent7" refType="h" fact="0.8037"/>
+              <dgm:constr type="w" for="ch" forName="Accent7" refType="w" fact="0.458"/>
+              <dgm:constr type="h" for="ch" forName="Accent7" refType="h" fact="0.1963"/>
+              <dgm:constr type="l" for="ch" forName="Parent1" refType="w" fact="0.1171"/>
+              <dgm:constr type="t" for="ch" forName="Parent1" refType="h" fact="0.0827"/>
+              <dgm:constr type="w" for="ch" forName="Parent1" refType="w" fact="0.2975"/>
+              <dgm:constr type="h" for="ch" forName="Parent1" refType="h" fact="0.0637"/>
+              <dgm:constr type="l" for="ch" forName="Parent2" refType="w" fact="0.2658"/>
+              <dgm:constr type="t" for="ch" forName="Parent2" refType="h" fact="0.2142"/>
+              <dgm:constr type="w" for="ch" forName="Parent2" refType="w" fact="0.2975"/>
+              <dgm:constr type="h" for="ch" forName="Parent2" refType="h" fact="0.0637"/>
+              <dgm:constr type="l" for="ch" forName="Parent3" refType="w" fact="0.1171"/>
+              <dgm:constr type="t" for="ch" forName="Parent3" refType="h" fact="0.3457"/>
+              <dgm:constr type="w" for="ch" forName="Parent3" refType="w" fact="0.2975"/>
+              <dgm:constr type="h" for="ch" forName="Parent3" refType="h" fact="0.0637"/>
+              <dgm:constr type="l" for="ch" forName="Parent4" refType="w" fact="0.2658"/>
+              <dgm:constr type="t" for="ch" forName="Parent4" refType="h" fact="0.4772"/>
+              <dgm:constr type="w" for="ch" forName="Parent4" refType="w" fact="0.2975"/>
+              <dgm:constr type="h" for="ch" forName="Parent4" refType="h" fact="0.0637"/>
+              <dgm:constr type="l" for="ch" forName="Parent5" refType="w" fact="0.1171"/>
+              <dgm:constr type="t" for="ch" forName="Parent5" refType="h" fact="0.6085"/>
+              <dgm:constr type="w" for="ch" forName="Parent5" refType="w" fact="0.2975"/>
+              <dgm:constr type="h" for="ch" forName="Parent5" refType="h" fact="0.0637"/>
+              <dgm:constr type="l" for="ch" forName="Parent6" refType="w" fact="0.2658"/>
+              <dgm:constr type="t" for="ch" forName="Parent6" refType="h" fact="0.74"/>
+              <dgm:constr type="w" for="ch" forName="Parent6" refType="w" fact="0.2975"/>
+              <dgm:constr type="h" for="ch" forName="Parent6" refType="h" fact="0.0637"/>
+              <dgm:constr type="l" for="ch" forName="Parent7" refType="w" fact="0.1171"/>
+              <dgm:constr type="t" for="ch" forName="Parent7" refType="h" fact="0.8715"/>
+              <dgm:constr type="w" for="ch" forName="Parent7" refType="w" fact="0.2975"/>
+              <dgm:constr type="h" for="ch" forName="Parent7" refType="h" fact="0.0637"/>
+              <dgm:constr type="l" for="ch" forName="Child1" refType="w" fact="0.5348"/>
+              <dgm:constr type="t" for="ch" forName="Child1" refType="h" fact="0.0678"/>
+              <dgm:constr type="w" for="ch" forName="Child1" refType="w" fact="0.3196"/>
+              <dgm:constr type="h" for="ch" forName="Child1" refType="h" fact="0.0908"/>
+              <dgm:constr type="l" for="ch" forName="Child2" refType="w" fact="0.6804"/>
+              <dgm:constr type="t" for="ch" forName="Child2" refType="h" fact="0.2006"/>
+              <dgm:constr type="w" for="ch" forName="Child2" refType="w" fact="0.3196"/>
+              <dgm:constr type="h" for="ch" forName="Child2" refType="h" fact="0.0908"/>
+              <dgm:constr type="l" for="ch" forName="Child3" refType="w" fact="0.5348"/>
+              <dgm:constr type="t" for="ch" forName="Child3" refType="h" fact="0.3308"/>
+              <dgm:constr type="w" for="ch" forName="Child3" refType="w" fact="0.3196"/>
+              <dgm:constr type="h" for="ch" forName="Child3" refType="h" fact="0.0908"/>
+              <dgm:constr type="l" for="ch" forName="Child4" refType="w" fact="0.6804"/>
+              <dgm:constr type="t" for="ch" forName="Child4" refType="h" fact="0.4623"/>
+              <dgm:constr type="w" for="ch" forName="Child4" refType="w" fact="0.3196"/>
+              <dgm:constr type="h" for="ch" forName="Child4" refType="h" fact="0.0908"/>
+              <dgm:constr type="l" for="ch" forName="Child5" refType="w" fact="0.5348"/>
+              <dgm:constr type="t" for="ch" forName="Child5" refType="h" fact="0.5936"/>
+              <dgm:constr type="w" for="ch" forName="Child5" refType="w" fact="0.3196"/>
+              <dgm:constr type="h" for="ch" forName="Child5" refType="h" fact="0.0908"/>
+              <dgm:constr type="l" for="ch" forName="Child6" refType="w" fact="0.6804"/>
+              <dgm:constr type="t" for="ch" forName="Child6" refType="h" fact="0.7251"/>
+              <dgm:constr type="w" for="ch" forName="Child6" refType="w" fact="0.3196"/>
+              <dgm:constr type="h" for="ch" forName="Child6" refType="h" fact="0.0908"/>
+              <dgm:constr type="l" for="ch" forName="Child7" refType="w" fact="0.5348"/>
+              <dgm:constr type="t" for="ch" forName="Child7" refType="h" fact="0.8579"/>
+              <dgm:constr type="w" for="ch" forName="Child7" refType="w" fact="0.3196"/>
+              <dgm:constr type="h" for="ch" forName="Child7" refType="h" fact="0.0908"/>
+            </dgm:constrLst>
+          </dgm:else>
+        </dgm:choose>
+      </dgm:else>
+    </dgm:choose>
+    <dgm:forEach name="wrapper" axis="self" ptType="parTrans">
+      <dgm:forEach name="accentRepeat" axis="self">
+        <dgm:layoutNode name="Accent" styleLbl="node1">
+          <dgm:alg type="sp"/>
+          <dgm:choose name="Name20">
+            <dgm:if name="Name21" func="var" arg="dir" op="equ" val="norm">
+              <dgm:choose name="Name22">
+                <dgm:if name="Name23" axis="precedSib" ptType="node" func="cnt" op="equ" val="0">
+                  <dgm:choose name="Name24">
+                    <dgm:if name="Name25" axis="followSib" ptType="node" func="cnt" op="equ" val="0">
+                      <dgm:shape xmlns:r="http://schemas.openxmlformats.org/officeDocument/2006/relationships" type="circularArrow" r:blip="">
+                        <dgm:adjLst>
+                          <dgm:adj idx="1" val="0.1098"/>
+                          <dgm:adj idx="2" val="19.0387"/>
+                          <dgm:adj idx="3" val="150"/>
+                          <dgm:adj idx="4" val="180"/>
+                          <dgm:adj idx="5" val="0.125"/>
+                        </dgm:adjLst>
+                      </dgm:shape>
+                    </dgm:if>
+                    <dgm:else name="Name26">
+                      <dgm:shape xmlns:r="http://schemas.openxmlformats.org/officeDocument/2006/relationships" type="circularArrow" r:blip="">
+                        <dgm:adjLst>
+                          <dgm:adj idx="1" val="0.1098"/>
+                          <dgm:adj idx="2" val="19.0387"/>
+                          <dgm:adj idx="3" val="75"/>
+                          <dgm:adj idx="4" val="180"/>
+                          <dgm:adj idx="5" val="0.125"/>
+                        </dgm:adjLst>
+                      </dgm:shape>
+                    </dgm:else>
+                  </dgm:choose>
+                </dgm:if>
+                <dgm:else name="Name27">
+                  <dgm:choose name="Name28">
+                    <dgm:if name="Name29" axis="followSib" ptType="node" func="cnt" op="equ" val="0">
+                      <dgm:choose name="Name30">
+                        <dgm:if name="Name31" axis="precedSib" ptType="node" func="cnt" op="equ" val="1">
+                          <dgm:shape xmlns:r="http://schemas.openxmlformats.org/officeDocument/2006/relationships" type="blockArc" r:blip="">
+                            <dgm:adjLst>
+                              <dgm:adj idx="1" val="0"/>
+                              <dgm:adj idx="2" val="-45"/>
+                              <dgm:adj idx="3" val="0.1274"/>
+                            </dgm:adjLst>
+                          </dgm:shape>
+                        </dgm:if>
+                        <dgm:if name="Name32" axis="precedSib" ptType="node" func="cnt" op="equ" val="2">
+                          <dgm:shape xmlns:r="http://schemas.openxmlformats.org/officeDocument/2006/relationships" type="blockArc" r:blip="">
+                            <dgm:adjLst>
+                              <dgm:adj idx="1" val="-135"/>
+                              <dgm:adj idx="2" val="180"/>
+                              <dgm:adj idx="3" val="0.1274"/>
+                            </dgm:adjLst>
+                          </dgm:shape>
+                        </dgm:if>
+                        <dgm:if name="Name33" axis="precedSib" ptType="node" func="cnt" op="equ" val="3">
+                          <dgm:shape xmlns:r="http://schemas.openxmlformats.org/officeDocument/2006/relationships" type="blockArc" r:blip="">
+                            <dgm:adjLst>
+                              <dgm:adj idx="1" val="0"/>
+                              <dgm:adj idx="2" val="-45"/>
+                              <dgm:adj idx="3" val="0.1274"/>
+                            </dgm:adjLst>
+                          </dgm:shape>
+                        </dgm:if>
+                        <dgm:if name="Name34" axis="precedSib" ptType="node" func="cnt" op="equ" val="4">
+                          <dgm:shape xmlns:r="http://schemas.openxmlformats.org/officeDocument/2006/relationships" type="blockArc" r:blip="">
+                            <dgm:adjLst>
+                              <dgm:adj idx="1" val="-135"/>
+                              <dgm:adj idx="2" val="180"/>
+                              <dgm:adj idx="3" val="0.1274"/>
+                            </dgm:adjLst>
+                          </dgm:shape>
+                        </dgm:if>
+                        <dgm:if name="Name35" axis="precedSib" ptType="node" func="cnt" op="equ" val="5">
+                          <dgm:shape xmlns:r="http://schemas.openxmlformats.org/officeDocument/2006/relationships" type="blockArc" r:blip="">
+                            <dgm:adjLst>
+                              <dgm:adj idx="1" val="0"/>
+                              <dgm:adj idx="2" val="-45"/>
+                              <dgm:adj idx="3" val="0.1274"/>
+                            </dgm:adjLst>
+                          </dgm:shape>
+                        </dgm:if>
+                        <dgm:if name="Name36" axis="precedSib" ptType="node" func="cnt" op="equ" val="6">
+                          <dgm:shape xmlns:r="http://schemas.openxmlformats.org/officeDocument/2006/relationships" type="blockArc" r:blip="">
+                            <dgm:adjLst>
+                              <dgm:adj idx="1" val="-135"/>
+                              <dgm:adj idx="2" val="180"/>
+                              <dgm:adj idx="3" val="0.1274"/>
+                            </dgm:adjLst>
+                          </dgm:shape>
+                        </dgm:if>
+                        <dgm:else name="Name37"/>
+                      </dgm:choose>
+                    </dgm:if>
+                    <dgm:else name="Name38">
+                      <dgm:choose name="Name39">
+                        <dgm:if name="Name40" axis="precedSib" ptType="node" func="cnt" op="equ" val="0">
+                          <dgm:shape xmlns:r="http://schemas.openxmlformats.org/officeDocument/2006/relationships" type="blockArc" r:blip="">
+                            <dgm:adjLst>
+                              <dgm:adj idx="1" val="-133.1632"/>
+                              <dgm:adj idx="2" val="65"/>
+                              <dgm:adj idx="3" val="0.13"/>
+                            </dgm:adjLst>
+                          </dgm:shape>
+                        </dgm:if>
+                        <dgm:if name="Name41" axis="precedSib" ptType="node" func="cnt" op="equ" val="1">
+                          <dgm:shape xmlns:r="http://schemas.openxmlformats.org/officeDocument/2006/relationships" type="leftCircularArrow" r:blip="">
+                            <dgm:adjLst>
+                              <dgm:adj idx="1" val="0.1098"/>
+                              <dgm:adj idx="2" val="19.0387"/>
+                              <dgm:adj idx="3" val="105"/>
+                              <dgm:adj idx="4" val="-45"/>
+                              <dgm:adj idx="5" val="0.125"/>
+                            </dgm:adjLst>
+                          </dgm:shape>
+                        </dgm:if>
+                        <dgm:if name="Name42" axis="precedSib" ptType="node" func="cnt" op="equ" val="2">
+                          <dgm:shape xmlns:r="http://schemas.openxmlformats.org/officeDocument/2006/relationships" type="circularArrow" r:blip="">
+                            <dgm:adjLst>
+                              <dgm:adj idx="1" val="0.1098"/>
+                              <dgm:adj idx="2" val="19.0387"/>
+                              <dgm:adj idx="3" val="75"/>
+                              <dgm:adj idx="4" val="-135"/>
+                              <dgm:adj idx="5" val="0.125"/>
+                            </dgm:adjLst>
+                          </dgm:shape>
+                        </dgm:if>
+                        <dgm:if name="Name43" axis="precedSib" ptType="node" func="cnt" op="equ" val="3">
+                          <dgm:shape xmlns:r="http://schemas.openxmlformats.org/officeDocument/2006/relationships" type="leftCircularArrow" r:blip="">
+                            <dgm:adjLst>
+                              <dgm:adj idx="1" val="0.1098"/>
+                              <dgm:adj idx="2" val="19.0387"/>
+                              <dgm:adj idx="3" val="105"/>
+                              <dgm:adj idx="4" val="-45"/>
+                              <dgm:adj idx="5" val="0.125"/>
+                            </dgm:adjLst>
+                          </dgm:shape>
+                        </dgm:if>
+                        <dgm:if name="Name44" axis="precedSib" ptType="node" func="cnt" op="equ" val="4">
+                          <dgm:shape xmlns:r="http://schemas.openxmlformats.org/officeDocument/2006/relationships" type="circularArrow" r:blip="">
+                            <dgm:adjLst>
+                              <dgm:adj idx="1" val="0.1098"/>
+                              <dgm:adj idx="2" val="19.0387"/>
+                              <dgm:adj idx="3" val="75"/>
+                              <dgm:adj idx="4" val="-135"/>
+                              <dgm:adj idx="5" val="0.125"/>
+                            </dgm:adjLst>
+                          </dgm:shape>
+                        </dgm:if>
+                        <dgm:if name="Name45" axis="precedSib" ptType="node" func="cnt" op="equ" val="5">
+                          <dgm:shape xmlns:r="http://schemas.openxmlformats.org/officeDocument/2006/relationships" type="leftCircularArrow" r:blip="">
+                            <dgm:adjLst>
+                              <dgm:adj idx="1" val="0.1098"/>
+                              <dgm:adj idx="2" val="19.0387"/>
+                              <dgm:adj idx="3" val="105"/>
+                              <dgm:adj idx="4" val="-45"/>
+                              <dgm:adj idx="5" val="0.125"/>
+                            </dgm:adjLst>
+                          </dgm:shape>
+                        </dgm:if>
+                        <dgm:if name="Name46" axis="precedSib" ptType="node" func="cnt" op="equ" val="6">
+                          <dgm:shape xmlns:r="http://schemas.openxmlformats.org/officeDocument/2006/relationships" type="blockArc" r:blip="">
+                            <dgm:adjLst>
+                              <dgm:adj idx="1" val="-135"/>
+                              <dgm:adj idx="2" val="180"/>
+                              <dgm:adj idx="3" val="0.1274"/>
+                            </dgm:adjLst>
+                          </dgm:shape>
+                        </dgm:if>
+                        <dgm:else name="Name47"/>
+                      </dgm:choose>
+                    </dgm:else>
+                  </dgm:choose>
+                </dgm:else>
+              </dgm:choose>
+            </dgm:if>
+            <dgm:else name="Name48">
+              <dgm:choose name="Name49">
+                <dgm:if name="Name50" axis="precedSib" ptType="node" func="cnt" op="equ" val="0">
+                  <dgm:choose name="Name51">
+                    <dgm:if name="Name52" axis="followSib" ptType="node" func="cnt" op="equ" val="0">
+                      <dgm:shape xmlns:r="http://schemas.openxmlformats.org/officeDocument/2006/relationships" type="leftCircularArrow" r:blip="">
+                        <dgm:adjLst>
+                          <dgm:adj idx="1" val="0.1098"/>
+                          <dgm:adj idx="2" val="19.0387"/>
+                          <dgm:adj idx="3" val="30"/>
+                          <dgm:adj idx="4" val="0"/>
+                          <dgm:adj idx="5" val="0.125"/>
+                        </dgm:adjLst>
+                      </dgm:shape>
+                    </dgm:if>
+                    <dgm:else name="Name53">
+                      <dgm:shape xmlns:r="http://schemas.openxmlformats.org/officeDocument/2006/relationships" type="leftCircularArrow" r:blip="">
+                        <dgm:adjLst>
+                          <dgm:adj idx="1" val="0.1098"/>
+                          <dgm:adj idx="2" val="19.0387"/>
+                          <dgm:adj idx="3" val="105"/>
+                          <dgm:adj idx="4" val="0"/>
+                          <dgm:adj idx="5" val="0.125"/>
+                        </dgm:adjLst>
+                      </dgm:shape>
+                    </dgm:else>
+                  </dgm:choose>
+                </dgm:if>
+                <dgm:else name="Name54">
+                  <dgm:choose name="Name55">
+                    <dgm:if name="Name56" axis="followSib" ptType="node" func="cnt" op="equ" val="0">
+                      <dgm:choose name="Name57">
+                        <dgm:if name="Name58" axis="precedSib" ptType="node" func="cnt" op="equ" val="1">
+                          <dgm:shape xmlns:r="http://schemas.openxmlformats.org/officeDocument/2006/relationships" type="blockArc" r:blip="">
+                            <dgm:adjLst>
+                              <dgm:adj idx="1" val="-135"/>
+                              <dgm:adj idx="2" val="180"/>
+                              <dgm:adj idx="3" val="0.1274"/>
+                            </dgm:adjLst>
+                          </dgm:shape>
+                        </dgm:if>
+                        <dgm:if name="Name59" axis="precedSib" ptType="node" func="cnt" op="equ" val="2">
+                          <dgm:shape xmlns:r="http://schemas.openxmlformats.org/officeDocument/2006/relationships" type="blockArc" r:blip="">
+                            <dgm:adjLst>
+                              <dgm:adj idx="1" val="0"/>
+                              <dgm:adj idx="2" val="-45"/>
+                              <dgm:adj idx="3" val="0.1274"/>
+                            </dgm:adjLst>
+                          </dgm:shape>
+                        </dgm:if>
+                        <dgm:if name="Name60" axis="precedSib" ptType="node" func="cnt" op="equ" val="3">
+                          <dgm:shape xmlns:r="http://schemas.openxmlformats.org/officeDocument/2006/relationships" type="blockArc" r:blip="">
+                            <dgm:adjLst>
+                              <dgm:adj idx="1" val="-135"/>
+                              <dgm:adj idx="2" val="180"/>
+                              <dgm:adj idx="3" val="0.1274"/>
+                            </dgm:adjLst>
+                          </dgm:shape>
+                        </dgm:if>
+                        <dgm:if name="Name61" axis="precedSib" ptType="node" func="cnt" op="equ" val="4">
+                          <dgm:shape xmlns:r="http://schemas.openxmlformats.org/officeDocument/2006/relationships" type="blockArc" r:blip="">
+                            <dgm:adjLst>
+                              <dgm:adj idx="1" val="0"/>
+                              <dgm:adj idx="2" val="-45"/>
+                              <dgm:adj idx="3" val="0.1274"/>
+                            </dgm:adjLst>
+                          </dgm:shape>
+                        </dgm:if>
+                        <dgm:if name="Name62" axis="precedSib" ptType="node" func="cnt" op="equ" val="5">
+                          <dgm:shape xmlns:r="http://schemas.openxmlformats.org/officeDocument/2006/relationships" type="blockArc" r:blip="">
+                            <dgm:adjLst>
+                              <dgm:adj idx="1" val="-135"/>
+                              <dgm:adj idx="2" val="180"/>
+                              <dgm:adj idx="3" val="0.1274"/>
+                            </dgm:adjLst>
+                          </dgm:shape>
+                        </dgm:if>
+                        <dgm:if name="Name63" axis="precedSib" ptType="node" func="cnt" op="equ" val="6">
+                          <dgm:shape xmlns:r="http://schemas.openxmlformats.org/officeDocument/2006/relationships" type="blockArc" r:blip="">
+                            <dgm:adjLst>
+                              <dgm:adj idx="1" val="0"/>
+                              <dgm:adj idx="2" val="-45"/>
+                              <dgm:adj idx="3" val="0.1274"/>
+                            </dgm:adjLst>
+                          </dgm:shape>
+                        </dgm:if>
+                        <dgm:else name="Name64"/>
+                      </dgm:choose>
+                    </dgm:if>
+                    <dgm:else name="Name65">
+                      <dgm:choose name="Name66">
+                        <dgm:if name="Name67" axis="precedSib" ptType="node" func="cnt" op="equ" val="0">
+                          <dgm:shape xmlns:r="http://schemas.openxmlformats.org/officeDocument/2006/relationships" type="blockArc" r:blip="">
+                            <dgm:adjLst>
+                              <dgm:adj idx="1" val="-133.1632"/>
+                              <dgm:adj idx="2" val="65"/>
+                              <dgm:adj idx="3" val="0.13"/>
+                            </dgm:adjLst>
+                          </dgm:shape>
+                        </dgm:if>
+                        <dgm:if name="Name68" axis="precedSib" ptType="node" func="cnt" op="equ" val="1">
+                          <dgm:shape xmlns:r="http://schemas.openxmlformats.org/officeDocument/2006/relationships" type="circularArrow" r:blip="">
+                            <dgm:adjLst>
+                              <dgm:adj idx="1" val="0.1098"/>
+                              <dgm:adj idx="2" val="19.0387"/>
+                              <dgm:adj idx="3" val="75"/>
+                              <dgm:adj idx="4" val="-135"/>
+                              <dgm:adj idx="5" val="0.125"/>
+                            </dgm:adjLst>
+                          </dgm:shape>
+                        </dgm:if>
+                        <dgm:if name="Name69" axis="precedSib" ptType="node" func="cnt" op="equ" val="2">
+                          <dgm:shape xmlns:r="http://schemas.openxmlformats.org/officeDocument/2006/relationships" type="leftCircularArrow" r:blip="">
+                            <dgm:adjLst>
+                              <dgm:adj idx="1" val="0.1098"/>
+                              <dgm:adj idx="2" val="19.0387"/>
+                              <dgm:adj idx="3" val="105"/>
+                              <dgm:adj idx="4" val="-45"/>
+                              <dgm:adj idx="5" val="0.125"/>
+                            </dgm:adjLst>
+                          </dgm:shape>
+                        </dgm:if>
+                        <dgm:if name="Name70" axis="precedSib" ptType="node" func="cnt" op="equ" val="3">
+                          <dgm:shape xmlns:r="http://schemas.openxmlformats.org/officeDocument/2006/relationships" type="circularArrow" r:blip="">
+                            <dgm:adjLst>
+                              <dgm:adj idx="1" val="0.1098"/>
+                              <dgm:adj idx="2" val="19.0387"/>
+                              <dgm:adj idx="3" val="75"/>
+                              <dgm:adj idx="4" val="-135"/>
+                              <dgm:adj idx="5" val="0.125"/>
+                            </dgm:adjLst>
+                          </dgm:shape>
+                        </dgm:if>
+                        <dgm:if name="Name71" axis="precedSib" ptType="node" func="cnt" op="equ" val="4">
+                          <dgm:shape xmlns:r="http://schemas.openxmlformats.org/officeDocument/2006/relationships" type="leftCircularArrow" r:blip="">
+                            <dgm:adjLst>
+                              <dgm:adj idx="1" val="0.1098"/>
+                              <dgm:adj idx="2" val="19.0387"/>
+                              <dgm:adj idx="3" val="105"/>
+                              <dgm:adj idx="4" val="-45"/>
+                              <dgm:adj idx="5" val="0.125"/>
+                            </dgm:adjLst>
+                          </dgm:shape>
+                        </dgm:if>
+                        <dgm:if name="Name72" axis="precedSib" ptType="node" func="cnt" op="equ" val="5">
+                          <dgm:shape xmlns:r="http://schemas.openxmlformats.org/officeDocument/2006/relationships" type="circularArrow" r:blip="">
+                            <dgm:adjLst>
+                              <dgm:adj idx="1" val="0.1098"/>
+                              <dgm:adj idx="2" val="19.0387"/>
+                              <dgm:adj idx="3" val="75"/>
+                              <dgm:adj idx="4" val="-135"/>
+                              <dgm:adj idx="5" val="0.125"/>
+                            </dgm:adjLst>
+                          </dgm:shape>
+                        </dgm:if>
+                        <dgm:if name="Name73" axis="precedSib" ptType="node" func="cnt" op="equ" val="6">
+                          <dgm:shape xmlns:r="http://schemas.openxmlformats.org/officeDocument/2006/relationships" type="blockArc" r:blip="">
+                            <dgm:adjLst>
+                              <dgm:adj idx="1" val="0"/>
+                              <dgm:adj idx="2" val="-45"/>
+                              <dgm:adj idx="3" val="0.1274"/>
+                            </dgm:adjLst>
+                          </dgm:shape>
+                        </dgm:if>
+                        <dgm:else name="Name74"/>
+                      </dgm:choose>
+                    </dgm:else>
+                  </dgm:choose>
+                </dgm:else>
+              </dgm:choose>
+            </dgm:else>
+          </dgm:choose>
+          <dgm:presOf/>
+        </dgm:layoutNode>
+      </dgm:forEach>
+    </dgm:forEach>
+    <dgm:forEach name="Name75" axis="ch" ptType="node" cnt="1">
+      <dgm:layoutNode name="Accent1">
+        <dgm:alg type="sp"/>
+        <dgm:shape xmlns:r="http://schemas.openxmlformats.org/officeDocument/2006/relationships" r:blip="">
+          <dgm:adjLst/>
+        </dgm:shape>
+        <dgm:presOf/>
+        <dgm:constrLst/>
+        <dgm:forEach name="Name76" ref="accentRepeat"/>
+      </dgm:layoutNode>
+      <dgm:choose name="Name77">
+        <dgm:if name="Name78" axis="ch" ptType="node" func="cnt" op="gte" val="1">
+          <dgm:layoutNode name="Child1" styleLbl="revTx">
+            <dgm:varLst>
+              <dgm:chMax val="0"/>
+              <dgm:chPref val="0"/>
+              <dgm:bulletEnabled val="1"/>
+            </dgm:varLst>
+            <dgm:alg type="tx">
+              <dgm:param type="stBulletLvl" val="1"/>
+              <dgm:param type="parTxLTRAlign" val="l"/>
+              <dgm:param type="txAnchorVertCh" val="mid"/>
+            </dgm:alg>
+            <dgm:shape xmlns:r="http://schemas.openxmlformats.org/officeDocument/2006/relationships" type="rect" r:blip="">
+              <dgm:adjLst/>
+            </dgm:shape>
+            <dgm:presOf axis="des" ptType="node"/>
+            <dgm:constrLst>
+              <dgm:constr type="lMarg" refType="primFontSz" fact="0.05"/>
+              <dgm:constr type="rMarg" refType="primFontSz" fact="0.05"/>
+              <dgm:constr type="tMarg" refType="primFontSz" fact="0.05"/>
+              <dgm:constr type="bMarg" refType="primFontSz" fact="0.05"/>
+            </dgm:constrLst>
+            <dgm:ruleLst>
+              <dgm:rule type="primFontSz" val="5" fact="NaN" max="NaN"/>
+            </dgm:ruleLst>
+          </dgm:layoutNode>
+        </dgm:if>
+        <dgm:else name="Name79"/>
+      </dgm:choose>
+      <dgm:layoutNode name="Parent1" styleLbl="revTx">
+        <dgm:varLst>
+          <dgm:chMax val="1"/>
+          <dgm:chPref val="1"/>
+          <dgm:bulletEnabled val="1"/>
+        </dgm:varLst>
+        <dgm:alg type="tx">
+          <dgm:param type="shpTxLTRAlignCh" val="ctr"/>
+          <dgm:param type="txAnchorVertCh" val="mid"/>
+        </dgm:alg>
+        <dgm:shape xmlns:r="http://schemas.openxmlformats.org/officeDocument/2006/relationships" type="rect" r:blip="">
+          <dgm:adjLst/>
+        </dgm:shape>
+        <dgm:presOf axis="self" ptType="node"/>
+        <dgm:constrLst>
+          <dgm:constr type="lMarg" refType="primFontSz" fact="0.05"/>
+          <dgm:constr type="rMarg" refType="primFontSz" fact="0.05"/>
+          <dgm:constr type="tMarg" refType="primFontSz" fact="0.05"/>
+          <dgm:constr type="bMarg" refType="primFontSz" fact="0.05"/>
+        </dgm:constrLst>
+        <dgm:ruleLst>
+          <dgm:rule type="primFontSz" val="5" fact="NaN" max="NaN"/>
+        </dgm:ruleLst>
+      </dgm:layoutNode>
+    </dgm:forEach>
+    <dgm:forEach name="Name80" axis="ch" ptType="node" st="2" cnt="1">
+      <dgm:layoutNode name="Accent2">
+        <dgm:alg type="sp"/>
+        <dgm:shape xmlns:r="http://schemas.openxmlformats.org/officeDocument/2006/relationships" r:blip="">
+          <dgm:adjLst/>
+        </dgm:shape>
+        <dgm:presOf/>
+        <dgm:constrLst/>
+        <dgm:forEach name="Name81" ref="accentRepeat"/>
+      </dgm:layoutNode>
+      <dgm:choose name="Name82">
+        <dgm:if name="Name83" axis="ch" ptType="node" func="cnt" op="gte" val="1">
+          <dgm:layoutNode name="Child2" styleLbl="revTx">
+            <dgm:varLst>
+              <dgm:chMax val="0"/>
+              <dgm:chPref val="0"/>
+              <dgm:bulletEnabled val="1"/>
+            </dgm:varLst>
+            <dgm:alg type="tx">
+              <dgm:param type="stBulletLvl" val="1"/>
+              <dgm:param type="parTxLTRAlign" val="l"/>
+              <dgm:param type="txAnchorVertCh" val="mid"/>
+            </dgm:alg>
+            <dgm:shape xmlns:r="http://schemas.openxmlformats.org/officeDocument/2006/relationships" type="rect" r:blip="">
+              <dgm:adjLst/>
+            </dgm:shape>
+            <dgm:presOf axis="des" ptType="node"/>
+            <dgm:constrLst>
+              <dgm:constr type="lMarg" refType="primFontSz" fact="0.05"/>
+              <dgm:constr type="rMarg" refType="primFontSz" fact="0.05"/>
+              <dgm:constr type="tMarg" refType="primFontSz" fact="0.05"/>
+              <dgm:constr type="bMarg" refType="primFontSz" fact="0.05"/>
+            </dgm:constrLst>
+            <dgm:ruleLst>
+              <dgm:rule type="primFontSz" val="5" fact="NaN" max="NaN"/>
+            </dgm:ruleLst>
+          </dgm:layoutNode>
+        </dgm:if>
+        <dgm:else name="Name84"/>
+      </dgm:choose>
+      <dgm:layoutNode name="Parent2" styleLbl="revTx">
+        <dgm:varLst>
+          <dgm:chMax val="1"/>
+          <dgm:chPref val="1"/>
+          <dgm:bulletEnabled val="1"/>
+        </dgm:varLst>
+        <dgm:alg type="tx">
+          <dgm:param type="shpTxLTRAlignCh" val="ctr"/>
+          <dgm:param type="txAnchorVertCh" val="mid"/>
+        </dgm:alg>
+        <dgm:shape xmlns:r="http://schemas.openxmlformats.org/officeDocument/2006/relationships" type="rect" r:blip="">
+          <dgm:adjLst/>
+        </dgm:shape>
+        <dgm:presOf axis="self" ptType="node"/>
+        <dgm:constrLst>
+          <dgm:constr type="lMarg" refType="primFontSz" fact="0.05"/>
+          <dgm:constr type="rMarg" refType="primFontSz" fact="0.05"/>
+          <dgm:constr type="tMarg" refType="primFontSz" fact="0.05"/>
+          <dgm:constr type="bMarg" refType="primFontSz" fact="0.05"/>
+        </dgm:constrLst>
+        <dgm:ruleLst>
+          <dgm:rule type="primFontSz" val="5" fact="NaN" max="NaN"/>
+        </dgm:ruleLst>
+      </dgm:layoutNode>
+    </dgm:forEach>
+    <dgm:forEach name="Name85" axis="ch" ptType="node" st="3" cnt="1">
+      <dgm:layoutNode name="Accent3">
+        <dgm:alg type="sp"/>
+        <dgm:shape xmlns:r="http://schemas.openxmlformats.org/officeDocument/2006/relationships" r:blip="">
+          <dgm:adjLst/>
+        </dgm:shape>
+        <dgm:presOf/>
+        <dgm:constrLst/>
+        <dgm:forEach name="Name86" ref="accentRepeat"/>
+      </dgm:layoutNode>
+      <dgm:choose name="Name87">
+        <dgm:if name="Name88" axis="ch" ptType="node" func="cnt" op="gte" val="1">
+          <dgm:layoutNode name="Child3" styleLbl="revTx">
+            <dgm:varLst>
+              <dgm:chMax val="0"/>
+              <dgm:chPref val="0"/>
+              <dgm:bulletEnabled val="1"/>
+            </dgm:varLst>
+            <dgm:alg type="tx">
+              <dgm:param type="stBulletLvl" val="1"/>
+              <dgm:param type="parTxLTRAlign" val="l"/>
+              <dgm:param type="txAnchorVertCh" val="mid"/>
+            </dgm:alg>
+            <dgm:shape xmlns:r="http://schemas.openxmlformats.org/officeDocument/2006/relationships" type="rect" r:blip="">
+              <dgm:adjLst/>
+            </dgm:shape>
+            <dgm:presOf axis="des" ptType="node"/>
+            <dgm:constrLst>
+              <dgm:constr type="lMarg" refType="primFontSz" fact="0.05"/>
+              <dgm:constr type="rMarg" refType="primFontSz" fact="0.05"/>
+              <dgm:constr type="tMarg" refType="primFontSz" fact="0.05"/>
+              <dgm:constr type="bMarg" refType="primFontSz" fact="0.05"/>
+            </dgm:constrLst>
+            <dgm:ruleLst>
+              <dgm:rule type="primFontSz" val="5" fact="NaN" max="NaN"/>
+            </dgm:ruleLst>
+          </dgm:layoutNode>
+        </dgm:if>
+        <dgm:else name="Name89"/>
+      </dgm:choose>
+      <dgm:layoutNode name="Parent3" styleLbl="revTx">
+        <dgm:varLst>
+          <dgm:chMax val="1"/>
+          <dgm:chPref val="1"/>
+          <dgm:bulletEnabled val="1"/>
+        </dgm:varLst>
+        <dgm:alg type="tx">
+          <dgm:param type="shpTxLTRAlignCh" val="ctr"/>
+          <dgm:param type="txAnchorVertCh" val="mid"/>
+        </dgm:alg>
+        <dgm:shape xmlns:r="http://schemas.openxmlformats.org/officeDocument/2006/relationships" type="rect" r:blip="">
+          <dgm:adjLst/>
+        </dgm:shape>
+        <dgm:presOf axis="self" ptType="node"/>
+        <dgm:constrLst>
+          <dgm:constr type="lMarg" refType="primFontSz" fact="0.05"/>
+          <dgm:constr type="rMarg" refType="primFontSz" fact="0.05"/>
+          <dgm:constr type="tMarg" refType="primFontSz" fact="0.05"/>
+          <dgm:constr type="bMarg" refType="primFontSz" fact="0.05"/>
+        </dgm:constrLst>
+        <dgm:ruleLst>
+          <dgm:rule type="primFontSz" val="5" fact="NaN" max="NaN"/>
+        </dgm:ruleLst>
+      </dgm:layoutNode>
+    </dgm:forEach>
+    <dgm:forEach name="Name90" axis="ch" ptType="node" st="4" cnt="1">
+      <dgm:layoutNode name="Accent4">
+        <dgm:alg type="sp"/>
+        <dgm:shape xmlns:r="http://schemas.openxmlformats.org/officeDocument/2006/relationships" r:blip="">
+          <dgm:adjLst/>
+        </dgm:shape>
+        <dgm:presOf/>
+        <dgm:constrLst/>
+        <dgm:forEach name="Name91" ref="accentRepeat"/>
+      </dgm:layoutNode>
+      <dgm:choose name="Name92">
+        <dgm:if name="Name93" axis="ch" ptType="node" func="cnt" op="gte" val="1">
+          <dgm:layoutNode name="Child4" styleLbl="revTx">
+            <dgm:varLst>
+              <dgm:chMax val="0"/>
+              <dgm:chPref val="0"/>
+              <dgm:bulletEnabled val="1"/>
+            </dgm:varLst>
+            <dgm:alg type="tx">
+              <dgm:param type="stBulletLvl" val="1"/>
+              <dgm:param type="parTxLTRAlign" val="l"/>
+              <dgm:param type="txAnchorVertCh" val="mid"/>
+            </dgm:alg>
+            <dgm:shape xmlns:r="http://schemas.openxmlformats.org/officeDocument/2006/relationships" type="rect" r:blip="">
+              <dgm:adjLst/>
+            </dgm:shape>
+            <dgm:presOf axis="des" ptType="node"/>
+            <dgm:constrLst>
+              <dgm:constr type="lMarg" refType="primFontSz" fact="0.05"/>
+              <dgm:constr type="rMarg" refType="primFontSz" fact="0.05"/>
+              <dgm:constr type="tMarg" refType="primFontSz" fact="0.05"/>
+              <dgm:constr type="bMarg" refType="primFontSz" fact="0.05"/>
+            </dgm:constrLst>
+            <dgm:ruleLst>
+              <dgm:rule type="primFontSz" val="5" fact="NaN" max="NaN"/>
+            </dgm:ruleLst>
+          </dgm:layoutNode>
+        </dgm:if>
+        <dgm:else name="Name94"/>
+      </dgm:choose>
+      <dgm:layoutNode name="Parent4" styleLbl="revTx">
+        <dgm:varLst>
+          <dgm:chMax val="1"/>
+          <dgm:chPref val="1"/>
+          <dgm:bulletEnabled val="1"/>
+        </dgm:varLst>
+        <dgm:alg type="tx">
+          <dgm:param type="shpTxLTRAlignCh" val="ctr"/>
+          <dgm:param type="txAnchorVertCh" val="mid"/>
+        </dgm:alg>
+        <dgm:shape xmlns:r="http://schemas.openxmlformats.org/officeDocument/2006/relationships" type="rect" r:blip="">
+          <dgm:adjLst/>
+        </dgm:shape>
+        <dgm:presOf axis="self" ptType="node"/>
+        <dgm:constrLst>
+          <dgm:constr type="lMarg" refType="primFontSz" fact="0.05"/>
+          <dgm:constr type="rMarg" refType="primFontSz" fact="0.05"/>
+          <dgm:constr type="tMarg" refType="primFontSz" fact="0.05"/>
+          <dgm:constr type="bMarg" refType="primFontSz" fact="0.05"/>
+        </dgm:constrLst>
+        <dgm:ruleLst>
+          <dgm:rule type="primFontSz" val="5" fact="NaN" max="NaN"/>
+        </dgm:ruleLst>
+      </dgm:layoutNode>
+    </dgm:forEach>
+    <dgm:forEach name="Name95" axis="ch" ptType="node" st="5" cnt="1">
+      <dgm:layoutNode name="Accent5">
+        <dgm:alg type="sp"/>
+        <dgm:shape xmlns:r="http://schemas.openxmlformats.org/officeDocument/2006/relationships" r:blip="">
+          <dgm:adjLst/>
+        </dgm:shape>
+        <dgm:presOf/>
+        <dgm:constrLst/>
+        <dgm:forEach name="Name96" ref="accentRepeat"/>
+      </dgm:layoutNode>
+      <dgm:choose name="Name97">
+        <dgm:if name="Name98" axis="ch" ptType="node" func="cnt" op="gte" val="1">
+          <dgm:layoutNode name="Child5" styleLbl="revTx">
+            <dgm:varLst>
+              <dgm:chMax val="0"/>
+              <dgm:chPref val="0"/>
+              <dgm:bulletEnabled val="1"/>
+            </dgm:varLst>
+            <dgm:alg type="tx">
+              <dgm:param type="stBulletLvl" val="1"/>
+              <dgm:param type="parTxLTRAlign" val="l"/>
+              <dgm:param type="txAnchorVertCh" val="mid"/>
+            </dgm:alg>
+            <dgm:shape xmlns:r="http://schemas.openxmlformats.org/officeDocument/2006/relationships" type="rect" r:blip="">
+              <dgm:adjLst/>
+            </dgm:shape>
+            <dgm:presOf axis="des" ptType="node"/>
+            <dgm:constrLst>
+              <dgm:constr type="lMarg" refType="primFontSz" fact="0.05"/>
+              <dgm:constr type="rMarg" refType="primFontSz" fact="0.05"/>
+              <dgm:constr type="tMarg" refType="primFontSz" fact="0.05"/>
+              <dgm:constr type="bMarg" refType="primFontSz" fact="0.05"/>
+            </dgm:constrLst>
+            <dgm:ruleLst>
+              <dgm:rule type="primFontSz" val="5" fact="NaN" max="NaN"/>
+            </dgm:ruleLst>
+          </dgm:layoutNode>
+        </dgm:if>
+        <dgm:else name="Name99"/>
+      </dgm:choose>
+      <dgm:layoutNode name="Parent5" styleLbl="revTx">
+        <dgm:varLst>
+          <dgm:chMax val="1"/>
+          <dgm:chPref val="1"/>
+          <dgm:bulletEnabled val="1"/>
+        </dgm:varLst>
+        <dgm:alg type="tx">
+          <dgm:param type="shpTxLTRAlignCh" val="ctr"/>
+          <dgm:param type="txAnchorVertCh" val="mid"/>
+        </dgm:alg>
+        <dgm:shape xmlns:r="http://schemas.openxmlformats.org/officeDocument/2006/relationships" type="rect" r:blip="">
+          <dgm:adjLst/>
+        </dgm:shape>
+        <dgm:presOf axis="self" ptType="node"/>
+        <dgm:constrLst>
+          <dgm:constr type="lMarg" refType="primFontSz" fact="0.05"/>
+          <dgm:constr type="rMarg" refType="primFontSz" fact="0.05"/>
+          <dgm:constr type="tMarg" refType="primFontSz" fact="0.05"/>
+          <dgm:constr type="bMarg" refType="primFontSz" fact="0.05"/>
+        </dgm:constrLst>
+        <dgm:ruleLst>
+          <dgm:rule type="primFontSz" val="5" fact="NaN" max="NaN"/>
+        </dgm:ruleLst>
+      </dgm:layoutNode>
+    </dgm:forEach>
+    <dgm:forEach name="Name100" axis="ch" ptType="node" st="6" cnt="1">
+      <dgm:layoutNode name="Accent6">
+        <dgm:alg type="sp"/>
+        <dgm:shape xmlns:r="http://schemas.openxmlformats.org/officeDocument/2006/relationships" r:blip="">
+          <dgm:adjLst/>
+        </dgm:shape>
+        <dgm:presOf/>
+        <dgm:constrLst/>
+        <dgm:forEach name="Name101" ref="accentRepeat"/>
+      </dgm:layoutNode>
+      <dgm:choose name="Name102">
+        <dgm:if name="Name103" axis="ch" ptType="node" func="cnt" op="gte" val="1">
+          <dgm:layoutNode name="Child6" styleLbl="revTx">
+            <dgm:varLst>
+              <dgm:chMax val="0"/>
+              <dgm:chPref val="0"/>
+              <dgm:bulletEnabled val="1"/>
+            </dgm:varLst>
+            <dgm:alg type="tx">
+              <dgm:param type="stBulletLvl" val="1"/>
+              <dgm:param type="parTxLTRAlign" val="l"/>
+              <dgm:param type="txAnchorVertCh" val="mid"/>
+            </dgm:alg>
+            <dgm:shape xmlns:r="http://schemas.openxmlformats.org/officeDocument/2006/relationships" type="rect" r:blip="">
+              <dgm:adjLst/>
+            </dgm:shape>
+            <dgm:presOf axis="des" ptType="node"/>
+            <dgm:constrLst>
+              <dgm:constr type="lMarg" refType="primFontSz" fact="0.05"/>
+              <dgm:constr type="rMarg" refType="primFontSz" fact="0.05"/>
+              <dgm:constr type="tMarg" refType="primFontSz" fact="0.05"/>
+              <dgm:constr type="bMarg" refType="primFontSz" fact="0.05"/>
+            </dgm:constrLst>
+            <dgm:ruleLst>
+              <dgm:rule type="primFontSz" val="5" fact="NaN" max="NaN"/>
+            </dgm:ruleLst>
+          </dgm:layoutNode>
+        </dgm:if>
+        <dgm:else name="Name104"/>
+      </dgm:choose>
+      <dgm:layoutNode name="Parent6" styleLbl="revTx">
+        <dgm:varLst>
+          <dgm:chMax val="1"/>
+          <dgm:chPref val="1"/>
+          <dgm:bulletEnabled val="1"/>
+        </dgm:varLst>
+        <dgm:alg type="tx">
+          <dgm:param type="shpTxLTRAlignCh" val="ctr"/>
+          <dgm:param type="txAnchorVertCh" val="mid"/>
+        </dgm:alg>
+        <dgm:shape xmlns:r="http://schemas.openxmlformats.org/officeDocument/2006/relationships" type="rect" r:blip="">
+          <dgm:adjLst/>
+        </dgm:shape>
+        <dgm:presOf axis="self" ptType="node"/>
+        <dgm:constrLst>
+          <dgm:constr type="lMarg" refType="primFontSz" fact="0.05"/>
+          <dgm:constr type="rMarg" refType="primFontSz" fact="0.05"/>
+          <dgm:constr type="tMarg" refType="primFontSz" fact="0.05"/>
+          <dgm:constr type="bMarg" refType="primFontSz" fact="0.05"/>
+        </dgm:constrLst>
+        <dgm:ruleLst>
+          <dgm:rule type="primFontSz" val="5" fact="NaN" max="NaN"/>
+        </dgm:ruleLst>
+      </dgm:layoutNode>
+    </dgm:forEach>
+    <dgm:forEach name="Name105" axis="ch" ptType="node" st="7" cnt="1">
+      <dgm:layoutNode name="Accent7">
+        <dgm:alg type="sp"/>
+        <dgm:shape xmlns:r="http://schemas.openxmlformats.org/officeDocument/2006/relationships" r:blip="">
+          <dgm:adjLst/>
+        </dgm:shape>
+        <dgm:presOf/>
+        <dgm:constrLst/>
+        <dgm:forEach name="Name106" ref="accentRepeat"/>
+      </dgm:layoutNode>
+      <dgm:choose name="Name107">
+        <dgm:if name="Name108" axis="ch" ptType="node" func="cnt" op="gte" val="1">
+          <dgm:layoutNode name="Child7" styleLbl="revTx">
+            <dgm:varLst>
+              <dgm:chMax val="0"/>
+              <dgm:chPref val="0"/>
+              <dgm:bulletEnabled val="1"/>
+            </dgm:varLst>
+            <dgm:alg type="tx">
+              <dgm:param type="stBulletLvl" val="1"/>
+              <dgm:param type="parTxLTRAlign" val="l"/>
+              <dgm:param type="txAnchorVertCh" val="mid"/>
+            </dgm:alg>
+            <dgm:shape xmlns:r="http://schemas.openxmlformats.org/officeDocument/2006/relationships" type="rect" r:blip="">
+              <dgm:adjLst/>
+            </dgm:shape>
+            <dgm:presOf axis="des" ptType="node"/>
+            <dgm:constrLst>
+              <dgm:constr type="lMarg" refType="primFontSz" fact="0.05"/>
+              <dgm:constr type="rMarg" refType="primFontSz" fact="0.05"/>
+              <dgm:constr type="tMarg" refType="primFontSz" fact="0.05"/>
+              <dgm:constr type="bMarg" refType="primFontSz" fact="0.05"/>
+            </dgm:constrLst>
+            <dgm:ruleLst>
+              <dgm:rule type="primFontSz" val="5" fact="NaN" max="NaN"/>
+            </dgm:ruleLst>
+          </dgm:layoutNode>
+        </dgm:if>
+        <dgm:else name="Name109"/>
+      </dgm:choose>
+      <dgm:layoutNode name="Parent7" styleLbl="revTx">
+        <dgm:varLst>
+          <dgm:chMax val="1"/>
+          <dgm:chPref val="1"/>
+          <dgm:bulletEnabled val="1"/>
+        </dgm:varLst>
+        <dgm:alg type="tx">
+          <dgm:param type="shpTxLTRAlignCh" val="ctr"/>
+          <dgm:param type="txAnchorVertCh" val="mid"/>
+        </dgm:alg>
+        <dgm:shape xmlns:r="http://schemas.openxmlformats.org/officeDocument/2006/relationships" type="rect" r:blip="">
+          <dgm:adjLst/>
+        </dgm:shape>
+        <dgm:presOf axis="self" ptType="node"/>
+        <dgm:constrLst>
+          <dgm:constr type="lMarg" refType="primFontSz" fact="0.05"/>
+          <dgm:constr type="rMarg" refType="primFontSz" fact="0.05"/>
+          <dgm:constr type="tMarg" refType="primFontSz" fact="0.05"/>
+          <dgm:constr type="bMarg" refType="primFontSz" fact="0.05"/>
+        </dgm:constrLst>
+        <dgm:ruleLst>
+          <dgm:rule type="primFontSz" val="5" fact="NaN" max="NaN"/>
+        </dgm:ruleLst>
+      </dgm:layoutNode>
+    </dgm:forEach>
+  </dgm:layoutNode>
+</dgm:layoutDef>
+</file>
+
+<file path=ppt/diagrams/quickStyle1.xml><?xml version="1.0" encoding="utf-8"?>
+<dgm:styleDef xmlns:dgm="http://schemas.openxmlformats.org/drawingml/2006/diagram" xmlns:a="http://schemas.openxmlformats.org/drawingml/2006/main" uniqueId="urn:microsoft.com/office/officeart/2005/8/quickstyle/simple1">
+  <dgm:title val=""/>
+  <dgm:desc val=""/>
+  <dgm:catLst>
+    <dgm:cat type="simple" pri="10100"/>
+  </dgm:catLst>
+  <dgm:scene3d>
+    <a:camera prst="orthographicFront"/>
+    <a:lightRig rig="threePt" dir="t"/>
+  </dgm:scene3d>
+  <dgm:styleLbl name="node0">
+    <dgm:scene3d>
+      <a:camera prst="orthographicFront"/>
+      <a:lightRig rig="threePt" dir="t"/>
+    </dgm:scene3d>
+    <dgm:sp3d/>
+    <dgm:txPr/>
+    <dgm:style>
+      <a:lnRef idx="2">
+        <a:scrgbClr r="0" g="0" b="0"/>
+      </a:lnRef>
+      <a:fillRef idx="1">
+        <a:scrgbClr r="0" g="0" b="0"/>
+      </a:fillRef>
+      <a:effectRef idx="0">
+        <a:scrgbClr r="0" g="0" b="0"/>
+      </a:effectRef>
+      <a:fontRef idx="minor">
+        <a:schemeClr val="lt1"/>
+      </a:fontRef>
+    </dgm:style>
+  </dgm:styleLbl>
+  <dgm:styleLbl name="lnNode1">
+    <dgm:scene3d>
+      <a:camera prst="orthographicFront"/>
+      <a:lightRig rig="threePt" dir="t"/>
+    </dgm:scene3d>
+    <dgm:sp3d/>
+    <dgm:txPr/>
+    <dgm:style>
+      <a:lnRef idx="2">
+        <a:scrgbClr r="0" g="0" b="0"/>
+      </a:lnRef>
+      <a:fillRef idx="1">
+        <a:scrgbClr r="0" g="0" b="0"/>
+      </a:fillRef>
+      <a:effectRef idx="0">
+        <a:scrgbClr r="0" g="0" b="0"/>
+      </a:effectRef>
+      <a:fontRef idx="minor">
+        <a:schemeClr val="lt1"/>
+      </a:fontRef>
+    </dgm:style>
+  </dgm:styleLbl>
+  <dgm:styleLbl name="vennNode1">
+    <dgm:scene3d>
+      <a:camera prst="orthographicFront"/>
+      <a:lightRig rig="threePt" dir="t"/>
+    </dgm:scene3d>
+    <dgm:sp3d/>
+    <dgm:txPr/>
+    <dgm:style>
+      <a:lnRef idx="2">
+        <a:scrgbClr r="0" g="0" b="0"/>
+      </a:lnRef>
+      <a:fillRef idx="1">
+        <a:scrgbClr r="0" g="0" b="0"/>
+      </a:fillRef>
+      <a:effectRef idx="0">
+        <a:scrgbClr r="0" g="0" b="0"/>
+      </a:effectRef>
+      <a:fontRef idx="minor">
+        <a:schemeClr val="tx1"/>
+      </a:fontRef>
+    </dgm:style>
+  </dgm:styleLbl>
+  <dgm:styleLbl name="alignNode1">
+    <dgm:scene3d>
+      <a:camera prst="orthographicFront"/>
+      <a:lightRig rig="threePt" dir="t"/>
+    </dgm:scene3d>
+    <dgm:sp3d/>
+    <dgm:txPr/>
+    <dgm:style>
+      <a:lnRef idx="2">
+        <a:scrgbClr r="0" g="0" b="0"/>
+      </a:lnRef>
+      <a:fillRef idx="1">
+        <a:scrgbClr r="0" g="0" b="0"/>
+      </a:fillRef>
+      <a:effectRef idx="0">
+        <a:scrgbClr r="0" g="0" b="0"/>
+      </a:effectRef>
+      <a:fontRef idx="minor">
+        <a:schemeClr val="lt1"/>
+      </a:fontRef>
+    </dgm:style>
+  </dgm:styleLbl>
+  <dgm:styleLbl name="node1">
+    <dgm:scene3d>
+      <a:camera prst="orthographicFront"/>
+      <a:lightRig rig="threePt" dir="t"/>
+    </dgm:scene3d>
+    <dgm:sp3d/>
+    <dgm:txPr/>
+    <dgm:style>
+      <a:lnRef idx="2">
+        <a:scrgbClr r="0" g="0" b="0"/>
+      </a:lnRef>
+      <a:fillRef idx="1">
+        <a:scrgbClr r="0" g="0" b="0"/>
+      </a:fillRef>
+      <a:effectRef idx="0">
+        <a:scrgbClr r="0" g="0" b="0"/>
+      </a:effectRef>
+      <a:fontRef idx="minor">
+        <a:schemeClr val="lt1"/>
+      </a:fontRef>
+    </dgm:style>
+  </dgm:styleLbl>
+  <dgm:styleLbl name="node2">
+    <dgm:scene3d>
+      <a:camera prst="orthographicFront"/>
+      <a:lightRig rig="threePt" dir="t"/>
+    </dgm:scene3d>
+    <dgm:sp3d/>
+    <dgm:txPr/>
+    <dgm:style>
+      <a:lnRef idx="2">
+        <a:scrgbClr r="0" g="0" b="0"/>
+      </a:lnRef>
+      <a:fillRef idx="1">
+        <a:scrgbClr r="0" g="0" b="0"/>
+      </a:fillRef>
+      <a:effectRef idx="0">
+        <a:scrgbClr r="0" g="0" b="0"/>
+      </a:effectRef>
+      <a:fontRef idx="minor">
+        <a:schemeClr val="lt1"/>
+      </a:fontRef>
+    </dgm:style>
+  </dgm:styleLbl>
+  <dgm:styleLbl name="node3">
+    <dgm:scene3d>
+      <a:camera prst="orthographicFront"/>
+      <a:lightRig rig="threePt" dir="t"/>
+    </dgm:scene3d>
+    <dgm:sp3d/>
+    <dgm:txPr/>
+    <dgm:style>
+      <a:lnRef idx="2">
+        <a:scrgbClr r="0" g="0" b="0"/>
+      </a:lnRef>
+      <a:fillRef idx="1">
+        <a:scrgbClr r="0" g="0" b="0"/>
+      </a:fillRef>
+      <a:effectRef idx="0">
+        <a:scrgbClr r="0" g="0" b="0"/>
+      </a:effectRef>
+      <a:fontRef idx="minor">
+        <a:schemeClr val="lt1"/>
+      </a:fontRef>
+    </dgm:style>
+  </dgm:styleLbl>
+  <dgm:styleLbl name="node4">
+    <dgm:scene3d>
+      <a:camera prst="orthographicFront"/>
+      <a:lightRig rig="threePt" dir="t"/>
+    </dgm:scene3d>
+    <dgm:sp3d/>
+    <dgm:txPr/>
+    <dgm:style>
+      <a:lnRef idx="2">
+        <a:scrgbClr r="0" g="0" b="0"/>
+      </a:lnRef>
+      <a:fillRef idx="1">
+        <a:scrgbClr r="0" g="0" b="0"/>
+      </a:fillRef>
+      <a:effectRef idx="0">
+        <a:scrgbClr r="0" g="0" b="0"/>
+      </a:effectRef>
+      <a:fontRef idx="minor">
+        <a:schemeClr val="lt1"/>
+      </a:fontRef>
+    </dgm:style>
+  </dgm:styleLbl>
+  <dgm:styleLbl name="fgImgPlace1">
+    <dgm:scene3d>
+      <a:camera prst="orthographicFront"/>
+      <a:lightRig rig="threePt" dir="t"/>
+    </dgm:scene3d>
+    <dgm:sp3d/>
+    <dgm:txPr/>
+    <dgm:style>
+      <a:lnRef idx="2">
+        <a:scrgbClr r="0" g="0" b="0"/>
+      </a:lnRef>
+      <a:fillRef idx="1">
+        <a:scrgbClr r="0" g="0" b="0"/>
+      </a:fillRef>
+      <a:effectRef idx="0">
+        <a:scrgbClr r="0" g="0" b="0"/>
+      </a:effectRef>
+      <a:fontRef idx="minor"/>
+    </dgm:style>
+  </dgm:styleLbl>
+  <dgm:styleLbl name="alignImgPlace1">
+    <dgm:scene3d>
+      <a:camera prst="orthographicFront"/>
+      <a:lightRig rig="threePt" dir="t"/>
+    </dgm:scene3d>
+    <dgm:sp3d/>
+    <dgm:txPr/>
+    <dgm:style>
+      <a:lnRef idx="2">
+        <a:scrgbClr r="0" g="0" b="0"/>
+      </a:lnRef>
+      <a:fillRef idx="1">
+        <a:scrgbClr r="0" g="0" b="0"/>
+      </a:fillRef>
+      <a:effectRef idx="0">
+        <a:scrgbClr r="0" g="0" b="0"/>
+      </a:effectRef>
+      <a:fontRef idx="minor"/>
+    </dgm:style>
+  </dgm:styleLbl>
+  <dgm:styleLbl name="bgImgPlace1">
+    <dgm:scene3d>
+      <a:camera prst="orthographicFront"/>
+      <a:lightRig rig="threePt" dir="t"/>
+    </dgm:scene3d>
+    <dgm:sp3d/>
+    <dgm:txPr/>
+    <dgm:style>
+      <a:lnRef idx="2">
+        <a:scrgbClr r="0" g="0" b="0"/>
+      </a:lnRef>
+      <a:fillRef idx="1">
+        <a:scrgbClr r="0" g="0" b="0"/>
+      </a:fillRef>
+      <a:effectRef idx="0">
+        <a:scrgbClr r="0" g="0" b="0"/>
+      </a:effectRef>
+      <a:fontRef idx="minor"/>
+    </dgm:style>
+  </dgm:styleLbl>
+  <dgm:styleLbl name="sibTrans2D1">
+    <dgm:scene3d>
+      <a:camera prst="orthographicFront"/>
+      <a:lightRig rig="threePt" dir="t"/>
+    </dgm:scene3d>
+    <dgm:sp3d/>
+    <dgm:txPr/>
+    <dgm:style>
+      <a:lnRef idx="0">
+        <a:scrgbClr r="0" g="0" b="0"/>
+      </a:lnRef>
+      <a:fillRef idx="1">
+        <a:scrgbClr r="0" g="0" b="0"/>
+      </a:fillRef>
+      <a:effectRef idx="0">
+        <a:scrgbClr r="0" g="0" b="0"/>
+      </a:effectRef>
+      <a:fontRef idx="minor">
+        <a:schemeClr val="lt1"/>
+      </a:fontRef>
+    </dgm:style>
+  </dgm:styleLbl>
+  <dgm:styleLbl name="fgSibTrans2D1">
+    <dgm:scene3d>
+      <a:camera prst="orthographicFront"/>
+      <a:lightRig rig="threePt" dir="t"/>
+    </dgm:scene3d>
+    <dgm:sp3d/>
+    <dgm:txPr/>
+    <dgm:style>
+      <a:lnRef idx="0">
+        <a:scrgbClr r="0" g="0" b="0"/>
+      </a:lnRef>
+      <a:fillRef idx="1">
+        <a:scrgbClr r="0" g="0" b="0"/>
+      </a:fillRef>
+      <a:effectRef idx="0">
+        <a:scrgbClr r="0" g="0" b="0"/>
+      </a:effectRef>
+      <a:fontRef idx="minor">
+        <a:schemeClr val="lt1"/>
+      </a:fontRef>
+    </dgm:style>
+  </dgm:styleLbl>
+  <dgm:styleLbl name="bgSibTrans2D1">
+    <dgm:scene3d>
+      <a:camera prst="orthographicFront"/>
+      <a:lightRig rig="threePt" dir="t"/>
+    </dgm:scene3d>
+    <dgm:sp3d/>
+    <dgm:txPr/>
+    <dgm:style>
+      <a:lnRef idx="0">
+        <a:scrgbClr r="0" g="0" b="0"/>
+      </a:lnRef>
+      <a:fillRef idx="1">
+        <a:scrgbClr r="0" g="0" b="0"/>
+      </a:fillRef>
+      <a:effectRef idx="0">
+        <a:scrgbClr r="0" g="0" b="0"/>
+      </a:effectRef>
+      <a:fontRef idx="minor">
+        <a:schemeClr val="lt1"/>
+      </a:fontRef>
+    </dgm:style>
+  </dgm:styleLbl>
+  <dgm:styleLbl name="sibTrans1D1">
+    <dgm:scene3d>
+      <a:camera prst="orthographicFront"/>
+      <a:lightRig rig="threePt" dir="t"/>
+    </dgm:scene3d>
+    <dgm:sp3d/>
+    <dgm:txPr/>
+    <dgm:style>
+      <a:lnRef idx="1">
+        <a:scrgbClr r="0" g="0" b="0"/>
+      </a:lnRef>
+      <a:fillRef idx="0">
+        <a:scrgbClr r="0" g="0" b="0"/>
+      </a:fillRef>
+      <a:effectRef idx="0">
+        <a:scrgbClr r="0" g="0" b="0"/>
+      </a:effectRef>
+      <a:fontRef idx="minor"/>
+    </dgm:style>
+  </dgm:styleLbl>
+  <dgm:styleLbl name="callout">
+    <dgm:scene3d>
+      <a:camera prst="orthographicFront"/>
+      <a:lightRig rig="threePt" dir="t"/>
+    </dgm:scene3d>
+    <dgm:sp3d/>
+    <dgm:txPr/>
+    <dgm:style>
+      <a:lnRef idx="2">
+        <a:scrgbClr r="0" g="0" b="0"/>
+      </a:lnRef>
+      <a:fillRef idx="1">
+        <a:scrgbClr r="0" g="0" b="0"/>
+      </a:fillRef>
+      <a:effectRef idx="0">
+        <a:scrgbClr r="0" g="0" b="0"/>
+      </a:effectRef>
+      <a:fontRef idx="minor"/>
+    </dgm:style>
+  </dgm:styleLbl>
+  <dgm:styleLbl name="asst0">
+    <dgm:scene3d>
+      <a:camera prst="orthographicFront"/>
+      <a:lightRig rig="threePt" dir="t"/>
+    </dgm:scene3d>
+    <dgm:sp3d/>
+    <dgm:txPr/>
+    <dgm:style>
+      <a:lnRef idx="2">
+        <a:scrgbClr r="0" g="0" b="0"/>
+      </a:lnRef>
+      <a:fillRef idx="1">
+        <a:scrgbClr r="0" g="0" b="0"/>
+      </a:fillRef>
+      <a:effectRef idx="0">
+        <a:scrgbClr r="0" g="0" b="0"/>
+      </a:effectRef>
+      <a:fontRef idx="minor">
+        <a:schemeClr val="lt1"/>
+      </a:fontRef>
+    </dgm:style>
+  </dgm:styleLbl>
+  <dgm:styleLbl name="asst1">
+    <dgm:scene3d>
+      <a:camera prst="orthographicFront"/>
+      <a:lightRig rig="threePt" dir="t"/>
+    </dgm:scene3d>
+    <dgm:sp3d/>
+    <dgm:txPr/>
+    <dgm:style>
+      <a:lnRef idx="2">
+        <a:scrgbClr r="0" g="0" b="0"/>
+      </a:lnRef>
+      <a:fillRef idx="1">
+        <a:scrgbClr r="0" g="0" b="0"/>
+      </a:fillRef>
+      <a:effectRef idx="0">
+        <a:scrgbClr r="0" g="0" b="0"/>
+      </a:effectRef>
+      <a:fontRef idx="minor">
+        <a:schemeClr val="lt1"/>
+      </a:fontRef>
+    </dgm:style>
+  </dgm:styleLbl>
+  <dgm:styleLbl name="asst2">
+    <dgm:scene3d>
+      <a:camera prst="orthographicFront"/>
+      <a:lightRig rig="threePt" dir="t"/>
+    </dgm:scene3d>
+    <dgm:sp3d/>
+    <dgm:txPr/>
+    <dgm:style>
+      <a:lnRef idx="2">
+        <a:scrgbClr r="0" g="0" b="0"/>
+      </a:lnRef>
+      <a:fillRef idx="1">
+        <a:scrgbClr r="0" g="0" b="0"/>
+      </a:fillRef>
+      <a:effectRef idx="0">
+        <a:scrgbClr r="0" g="0" b="0"/>
+      </a:effectRef>
+      <a:fontRef idx="minor">
+        <a:schemeClr val="lt1"/>
+      </a:fontRef>
+    </dgm:style>
+  </dgm:styleLbl>
+  <dgm:styleLbl name="asst3">
+    <dgm:scene3d>
+      <a:camera prst="orthographicFront"/>
+      <a:lightRig rig="threePt" dir="t"/>
+    </dgm:scene3d>
+    <dgm:sp3d/>
+    <dgm:txPr/>
+    <dgm:style>
+      <a:lnRef idx="2">
+        <a:scrgbClr r="0" g="0" b="0"/>
+      </a:lnRef>
+      <a:fillRef idx="1">
+        <a:scrgbClr r="0" g="0" b="0"/>
+      </a:fillRef>
+      <a:effectRef idx="0">
+        <a:scrgbClr r="0" g="0" b="0"/>
+      </a:effectRef>
+      <a:fontRef idx="minor">
+        <a:schemeClr val="lt1"/>
+      </a:fontRef>
+    </dgm:style>
+  </dgm:styleLbl>
+  <dgm:styleLbl name="asst4">
+    <dgm:scene3d>
+      <a:camera prst="orthographicFront"/>
+      <a:lightRig rig="threePt" dir="t"/>
+    </dgm:scene3d>
+    <dgm:sp3d/>
+    <dgm:txPr/>
+    <dgm:style>
+      <a:lnRef idx="2">
+        <a:scrgbClr r="0" g="0" b="0"/>
+      </a:lnRef>
+      <a:fillRef idx="1">
+        <a:scrgbClr r="0" g="0" b="0"/>
+      </a:fillRef>
+      <a:effectRef idx="0">
+        <a:scrgbClr r="0" g="0" b="0"/>
+      </a:effectRef>
+      <a:fontRef idx="minor">
+        <a:schemeClr val="lt1"/>
+      </a:fontRef>
+    </dgm:style>
+  </dgm:styleLbl>
+  <dgm:styleLbl name="parChTrans2D1">
+    <dgm:scene3d>
+      <a:camera prst="orthographicFront"/>
+      <a:lightRig rig="threePt" dir="t"/>
+    </dgm:scene3d>
+    <dgm:sp3d/>
+    <dgm:txPr/>
+    <dgm:style>
+      <a:lnRef idx="2">
+        <a:scrgbClr r="0" g="0" b="0"/>
+      </a:lnRef>
+      <a:fillRef idx="1">
+        <a:scrgbClr r="0" g="0" b="0"/>
+      </a:fillRef>
+      <a:effectRef idx="0">
+        <a:scrgbClr r="0" g="0" b="0"/>
+      </a:effectRef>
+      <a:fontRef idx="minor">
+        <a:schemeClr val="lt1"/>
+      </a:fontRef>
+    </dgm:style>
+  </dgm:styleLbl>
+  <dgm:styleLbl name="parChTrans2D2">
+    <dgm:scene3d>
+      <a:camera prst="orthographicFront"/>
+      <a:lightRig rig="threePt" dir="t"/>
+    </dgm:scene3d>
+    <dgm:sp3d/>
+    <dgm:txPr/>
+    <dgm:style>
+      <a:lnRef idx="2">
+        <a:scrgbClr r="0" g="0" b="0"/>
+      </a:lnRef>
+      <a:fillRef idx="1">
+        <a:scrgbClr r="0" g="0" b="0"/>
+      </a:fillRef>
+      <a:effectRef idx="0">
+        <a:scrgbClr r="0" g="0" b="0"/>
+      </a:effectRef>
+      <a:fontRef idx="minor">
+        <a:schemeClr val="lt1"/>
+      </a:fontRef>
+    </dgm:style>
+  </dgm:styleLbl>
+  <dgm:styleLbl name="parChTrans2D3">
+    <dgm:scene3d>
+      <a:camera prst="orthographicFront"/>
+      <a:lightRig rig="threePt" dir="t"/>
+    </dgm:scene3d>
+    <dgm:sp3d/>
+    <dgm:txPr/>
+    <dgm:style>
+      <a:lnRef idx="2">
+        <a:scrgbClr r="0" g="0" b="0"/>
+      </a:lnRef>
+      <a:fillRef idx="1">
+        <a:scrgbClr r="0" g="0" b="0"/>
+      </a:fillRef>
+      <a:effectRef idx="0">
+        <a:scrgbClr r="0" g="0" b="0"/>
+      </a:effectRef>
+      <a:fontRef idx="minor">
+        <a:schemeClr val="lt1"/>
+      </a:fontRef>
+    </dgm:style>
+  </dgm:styleLbl>
+  <dgm:styleLbl name="parChTrans2D4">
+    <dgm:scene3d>
+      <a:camera prst="orthographicFront"/>
+      <a:lightRig rig="threePt" dir="t"/>
+    </dgm:scene3d>
+    <dgm:sp3d/>
+    <dgm:txPr/>
+    <dgm:style>
+      <a:lnRef idx="2">
+        <a:scrgbClr r="0" g="0" b="0"/>
+      </a:lnRef>
+      <a:fillRef idx="1">
+        <a:scrgbClr r="0" g="0" b="0"/>
+      </a:fillRef>
+      <a:effectRef idx="0">
+        <a:scrgbClr r="0" g="0" b="0"/>
+      </a:effectRef>
+      <a:fontRef idx="minor">
+        <a:schemeClr val="lt1"/>
+      </a:fontRef>
+    </dgm:style>
+  </dgm:styleLbl>
+  <dgm:styleLbl name="parChTrans1D1">
+    <dgm:scene3d>
+      <a:camera prst="orthographicFront"/>
+      <a:lightRig rig="threePt" dir="t"/>
+    </dgm:scene3d>
+    <dgm:sp3d/>
+    <dgm:txPr/>
+    <dgm:style>
+      <a:lnRef idx="2">
+        <a:scrgbClr r="0" g="0" b="0"/>
+      </a:lnRef>
+      <a:fillRef idx="0">
+        <a:scrgbClr r="0" g="0" b="0"/>
+      </a:fillRef>
+      <a:effectRef idx="0">
+        <a:scrgbClr r="0" g="0" b="0"/>
+      </a:effectRef>
+      <a:fontRef idx="minor"/>
+    </dgm:style>
+  </dgm:styleLbl>
+  <dgm:styleLbl name="parChTrans1D2">
+    <dgm:scene3d>
+      <a:camera prst="orthographicFront"/>
+      <a:lightRig rig="threePt" dir="t"/>
+    </dgm:scene3d>
+    <dgm:sp3d/>
+    <dgm:txPr/>
+    <dgm:style>
+      <a:lnRef idx="2">
+        <a:scrgbClr r="0" g="0" b="0"/>
+      </a:lnRef>
+      <a:fillRef idx="0">
+        <a:scrgbClr r="0" g="0" b="0"/>
+      </a:fillRef>
+      <a:effectRef idx="0">
+        <a:scrgbClr r="0" g="0" b="0"/>
+      </a:effectRef>
+      <a:fontRef idx="minor"/>
+    </dgm:style>
+  </dgm:styleLbl>
+  <dgm:styleLbl name="parChTrans1D3">
+    <dgm:scene3d>
+      <a:camera prst="orthographicFront"/>
+      <a:lightRig rig="threePt" dir="t"/>
+    </dgm:scene3d>
+    <dgm:sp3d/>
+    <dgm:txPr/>
+    <dgm:style>
+      <a:lnRef idx="2">
+        <a:scrgbClr r="0" g="0" b="0"/>
+      </a:lnRef>
+      <a:fillRef idx="0">
+        <a:scrgbClr r="0" g="0" b="0"/>
+      </a:fillRef>
+      <a:effectRef idx="0">
+        <a:scrgbClr r="0" g="0" b="0"/>
+      </a:effectRef>
+      <a:fontRef idx="minor"/>
+    </dgm:style>
+  </dgm:styleLbl>
+  <dgm:styleLbl name="parChTrans1D4">
+    <dgm:scene3d>
+      <a:camera prst="orthographicFront"/>
+      <a:lightRig rig="threePt" dir="t"/>
+    </dgm:scene3d>
+    <dgm:sp3d/>
+    <dgm:txPr/>
+    <dgm:style>
+      <a:lnRef idx="2">
+        <a:scrgbClr r="0" g="0" b="0"/>
+      </a:lnRef>
+      <a:fillRef idx="0">
+        <a:scrgbClr r="0" g="0" b="0"/>
+      </a:fillRef>
+      <a:effectRef idx="0">
+        <a:scrgbClr r="0" g="0" b="0"/>
+      </a:effectRef>
+      <a:fontRef idx="minor"/>
+    </dgm:style>
+  </dgm:styleLbl>
+  <dgm:styleLbl name="fgAcc1">
+    <dgm:scene3d>
+      <a:camera prst="orthographicFront"/>
+      <a:lightRig rig="threePt" dir="t"/>
+    </dgm:scene3d>
+    <dgm:sp3d/>
+    <dgm:txPr/>
+    <dgm:style>
+      <a:lnRef idx="2">
+        <a:scrgbClr r="0" g="0" b="0"/>
+      </a:lnRef>
+      <a:fillRef idx="1">
+        <a:scrgbClr r="0" g="0" b="0"/>
+      </a:fillRef>
+      <a:effectRef idx="0">
+        <a:scrgbClr r="0" g="0" b="0"/>
+      </a:effectRef>
+      <a:fontRef idx="minor"/>
+    </dgm:style>
+  </dgm:styleLbl>
+  <dgm:styleLbl name="conFgAcc1">
+    <dgm:scene3d>
+      <a:camera prst="orthographicFront"/>
+      <a:lightRig rig="threePt" dir="t"/>
+    </dgm:scene3d>
+    <dgm:sp3d/>
+    <dgm:txPr/>
+    <dgm:style>
+      <a:lnRef idx="2">
+        <a:scrgbClr r="0" g="0" b="0"/>
+      </a:lnRef>
+      <a:fillRef idx="1">
+        <a:scrgbClr r="0" g="0" b="0"/>
+      </a:fillRef>
+      <a:effectRef idx="0">
+        <a:scrgbClr r="0" g="0" b="0"/>
+      </a:effectRef>
+      <a:fontRef idx="minor"/>
+    </dgm:style>
+  </dgm:styleLbl>
+  <dgm:styleLbl name="alignAcc1">
+    <dgm:scene3d>
+      <a:camera prst="orthographicFront"/>
+      <a:lightRig rig="threePt" dir="t"/>
+    </dgm:scene3d>
+    <dgm:sp3d/>
+    <dgm:txPr/>
+    <dgm:style>
+      <a:lnRef idx="2">
+        <a:scrgbClr r="0" g="0" b="0"/>
+      </a:lnRef>
+      <a:fillRef idx="1">
+        <a:scrgbClr r="0" g="0" b="0"/>
+      </a:fillRef>
+      <a:effectRef idx="0">
+        <a:scrgbClr r="0" g="0" b="0"/>
+      </a:effectRef>
+      <a:fontRef idx="minor"/>
+    </dgm:style>
+  </dgm:styleLbl>
+  <dgm:styleLbl name="trAlignAcc1">
+    <dgm:scene3d>
+      <a:camera prst="orthographicFront"/>
+      <a:lightRig rig="threePt" dir="t"/>
+    </dgm:scene3d>
+    <dgm:sp3d/>
+    <dgm:txPr/>
+    <dgm:style>
+      <a:lnRef idx="1">
+        <a:scrgbClr r="0" g="0" b="0"/>
+      </a:lnRef>
+      <a:fillRef idx="1">
+        <a:scrgbClr r="0" g="0" b="0"/>
+      </a:fillRef>
+      <a:effectRef idx="0">
+        <a:scrgbClr r="0" g="0" b="0"/>
+      </a:effectRef>
+      <a:fontRef idx="minor"/>
+    </dgm:style>
+  </dgm:styleLbl>
+  <dgm:styleLbl name="bgAcc1">
+    <dgm:scene3d>
+      <a:camera prst="orthographicFront"/>
+      <a:lightRig rig="threePt" dir="t"/>
+    </dgm:scene3d>
+    <dgm:sp3d/>
+    <dgm:txPr/>
+    <dgm:style>
+      <a:lnRef idx="2">
+        <a:scrgbClr r="0" g="0" b="0"/>
+      </a:lnRef>
+      <a:fillRef idx="1">
+        <a:scrgbClr r="0" g="0" b="0"/>
+      </a:fillRef>
+      <a:effectRef idx="0">
+        <a:scrgbClr r="0" g="0" b="0"/>
+      </a:effectRef>
+      <a:fontRef idx="minor"/>
+    </dgm:style>
+  </dgm:styleLbl>
+  <dgm:styleLbl name="solidFgAcc1">
+    <dgm:scene3d>
+      <a:camera prst="orthographicFront"/>
+      <a:lightRig rig="threePt" dir="t"/>
+    </dgm:scene3d>
+    <dgm:sp3d/>
+    <dgm:txPr/>
+    <dgm:style>
+      <a:lnRef idx="2">
+        <a:scrgbClr r="0" g="0" b="0"/>
+      </a:lnRef>
+      <a:fillRef idx="1">
+        <a:scrgbClr r="0" g="0" b="0"/>
+      </a:fillRef>
+      <a:effectRef idx="0">
+        <a:scrgbClr r="0" g="0" b="0"/>
+      </a:effectRef>
+      <a:fontRef idx="minor"/>
+    </dgm:style>
+  </dgm:styleLbl>
+  <dgm:styleLbl name="solidAlignAcc1">
+    <dgm:scene3d>
+      <a:camera prst="orthographicFront"/>
+      <a:lightRig rig="threePt" dir="t"/>
+    </dgm:scene3d>
+    <dgm:sp3d/>
+    <dgm:txPr/>
+    <dgm:style>
+      <a:lnRef idx="2">
+        <a:scrgbClr r="0" g="0" b="0"/>
+      </a:lnRef>
+      <a:fillRef idx="1">
+        <a:scrgbClr r="0" g="0" b="0"/>
+      </a:fillRef>
+      <a:effectRef idx="0">
+        <a:scrgbClr r="0" g="0" b="0"/>
+      </a:effectRef>
+      <a:fontRef idx="minor"/>
+    </dgm:style>
+  </dgm:styleLbl>
+  <dgm:styleLbl name="solidBgAcc1">
+    <dgm:scene3d>
+      <a:camera prst="orthographicFront"/>
+      <a:lightRig rig="threePt" dir="t"/>
+    </dgm:scene3d>
+    <dgm:sp3d/>
+    <dgm:txPr/>
+    <dgm:style>
+      <a:lnRef idx="2">
+        <a:scrgbClr r="0" g="0" b="0"/>
+      </a:lnRef>
+      <a:fillRef idx="1">
+        <a:scrgbClr r="0" g="0" b="0"/>
+      </a:fillRef>
+      <a:effectRef idx="0">
+        <a:scrgbClr r="0" g="0" b="0"/>
+      </a:effectRef>
+      <a:fontRef idx="minor"/>
+    </dgm:style>
+  </dgm:styleLbl>
+  <dgm:styleLbl name="fgAccFollowNode1">
+    <dgm:scene3d>
+      <a:camera prst="orthographicFront"/>
+      <a:lightRig rig="threePt" dir="t"/>
+    </dgm:scene3d>
+    <dgm:sp3d/>
+    <dgm:txPr/>
+    <dgm:style>
+      <a:lnRef idx="2">
+        <a:scrgbClr r="0" g="0" b="0"/>
+      </a:lnRef>
+      <a:fillRef idx="1">
+        <a:scrgbClr r="0" g="0" b="0"/>
+      </a:fillRef>
+      <a:effectRef idx="0">
+        <a:scrgbClr r="0" g="0" b="0"/>
+      </a:effectRef>
+      <a:fontRef idx="minor"/>
+    </dgm:style>
+  </dgm:styleLbl>
+  <dgm:styleLbl name="alignAccFollowNode1">
+    <dgm:scene3d>
+      <a:camera prst="orthographicFront"/>
+      <a:lightRig rig="threePt" dir="t"/>
+    </dgm:scene3d>
+    <dgm:sp3d/>
+    <dgm:txPr/>
+    <dgm:style>
+      <a:lnRef idx="2">
+        <a:scrgbClr r="0" g="0" b="0"/>
+      </a:lnRef>
+      <a:fillRef idx="1">
+        <a:scrgbClr r="0" g="0" b="0"/>
+      </a:fillRef>
+      <a:effectRef idx="0">
+        <a:scrgbClr r="0" g="0" b="0"/>
+      </a:effectRef>
+      <a:fontRef idx="minor"/>
+    </dgm:style>
+  </dgm:styleLbl>
+  <dgm:styleLbl name="bgAccFollowNode1">
+    <dgm:scene3d>
+      <a:camera prst="orthographicFront"/>
+      <a:lightRig rig="threePt" dir="t"/>
+    </dgm:scene3d>
+    <dgm:sp3d/>
+    <dgm:txPr/>
+    <dgm:style>
+      <a:lnRef idx="2">
+        <a:scrgbClr r="0" g="0" b="0"/>
+      </a:lnRef>
+      <a:fillRef idx="1">
+        <a:scrgbClr r="0" g="0" b="0"/>
+      </a:fillRef>
+      <a:effectRef idx="0">
+        <a:scrgbClr r="0" g="0" b="0"/>
+      </a:effectRef>
+      <a:fontRef idx="minor"/>
+    </dgm:style>
+  </dgm:styleLbl>
+  <dgm:styleLbl name="fgAcc0">
+    <dgm:scene3d>
+      <a:camera prst="orthographicFront"/>
+      <a:lightRig rig="threePt" dir="t"/>
+    </dgm:scene3d>
+    <dgm:sp3d/>
+    <dgm:txPr/>
+    <dgm:style>
+      <a:lnRef idx="2">
+        <a:scrgbClr r="0" g="0" b="0"/>
+      </a:lnRef>
+      <a:fillRef idx="1">
+        <a:scrgbClr r="0" g="0" b="0"/>
+      </a:fillRef>
+      <a:effectRef idx="0">
+        <a:scrgbClr r="0" g="0" b="0"/>
+      </a:effectRef>
+      <a:fontRef idx="minor"/>
+    </dgm:style>
+  </dgm:styleLbl>
+  <dgm:styleLbl name="fgAcc2">
+    <dgm:scene3d>
+      <a:camera prst="orthographicFront"/>
+      <a:lightRig rig="threePt" dir="t"/>
+    </dgm:scene3d>
+    <dgm:sp3d/>
+    <dgm:txPr/>
+    <dgm:style>
+      <a:lnRef idx="2">
+        <a:scrgbClr r="0" g="0" b="0"/>
+      </a:lnRef>
+      <a:fillRef idx="1">
+        <a:scrgbClr r="0" g="0" b="0"/>
+      </a:fillRef>
+      <a:effectRef idx="0">
+        <a:scrgbClr r="0" g="0" b="0"/>
+      </a:effectRef>
+      <a:fontRef idx="minor"/>
+    </dgm:style>
+  </dgm:styleLbl>
+  <dgm:styleLbl name="fgAcc3">
+    <dgm:scene3d>
+      <a:camera prst="orthographicFront"/>
+      <a:lightRig rig="threePt" dir="t"/>
+    </dgm:scene3d>
+    <dgm:sp3d/>
+    <dgm:txPr/>
+    <dgm:style>
+      <a:lnRef idx="2">
+        <a:scrgbClr r="0" g="0" b="0"/>
+      </a:lnRef>
+      <a:fillRef idx="1">
+        <a:scrgbClr r="0" g="0" b="0"/>
+      </a:fillRef>
+      <a:effectRef idx="0">
+        <a:scrgbClr r="0" g="0" b="0"/>
+      </a:effectRef>
+      <a:fontRef idx="minor"/>
+    </dgm:style>
+  </dgm:styleLbl>
+  <dgm:styleLbl name="fgAcc4">
+    <dgm:scene3d>
+      <a:camera prst="orthographicFront"/>
+      <a:lightRig rig="threePt" dir="t"/>
+    </dgm:scene3d>
+    <dgm:sp3d/>
+    <dgm:txPr/>
+    <dgm:style>
+      <a:lnRef idx="2">
+        <a:scrgbClr r="0" g="0" b="0"/>
+      </a:lnRef>
+      <a:fillRef idx="1">
+        <a:scrgbClr r="0" g="0" b="0"/>
+      </a:fillRef>
+      <a:effectRef idx="0">
+        <a:scrgbClr r="0" g="0" b="0"/>
+      </a:effectRef>
+      <a:fontRef idx="minor"/>
+    </dgm:style>
+  </dgm:styleLbl>
+  <dgm:styleLbl name="bgShp">
+    <dgm:scene3d>
+      <a:camera prst="orthographicFront"/>
+      <a:lightRig rig="threePt" dir="t"/>
+    </dgm:scene3d>
+    <dgm:sp3d/>
+    <dgm:txPr/>
+    <dgm:style>
+      <a:lnRef idx="0">
+        <a:scrgbClr r="0" g="0" b="0"/>
+      </a:lnRef>
+      <a:fillRef idx="1">
+        <a:scrgbClr r="0" g="0" b="0"/>
+      </a:fillRef>
+      <a:effectRef idx="0">
+        <a:scrgbClr r="0" g="0" b="0"/>
+      </a:effectRef>
+      <a:fontRef idx="minor"/>
+    </dgm:style>
+  </dgm:styleLbl>
+  <dgm:styleLbl name="dkBgShp">
+    <dgm:scene3d>
+      <a:camera prst="orthographicFront"/>
+      <a:lightRig rig="threePt" dir="t"/>
+    </dgm:scene3d>
+    <dgm:sp3d/>
+    <dgm:txPr/>
+    <dgm:style>
+      <a:lnRef idx="0">
+        <a:scrgbClr r="0" g="0" b="0"/>
+      </a:lnRef>
+      <a:fillRef idx="1">
+        <a:scrgbClr r="0" g="0" b="0"/>
+      </a:fillRef>
+      <a:effectRef idx="0">
+        <a:scrgbClr r="0" g="0" b="0"/>
+      </a:effectRef>
+      <a:fontRef idx="minor"/>
+    </dgm:style>
+  </dgm:styleLbl>
+  <dgm:styleLbl name="trBgShp">
+    <dgm:scene3d>
+      <a:camera prst="orthographicFront"/>
+      <a:lightRig rig="threePt" dir="t"/>
+    </dgm:scene3d>
+    <dgm:sp3d/>
+    <dgm:txPr/>
+    <dgm:style>
+      <a:lnRef idx="0">
+        <a:scrgbClr r="0" g="0" b="0"/>
+      </a:lnRef>
+      <a:fillRef idx="1">
+        <a:scrgbClr r="0" g="0" b="0"/>
+      </a:fillRef>
+      <a:effectRef idx="0">
+        <a:scrgbClr r="0" g="0" b="0"/>
+      </a:effectRef>
+      <a:fontRef idx="minor"/>
+    </dgm:style>
+  </dgm:styleLbl>
+  <dgm:styleLbl name="fgShp">
+    <dgm:scene3d>
+      <a:camera prst="orthographicFront"/>
+      <a:lightRig rig="threePt" dir="t"/>
+    </dgm:scene3d>
+    <dgm:sp3d/>
+    <dgm:txPr/>
+    <dgm:style>
+      <a:lnRef idx="2">
+        <a:scrgbClr r="0" g="0" b="0"/>
+      </a:lnRef>
+      <a:fillRef idx="1">
+        <a:scrgbClr r="0" g="0" b="0"/>
+      </a:fillRef>
+      <a:effectRef idx="0">
+        <a:scrgbClr r="0" g="0" b="0"/>
+      </a:effectRef>
+      <a:fontRef idx="minor"/>
+    </dgm:style>
+  </dgm:styleLbl>
+  <dgm:styleLbl name="revTx">
+    <dgm:scene3d>
+      <a:camera prst="orthographicFront"/>
+      <a:lightRig rig="threePt" dir="t"/>
+    </dgm:scene3d>
+    <dgm:sp3d/>
+    <dgm:txPr/>
+    <dgm:style>
+      <a:lnRef idx="0">
+        <a:scrgbClr r="0" g="0" b="0"/>
+      </a:lnRef>
+      <a:fillRef idx="0">
+        <a:scrgbClr r="0" g="0" b="0"/>
+      </a:fillRef>
+      <a:effectRef idx="0">
+        <a:scrgbClr r="0" g="0" b="0"/>
+      </a:effectRef>
+      <a:fontRef idx="minor"/>
+    </dgm:style>
+  </dgm:styleLbl>
+</dgm:styleDef>
 </file>
 
 <file path=ppt/slideLayouts/slideLayout1.xml><?xml version="1.0" encoding="utf-8"?>
@@ -256,7 +4946,7 @@
           <a:p>
             <a:fld id="{A8DE2402-11CB-48E9-B2A8-3DD8F13E9CB1}" type="datetimeFigureOut">
               <a:rPr lang="en-US" smtClean="0"/>
-              <a:t>6/19/2018</a:t>
+              <a:t>6/20/2018</a:t>
             </a:fld>
             <a:endParaRPr lang="en-US"/>
           </a:p>
@@ -426,7 +5116,7 @@
           <a:p>
             <a:fld id="{A8DE2402-11CB-48E9-B2A8-3DD8F13E9CB1}" type="datetimeFigureOut">
               <a:rPr lang="en-US" smtClean="0"/>
-              <a:t>6/19/2018</a:t>
+              <a:t>6/20/2018</a:t>
             </a:fld>
             <a:endParaRPr lang="en-US"/>
           </a:p>
@@ -606,7 +5296,7 @@
           <a:p>
             <a:fld id="{A8DE2402-11CB-48E9-B2A8-3DD8F13E9CB1}" type="datetimeFigureOut">
               <a:rPr lang="en-US" smtClean="0"/>
-              <a:t>6/19/2018</a:t>
+              <a:t>6/20/2018</a:t>
             </a:fld>
             <a:endParaRPr lang="en-US"/>
           </a:p>
@@ -664,6 +5354,276 @@
   <p:clrMapOvr>
     <a:masterClrMapping/>
   </p:clrMapOvr>
+</p:sldLayout>
+</file>
+
+<file path=ppt/slideLayouts/slideLayout12.xml><?xml version="1.0" encoding="utf-8"?>
+<p:sldLayout xmlns:a="http://schemas.openxmlformats.org/drawingml/2006/main" xmlns:r="http://schemas.openxmlformats.org/officeDocument/2006/relationships" xmlns:p="http://schemas.openxmlformats.org/presentationml/2006/main" userDrawn="1">
+  <p:cSld name="Image &amp; Text">
+    <p:spTree>
+      <p:nvGrpSpPr>
+        <p:cNvPr id="1" name=""/>
+        <p:cNvGrpSpPr/>
+        <p:nvPr/>
+      </p:nvGrpSpPr>
+      <p:grpSpPr>
+        <a:xfrm>
+          <a:off x="0" y="0"/>
+          <a:ext cx="0" cy="0"/>
+          <a:chOff x="0" y="0"/>
+          <a:chExt cx="0" cy="0"/>
+        </a:xfrm>
+      </p:grpSpPr>
+      <p:sp>
+        <p:nvSpPr>
+          <p:cNvPr id="2" name="Title 1"/>
+          <p:cNvSpPr>
+            <a:spLocks noGrp="1"/>
+          </p:cNvSpPr>
+          <p:nvPr>
+            <p:ph type="title" hasCustomPrompt="1"/>
+          </p:nvPr>
+        </p:nvSpPr>
+        <p:spPr/>
+        <p:txBody>
+          <a:bodyPr/>
+          <a:lstStyle>
+            <a:lvl1pPr>
+              <a:defRPr b="0" i="0">
+                <a:latin typeface="Arial" charset="0"/>
+                <a:ea typeface="Arial" charset="0"/>
+                <a:cs typeface="Arial" charset="0"/>
+              </a:defRPr>
+            </a:lvl1pPr>
+          </a:lstStyle>
+          <a:p>
+            <a:r>
+              <a:rPr lang="en-US" dirty="0" smtClean="0"/>
+              <a:t>Enter Title Here</a:t>
+            </a:r>
+            <a:endParaRPr lang="en-US" dirty="0"/>
+          </a:p>
+        </p:txBody>
+      </p:sp>
+      <p:sp>
+        <p:nvSpPr>
+          <p:cNvPr id="3" name="Footer Placeholder 2"/>
+          <p:cNvSpPr>
+            <a:spLocks noGrp="1"/>
+          </p:cNvSpPr>
+          <p:nvPr>
+            <p:ph type="ftr" idx="10"/>
+          </p:nvPr>
+        </p:nvSpPr>
+        <p:spPr/>
+        <p:txBody>
+          <a:bodyPr/>
+          <a:lstStyle/>
+          <a:p>
+            <a:endParaRPr lang="en-US"/>
+          </a:p>
+        </p:txBody>
+      </p:sp>
+      <p:sp>
+        <p:nvSpPr>
+          <p:cNvPr id="10" name="Text Placeholder 9"/>
+          <p:cNvSpPr>
+            <a:spLocks noGrp="1"/>
+          </p:cNvSpPr>
+          <p:nvPr>
+            <p:ph type="body" sz="quarter" idx="12" hasCustomPrompt="1"/>
+          </p:nvPr>
+        </p:nvSpPr>
+        <p:spPr>
+          <a:xfrm>
+            <a:off x="5679246" y="2883244"/>
+            <a:ext cx="5583700" cy="2840162"/>
+          </a:xfrm>
+          <a:prstGeom prst="rect">
+            <a:avLst/>
+          </a:prstGeom>
+        </p:spPr>
+        <p:txBody>
+          <a:bodyPr/>
+          <a:lstStyle>
+            <a:lvl1pPr>
+              <a:defRPr>
+                <a:solidFill>
+                  <a:schemeClr val="bg2">
+                    <a:lumMod val="75000"/>
+                  </a:schemeClr>
+                </a:solidFill>
+              </a:defRPr>
+            </a:lvl1pPr>
+            <a:lvl2pPr>
+              <a:defRPr>
+                <a:solidFill>
+                  <a:schemeClr val="bg2">
+                    <a:lumMod val="75000"/>
+                  </a:schemeClr>
+                </a:solidFill>
+              </a:defRPr>
+            </a:lvl2pPr>
+            <a:lvl3pPr>
+              <a:defRPr>
+                <a:solidFill>
+                  <a:schemeClr val="bg2">
+                    <a:lumMod val="75000"/>
+                  </a:schemeClr>
+                </a:solidFill>
+              </a:defRPr>
+            </a:lvl3pPr>
+            <a:lvl4pPr>
+              <a:defRPr>
+                <a:solidFill>
+                  <a:schemeClr val="bg2">
+                    <a:lumMod val="75000"/>
+                  </a:schemeClr>
+                </a:solidFill>
+              </a:defRPr>
+            </a:lvl4pPr>
+            <a:lvl5pPr>
+              <a:defRPr>
+                <a:solidFill>
+                  <a:schemeClr val="bg2">
+                    <a:lumMod val="75000"/>
+                  </a:schemeClr>
+                </a:solidFill>
+              </a:defRPr>
+            </a:lvl5pPr>
+          </a:lstStyle>
+          <a:p>
+            <a:pPr lvl="0"/>
+            <a:r>
+              <a:rPr lang="en-US" dirty="0" smtClean="0"/>
+              <a:t>Enter text here</a:t>
+            </a:r>
+            <a:endParaRPr lang="en-US" dirty="0"/>
+          </a:p>
+        </p:txBody>
+      </p:sp>
+      <p:sp>
+        <p:nvSpPr>
+          <p:cNvPr id="7" name="Picture Placeholder 6"/>
+          <p:cNvSpPr>
+            <a:spLocks noGrp="1"/>
+          </p:cNvSpPr>
+          <p:nvPr>
+            <p:ph type="pic" sz="quarter" idx="13"/>
+          </p:nvPr>
+        </p:nvSpPr>
+        <p:spPr>
+          <a:xfrm>
+            <a:off x="734856" y="2294791"/>
+            <a:ext cx="4654706" cy="3428147"/>
+          </a:xfrm>
+          <a:prstGeom prst="rect">
+            <a:avLst/>
+          </a:prstGeom>
+        </p:spPr>
+        <p:txBody>
+          <a:bodyPr/>
+          <a:lstStyle/>
+          <a:p>
+            <a:endParaRPr lang="en-US"/>
+          </a:p>
+        </p:txBody>
+      </p:sp>
+      <p:sp>
+        <p:nvSpPr>
+          <p:cNvPr id="6" name="Text Placeholder 9"/>
+          <p:cNvSpPr>
+            <a:spLocks noGrp="1"/>
+          </p:cNvSpPr>
+          <p:nvPr>
+            <p:ph type="body" sz="quarter" idx="14" hasCustomPrompt="1"/>
+          </p:nvPr>
+        </p:nvSpPr>
+        <p:spPr>
+          <a:xfrm>
+            <a:off x="5679246" y="2294791"/>
+            <a:ext cx="5583700" cy="456647"/>
+          </a:xfrm>
+          <a:prstGeom prst="rect">
+            <a:avLst/>
+          </a:prstGeom>
+        </p:spPr>
+        <p:txBody>
+          <a:bodyPr/>
+          <a:lstStyle>
+            <a:lvl1pPr>
+              <a:defRPr sz="2800">
+                <a:solidFill>
+                  <a:schemeClr val="bg2">
+                    <a:lumMod val="75000"/>
+                  </a:schemeClr>
+                </a:solidFill>
+              </a:defRPr>
+            </a:lvl1pPr>
+            <a:lvl2pPr>
+              <a:defRPr>
+                <a:solidFill>
+                  <a:schemeClr val="bg2">
+                    <a:lumMod val="75000"/>
+                  </a:schemeClr>
+                </a:solidFill>
+              </a:defRPr>
+            </a:lvl2pPr>
+            <a:lvl3pPr>
+              <a:defRPr>
+                <a:solidFill>
+                  <a:schemeClr val="bg2">
+                    <a:lumMod val="75000"/>
+                  </a:schemeClr>
+                </a:solidFill>
+              </a:defRPr>
+            </a:lvl3pPr>
+            <a:lvl4pPr>
+              <a:defRPr>
+                <a:solidFill>
+                  <a:schemeClr val="bg2">
+                    <a:lumMod val="75000"/>
+                  </a:schemeClr>
+                </a:solidFill>
+              </a:defRPr>
+            </a:lvl4pPr>
+            <a:lvl5pPr>
+              <a:defRPr>
+                <a:solidFill>
+                  <a:schemeClr val="bg2">
+                    <a:lumMod val="75000"/>
+                  </a:schemeClr>
+                </a:solidFill>
+              </a:defRPr>
+            </a:lvl5pPr>
+          </a:lstStyle>
+          <a:p>
+            <a:pPr lvl="0"/>
+            <a:r>
+              <a:rPr lang="en-US" dirty="0" smtClean="0"/>
+              <a:t>Enter Subtitle here</a:t>
+            </a:r>
+            <a:endParaRPr lang="en-US" dirty="0"/>
+          </a:p>
+        </p:txBody>
+      </p:sp>
+    </p:spTree>
+    <p:extLst>
+      <p:ext uri="{BB962C8B-B14F-4D97-AF65-F5344CB8AC3E}">
+        <p14:creationId xmlns:p14="http://schemas.microsoft.com/office/powerpoint/2010/main" val="3492388322"/>
+      </p:ext>
+    </p:extLst>
+  </p:cSld>
+  <p:clrMapOvr>
+    <a:masterClrMapping/>
+  </p:clrMapOvr>
+  <p:timing>
+    <p:tnLst>
+      <p:par>
+        <p:cTn id="1" dur="indefinite" restart="never" nodeType="tmRoot"/>
+      </p:par>
+    </p:tnLst>
+  </p:timing>
 </p:sldLayout>
 </file>
 
@@ -776,7 +5736,7 @@
           <a:p>
             <a:fld id="{A8DE2402-11CB-48E9-B2A8-3DD8F13E9CB1}" type="datetimeFigureOut">
               <a:rPr lang="en-US" smtClean="0"/>
-              <a:t>6/19/2018</a:t>
+              <a:t>6/20/2018</a:t>
             </a:fld>
             <a:endParaRPr lang="en-US"/>
           </a:p>
@@ -1022,7 +5982,7 @@
           <a:p>
             <a:fld id="{A8DE2402-11CB-48E9-B2A8-3DD8F13E9CB1}" type="datetimeFigureOut">
               <a:rPr lang="en-US" smtClean="0"/>
-              <a:t>6/19/2018</a:t>
+              <a:t>6/20/2018</a:t>
             </a:fld>
             <a:endParaRPr lang="en-US"/>
           </a:p>
@@ -1254,7 +6214,7 @@
           <a:p>
             <a:fld id="{A8DE2402-11CB-48E9-B2A8-3DD8F13E9CB1}" type="datetimeFigureOut">
               <a:rPr lang="en-US" smtClean="0"/>
-              <a:t>6/19/2018</a:t>
+              <a:t>6/20/2018</a:t>
             </a:fld>
             <a:endParaRPr lang="en-US"/>
           </a:p>
@@ -1621,7 +6581,7 @@
           <a:p>
             <a:fld id="{A8DE2402-11CB-48E9-B2A8-3DD8F13E9CB1}" type="datetimeFigureOut">
               <a:rPr lang="en-US" smtClean="0"/>
-              <a:t>6/19/2018</a:t>
+              <a:t>6/20/2018</a:t>
             </a:fld>
             <a:endParaRPr lang="en-US"/>
           </a:p>
@@ -1739,7 +6699,7 @@
           <a:p>
             <a:fld id="{A8DE2402-11CB-48E9-B2A8-3DD8F13E9CB1}" type="datetimeFigureOut">
               <a:rPr lang="en-US" smtClean="0"/>
-              <a:t>6/19/2018</a:t>
+              <a:t>6/20/2018</a:t>
             </a:fld>
             <a:endParaRPr lang="en-US"/>
           </a:p>
@@ -1834,7 +6794,7 @@
           <a:p>
             <a:fld id="{A8DE2402-11CB-48E9-B2A8-3DD8F13E9CB1}" type="datetimeFigureOut">
               <a:rPr lang="en-US" smtClean="0"/>
-              <a:t>6/19/2018</a:t>
+              <a:t>6/20/2018</a:t>
             </a:fld>
             <a:endParaRPr lang="en-US"/>
           </a:p>
@@ -2111,7 +7071,7 @@
           <a:p>
             <a:fld id="{A8DE2402-11CB-48E9-B2A8-3DD8F13E9CB1}" type="datetimeFigureOut">
               <a:rPr lang="en-US" smtClean="0"/>
-              <a:t>6/19/2018</a:t>
+              <a:t>6/20/2018</a:t>
             </a:fld>
             <a:endParaRPr lang="en-US"/>
           </a:p>
@@ -2364,7 +7324,7 @@
           <a:p>
             <a:fld id="{A8DE2402-11CB-48E9-B2A8-3DD8F13E9CB1}" type="datetimeFigureOut">
               <a:rPr lang="en-US" smtClean="0"/>
-              <a:t>6/19/2018</a:t>
+              <a:t>6/20/2018</a:t>
             </a:fld>
             <a:endParaRPr lang="en-US"/>
           </a:p>
@@ -2577,7 +7537,7 @@
           <a:p>
             <a:fld id="{A8DE2402-11CB-48E9-B2A8-3DD8F13E9CB1}" type="datetimeFigureOut">
               <a:rPr lang="en-US" smtClean="0"/>
-              <a:t>6/19/2018</a:t>
+              <a:t>6/20/2018</a:t>
             </a:fld>
             <a:endParaRPr lang="en-US"/>
           </a:p>
@@ -2681,6 +7641,7 @@
     <p:sldLayoutId id="2147483657" r:id="rId9"/>
     <p:sldLayoutId id="2147483658" r:id="rId10"/>
     <p:sldLayoutId id="2147483659" r:id="rId11"/>
+    <p:sldLayoutId id="2147483660" r:id="rId12"/>
   </p:sldLayoutIdLst>
   <p:txStyles>
     <p:titleStyle>
@@ -10289,7 +15250,7 @@
         </p:nvGrpSpPr>
         <p:grpSpPr>
           <a:xfrm>
-            <a:off x="2101459" y="1603249"/>
+            <a:off x="3409051" y="240793"/>
             <a:ext cx="4271766" cy="1931076"/>
             <a:chOff x="2101459" y="1584961"/>
             <a:chExt cx="4271766" cy="1931076"/>
@@ -15817,17 +20778,8 @@
                   <a:rPr lang="en-GB" sz="1100" dirty="0" smtClean="0">
                     <a:latin typeface="Airal"/>
                   </a:rPr>
-                  <a:t>Reminder of </a:t>
+                  <a:t>Reminder of engagement</a:t>
                 </a:r>
-                <a:r>
-                  <a:rPr lang="en-GB" sz="1100" dirty="0" smtClean="0">
-                    <a:latin typeface="Airal"/>
-                  </a:rPr>
-                  <a:t>engagement</a:t>
-                </a:r>
-                <a:endParaRPr lang="en-GB" sz="1100" dirty="0" smtClean="0">
-                  <a:latin typeface="Airal"/>
-                </a:endParaRPr>
               </a:p>
             </p:txBody>
           </p:sp>
@@ -15837,6 +20789,533 @@
     <p:extLst>
       <p:ext uri="{BB962C8B-B14F-4D97-AF65-F5344CB8AC3E}">
         <p14:creationId xmlns:p14="http://schemas.microsoft.com/office/powerpoint/2010/main" val="2388042381"/>
+      </p:ext>
+    </p:extLst>
+  </p:cSld>
+  <p:clrMapOvr>
+    <a:masterClrMapping/>
+  </p:clrMapOvr>
+  <p:timing>
+    <p:tnLst>
+      <p:par>
+        <p:cTn id="1" dur="indefinite" restart="never" nodeType="tmRoot"/>
+      </p:par>
+    </p:tnLst>
+  </p:timing>
+</p:sld>
+</file>
+
+<file path=ppt/slides/slide4.xml><?xml version="1.0" encoding="utf-8"?>
+<p:sld xmlns:a="http://schemas.openxmlformats.org/drawingml/2006/main" xmlns:r="http://schemas.openxmlformats.org/officeDocument/2006/relationships" xmlns:p="http://schemas.openxmlformats.org/presentationml/2006/main">
+  <p:cSld>
+    <p:spTree>
+      <p:nvGrpSpPr>
+        <p:cNvPr id="1" name=""/>
+        <p:cNvGrpSpPr/>
+        <p:nvPr/>
+      </p:nvGrpSpPr>
+      <p:grpSpPr>
+        <a:xfrm>
+          <a:off x="0" y="0"/>
+          <a:ext cx="0" cy="0"/>
+          <a:chOff x="0" y="0"/>
+          <a:chExt cx="0" cy="0"/>
+        </a:xfrm>
+      </p:grpSpPr>
+      <p:grpSp>
+        <p:nvGrpSpPr>
+          <p:cNvPr id="13" name="Group 12"/>
+          <p:cNvGrpSpPr/>
+          <p:nvPr/>
+        </p:nvGrpSpPr>
+        <p:grpSpPr>
+          <a:xfrm>
+            <a:off x="3155599" y="408780"/>
+            <a:ext cx="3904614" cy="6538384"/>
+            <a:chOff x="3155599" y="408780"/>
+            <a:chExt cx="3904614" cy="6538384"/>
+          </a:xfrm>
+        </p:grpSpPr>
+        <p:sp>
+          <p:nvSpPr>
+            <p:cNvPr id="8" name="Content Placeholder 2"/>
+            <p:cNvSpPr txBox="1">
+              <a:spLocks/>
+            </p:cNvSpPr>
+            <p:nvPr/>
+          </p:nvSpPr>
+          <p:spPr>
+            <a:xfrm>
+              <a:off x="4384861" y="1022929"/>
+              <a:ext cx="2229680" cy="5034590"/>
+            </a:xfrm>
+            <a:prstGeom prst="rect">
+              <a:avLst/>
+            </a:prstGeom>
+            <a:solidFill>
+              <a:schemeClr val="accent6">
+                <a:lumMod val="20000"/>
+                <a:lumOff val="80000"/>
+              </a:schemeClr>
+            </a:solidFill>
+          </p:spPr>
+          <p:txBody>
+            <a:bodyPr anchor="t"/>
+            <a:lstStyle>
+              <a:lvl1pPr marL="342900" indent="-342900" algn="l" defTabSz="914400" rtl="0" eaLnBrk="1" latinLnBrk="0" hangingPunct="1">
+                <a:spcBef>
+                  <a:spcPct val="20000"/>
+                </a:spcBef>
+                <a:buFont typeface="Arial" pitchFamily="34" charset="0"/>
+                <a:buChar char="•"/>
+                <a:defRPr sz="3200" kern="1200">
+                  <a:solidFill>
+                    <a:schemeClr val="tx1"/>
+                  </a:solidFill>
+                  <a:latin typeface="+mn-lt"/>
+                  <a:ea typeface="+mn-ea"/>
+                  <a:cs typeface="+mn-cs"/>
+                </a:defRPr>
+              </a:lvl1pPr>
+              <a:lvl2pPr marL="742950" indent="-285750" algn="l" defTabSz="914400" rtl="0" eaLnBrk="1" latinLnBrk="0" hangingPunct="1">
+                <a:spcBef>
+                  <a:spcPct val="20000"/>
+                </a:spcBef>
+                <a:buFont typeface="Arial" pitchFamily="34" charset="0"/>
+                <a:buChar char="–"/>
+                <a:defRPr sz="2800" kern="1200">
+                  <a:solidFill>
+                    <a:schemeClr val="tx1"/>
+                  </a:solidFill>
+                  <a:latin typeface="+mn-lt"/>
+                  <a:ea typeface="+mn-ea"/>
+                  <a:cs typeface="+mn-cs"/>
+                </a:defRPr>
+              </a:lvl2pPr>
+              <a:lvl3pPr marL="1143000" indent="-228600" algn="l" defTabSz="914400" rtl="0" eaLnBrk="1" latinLnBrk="0" hangingPunct="1">
+                <a:spcBef>
+                  <a:spcPct val="20000"/>
+                </a:spcBef>
+                <a:buFont typeface="Arial" pitchFamily="34" charset="0"/>
+                <a:buChar char="•"/>
+                <a:defRPr sz="2400" kern="1200">
+                  <a:solidFill>
+                    <a:schemeClr val="tx1"/>
+                  </a:solidFill>
+                  <a:latin typeface="+mn-lt"/>
+                  <a:ea typeface="+mn-ea"/>
+                  <a:cs typeface="+mn-cs"/>
+                </a:defRPr>
+              </a:lvl3pPr>
+              <a:lvl4pPr marL="1600200" indent="-228600" algn="l" defTabSz="914400" rtl="0" eaLnBrk="1" latinLnBrk="0" hangingPunct="1">
+                <a:spcBef>
+                  <a:spcPct val="20000"/>
+                </a:spcBef>
+                <a:buFont typeface="Arial" pitchFamily="34" charset="0"/>
+                <a:buChar char="–"/>
+                <a:defRPr sz="2000" kern="1200">
+                  <a:solidFill>
+                    <a:schemeClr val="tx1"/>
+                  </a:solidFill>
+                  <a:latin typeface="+mn-lt"/>
+                  <a:ea typeface="+mn-ea"/>
+                  <a:cs typeface="+mn-cs"/>
+                </a:defRPr>
+              </a:lvl4pPr>
+              <a:lvl5pPr marL="2057400" indent="-228600" algn="l" defTabSz="914400" rtl="0" eaLnBrk="1" latinLnBrk="0" hangingPunct="1">
+                <a:spcBef>
+                  <a:spcPct val="20000"/>
+                </a:spcBef>
+                <a:buFont typeface="Arial" pitchFamily="34" charset="0"/>
+                <a:buChar char="»"/>
+                <a:defRPr sz="2000" kern="1200">
+                  <a:solidFill>
+                    <a:schemeClr val="tx1"/>
+                  </a:solidFill>
+                  <a:latin typeface="+mn-lt"/>
+                  <a:ea typeface="+mn-ea"/>
+                  <a:cs typeface="+mn-cs"/>
+                </a:defRPr>
+              </a:lvl5pPr>
+              <a:lvl6pPr marL="2514600" indent="-228600" algn="l" defTabSz="914400" rtl="0" eaLnBrk="1" latinLnBrk="0" hangingPunct="1">
+                <a:spcBef>
+                  <a:spcPct val="20000"/>
+                </a:spcBef>
+                <a:buFont typeface="Arial" pitchFamily="34" charset="0"/>
+                <a:buChar char="•"/>
+                <a:defRPr sz="2000" kern="1200">
+                  <a:solidFill>
+                    <a:schemeClr val="tx1"/>
+                  </a:solidFill>
+                  <a:latin typeface="+mn-lt"/>
+                  <a:ea typeface="+mn-ea"/>
+                  <a:cs typeface="+mn-cs"/>
+                </a:defRPr>
+              </a:lvl6pPr>
+              <a:lvl7pPr marL="2971800" indent="-228600" algn="l" defTabSz="914400" rtl="0" eaLnBrk="1" latinLnBrk="0" hangingPunct="1">
+                <a:spcBef>
+                  <a:spcPct val="20000"/>
+                </a:spcBef>
+                <a:buFont typeface="Arial" pitchFamily="34" charset="0"/>
+                <a:buChar char="•"/>
+                <a:defRPr sz="2000" kern="1200">
+                  <a:solidFill>
+                    <a:schemeClr val="tx1"/>
+                  </a:solidFill>
+                  <a:latin typeface="+mn-lt"/>
+                  <a:ea typeface="+mn-ea"/>
+                  <a:cs typeface="+mn-cs"/>
+                </a:defRPr>
+              </a:lvl7pPr>
+              <a:lvl8pPr marL="3429000" indent="-228600" algn="l" defTabSz="914400" rtl="0" eaLnBrk="1" latinLnBrk="0" hangingPunct="1">
+                <a:spcBef>
+                  <a:spcPct val="20000"/>
+                </a:spcBef>
+                <a:buFont typeface="Arial" pitchFamily="34" charset="0"/>
+                <a:buChar char="•"/>
+                <a:defRPr sz="2000" kern="1200">
+                  <a:solidFill>
+                    <a:schemeClr val="tx1"/>
+                  </a:solidFill>
+                  <a:latin typeface="+mn-lt"/>
+                  <a:ea typeface="+mn-ea"/>
+                  <a:cs typeface="+mn-cs"/>
+                </a:defRPr>
+              </a:lvl8pPr>
+              <a:lvl9pPr marL="3886200" indent="-228600" algn="l" defTabSz="914400" rtl="0" eaLnBrk="1" latinLnBrk="0" hangingPunct="1">
+                <a:spcBef>
+                  <a:spcPct val="20000"/>
+                </a:spcBef>
+                <a:buFont typeface="Arial" pitchFamily="34" charset="0"/>
+                <a:buChar char="•"/>
+                <a:defRPr sz="2000" kern="1200">
+                  <a:solidFill>
+                    <a:schemeClr val="tx1"/>
+                  </a:solidFill>
+                  <a:latin typeface="+mn-lt"/>
+                  <a:ea typeface="+mn-ea"/>
+                  <a:cs typeface="+mn-cs"/>
+                </a:defRPr>
+              </a:lvl9pPr>
+            </a:lstStyle>
+            <a:p>
+              <a:pPr marL="0" indent="0" algn="ctr">
+                <a:buFont typeface="Arial" pitchFamily="34" charset="0"/>
+                <a:buNone/>
+              </a:pPr>
+              <a:r>
+                <a:rPr lang="en-GB" sz="1300" b="1" dirty="0" smtClean="0">
+                  <a:latin typeface="Airal"/>
+                </a:rPr>
+                <a:t>Pipeline</a:t>
+              </a:r>
+            </a:p>
+          </p:txBody>
+        </p:sp>
+        <p:graphicFrame>
+          <p:nvGraphicFramePr>
+            <p:cNvPr id="9" name="Diagram 8"/>
+            <p:cNvGraphicFramePr/>
+            <p:nvPr>
+              <p:extLst>
+                <p:ext uri="{D42A27DB-BD31-4B8C-83A1-F6EECF244321}">
+                  <p14:modId xmlns:p14="http://schemas.microsoft.com/office/powerpoint/2010/main" val="1437383055"/>
+                </p:ext>
+              </p:extLst>
+            </p:nvPr>
+          </p:nvGraphicFramePr>
+          <p:xfrm>
+            <a:off x="3824888" y="408780"/>
+            <a:ext cx="3235325" cy="6538384"/>
+          </p:xfrm>
+          <a:graphic>
+            <a:graphicData uri="http://schemas.openxmlformats.org/drawingml/2006/diagram">
+              <dgm:relIds xmlns:dgm="http://schemas.openxmlformats.org/drawingml/2006/diagram" xmlns:r="http://schemas.openxmlformats.org/officeDocument/2006/relationships" r:dm="rId2" r:lo="rId3" r:qs="rId4" r:cs="rId5"/>
+            </a:graphicData>
+          </a:graphic>
+        </p:graphicFrame>
+        <p:grpSp>
+          <p:nvGrpSpPr>
+            <p:cNvPr id="18" name="Group 17"/>
+            <p:cNvGrpSpPr/>
+            <p:nvPr/>
+          </p:nvGrpSpPr>
+          <p:grpSpPr>
+            <a:xfrm>
+              <a:off x="3155599" y="1575288"/>
+              <a:ext cx="1135013" cy="1135013"/>
+              <a:chOff x="55783" y="2035195"/>
+              <a:chExt cx="1135013" cy="1135013"/>
+            </a:xfrm>
+          </p:grpSpPr>
+          <p:pic>
+            <p:nvPicPr>
+              <p:cNvPr id="15" name="Picture 14"/>
+              <p:cNvPicPr>
+                <a:picLocks noChangeAspect="1"/>
+              </p:cNvPicPr>
+              <p:nvPr/>
+            </p:nvPicPr>
+            <p:blipFill>
+              <a:blip r:embed="rId7">
+                <a:extLst>
+                  <a:ext uri="{28A0092B-C50C-407E-A947-70E740481C1C}">
+                    <a14:useLocalDpi xmlns:a14="http://schemas.microsoft.com/office/drawing/2010/main" val="0"/>
+                  </a:ext>
+                </a:extLst>
+              </a:blip>
+              <a:stretch>
+                <a:fillRect/>
+              </a:stretch>
+            </p:blipFill>
+            <p:spPr>
+              <a:xfrm>
+                <a:off x="55783" y="2035195"/>
+                <a:ext cx="1135013" cy="1135013"/>
+              </a:xfrm>
+              <a:prstGeom prst="rect">
+                <a:avLst/>
+              </a:prstGeom>
+            </p:spPr>
+          </p:pic>
+          <p:sp>
+            <p:nvSpPr>
+              <p:cNvPr id="16" name="Content Placeholder 2"/>
+              <p:cNvSpPr txBox="1">
+                <a:spLocks/>
+              </p:cNvSpPr>
+              <p:nvPr/>
+            </p:nvSpPr>
+            <p:spPr>
+              <a:xfrm>
+                <a:off x="55783" y="2047812"/>
+                <a:ext cx="1099178" cy="366973"/>
+              </a:xfrm>
+              <a:prstGeom prst="rect">
+                <a:avLst/>
+              </a:prstGeom>
+              <a:noFill/>
+            </p:spPr>
+            <p:txBody>
+              <a:bodyPr anchor="ctr"/>
+              <a:lstStyle>
+                <a:lvl1pPr marL="342900" indent="-342900" algn="l" defTabSz="914400" rtl="0" eaLnBrk="1" latinLnBrk="0" hangingPunct="1">
+                  <a:spcBef>
+                    <a:spcPct val="20000"/>
+                  </a:spcBef>
+                  <a:buFont typeface="Arial" pitchFamily="34" charset="0"/>
+                  <a:buChar char="•"/>
+                  <a:defRPr sz="3200" kern="1200">
+                    <a:solidFill>
+                      <a:schemeClr val="tx1"/>
+                    </a:solidFill>
+                    <a:latin typeface="+mn-lt"/>
+                    <a:ea typeface="+mn-ea"/>
+                    <a:cs typeface="+mn-cs"/>
+                  </a:defRPr>
+                </a:lvl1pPr>
+                <a:lvl2pPr marL="742950" indent="-285750" algn="l" defTabSz="914400" rtl="0" eaLnBrk="1" latinLnBrk="0" hangingPunct="1">
+                  <a:spcBef>
+                    <a:spcPct val="20000"/>
+                  </a:spcBef>
+                  <a:buFont typeface="Arial" pitchFamily="34" charset="0"/>
+                  <a:buChar char="–"/>
+                  <a:defRPr sz="2800" kern="1200">
+                    <a:solidFill>
+                      <a:schemeClr val="tx1"/>
+                    </a:solidFill>
+                    <a:latin typeface="+mn-lt"/>
+                    <a:ea typeface="+mn-ea"/>
+                    <a:cs typeface="+mn-cs"/>
+                  </a:defRPr>
+                </a:lvl2pPr>
+                <a:lvl3pPr marL="1143000" indent="-228600" algn="l" defTabSz="914400" rtl="0" eaLnBrk="1" latinLnBrk="0" hangingPunct="1">
+                  <a:spcBef>
+                    <a:spcPct val="20000"/>
+                  </a:spcBef>
+                  <a:buFont typeface="Arial" pitchFamily="34" charset="0"/>
+                  <a:buChar char="•"/>
+                  <a:defRPr sz="2400" kern="1200">
+                    <a:solidFill>
+                      <a:schemeClr val="tx1"/>
+                    </a:solidFill>
+                    <a:latin typeface="+mn-lt"/>
+                    <a:ea typeface="+mn-ea"/>
+                    <a:cs typeface="+mn-cs"/>
+                  </a:defRPr>
+                </a:lvl3pPr>
+                <a:lvl4pPr marL="1600200" indent="-228600" algn="l" defTabSz="914400" rtl="0" eaLnBrk="1" latinLnBrk="0" hangingPunct="1">
+                  <a:spcBef>
+                    <a:spcPct val="20000"/>
+                  </a:spcBef>
+                  <a:buFont typeface="Arial" pitchFamily="34" charset="0"/>
+                  <a:buChar char="–"/>
+                  <a:defRPr sz="2000" kern="1200">
+                    <a:solidFill>
+                      <a:schemeClr val="tx1"/>
+                    </a:solidFill>
+                    <a:latin typeface="+mn-lt"/>
+                    <a:ea typeface="+mn-ea"/>
+                    <a:cs typeface="+mn-cs"/>
+                  </a:defRPr>
+                </a:lvl4pPr>
+                <a:lvl5pPr marL="2057400" indent="-228600" algn="l" defTabSz="914400" rtl="0" eaLnBrk="1" latinLnBrk="0" hangingPunct="1">
+                  <a:spcBef>
+                    <a:spcPct val="20000"/>
+                  </a:spcBef>
+                  <a:buFont typeface="Arial" pitchFamily="34" charset="0"/>
+                  <a:buChar char="»"/>
+                  <a:defRPr sz="2000" kern="1200">
+                    <a:solidFill>
+                      <a:schemeClr val="tx1"/>
+                    </a:solidFill>
+                    <a:latin typeface="+mn-lt"/>
+                    <a:ea typeface="+mn-ea"/>
+                    <a:cs typeface="+mn-cs"/>
+                  </a:defRPr>
+                </a:lvl5pPr>
+                <a:lvl6pPr marL="2514600" indent="-228600" algn="l" defTabSz="914400" rtl="0" eaLnBrk="1" latinLnBrk="0" hangingPunct="1">
+                  <a:spcBef>
+                    <a:spcPct val="20000"/>
+                  </a:spcBef>
+                  <a:buFont typeface="Arial" pitchFamily="34" charset="0"/>
+                  <a:buChar char="•"/>
+                  <a:defRPr sz="2000" kern="1200">
+                    <a:solidFill>
+                      <a:schemeClr val="tx1"/>
+                    </a:solidFill>
+                    <a:latin typeface="+mn-lt"/>
+                    <a:ea typeface="+mn-ea"/>
+                    <a:cs typeface="+mn-cs"/>
+                  </a:defRPr>
+                </a:lvl6pPr>
+                <a:lvl7pPr marL="2971800" indent="-228600" algn="l" defTabSz="914400" rtl="0" eaLnBrk="1" latinLnBrk="0" hangingPunct="1">
+                  <a:spcBef>
+                    <a:spcPct val="20000"/>
+                  </a:spcBef>
+                  <a:buFont typeface="Arial" pitchFamily="34" charset="0"/>
+                  <a:buChar char="•"/>
+                  <a:defRPr sz="2000" kern="1200">
+                    <a:solidFill>
+                      <a:schemeClr val="tx1"/>
+                    </a:solidFill>
+                    <a:latin typeface="+mn-lt"/>
+                    <a:ea typeface="+mn-ea"/>
+                    <a:cs typeface="+mn-cs"/>
+                  </a:defRPr>
+                </a:lvl7pPr>
+                <a:lvl8pPr marL="3429000" indent="-228600" algn="l" defTabSz="914400" rtl="0" eaLnBrk="1" latinLnBrk="0" hangingPunct="1">
+                  <a:spcBef>
+                    <a:spcPct val="20000"/>
+                  </a:spcBef>
+                  <a:buFont typeface="Arial" pitchFamily="34" charset="0"/>
+                  <a:buChar char="•"/>
+                  <a:defRPr sz="2000" kern="1200">
+                    <a:solidFill>
+                      <a:schemeClr val="tx1"/>
+                    </a:solidFill>
+                    <a:latin typeface="+mn-lt"/>
+                    <a:ea typeface="+mn-ea"/>
+                    <a:cs typeface="+mn-cs"/>
+                  </a:defRPr>
+                </a:lvl8pPr>
+                <a:lvl9pPr marL="3886200" indent="-228600" algn="l" defTabSz="914400" rtl="0" eaLnBrk="1" latinLnBrk="0" hangingPunct="1">
+                  <a:spcBef>
+                    <a:spcPct val="20000"/>
+                  </a:spcBef>
+                  <a:buFont typeface="Arial" pitchFamily="34" charset="0"/>
+                  <a:buChar char="•"/>
+                  <a:defRPr sz="2000" kern="1200">
+                    <a:solidFill>
+                      <a:schemeClr val="tx1"/>
+                    </a:solidFill>
+                    <a:latin typeface="+mn-lt"/>
+                    <a:ea typeface="+mn-ea"/>
+                    <a:cs typeface="+mn-cs"/>
+                  </a:defRPr>
+                </a:lvl9pPr>
+              </a:lstStyle>
+              <a:p>
+                <a:pPr marL="0" indent="0" algn="ctr">
+                  <a:buFont typeface="Arial" pitchFamily="34" charset="0"/>
+                  <a:buNone/>
+                </a:pPr>
+                <a:r>
+                  <a:rPr lang="en-GB" sz="1300" b="1" dirty="0" smtClean="0">
+                    <a:latin typeface="Airal"/>
+                  </a:rPr>
+                  <a:t>Whizz Database</a:t>
+                </a:r>
+                <a:endParaRPr lang="en-GB" sz="1300" dirty="0" smtClean="0">
+                  <a:latin typeface="Airal"/>
+                </a:endParaRPr>
+              </a:p>
+            </p:txBody>
+          </p:sp>
+        </p:grpSp>
+        <p:sp>
+          <p:nvSpPr>
+            <p:cNvPr id="17" name="Right Arrow 16"/>
+            <p:cNvSpPr/>
+            <p:nvPr/>
+          </p:nvSpPr>
+          <p:spPr>
+            <a:xfrm>
+              <a:off x="4290612" y="2003283"/>
+              <a:ext cx="595808" cy="381819"/>
+            </a:xfrm>
+            <a:prstGeom prst="rightArrow">
+              <a:avLst/>
+            </a:prstGeom>
+            <a:solidFill>
+              <a:srgbClr val="00B0F0"/>
+            </a:solidFill>
+            <a:ln w="28575">
+              <a:solidFill>
+                <a:schemeClr val="bg1"/>
+              </a:solidFill>
+            </a:ln>
+          </p:spPr>
+          <p:style>
+            <a:lnRef idx="2">
+              <a:schemeClr val="accent1">
+                <a:shade val="50000"/>
+              </a:schemeClr>
+            </a:lnRef>
+            <a:fillRef idx="1">
+              <a:schemeClr val="accent1"/>
+            </a:fillRef>
+            <a:effectRef idx="0">
+              <a:schemeClr val="accent1"/>
+            </a:effectRef>
+            <a:fontRef idx="minor">
+              <a:schemeClr val="lt1"/>
+            </a:fontRef>
+          </p:style>
+          <p:txBody>
+            <a:bodyPr rot="0" spcFirstLastPara="0" vertOverflow="overflow" horzOverflow="overflow" vert="horz" wrap="square" lIns="91440" tIns="45720" rIns="91440" bIns="45720" numCol="1" spcCol="0" rtlCol="0" fromWordArt="0" anchor="ctr" anchorCtr="0" forceAA="0" compatLnSpc="1">
+              <a:prstTxWarp prst="textNoShape">
+                <a:avLst/>
+              </a:prstTxWarp>
+              <a:noAutofit/>
+            </a:bodyPr>
+            <a:lstStyle/>
+            <a:p>
+              <a:pPr algn="ctr"/>
+              <a:endParaRPr lang="en-US">
+                <a:solidFill>
+                  <a:schemeClr val="tx1"/>
+                </a:solidFill>
+                <a:latin typeface="Airal"/>
+              </a:endParaRPr>
+            </a:p>
+          </p:txBody>
+        </p:sp>
+      </p:grpSp>
+    </p:spTree>
+    <p:extLst>
+      <p:ext uri="{BB962C8B-B14F-4D97-AF65-F5344CB8AC3E}">
+        <p14:creationId xmlns:p14="http://schemas.microsoft.com/office/powerpoint/2010/main" val="850731405"/>
       </p:ext>
     </p:extLst>
   </p:cSld>

--- a/Report/Figure/Figure.pptx
+++ b/Report/Figure/Figure.pptx
@@ -4946,7 +4946,7 @@
           <a:p>
             <a:fld id="{A8DE2402-11CB-48E9-B2A8-3DD8F13E9CB1}" type="datetimeFigureOut">
               <a:rPr lang="en-US" smtClean="0"/>
-              <a:t>6/20/2018</a:t>
+              <a:t>6/21/2018</a:t>
             </a:fld>
             <a:endParaRPr lang="en-US"/>
           </a:p>
@@ -5116,7 +5116,7 @@
           <a:p>
             <a:fld id="{A8DE2402-11CB-48E9-B2A8-3DD8F13E9CB1}" type="datetimeFigureOut">
               <a:rPr lang="en-US" smtClean="0"/>
-              <a:t>6/20/2018</a:t>
+              <a:t>6/21/2018</a:t>
             </a:fld>
             <a:endParaRPr lang="en-US"/>
           </a:p>
@@ -5296,7 +5296,7 @@
           <a:p>
             <a:fld id="{A8DE2402-11CB-48E9-B2A8-3DD8F13E9CB1}" type="datetimeFigureOut">
               <a:rPr lang="en-US" smtClean="0"/>
-              <a:t>6/20/2018</a:t>
+              <a:t>6/21/2018</a:t>
             </a:fld>
             <a:endParaRPr lang="en-US"/>
           </a:p>
@@ -5736,7 +5736,7 @@
           <a:p>
             <a:fld id="{A8DE2402-11CB-48E9-B2A8-3DD8F13E9CB1}" type="datetimeFigureOut">
               <a:rPr lang="en-US" smtClean="0"/>
-              <a:t>6/20/2018</a:t>
+              <a:t>6/21/2018</a:t>
             </a:fld>
             <a:endParaRPr lang="en-US"/>
           </a:p>
@@ -5982,7 +5982,7 @@
           <a:p>
             <a:fld id="{A8DE2402-11CB-48E9-B2A8-3DD8F13E9CB1}" type="datetimeFigureOut">
               <a:rPr lang="en-US" smtClean="0"/>
-              <a:t>6/20/2018</a:t>
+              <a:t>6/21/2018</a:t>
             </a:fld>
             <a:endParaRPr lang="en-US"/>
           </a:p>
@@ -6214,7 +6214,7 @@
           <a:p>
             <a:fld id="{A8DE2402-11CB-48E9-B2A8-3DD8F13E9CB1}" type="datetimeFigureOut">
               <a:rPr lang="en-US" smtClean="0"/>
-              <a:t>6/20/2018</a:t>
+              <a:t>6/21/2018</a:t>
             </a:fld>
             <a:endParaRPr lang="en-US"/>
           </a:p>
@@ -6581,7 +6581,7 @@
           <a:p>
             <a:fld id="{A8DE2402-11CB-48E9-B2A8-3DD8F13E9CB1}" type="datetimeFigureOut">
               <a:rPr lang="en-US" smtClean="0"/>
-              <a:t>6/20/2018</a:t>
+              <a:t>6/21/2018</a:t>
             </a:fld>
             <a:endParaRPr lang="en-US"/>
           </a:p>
@@ -6699,7 +6699,7 @@
           <a:p>
             <a:fld id="{A8DE2402-11CB-48E9-B2A8-3DD8F13E9CB1}" type="datetimeFigureOut">
               <a:rPr lang="en-US" smtClean="0"/>
-              <a:t>6/20/2018</a:t>
+              <a:t>6/21/2018</a:t>
             </a:fld>
             <a:endParaRPr lang="en-US"/>
           </a:p>
@@ -6794,7 +6794,7 @@
           <a:p>
             <a:fld id="{A8DE2402-11CB-48E9-B2A8-3DD8F13E9CB1}" type="datetimeFigureOut">
               <a:rPr lang="en-US" smtClean="0"/>
-              <a:t>6/20/2018</a:t>
+              <a:t>6/21/2018</a:t>
             </a:fld>
             <a:endParaRPr lang="en-US"/>
           </a:p>
@@ -7071,7 +7071,7 @@
           <a:p>
             <a:fld id="{A8DE2402-11CB-48E9-B2A8-3DD8F13E9CB1}" type="datetimeFigureOut">
               <a:rPr lang="en-US" smtClean="0"/>
-              <a:t>6/20/2018</a:t>
+              <a:t>6/21/2018</a:t>
             </a:fld>
             <a:endParaRPr lang="en-US"/>
           </a:p>
@@ -7324,7 +7324,7 @@
           <a:p>
             <a:fld id="{A8DE2402-11CB-48E9-B2A8-3DD8F13E9CB1}" type="datetimeFigureOut">
               <a:rPr lang="en-US" smtClean="0"/>
-              <a:t>6/20/2018</a:t>
+              <a:t>6/21/2018</a:t>
             </a:fld>
             <a:endParaRPr lang="en-US"/>
           </a:p>
@@ -7537,7 +7537,7 @@
           <a:p>
             <a:fld id="{A8DE2402-11CB-48E9-B2A8-3DD8F13E9CB1}" type="datetimeFigureOut">
               <a:rPr lang="en-US" smtClean="0"/>
-              <a:t>6/20/2018</a:t>
+              <a:t>6/21/2018</a:t>
             </a:fld>
             <a:endParaRPr lang="en-US"/>
           </a:p>
@@ -17788,6 +17788,3750 @@
             </a:p>
           </p:txBody>
         </p:sp>
+      </p:grpSp>
+      <p:grpSp>
+        <p:nvGrpSpPr>
+          <p:cNvPr id="2" name="Group 1"/>
+          <p:cNvGrpSpPr/>
+          <p:nvPr/>
+        </p:nvGrpSpPr>
+        <p:grpSpPr>
+          <a:xfrm>
+            <a:off x="1115616" y="2852936"/>
+            <a:ext cx="4374732" cy="2898586"/>
+            <a:chOff x="1115616" y="2852936"/>
+            <a:chExt cx="4374732" cy="2898586"/>
+          </a:xfrm>
+        </p:grpSpPr>
+        <mc:AlternateContent xmlns:mc="http://schemas.openxmlformats.org/markup-compatibility/2006">
+          <mc:Choice xmlns:a14="http://schemas.microsoft.com/office/drawing/2010/main" Requires="a14">
+            <p:sp>
+              <p:nvSpPr>
+                <p:cNvPr id="32" name="Oval 31"/>
+                <p:cNvSpPr/>
+                <p:nvPr/>
+              </p:nvSpPr>
+              <p:spPr>
+                <a:xfrm>
+                  <a:off x="2250538" y="3829260"/>
+                  <a:ext cx="460587" cy="453812"/>
+                </a:xfrm>
+                <a:prstGeom prst="ellipse">
+                  <a:avLst/>
+                </a:prstGeom>
+                <a:solidFill>
+                  <a:srgbClr val="FF0000"/>
+                </a:solidFill>
+                <a:ln>
+                  <a:solidFill>
+                    <a:schemeClr val="tx1"/>
+                  </a:solidFill>
+                </a:ln>
+              </p:spPr>
+              <p:style>
+                <a:lnRef idx="2">
+                  <a:schemeClr val="accent1">
+                    <a:shade val="50000"/>
+                  </a:schemeClr>
+                </a:lnRef>
+                <a:fillRef idx="1">
+                  <a:schemeClr val="accent1"/>
+                </a:fillRef>
+                <a:effectRef idx="0">
+                  <a:schemeClr val="accent1"/>
+                </a:effectRef>
+                <a:fontRef idx="minor">
+                  <a:schemeClr val="lt1"/>
+                </a:fontRef>
+              </p:style>
+              <p:txBody>
+                <a:bodyPr lIns="0" rIns="0" rtlCol="0" anchor="ctr"/>
+                <a:lstStyle/>
+                <a:p>
+                  <a:pPr algn="ctr"/>
+                  <a14:m>
+                    <m:oMathPara xmlns:m="http://schemas.openxmlformats.org/officeDocument/2006/math">
+                      <m:oMathParaPr>
+                        <m:jc m:val="centerGroup"/>
+                      </m:oMathParaPr>
+                      <m:oMath xmlns:m="http://schemas.openxmlformats.org/officeDocument/2006/math">
+                        <m:sSub>
+                          <m:sSubPr>
+                            <m:ctrlPr>
+                              <a:rPr lang="en-GB" sz="1100" b="0" i="1" smtClean="0">
+                                <a:solidFill>
+                                  <a:schemeClr val="tx1"/>
+                                </a:solidFill>
+                                <a:latin typeface="Cambria Math" panose="02040503050406030204" pitchFamily="18" charset="0"/>
+                              </a:rPr>
+                            </m:ctrlPr>
+                          </m:sSubPr>
+                          <m:e>
+                            <m:r>
+                              <a:rPr lang="en-GB" sz="1100" b="0" i="1" smtClean="0">
+                                <a:solidFill>
+                                  <a:schemeClr val="tx1"/>
+                                </a:solidFill>
+                                <a:latin typeface="Cambria Math" panose="02040503050406030204" pitchFamily="18" charset="0"/>
+                              </a:rPr>
+                              <m:t>𝐶</m:t>
+                            </m:r>
+                          </m:e>
+                          <m:sub>
+                            <m:r>
+                              <a:rPr lang="en-GB" sz="1100" b="0" i="1" smtClean="0">
+                                <a:solidFill>
+                                  <a:schemeClr val="tx1"/>
+                                </a:solidFill>
+                                <a:latin typeface="Cambria Math" panose="02040503050406030204" pitchFamily="18" charset="0"/>
+                              </a:rPr>
+                              <m:t>1</m:t>
+                            </m:r>
+                          </m:sub>
+                        </m:sSub>
+                      </m:oMath>
+                    </m:oMathPara>
+                  </a14:m>
+                  <a:endParaRPr lang="en-US" sz="1100" dirty="0">
+                    <a:solidFill>
+                      <a:schemeClr val="tx1"/>
+                    </a:solidFill>
+                  </a:endParaRPr>
+                </a:p>
+              </p:txBody>
+            </p:sp>
+          </mc:Choice>
+          <mc:Fallback>
+            <p:sp>
+              <p:nvSpPr>
+                <p:cNvPr id="32" name="Oval 31"/>
+                <p:cNvSpPr>
+                  <a:spLocks noRot="1" noChangeAspect="1" noMove="1" noResize="1" noEditPoints="1" noAdjustHandles="1" noChangeArrowheads="1" noChangeShapeType="1" noTextEdit="1"/>
+                </p:cNvSpPr>
+                <p:nvPr/>
+              </p:nvSpPr>
+              <p:spPr>
+                <a:xfrm>
+                  <a:off x="2250538" y="3829260"/>
+                  <a:ext cx="460587" cy="453812"/>
+                </a:xfrm>
+                <a:prstGeom prst="ellipse">
+                  <a:avLst/>
+                </a:prstGeom>
+                <a:blipFill>
+                  <a:blip r:embed="rId9"/>
+                  <a:stretch>
+                    <a:fillRect/>
+                  </a:stretch>
+                </a:blipFill>
+                <a:ln>
+                  <a:solidFill>
+                    <a:schemeClr val="tx1"/>
+                  </a:solidFill>
+                </a:ln>
+              </p:spPr>
+              <p:txBody>
+                <a:bodyPr/>
+                <a:lstStyle/>
+                <a:p>
+                  <a:r>
+                    <a:rPr lang="en-US">
+                      <a:noFill/>
+                    </a:rPr>
+                    <a:t> </a:t>
+                  </a:r>
+                </a:p>
+              </p:txBody>
+            </p:sp>
+          </mc:Fallback>
+        </mc:AlternateContent>
+        <mc:AlternateContent xmlns:mc="http://schemas.openxmlformats.org/markup-compatibility/2006">
+          <mc:Choice xmlns:a14="http://schemas.microsoft.com/office/drawing/2010/main" Requires="a14">
+            <p:sp>
+              <p:nvSpPr>
+                <p:cNvPr id="33" name="Oval 32"/>
+                <p:cNvSpPr/>
+                <p:nvPr/>
+              </p:nvSpPr>
+              <p:spPr>
+                <a:xfrm>
+                  <a:off x="3340064" y="5055194"/>
+                  <a:ext cx="460587" cy="453812"/>
+                </a:xfrm>
+                <a:prstGeom prst="ellipse">
+                  <a:avLst/>
+                </a:prstGeom>
+                <a:solidFill>
+                  <a:schemeClr val="bg1">
+                    <a:lumMod val="95000"/>
+                  </a:schemeClr>
+                </a:solidFill>
+                <a:ln>
+                  <a:solidFill>
+                    <a:schemeClr val="tx1"/>
+                  </a:solidFill>
+                  <a:prstDash val="sysDot"/>
+                </a:ln>
+              </p:spPr>
+              <p:style>
+                <a:lnRef idx="2">
+                  <a:schemeClr val="accent1">
+                    <a:shade val="50000"/>
+                  </a:schemeClr>
+                </a:lnRef>
+                <a:fillRef idx="1">
+                  <a:schemeClr val="accent1"/>
+                </a:fillRef>
+                <a:effectRef idx="0">
+                  <a:schemeClr val="accent1"/>
+                </a:effectRef>
+                <a:fontRef idx="minor">
+                  <a:schemeClr val="lt1"/>
+                </a:fontRef>
+              </p:style>
+              <p:txBody>
+                <a:bodyPr lIns="0" rIns="0" rtlCol="0" anchor="ctr"/>
+                <a:lstStyle/>
+                <a:p>
+                  <a:pPr algn="ctr"/>
+                  <a14:m>
+                    <m:oMathPara xmlns:m="http://schemas.openxmlformats.org/officeDocument/2006/math">
+                      <m:oMathParaPr>
+                        <m:jc m:val="centerGroup"/>
+                      </m:oMathParaPr>
+                      <m:oMath xmlns:m="http://schemas.openxmlformats.org/officeDocument/2006/math">
+                        <m:sSub>
+                          <m:sSubPr>
+                            <m:ctrlPr>
+                              <a:rPr lang="en-GB" sz="1100" b="0" i="1" smtClean="0">
+                                <a:solidFill>
+                                  <a:schemeClr val="tx1"/>
+                                </a:solidFill>
+                                <a:latin typeface="Cambria Math" panose="02040503050406030204" pitchFamily="18" charset="0"/>
+                              </a:rPr>
+                            </m:ctrlPr>
+                          </m:sSubPr>
+                          <m:e>
+                            <m:r>
+                              <a:rPr lang="en-GB" sz="1100" b="0" i="1" smtClean="0">
+                                <a:solidFill>
+                                  <a:schemeClr val="tx1"/>
+                                </a:solidFill>
+                                <a:latin typeface="Cambria Math" panose="02040503050406030204" pitchFamily="18" charset="0"/>
+                              </a:rPr>
+                              <m:t>𝑆</m:t>
+                            </m:r>
+                          </m:e>
+                          <m:sub>
+                            <m:r>
+                              <a:rPr lang="en-GB" sz="1100" b="0" i="1" smtClean="0">
+                                <a:solidFill>
+                                  <a:schemeClr val="tx1"/>
+                                </a:solidFill>
+                                <a:latin typeface="Cambria Math" panose="02040503050406030204" pitchFamily="18" charset="0"/>
+                              </a:rPr>
+                              <m:t>2</m:t>
+                            </m:r>
+                          </m:sub>
+                        </m:sSub>
+                      </m:oMath>
+                    </m:oMathPara>
+                  </a14:m>
+                  <a:endParaRPr lang="en-US" sz="1100" dirty="0">
+                    <a:solidFill>
+                      <a:schemeClr val="tx1"/>
+                    </a:solidFill>
+                  </a:endParaRPr>
+                </a:p>
+              </p:txBody>
+            </p:sp>
+          </mc:Choice>
+          <mc:Fallback>
+            <p:sp>
+              <p:nvSpPr>
+                <p:cNvPr id="33" name="Oval 32"/>
+                <p:cNvSpPr>
+                  <a:spLocks noRot="1" noChangeAspect="1" noMove="1" noResize="1" noEditPoints="1" noAdjustHandles="1" noChangeArrowheads="1" noChangeShapeType="1" noTextEdit="1"/>
+                </p:cNvSpPr>
+                <p:nvPr/>
+              </p:nvSpPr>
+              <p:spPr>
+                <a:xfrm>
+                  <a:off x="3340064" y="5055194"/>
+                  <a:ext cx="460587" cy="453812"/>
+                </a:xfrm>
+                <a:prstGeom prst="ellipse">
+                  <a:avLst/>
+                </a:prstGeom>
+                <a:blipFill>
+                  <a:blip r:embed="rId10"/>
+                  <a:stretch>
+                    <a:fillRect/>
+                  </a:stretch>
+                </a:blipFill>
+                <a:ln>
+                  <a:solidFill>
+                    <a:schemeClr val="tx1"/>
+                  </a:solidFill>
+                  <a:prstDash val="sysDot"/>
+                </a:ln>
+              </p:spPr>
+              <p:txBody>
+                <a:bodyPr/>
+                <a:lstStyle/>
+                <a:p>
+                  <a:r>
+                    <a:rPr lang="en-US">
+                      <a:noFill/>
+                    </a:rPr>
+                    <a:t> </a:t>
+                  </a:r>
+                </a:p>
+              </p:txBody>
+            </p:sp>
+          </mc:Fallback>
+        </mc:AlternateContent>
+        <p:cxnSp>
+          <p:nvCxnSpPr>
+            <p:cNvPr id="35" name="Straight Connector 34"/>
+            <p:cNvCxnSpPr/>
+            <p:nvPr/>
+          </p:nvCxnSpPr>
+          <p:spPr>
+            <a:xfrm>
+              <a:off x="1169868" y="4743410"/>
+              <a:ext cx="4320480" cy="0"/>
+            </a:xfrm>
+            <a:prstGeom prst="line">
+              <a:avLst/>
+            </a:prstGeom>
+            <a:ln w="19050">
+              <a:solidFill>
+                <a:schemeClr val="tx1"/>
+              </a:solidFill>
+              <a:prstDash val="sysDot"/>
+            </a:ln>
+          </p:spPr>
+          <p:style>
+            <a:lnRef idx="1">
+              <a:schemeClr val="accent1"/>
+            </a:lnRef>
+            <a:fillRef idx="0">
+              <a:schemeClr val="accent1"/>
+            </a:fillRef>
+            <a:effectRef idx="0">
+              <a:schemeClr val="accent1"/>
+            </a:effectRef>
+            <a:fontRef idx="minor">
+              <a:schemeClr val="tx1"/>
+            </a:fontRef>
+          </p:style>
+        </p:cxnSp>
+        <mc:AlternateContent xmlns:mc="http://schemas.openxmlformats.org/markup-compatibility/2006">
+          <mc:Choice xmlns:a14="http://schemas.microsoft.com/office/drawing/2010/main" Requires="a14">
+            <p:sp>
+              <p:nvSpPr>
+                <p:cNvPr id="36" name="Oval 35"/>
+                <p:cNvSpPr/>
+                <p:nvPr/>
+              </p:nvSpPr>
+              <p:spPr>
+                <a:xfrm>
+                  <a:off x="4028912" y="5055194"/>
+                  <a:ext cx="460587" cy="453812"/>
+                </a:xfrm>
+                <a:prstGeom prst="ellipse">
+                  <a:avLst/>
+                </a:prstGeom>
+                <a:solidFill>
+                  <a:schemeClr val="bg1">
+                    <a:lumMod val="95000"/>
+                  </a:schemeClr>
+                </a:solidFill>
+                <a:ln>
+                  <a:solidFill>
+                    <a:schemeClr val="tx1"/>
+                  </a:solidFill>
+                  <a:prstDash val="sysDot"/>
+                </a:ln>
+              </p:spPr>
+              <p:style>
+                <a:lnRef idx="2">
+                  <a:schemeClr val="accent1">
+                    <a:shade val="50000"/>
+                  </a:schemeClr>
+                </a:lnRef>
+                <a:fillRef idx="1">
+                  <a:schemeClr val="accent1"/>
+                </a:fillRef>
+                <a:effectRef idx="0">
+                  <a:schemeClr val="accent1"/>
+                </a:effectRef>
+                <a:fontRef idx="minor">
+                  <a:schemeClr val="lt1"/>
+                </a:fontRef>
+              </p:style>
+              <p:txBody>
+                <a:bodyPr lIns="0" rIns="0" rtlCol="0" anchor="ctr"/>
+                <a:lstStyle/>
+                <a:p>
+                  <a:pPr algn="ctr"/>
+                  <a14:m>
+                    <m:oMathPara xmlns:m="http://schemas.openxmlformats.org/officeDocument/2006/math">
+                      <m:oMathParaPr>
+                        <m:jc m:val="centerGroup"/>
+                      </m:oMathParaPr>
+                      <m:oMath xmlns:m="http://schemas.openxmlformats.org/officeDocument/2006/math">
+                        <m:sSub>
+                          <m:sSubPr>
+                            <m:ctrlPr>
+                              <a:rPr lang="en-GB" sz="1100" b="0" i="1" smtClean="0">
+                                <a:solidFill>
+                                  <a:schemeClr val="tx1"/>
+                                </a:solidFill>
+                                <a:latin typeface="Cambria Math" panose="02040503050406030204" pitchFamily="18" charset="0"/>
+                              </a:rPr>
+                            </m:ctrlPr>
+                          </m:sSubPr>
+                          <m:e>
+                            <m:r>
+                              <a:rPr lang="en-GB" sz="1100" b="0" i="1" smtClean="0">
+                                <a:solidFill>
+                                  <a:schemeClr val="tx1"/>
+                                </a:solidFill>
+                                <a:latin typeface="Cambria Math" panose="02040503050406030204" pitchFamily="18" charset="0"/>
+                              </a:rPr>
+                              <m:t>𝑆</m:t>
+                            </m:r>
+                          </m:e>
+                          <m:sub>
+                            <m:r>
+                              <a:rPr lang="en-GB" sz="1100" b="0" i="1" smtClean="0">
+                                <a:solidFill>
+                                  <a:schemeClr val="tx1"/>
+                                </a:solidFill>
+                                <a:latin typeface="Cambria Math" panose="02040503050406030204" pitchFamily="18" charset="0"/>
+                              </a:rPr>
+                              <m:t>3</m:t>
+                            </m:r>
+                          </m:sub>
+                        </m:sSub>
+                      </m:oMath>
+                    </m:oMathPara>
+                  </a14:m>
+                  <a:endParaRPr lang="en-US" sz="1100" dirty="0">
+                    <a:solidFill>
+                      <a:schemeClr val="tx1"/>
+                    </a:solidFill>
+                  </a:endParaRPr>
+                </a:p>
+              </p:txBody>
+            </p:sp>
+          </mc:Choice>
+          <mc:Fallback>
+            <p:sp>
+              <p:nvSpPr>
+                <p:cNvPr id="36" name="Oval 35"/>
+                <p:cNvSpPr>
+                  <a:spLocks noRot="1" noChangeAspect="1" noMove="1" noResize="1" noEditPoints="1" noAdjustHandles="1" noChangeArrowheads="1" noChangeShapeType="1" noTextEdit="1"/>
+                </p:cNvSpPr>
+                <p:nvPr/>
+              </p:nvSpPr>
+              <p:spPr>
+                <a:xfrm>
+                  <a:off x="4028912" y="5055194"/>
+                  <a:ext cx="460587" cy="453812"/>
+                </a:xfrm>
+                <a:prstGeom prst="ellipse">
+                  <a:avLst/>
+                </a:prstGeom>
+                <a:blipFill>
+                  <a:blip r:embed="rId11"/>
+                  <a:stretch>
+                    <a:fillRect/>
+                  </a:stretch>
+                </a:blipFill>
+                <a:ln>
+                  <a:solidFill>
+                    <a:schemeClr val="tx1"/>
+                  </a:solidFill>
+                  <a:prstDash val="sysDot"/>
+                </a:ln>
+              </p:spPr>
+              <p:txBody>
+                <a:bodyPr/>
+                <a:lstStyle/>
+                <a:p>
+                  <a:r>
+                    <a:rPr lang="en-US">
+                      <a:noFill/>
+                    </a:rPr>
+                    <a:t> </a:t>
+                  </a:r>
+                </a:p>
+              </p:txBody>
+            </p:sp>
+          </mc:Fallback>
+        </mc:AlternateContent>
+        <mc:AlternateContent xmlns:mc="http://schemas.openxmlformats.org/markup-compatibility/2006">
+          <mc:Choice xmlns:a14="http://schemas.microsoft.com/office/drawing/2010/main" Requires="a14">
+            <p:sp>
+              <p:nvSpPr>
+                <p:cNvPr id="38" name="Oval 37"/>
+                <p:cNvSpPr/>
+                <p:nvPr/>
+              </p:nvSpPr>
+              <p:spPr>
+                <a:xfrm>
+                  <a:off x="2651216" y="5055194"/>
+                  <a:ext cx="460587" cy="453812"/>
+                </a:xfrm>
+                <a:prstGeom prst="ellipse">
+                  <a:avLst/>
+                </a:prstGeom>
+                <a:solidFill>
+                  <a:schemeClr val="bg1">
+                    <a:lumMod val="95000"/>
+                  </a:schemeClr>
+                </a:solidFill>
+                <a:ln>
+                  <a:solidFill>
+                    <a:schemeClr val="tx1"/>
+                  </a:solidFill>
+                  <a:prstDash val="sysDot"/>
+                </a:ln>
+              </p:spPr>
+              <p:style>
+                <a:lnRef idx="2">
+                  <a:schemeClr val="accent1">
+                    <a:shade val="50000"/>
+                  </a:schemeClr>
+                </a:lnRef>
+                <a:fillRef idx="1">
+                  <a:schemeClr val="accent1"/>
+                </a:fillRef>
+                <a:effectRef idx="0">
+                  <a:schemeClr val="accent1"/>
+                </a:effectRef>
+                <a:fontRef idx="minor">
+                  <a:schemeClr val="lt1"/>
+                </a:fontRef>
+              </p:style>
+              <p:txBody>
+                <a:bodyPr lIns="0" rIns="0" rtlCol="0" anchor="ctr"/>
+                <a:lstStyle/>
+                <a:p>
+                  <a:pPr algn="ctr"/>
+                  <a14:m>
+                    <m:oMathPara xmlns:m="http://schemas.openxmlformats.org/officeDocument/2006/math">
+                      <m:oMathParaPr>
+                        <m:jc m:val="centerGroup"/>
+                      </m:oMathParaPr>
+                      <m:oMath xmlns:m="http://schemas.openxmlformats.org/officeDocument/2006/math">
+                        <m:sSub>
+                          <m:sSubPr>
+                            <m:ctrlPr>
+                              <a:rPr lang="en-GB" sz="1100" b="0" i="1" smtClean="0">
+                                <a:solidFill>
+                                  <a:schemeClr val="tx1"/>
+                                </a:solidFill>
+                                <a:latin typeface="Cambria Math" panose="02040503050406030204" pitchFamily="18" charset="0"/>
+                              </a:rPr>
+                            </m:ctrlPr>
+                          </m:sSubPr>
+                          <m:e>
+                            <m:r>
+                              <a:rPr lang="en-GB" sz="1100" b="0" i="1" smtClean="0">
+                                <a:solidFill>
+                                  <a:schemeClr val="tx1"/>
+                                </a:solidFill>
+                                <a:latin typeface="Cambria Math" panose="02040503050406030204" pitchFamily="18" charset="0"/>
+                              </a:rPr>
+                              <m:t>𝑆</m:t>
+                            </m:r>
+                          </m:e>
+                          <m:sub>
+                            <m:r>
+                              <a:rPr lang="en-GB" sz="1100" b="0" i="1" smtClean="0">
+                                <a:solidFill>
+                                  <a:schemeClr val="tx1"/>
+                                </a:solidFill>
+                                <a:latin typeface="Cambria Math" panose="02040503050406030204" pitchFamily="18" charset="0"/>
+                              </a:rPr>
+                              <m:t>1</m:t>
+                            </m:r>
+                          </m:sub>
+                        </m:sSub>
+                      </m:oMath>
+                    </m:oMathPara>
+                  </a14:m>
+                  <a:endParaRPr lang="en-US" sz="1100" dirty="0">
+                    <a:solidFill>
+                      <a:schemeClr val="tx1"/>
+                    </a:solidFill>
+                  </a:endParaRPr>
+                </a:p>
+              </p:txBody>
+            </p:sp>
+          </mc:Choice>
+          <mc:Fallback>
+            <p:sp>
+              <p:nvSpPr>
+                <p:cNvPr id="38" name="Oval 37"/>
+                <p:cNvSpPr>
+                  <a:spLocks noRot="1" noChangeAspect="1" noMove="1" noResize="1" noEditPoints="1" noAdjustHandles="1" noChangeArrowheads="1" noChangeShapeType="1" noTextEdit="1"/>
+                </p:cNvSpPr>
+                <p:nvPr/>
+              </p:nvSpPr>
+              <p:spPr>
+                <a:xfrm>
+                  <a:off x="2651216" y="5055194"/>
+                  <a:ext cx="460587" cy="453812"/>
+                </a:xfrm>
+                <a:prstGeom prst="ellipse">
+                  <a:avLst/>
+                </a:prstGeom>
+                <a:blipFill>
+                  <a:blip r:embed="rId12"/>
+                  <a:stretch>
+                    <a:fillRect/>
+                  </a:stretch>
+                </a:blipFill>
+                <a:ln>
+                  <a:solidFill>
+                    <a:schemeClr val="tx1"/>
+                  </a:solidFill>
+                  <a:prstDash val="sysDot"/>
+                </a:ln>
+              </p:spPr>
+              <p:txBody>
+                <a:bodyPr/>
+                <a:lstStyle/>
+                <a:p>
+                  <a:r>
+                    <a:rPr lang="en-US">
+                      <a:noFill/>
+                    </a:rPr>
+                    <a:t> </a:t>
+                  </a:r>
+                </a:p>
+              </p:txBody>
+            </p:sp>
+          </mc:Fallback>
+        </mc:AlternateContent>
+        <p:sp>
+          <p:nvSpPr>
+            <p:cNvPr id="39" name="Content Placeholder 2"/>
+            <p:cNvSpPr txBox="1">
+              <a:spLocks/>
+            </p:cNvSpPr>
+            <p:nvPr/>
+          </p:nvSpPr>
+          <p:spPr>
+            <a:xfrm>
+              <a:off x="1115616" y="3894203"/>
+              <a:ext cx="1062364" cy="306298"/>
+            </a:xfrm>
+            <a:prstGeom prst="rect">
+              <a:avLst/>
+            </a:prstGeom>
+            <a:noFill/>
+          </p:spPr>
+          <p:txBody>
+            <a:bodyPr anchor="ctr"/>
+            <a:lstStyle>
+              <a:lvl1pPr marL="342900" indent="-342900" algn="l" defTabSz="914400" rtl="0" eaLnBrk="1" latinLnBrk="0" hangingPunct="1">
+                <a:spcBef>
+                  <a:spcPct val="20000"/>
+                </a:spcBef>
+                <a:buFont typeface="Arial" pitchFamily="34" charset="0"/>
+                <a:buChar char="•"/>
+                <a:defRPr sz="3200" kern="1200">
+                  <a:solidFill>
+                    <a:schemeClr val="tx1"/>
+                  </a:solidFill>
+                  <a:latin typeface="+mn-lt"/>
+                  <a:ea typeface="+mn-ea"/>
+                  <a:cs typeface="+mn-cs"/>
+                </a:defRPr>
+              </a:lvl1pPr>
+              <a:lvl2pPr marL="742950" indent="-285750" algn="l" defTabSz="914400" rtl="0" eaLnBrk="1" latinLnBrk="0" hangingPunct="1">
+                <a:spcBef>
+                  <a:spcPct val="20000"/>
+                </a:spcBef>
+                <a:buFont typeface="Arial" pitchFamily="34" charset="0"/>
+                <a:buChar char="–"/>
+                <a:defRPr sz="2800" kern="1200">
+                  <a:solidFill>
+                    <a:schemeClr val="tx1"/>
+                  </a:solidFill>
+                  <a:latin typeface="+mn-lt"/>
+                  <a:ea typeface="+mn-ea"/>
+                  <a:cs typeface="+mn-cs"/>
+                </a:defRPr>
+              </a:lvl2pPr>
+              <a:lvl3pPr marL="1143000" indent="-228600" algn="l" defTabSz="914400" rtl="0" eaLnBrk="1" latinLnBrk="0" hangingPunct="1">
+                <a:spcBef>
+                  <a:spcPct val="20000"/>
+                </a:spcBef>
+                <a:buFont typeface="Arial" pitchFamily="34" charset="0"/>
+                <a:buChar char="•"/>
+                <a:defRPr sz="2400" kern="1200">
+                  <a:solidFill>
+                    <a:schemeClr val="tx1"/>
+                  </a:solidFill>
+                  <a:latin typeface="+mn-lt"/>
+                  <a:ea typeface="+mn-ea"/>
+                  <a:cs typeface="+mn-cs"/>
+                </a:defRPr>
+              </a:lvl3pPr>
+              <a:lvl4pPr marL="1600200" indent="-228600" algn="l" defTabSz="914400" rtl="0" eaLnBrk="1" latinLnBrk="0" hangingPunct="1">
+                <a:spcBef>
+                  <a:spcPct val="20000"/>
+                </a:spcBef>
+                <a:buFont typeface="Arial" pitchFamily="34" charset="0"/>
+                <a:buChar char="–"/>
+                <a:defRPr sz="2000" kern="1200">
+                  <a:solidFill>
+                    <a:schemeClr val="tx1"/>
+                  </a:solidFill>
+                  <a:latin typeface="+mn-lt"/>
+                  <a:ea typeface="+mn-ea"/>
+                  <a:cs typeface="+mn-cs"/>
+                </a:defRPr>
+              </a:lvl4pPr>
+              <a:lvl5pPr marL="2057400" indent="-228600" algn="l" defTabSz="914400" rtl="0" eaLnBrk="1" latinLnBrk="0" hangingPunct="1">
+                <a:spcBef>
+                  <a:spcPct val="20000"/>
+                </a:spcBef>
+                <a:buFont typeface="Arial" pitchFamily="34" charset="0"/>
+                <a:buChar char="»"/>
+                <a:defRPr sz="2000" kern="1200">
+                  <a:solidFill>
+                    <a:schemeClr val="tx1"/>
+                  </a:solidFill>
+                  <a:latin typeface="+mn-lt"/>
+                  <a:ea typeface="+mn-ea"/>
+                  <a:cs typeface="+mn-cs"/>
+                </a:defRPr>
+              </a:lvl5pPr>
+              <a:lvl6pPr marL="2514600" indent="-228600" algn="l" defTabSz="914400" rtl="0" eaLnBrk="1" latinLnBrk="0" hangingPunct="1">
+                <a:spcBef>
+                  <a:spcPct val="20000"/>
+                </a:spcBef>
+                <a:buFont typeface="Arial" pitchFamily="34" charset="0"/>
+                <a:buChar char="•"/>
+                <a:defRPr sz="2000" kern="1200">
+                  <a:solidFill>
+                    <a:schemeClr val="tx1"/>
+                  </a:solidFill>
+                  <a:latin typeface="+mn-lt"/>
+                  <a:ea typeface="+mn-ea"/>
+                  <a:cs typeface="+mn-cs"/>
+                </a:defRPr>
+              </a:lvl6pPr>
+              <a:lvl7pPr marL="2971800" indent="-228600" algn="l" defTabSz="914400" rtl="0" eaLnBrk="1" latinLnBrk="0" hangingPunct="1">
+                <a:spcBef>
+                  <a:spcPct val="20000"/>
+                </a:spcBef>
+                <a:buFont typeface="Arial" pitchFamily="34" charset="0"/>
+                <a:buChar char="•"/>
+                <a:defRPr sz="2000" kern="1200">
+                  <a:solidFill>
+                    <a:schemeClr val="tx1"/>
+                  </a:solidFill>
+                  <a:latin typeface="+mn-lt"/>
+                  <a:ea typeface="+mn-ea"/>
+                  <a:cs typeface="+mn-cs"/>
+                </a:defRPr>
+              </a:lvl7pPr>
+              <a:lvl8pPr marL="3429000" indent="-228600" algn="l" defTabSz="914400" rtl="0" eaLnBrk="1" latinLnBrk="0" hangingPunct="1">
+                <a:spcBef>
+                  <a:spcPct val="20000"/>
+                </a:spcBef>
+                <a:buFont typeface="Arial" pitchFamily="34" charset="0"/>
+                <a:buChar char="•"/>
+                <a:defRPr sz="2000" kern="1200">
+                  <a:solidFill>
+                    <a:schemeClr val="tx1"/>
+                  </a:solidFill>
+                  <a:latin typeface="+mn-lt"/>
+                  <a:ea typeface="+mn-ea"/>
+                  <a:cs typeface="+mn-cs"/>
+                </a:defRPr>
+              </a:lvl8pPr>
+              <a:lvl9pPr marL="3886200" indent="-228600" algn="l" defTabSz="914400" rtl="0" eaLnBrk="1" latinLnBrk="0" hangingPunct="1">
+                <a:spcBef>
+                  <a:spcPct val="20000"/>
+                </a:spcBef>
+                <a:buFont typeface="Arial" pitchFamily="34" charset="0"/>
+                <a:buChar char="•"/>
+                <a:defRPr sz="2000" kern="1200">
+                  <a:solidFill>
+                    <a:schemeClr val="tx1"/>
+                  </a:solidFill>
+                  <a:latin typeface="+mn-lt"/>
+                  <a:ea typeface="+mn-ea"/>
+                  <a:cs typeface="+mn-cs"/>
+                </a:defRPr>
+              </a:lvl9pPr>
+            </a:lstStyle>
+            <a:p>
+              <a:pPr marL="0" indent="0">
+                <a:buFont typeface="Arial" pitchFamily="34" charset="0"/>
+                <a:buNone/>
+              </a:pPr>
+              <a:r>
+                <a:rPr lang="en-GB" sz="1100" dirty="0" smtClean="0">
+                  <a:latin typeface="Arial" panose="020B0604020202020204" pitchFamily="34" charset="0"/>
+                  <a:cs typeface="Arial" panose="020B0604020202020204" pitchFamily="34" charset="0"/>
+                </a:rPr>
+                <a:t>Clusters</a:t>
+              </a:r>
+              <a:endParaRPr lang="en-US" sz="1100" dirty="0">
+                <a:latin typeface="Arial" panose="020B0604020202020204" pitchFamily="34" charset="0"/>
+                <a:cs typeface="Arial" panose="020B0604020202020204" pitchFamily="34" charset="0"/>
+              </a:endParaRPr>
+            </a:p>
+          </p:txBody>
+        </p:sp>
+        <p:sp>
+          <p:nvSpPr>
+            <p:cNvPr id="41" name="Content Placeholder 2"/>
+            <p:cNvSpPr txBox="1">
+              <a:spLocks/>
+            </p:cNvSpPr>
+            <p:nvPr/>
+          </p:nvSpPr>
+          <p:spPr>
+            <a:xfrm>
+              <a:off x="1143431" y="5128951"/>
+              <a:ext cx="818525" cy="306298"/>
+            </a:xfrm>
+            <a:prstGeom prst="rect">
+              <a:avLst/>
+            </a:prstGeom>
+            <a:noFill/>
+          </p:spPr>
+          <p:txBody>
+            <a:bodyPr anchor="ctr"/>
+            <a:lstStyle>
+              <a:lvl1pPr marL="342900" indent="-342900" algn="l" defTabSz="914400" rtl="0" eaLnBrk="1" latinLnBrk="0" hangingPunct="1">
+                <a:spcBef>
+                  <a:spcPct val="20000"/>
+                </a:spcBef>
+                <a:buFont typeface="Arial" pitchFamily="34" charset="0"/>
+                <a:buChar char="•"/>
+                <a:defRPr sz="3200" kern="1200">
+                  <a:solidFill>
+                    <a:schemeClr val="tx1"/>
+                  </a:solidFill>
+                  <a:latin typeface="+mn-lt"/>
+                  <a:ea typeface="+mn-ea"/>
+                  <a:cs typeface="+mn-cs"/>
+                </a:defRPr>
+              </a:lvl1pPr>
+              <a:lvl2pPr marL="742950" indent="-285750" algn="l" defTabSz="914400" rtl="0" eaLnBrk="1" latinLnBrk="0" hangingPunct="1">
+                <a:spcBef>
+                  <a:spcPct val="20000"/>
+                </a:spcBef>
+                <a:buFont typeface="Arial" pitchFamily="34" charset="0"/>
+                <a:buChar char="–"/>
+                <a:defRPr sz="2800" kern="1200">
+                  <a:solidFill>
+                    <a:schemeClr val="tx1"/>
+                  </a:solidFill>
+                  <a:latin typeface="+mn-lt"/>
+                  <a:ea typeface="+mn-ea"/>
+                  <a:cs typeface="+mn-cs"/>
+                </a:defRPr>
+              </a:lvl2pPr>
+              <a:lvl3pPr marL="1143000" indent="-228600" algn="l" defTabSz="914400" rtl="0" eaLnBrk="1" latinLnBrk="0" hangingPunct="1">
+                <a:spcBef>
+                  <a:spcPct val="20000"/>
+                </a:spcBef>
+                <a:buFont typeface="Arial" pitchFamily="34" charset="0"/>
+                <a:buChar char="•"/>
+                <a:defRPr sz="2400" kern="1200">
+                  <a:solidFill>
+                    <a:schemeClr val="tx1"/>
+                  </a:solidFill>
+                  <a:latin typeface="+mn-lt"/>
+                  <a:ea typeface="+mn-ea"/>
+                  <a:cs typeface="+mn-cs"/>
+                </a:defRPr>
+              </a:lvl3pPr>
+              <a:lvl4pPr marL="1600200" indent="-228600" algn="l" defTabSz="914400" rtl="0" eaLnBrk="1" latinLnBrk="0" hangingPunct="1">
+                <a:spcBef>
+                  <a:spcPct val="20000"/>
+                </a:spcBef>
+                <a:buFont typeface="Arial" pitchFamily="34" charset="0"/>
+                <a:buChar char="–"/>
+                <a:defRPr sz="2000" kern="1200">
+                  <a:solidFill>
+                    <a:schemeClr val="tx1"/>
+                  </a:solidFill>
+                  <a:latin typeface="+mn-lt"/>
+                  <a:ea typeface="+mn-ea"/>
+                  <a:cs typeface="+mn-cs"/>
+                </a:defRPr>
+              </a:lvl4pPr>
+              <a:lvl5pPr marL="2057400" indent="-228600" algn="l" defTabSz="914400" rtl="0" eaLnBrk="1" latinLnBrk="0" hangingPunct="1">
+                <a:spcBef>
+                  <a:spcPct val="20000"/>
+                </a:spcBef>
+                <a:buFont typeface="Arial" pitchFamily="34" charset="0"/>
+                <a:buChar char="»"/>
+                <a:defRPr sz="2000" kern="1200">
+                  <a:solidFill>
+                    <a:schemeClr val="tx1"/>
+                  </a:solidFill>
+                  <a:latin typeface="+mn-lt"/>
+                  <a:ea typeface="+mn-ea"/>
+                  <a:cs typeface="+mn-cs"/>
+                </a:defRPr>
+              </a:lvl5pPr>
+              <a:lvl6pPr marL="2514600" indent="-228600" algn="l" defTabSz="914400" rtl="0" eaLnBrk="1" latinLnBrk="0" hangingPunct="1">
+                <a:spcBef>
+                  <a:spcPct val="20000"/>
+                </a:spcBef>
+                <a:buFont typeface="Arial" pitchFamily="34" charset="0"/>
+                <a:buChar char="•"/>
+                <a:defRPr sz="2000" kern="1200">
+                  <a:solidFill>
+                    <a:schemeClr val="tx1"/>
+                  </a:solidFill>
+                  <a:latin typeface="+mn-lt"/>
+                  <a:ea typeface="+mn-ea"/>
+                  <a:cs typeface="+mn-cs"/>
+                </a:defRPr>
+              </a:lvl6pPr>
+              <a:lvl7pPr marL="2971800" indent="-228600" algn="l" defTabSz="914400" rtl="0" eaLnBrk="1" latinLnBrk="0" hangingPunct="1">
+                <a:spcBef>
+                  <a:spcPct val="20000"/>
+                </a:spcBef>
+                <a:buFont typeface="Arial" pitchFamily="34" charset="0"/>
+                <a:buChar char="•"/>
+                <a:defRPr sz="2000" kern="1200">
+                  <a:solidFill>
+                    <a:schemeClr val="tx1"/>
+                  </a:solidFill>
+                  <a:latin typeface="+mn-lt"/>
+                  <a:ea typeface="+mn-ea"/>
+                  <a:cs typeface="+mn-cs"/>
+                </a:defRPr>
+              </a:lvl7pPr>
+              <a:lvl8pPr marL="3429000" indent="-228600" algn="l" defTabSz="914400" rtl="0" eaLnBrk="1" latinLnBrk="0" hangingPunct="1">
+                <a:spcBef>
+                  <a:spcPct val="20000"/>
+                </a:spcBef>
+                <a:buFont typeface="Arial" pitchFamily="34" charset="0"/>
+                <a:buChar char="•"/>
+                <a:defRPr sz="2000" kern="1200">
+                  <a:solidFill>
+                    <a:schemeClr val="tx1"/>
+                  </a:solidFill>
+                  <a:latin typeface="+mn-lt"/>
+                  <a:ea typeface="+mn-ea"/>
+                  <a:cs typeface="+mn-cs"/>
+                </a:defRPr>
+              </a:lvl8pPr>
+              <a:lvl9pPr marL="3886200" indent="-228600" algn="l" defTabSz="914400" rtl="0" eaLnBrk="1" latinLnBrk="0" hangingPunct="1">
+                <a:spcBef>
+                  <a:spcPct val="20000"/>
+                </a:spcBef>
+                <a:buFont typeface="Arial" pitchFamily="34" charset="0"/>
+                <a:buChar char="•"/>
+                <a:defRPr sz="2000" kern="1200">
+                  <a:solidFill>
+                    <a:schemeClr val="tx1"/>
+                  </a:solidFill>
+                  <a:latin typeface="+mn-lt"/>
+                  <a:ea typeface="+mn-ea"/>
+                  <a:cs typeface="+mn-cs"/>
+                </a:defRPr>
+              </a:lvl9pPr>
+            </a:lstStyle>
+            <a:p>
+              <a:pPr marL="0" indent="0">
+                <a:buFont typeface="Arial" pitchFamily="34" charset="0"/>
+                <a:buNone/>
+              </a:pPr>
+              <a:r>
+                <a:rPr lang="en-GB" sz="1100" dirty="0" smtClean="0">
+                  <a:latin typeface="Arial" panose="020B0604020202020204" pitchFamily="34" charset="0"/>
+                  <a:cs typeface="Arial" panose="020B0604020202020204" pitchFamily="34" charset="0"/>
+                </a:rPr>
+                <a:t>States</a:t>
+              </a:r>
+              <a:endParaRPr lang="en-US" sz="1100" dirty="0">
+                <a:latin typeface="Arial" panose="020B0604020202020204" pitchFamily="34" charset="0"/>
+                <a:cs typeface="Arial" panose="020B0604020202020204" pitchFamily="34" charset="0"/>
+              </a:endParaRPr>
+            </a:p>
+          </p:txBody>
+        </p:sp>
+        <p:cxnSp>
+          <p:nvCxnSpPr>
+            <p:cNvPr id="42" name="Straight Arrow Connector 41"/>
+            <p:cNvCxnSpPr>
+              <a:stCxn id="38" idx="0"/>
+              <a:endCxn id="32" idx="4"/>
+            </p:cNvCxnSpPr>
+            <p:nvPr/>
+          </p:nvCxnSpPr>
+          <p:spPr>
+            <a:xfrm flipH="1" flipV="1">
+              <a:off x="2480832" y="4283072"/>
+              <a:ext cx="400678" cy="772122"/>
+            </a:xfrm>
+            <a:prstGeom prst="straightConnector1">
+              <a:avLst/>
+            </a:prstGeom>
+            <a:ln>
+              <a:solidFill>
+                <a:schemeClr val="tx1"/>
+              </a:solidFill>
+              <a:headEnd type="none" w="sm" len="lg"/>
+              <a:tailEnd type="stealth" w="sm" len="lg"/>
+            </a:ln>
+          </p:spPr>
+          <p:style>
+            <a:lnRef idx="1">
+              <a:schemeClr val="accent1"/>
+            </a:lnRef>
+            <a:fillRef idx="0">
+              <a:schemeClr val="accent1"/>
+            </a:fillRef>
+            <a:effectRef idx="0">
+              <a:schemeClr val="accent1"/>
+            </a:effectRef>
+            <a:fontRef idx="minor">
+              <a:schemeClr val="tx1"/>
+            </a:fontRef>
+          </p:style>
+        </p:cxnSp>
+        <mc:AlternateContent xmlns:mc="http://schemas.openxmlformats.org/markup-compatibility/2006">
+          <mc:Choice xmlns:a14="http://schemas.microsoft.com/office/drawing/2010/main" Requires="a14">
+            <p:sp>
+              <p:nvSpPr>
+                <p:cNvPr id="43" name="Oval 42"/>
+                <p:cNvSpPr/>
+                <p:nvPr/>
+              </p:nvSpPr>
+              <p:spPr>
+                <a:xfrm>
+                  <a:off x="3027766" y="3847096"/>
+                  <a:ext cx="460587" cy="453812"/>
+                </a:xfrm>
+                <a:prstGeom prst="ellipse">
+                  <a:avLst/>
+                </a:prstGeom>
+                <a:solidFill>
+                  <a:srgbClr val="0070C0"/>
+                </a:solidFill>
+                <a:ln>
+                  <a:solidFill>
+                    <a:schemeClr val="tx1"/>
+                  </a:solidFill>
+                </a:ln>
+              </p:spPr>
+              <p:style>
+                <a:lnRef idx="2">
+                  <a:schemeClr val="accent1">
+                    <a:shade val="50000"/>
+                  </a:schemeClr>
+                </a:lnRef>
+                <a:fillRef idx="1">
+                  <a:schemeClr val="accent1"/>
+                </a:fillRef>
+                <a:effectRef idx="0">
+                  <a:schemeClr val="accent1"/>
+                </a:effectRef>
+                <a:fontRef idx="minor">
+                  <a:schemeClr val="lt1"/>
+                </a:fontRef>
+              </p:style>
+              <p:txBody>
+                <a:bodyPr lIns="0" rIns="0" rtlCol="0" anchor="ctr"/>
+                <a:lstStyle/>
+                <a:p>
+                  <a:pPr algn="ctr"/>
+                  <a14:m>
+                    <m:oMathPara xmlns:m="http://schemas.openxmlformats.org/officeDocument/2006/math">
+                      <m:oMathParaPr>
+                        <m:jc m:val="centerGroup"/>
+                      </m:oMathParaPr>
+                      <m:oMath xmlns:m="http://schemas.openxmlformats.org/officeDocument/2006/math">
+                        <m:sSub>
+                          <m:sSubPr>
+                            <m:ctrlPr>
+                              <a:rPr lang="en-GB" sz="1100" b="0" i="1" smtClean="0">
+                                <a:solidFill>
+                                  <a:schemeClr val="tx1"/>
+                                </a:solidFill>
+                                <a:latin typeface="Cambria Math" panose="02040503050406030204" pitchFamily="18" charset="0"/>
+                              </a:rPr>
+                            </m:ctrlPr>
+                          </m:sSubPr>
+                          <m:e>
+                            <m:r>
+                              <a:rPr lang="en-GB" sz="1100" b="0" i="1" smtClean="0">
+                                <a:solidFill>
+                                  <a:schemeClr val="tx1"/>
+                                </a:solidFill>
+                                <a:latin typeface="Cambria Math" panose="02040503050406030204" pitchFamily="18" charset="0"/>
+                              </a:rPr>
+                              <m:t>𝐶</m:t>
+                            </m:r>
+                          </m:e>
+                          <m:sub>
+                            <m:r>
+                              <a:rPr lang="en-GB" sz="1100" b="0" i="1" smtClean="0">
+                                <a:solidFill>
+                                  <a:schemeClr val="tx1"/>
+                                </a:solidFill>
+                                <a:latin typeface="Cambria Math" panose="02040503050406030204" pitchFamily="18" charset="0"/>
+                              </a:rPr>
+                              <m:t>2</m:t>
+                            </m:r>
+                          </m:sub>
+                        </m:sSub>
+                      </m:oMath>
+                    </m:oMathPara>
+                  </a14:m>
+                  <a:endParaRPr lang="en-US" sz="1100" dirty="0">
+                    <a:solidFill>
+                      <a:schemeClr val="tx1"/>
+                    </a:solidFill>
+                  </a:endParaRPr>
+                </a:p>
+              </p:txBody>
+            </p:sp>
+          </mc:Choice>
+          <mc:Fallback>
+            <p:sp>
+              <p:nvSpPr>
+                <p:cNvPr id="43" name="Oval 42"/>
+                <p:cNvSpPr>
+                  <a:spLocks noRot="1" noChangeAspect="1" noMove="1" noResize="1" noEditPoints="1" noAdjustHandles="1" noChangeArrowheads="1" noChangeShapeType="1" noTextEdit="1"/>
+                </p:cNvSpPr>
+                <p:nvPr/>
+              </p:nvSpPr>
+              <p:spPr>
+                <a:xfrm>
+                  <a:off x="3027766" y="3847096"/>
+                  <a:ext cx="460587" cy="453812"/>
+                </a:xfrm>
+                <a:prstGeom prst="ellipse">
+                  <a:avLst/>
+                </a:prstGeom>
+                <a:blipFill>
+                  <a:blip r:embed="rId13"/>
+                  <a:stretch>
+                    <a:fillRect/>
+                  </a:stretch>
+                </a:blipFill>
+                <a:ln>
+                  <a:solidFill>
+                    <a:schemeClr val="tx1"/>
+                  </a:solidFill>
+                </a:ln>
+              </p:spPr>
+              <p:txBody>
+                <a:bodyPr/>
+                <a:lstStyle/>
+                <a:p>
+                  <a:r>
+                    <a:rPr lang="en-US">
+                      <a:noFill/>
+                    </a:rPr>
+                    <a:t> </a:t>
+                  </a:r>
+                </a:p>
+              </p:txBody>
+            </p:sp>
+          </mc:Fallback>
+        </mc:AlternateContent>
+        <mc:AlternateContent xmlns:mc="http://schemas.openxmlformats.org/markup-compatibility/2006">
+          <mc:Choice xmlns:a14="http://schemas.microsoft.com/office/drawing/2010/main" Requires="a14">
+            <p:sp>
+              <p:nvSpPr>
+                <p:cNvPr id="45" name="Oval 44"/>
+                <p:cNvSpPr/>
+                <p:nvPr/>
+              </p:nvSpPr>
+              <p:spPr>
+                <a:xfrm>
+                  <a:off x="4095019" y="3847395"/>
+                  <a:ext cx="460587" cy="453812"/>
+                </a:xfrm>
+                <a:prstGeom prst="ellipse">
+                  <a:avLst/>
+                </a:prstGeom>
+                <a:solidFill>
+                  <a:srgbClr val="00B050"/>
+                </a:solidFill>
+                <a:ln>
+                  <a:solidFill>
+                    <a:schemeClr val="tx1"/>
+                  </a:solidFill>
+                </a:ln>
+              </p:spPr>
+              <p:style>
+                <a:lnRef idx="2">
+                  <a:schemeClr val="accent1">
+                    <a:shade val="50000"/>
+                  </a:schemeClr>
+                </a:lnRef>
+                <a:fillRef idx="1">
+                  <a:schemeClr val="accent1"/>
+                </a:fillRef>
+                <a:effectRef idx="0">
+                  <a:schemeClr val="accent1"/>
+                </a:effectRef>
+                <a:fontRef idx="minor">
+                  <a:schemeClr val="lt1"/>
+                </a:fontRef>
+              </p:style>
+              <p:txBody>
+                <a:bodyPr lIns="0" rIns="0" rtlCol="0" anchor="ctr"/>
+                <a:lstStyle/>
+                <a:p>
+                  <a:pPr algn="ctr"/>
+                  <a14:m>
+                    <m:oMathPara xmlns:m="http://schemas.openxmlformats.org/officeDocument/2006/math">
+                      <m:oMathParaPr>
+                        <m:jc m:val="centerGroup"/>
+                      </m:oMathParaPr>
+                      <m:oMath xmlns:m="http://schemas.openxmlformats.org/officeDocument/2006/math">
+                        <m:sSub>
+                          <m:sSubPr>
+                            <m:ctrlPr>
+                              <a:rPr lang="en-GB" sz="1100" b="0" i="1" smtClean="0">
+                                <a:solidFill>
+                                  <a:schemeClr val="tx1"/>
+                                </a:solidFill>
+                                <a:latin typeface="Cambria Math" panose="02040503050406030204" pitchFamily="18" charset="0"/>
+                              </a:rPr>
+                            </m:ctrlPr>
+                          </m:sSubPr>
+                          <m:e>
+                            <m:r>
+                              <a:rPr lang="en-GB" sz="1100" b="0" i="1" smtClean="0">
+                                <a:solidFill>
+                                  <a:schemeClr val="tx1"/>
+                                </a:solidFill>
+                                <a:latin typeface="Cambria Math" panose="02040503050406030204" pitchFamily="18" charset="0"/>
+                              </a:rPr>
+                              <m:t>𝐶</m:t>
+                            </m:r>
+                          </m:e>
+                          <m:sub>
+                            <m:r>
+                              <a:rPr lang="en-GB" sz="1100" b="0" i="1" smtClean="0">
+                                <a:solidFill>
+                                  <a:schemeClr val="tx1"/>
+                                </a:solidFill>
+                                <a:latin typeface="Cambria Math" panose="02040503050406030204" pitchFamily="18" charset="0"/>
+                              </a:rPr>
+                              <m:t>3</m:t>
+                            </m:r>
+                          </m:sub>
+                        </m:sSub>
+                      </m:oMath>
+                    </m:oMathPara>
+                  </a14:m>
+                  <a:endParaRPr lang="en-US" sz="1100" dirty="0">
+                    <a:solidFill>
+                      <a:schemeClr val="tx1"/>
+                    </a:solidFill>
+                  </a:endParaRPr>
+                </a:p>
+              </p:txBody>
+            </p:sp>
+          </mc:Choice>
+          <mc:Fallback>
+            <p:sp>
+              <p:nvSpPr>
+                <p:cNvPr id="45" name="Oval 44"/>
+                <p:cNvSpPr>
+                  <a:spLocks noRot="1" noChangeAspect="1" noMove="1" noResize="1" noEditPoints="1" noAdjustHandles="1" noChangeArrowheads="1" noChangeShapeType="1" noTextEdit="1"/>
+                </p:cNvSpPr>
+                <p:nvPr/>
+              </p:nvSpPr>
+              <p:spPr>
+                <a:xfrm>
+                  <a:off x="4095019" y="3847395"/>
+                  <a:ext cx="460587" cy="453812"/>
+                </a:xfrm>
+                <a:prstGeom prst="ellipse">
+                  <a:avLst/>
+                </a:prstGeom>
+                <a:blipFill>
+                  <a:blip r:embed="rId14"/>
+                  <a:stretch>
+                    <a:fillRect/>
+                  </a:stretch>
+                </a:blipFill>
+                <a:ln>
+                  <a:solidFill>
+                    <a:schemeClr val="tx1"/>
+                  </a:solidFill>
+                </a:ln>
+              </p:spPr>
+              <p:txBody>
+                <a:bodyPr/>
+                <a:lstStyle/>
+                <a:p>
+                  <a:r>
+                    <a:rPr lang="en-US">
+                      <a:noFill/>
+                    </a:rPr>
+                    <a:t> </a:t>
+                  </a:r>
+                </a:p>
+              </p:txBody>
+            </p:sp>
+          </mc:Fallback>
+        </mc:AlternateContent>
+        <mc:AlternateContent xmlns:mc="http://schemas.openxmlformats.org/markup-compatibility/2006">
+          <mc:Choice xmlns:a14="http://schemas.microsoft.com/office/drawing/2010/main" Requires="a14">
+            <p:sp>
+              <p:nvSpPr>
+                <p:cNvPr id="46" name="Oval 45"/>
+                <p:cNvSpPr/>
+                <p:nvPr/>
+              </p:nvSpPr>
+              <p:spPr>
+                <a:xfrm>
+                  <a:off x="4575847" y="3840706"/>
+                  <a:ext cx="460587" cy="453812"/>
+                </a:xfrm>
+                <a:prstGeom prst="ellipse">
+                  <a:avLst/>
+                </a:prstGeom>
+                <a:solidFill>
+                  <a:schemeClr val="accent4">
+                    <a:lumMod val="75000"/>
+                  </a:schemeClr>
+                </a:solidFill>
+                <a:ln>
+                  <a:solidFill>
+                    <a:schemeClr val="tx1"/>
+                  </a:solidFill>
+                </a:ln>
+              </p:spPr>
+              <p:style>
+                <a:lnRef idx="2">
+                  <a:schemeClr val="accent1">
+                    <a:shade val="50000"/>
+                  </a:schemeClr>
+                </a:lnRef>
+                <a:fillRef idx="1">
+                  <a:schemeClr val="accent1"/>
+                </a:fillRef>
+                <a:effectRef idx="0">
+                  <a:schemeClr val="accent1"/>
+                </a:effectRef>
+                <a:fontRef idx="minor">
+                  <a:schemeClr val="lt1"/>
+                </a:fontRef>
+              </p:style>
+              <p:txBody>
+                <a:bodyPr lIns="0" rIns="0" rtlCol="0" anchor="ctr"/>
+                <a:lstStyle/>
+                <a:p>
+                  <a:pPr algn="ctr"/>
+                  <a14:m>
+                    <m:oMathPara xmlns:m="http://schemas.openxmlformats.org/officeDocument/2006/math">
+                      <m:oMathParaPr>
+                        <m:jc m:val="centerGroup"/>
+                      </m:oMathParaPr>
+                      <m:oMath xmlns:m="http://schemas.openxmlformats.org/officeDocument/2006/math">
+                        <m:sSub>
+                          <m:sSubPr>
+                            <m:ctrlPr>
+                              <a:rPr lang="en-GB" sz="1100" b="0" i="1" smtClean="0">
+                                <a:solidFill>
+                                  <a:schemeClr val="tx1"/>
+                                </a:solidFill>
+                                <a:latin typeface="Cambria Math" panose="02040503050406030204" pitchFamily="18" charset="0"/>
+                              </a:rPr>
+                            </m:ctrlPr>
+                          </m:sSubPr>
+                          <m:e>
+                            <m:r>
+                              <a:rPr lang="en-GB" sz="1100" b="0" i="1" smtClean="0">
+                                <a:solidFill>
+                                  <a:schemeClr val="tx1"/>
+                                </a:solidFill>
+                                <a:latin typeface="Cambria Math" panose="02040503050406030204" pitchFamily="18" charset="0"/>
+                              </a:rPr>
+                              <m:t>𝐶</m:t>
+                            </m:r>
+                          </m:e>
+                          <m:sub>
+                            <m:r>
+                              <a:rPr lang="en-GB" sz="1100" b="0" i="1" smtClean="0">
+                                <a:solidFill>
+                                  <a:schemeClr val="tx1"/>
+                                </a:solidFill>
+                                <a:latin typeface="Cambria Math" panose="02040503050406030204" pitchFamily="18" charset="0"/>
+                              </a:rPr>
+                              <m:t>4</m:t>
+                            </m:r>
+                          </m:sub>
+                        </m:sSub>
+                      </m:oMath>
+                    </m:oMathPara>
+                  </a14:m>
+                  <a:endParaRPr lang="en-US" sz="1100" dirty="0">
+                    <a:solidFill>
+                      <a:schemeClr val="tx1"/>
+                    </a:solidFill>
+                  </a:endParaRPr>
+                </a:p>
+              </p:txBody>
+            </p:sp>
+          </mc:Choice>
+          <mc:Fallback>
+            <p:sp>
+              <p:nvSpPr>
+                <p:cNvPr id="46" name="Oval 45"/>
+                <p:cNvSpPr>
+                  <a:spLocks noRot="1" noChangeAspect="1" noMove="1" noResize="1" noEditPoints="1" noAdjustHandles="1" noChangeArrowheads="1" noChangeShapeType="1" noTextEdit="1"/>
+                </p:cNvSpPr>
+                <p:nvPr/>
+              </p:nvSpPr>
+              <p:spPr>
+                <a:xfrm>
+                  <a:off x="4575847" y="3840706"/>
+                  <a:ext cx="460587" cy="453812"/>
+                </a:xfrm>
+                <a:prstGeom prst="ellipse">
+                  <a:avLst/>
+                </a:prstGeom>
+                <a:blipFill>
+                  <a:blip r:embed="rId15"/>
+                  <a:stretch>
+                    <a:fillRect/>
+                  </a:stretch>
+                </a:blipFill>
+                <a:ln>
+                  <a:solidFill>
+                    <a:schemeClr val="tx1"/>
+                  </a:solidFill>
+                </a:ln>
+              </p:spPr>
+              <p:txBody>
+                <a:bodyPr/>
+                <a:lstStyle/>
+                <a:p>
+                  <a:r>
+                    <a:rPr lang="en-US">
+                      <a:noFill/>
+                    </a:rPr>
+                    <a:t> </a:t>
+                  </a:r>
+                </a:p>
+              </p:txBody>
+            </p:sp>
+          </mc:Fallback>
+        </mc:AlternateContent>
+        <p:cxnSp>
+          <p:nvCxnSpPr>
+            <p:cNvPr id="47" name="Straight Arrow Connector 46"/>
+            <p:cNvCxnSpPr>
+              <a:stCxn id="38" idx="0"/>
+              <a:endCxn id="43" idx="4"/>
+            </p:cNvCxnSpPr>
+            <p:nvPr/>
+          </p:nvCxnSpPr>
+          <p:spPr>
+            <a:xfrm flipV="1">
+              <a:off x="2881510" y="4300908"/>
+              <a:ext cx="376550" cy="754286"/>
+            </a:xfrm>
+            <a:prstGeom prst="straightConnector1">
+              <a:avLst/>
+            </a:prstGeom>
+            <a:ln>
+              <a:solidFill>
+                <a:schemeClr val="tx1"/>
+              </a:solidFill>
+              <a:headEnd type="none" w="sm" len="lg"/>
+              <a:tailEnd type="stealth" w="sm" len="lg"/>
+            </a:ln>
+          </p:spPr>
+          <p:style>
+            <a:lnRef idx="1">
+              <a:schemeClr val="accent1"/>
+            </a:lnRef>
+            <a:fillRef idx="0">
+              <a:schemeClr val="accent1"/>
+            </a:fillRef>
+            <a:effectRef idx="0">
+              <a:schemeClr val="accent1"/>
+            </a:effectRef>
+            <a:fontRef idx="minor">
+              <a:schemeClr val="tx1"/>
+            </a:fontRef>
+          </p:style>
+        </p:cxnSp>
+        <p:cxnSp>
+          <p:nvCxnSpPr>
+            <p:cNvPr id="49" name="Straight Arrow Connector 48"/>
+            <p:cNvCxnSpPr>
+              <a:stCxn id="38" idx="0"/>
+              <a:endCxn id="46" idx="4"/>
+            </p:cNvCxnSpPr>
+            <p:nvPr/>
+          </p:nvCxnSpPr>
+          <p:spPr>
+            <a:xfrm flipV="1">
+              <a:off x="2881510" y="4294518"/>
+              <a:ext cx="1924631" cy="760676"/>
+            </a:xfrm>
+            <a:prstGeom prst="straightConnector1">
+              <a:avLst/>
+            </a:prstGeom>
+            <a:ln>
+              <a:solidFill>
+                <a:schemeClr val="tx1"/>
+              </a:solidFill>
+              <a:headEnd type="none" w="sm" len="lg"/>
+              <a:tailEnd type="stealth" w="sm" len="lg"/>
+            </a:ln>
+          </p:spPr>
+          <p:style>
+            <a:lnRef idx="1">
+              <a:schemeClr val="accent1"/>
+            </a:lnRef>
+            <a:fillRef idx="0">
+              <a:schemeClr val="accent1"/>
+            </a:fillRef>
+            <a:effectRef idx="0">
+              <a:schemeClr val="accent1"/>
+            </a:effectRef>
+            <a:fontRef idx="minor">
+              <a:schemeClr val="tx1"/>
+            </a:fontRef>
+          </p:style>
+        </p:cxnSp>
+        <p:cxnSp>
+          <p:nvCxnSpPr>
+            <p:cNvPr id="50" name="Straight Arrow Connector 49"/>
+            <p:cNvCxnSpPr>
+              <a:stCxn id="33" idx="0"/>
+              <a:endCxn id="32" idx="4"/>
+            </p:cNvCxnSpPr>
+            <p:nvPr/>
+          </p:nvCxnSpPr>
+          <p:spPr>
+            <a:xfrm flipH="1" flipV="1">
+              <a:off x="2480832" y="4283072"/>
+              <a:ext cx="1089526" cy="772122"/>
+            </a:xfrm>
+            <a:prstGeom prst="straightConnector1">
+              <a:avLst/>
+            </a:prstGeom>
+            <a:ln>
+              <a:solidFill>
+                <a:schemeClr val="tx1"/>
+              </a:solidFill>
+              <a:headEnd type="none" w="sm" len="lg"/>
+              <a:tailEnd type="stealth"/>
+            </a:ln>
+          </p:spPr>
+          <p:style>
+            <a:lnRef idx="1">
+              <a:schemeClr val="accent1"/>
+            </a:lnRef>
+            <a:fillRef idx="0">
+              <a:schemeClr val="accent1"/>
+            </a:fillRef>
+            <a:effectRef idx="0">
+              <a:schemeClr val="accent1"/>
+            </a:effectRef>
+            <a:fontRef idx="minor">
+              <a:schemeClr val="tx1"/>
+            </a:fontRef>
+          </p:style>
+        </p:cxnSp>
+        <p:cxnSp>
+          <p:nvCxnSpPr>
+            <p:cNvPr id="52" name="Straight Arrow Connector 51"/>
+            <p:cNvCxnSpPr>
+              <a:stCxn id="33" idx="0"/>
+              <a:endCxn id="43" idx="4"/>
+            </p:cNvCxnSpPr>
+            <p:nvPr/>
+          </p:nvCxnSpPr>
+          <p:spPr>
+            <a:xfrm flipH="1" flipV="1">
+              <a:off x="3258060" y="4300908"/>
+              <a:ext cx="312298" cy="754286"/>
+            </a:xfrm>
+            <a:prstGeom prst="straightConnector1">
+              <a:avLst/>
+            </a:prstGeom>
+            <a:ln>
+              <a:solidFill>
+                <a:schemeClr val="tx1"/>
+              </a:solidFill>
+              <a:headEnd type="none" w="sm" len="lg"/>
+              <a:tailEnd type="stealth" w="sm" len="lg"/>
+            </a:ln>
+          </p:spPr>
+          <p:style>
+            <a:lnRef idx="1">
+              <a:schemeClr val="accent1"/>
+            </a:lnRef>
+            <a:fillRef idx="0">
+              <a:schemeClr val="accent1"/>
+            </a:fillRef>
+            <a:effectRef idx="0">
+              <a:schemeClr val="accent1"/>
+            </a:effectRef>
+            <a:fontRef idx="minor">
+              <a:schemeClr val="tx1"/>
+            </a:fontRef>
+          </p:style>
+        </p:cxnSp>
+        <p:cxnSp>
+          <p:nvCxnSpPr>
+            <p:cNvPr id="53" name="Straight Arrow Connector 52"/>
+            <p:cNvCxnSpPr>
+              <a:stCxn id="33" idx="0"/>
+              <a:endCxn id="45" idx="4"/>
+            </p:cNvCxnSpPr>
+            <p:nvPr/>
+          </p:nvCxnSpPr>
+          <p:spPr>
+            <a:xfrm flipV="1">
+              <a:off x="3570358" y="4301207"/>
+              <a:ext cx="754955" cy="753987"/>
+            </a:xfrm>
+            <a:prstGeom prst="straightConnector1">
+              <a:avLst/>
+            </a:prstGeom>
+            <a:ln>
+              <a:solidFill>
+                <a:schemeClr val="tx1"/>
+              </a:solidFill>
+              <a:headEnd type="none" w="sm" len="lg"/>
+              <a:tailEnd type="stealth" w="sm" len="lg"/>
+            </a:ln>
+          </p:spPr>
+          <p:style>
+            <a:lnRef idx="1">
+              <a:schemeClr val="accent1"/>
+            </a:lnRef>
+            <a:fillRef idx="0">
+              <a:schemeClr val="accent1"/>
+            </a:fillRef>
+            <a:effectRef idx="0">
+              <a:schemeClr val="accent1"/>
+            </a:effectRef>
+            <a:fontRef idx="minor">
+              <a:schemeClr val="tx1"/>
+            </a:fontRef>
+          </p:style>
+        </p:cxnSp>
+        <p:cxnSp>
+          <p:nvCxnSpPr>
+            <p:cNvPr id="56" name="Straight Arrow Connector 55"/>
+            <p:cNvCxnSpPr>
+              <a:stCxn id="36" idx="0"/>
+              <a:endCxn id="32" idx="4"/>
+            </p:cNvCxnSpPr>
+            <p:nvPr/>
+          </p:nvCxnSpPr>
+          <p:spPr>
+            <a:xfrm flipH="1" flipV="1">
+              <a:off x="2480832" y="4283072"/>
+              <a:ext cx="1778374" cy="772122"/>
+            </a:xfrm>
+            <a:prstGeom prst="straightConnector1">
+              <a:avLst/>
+            </a:prstGeom>
+            <a:ln>
+              <a:solidFill>
+                <a:schemeClr val="tx1"/>
+              </a:solidFill>
+              <a:headEnd type="none"/>
+              <a:tailEnd type="stealth" w="sm" len="lg"/>
+            </a:ln>
+          </p:spPr>
+          <p:style>
+            <a:lnRef idx="1">
+              <a:schemeClr val="accent1"/>
+            </a:lnRef>
+            <a:fillRef idx="0">
+              <a:schemeClr val="accent1"/>
+            </a:fillRef>
+            <a:effectRef idx="0">
+              <a:schemeClr val="accent1"/>
+            </a:effectRef>
+            <a:fontRef idx="minor">
+              <a:schemeClr val="tx1"/>
+            </a:fontRef>
+          </p:style>
+        </p:cxnSp>
+        <p:cxnSp>
+          <p:nvCxnSpPr>
+            <p:cNvPr id="59" name="Straight Arrow Connector 58"/>
+            <p:cNvCxnSpPr>
+              <a:stCxn id="36" idx="0"/>
+              <a:endCxn id="46" idx="4"/>
+            </p:cNvCxnSpPr>
+            <p:nvPr/>
+          </p:nvCxnSpPr>
+          <p:spPr>
+            <a:xfrm flipV="1">
+              <a:off x="4259206" y="4294518"/>
+              <a:ext cx="546935" cy="760676"/>
+            </a:xfrm>
+            <a:prstGeom prst="straightConnector1">
+              <a:avLst/>
+            </a:prstGeom>
+            <a:ln>
+              <a:solidFill>
+                <a:schemeClr val="tx1"/>
+              </a:solidFill>
+              <a:headEnd type="none" w="sm" len="lg"/>
+              <a:tailEnd type="stealth" w="sm" len="lg"/>
+            </a:ln>
+          </p:spPr>
+          <p:style>
+            <a:lnRef idx="1">
+              <a:schemeClr val="accent1"/>
+            </a:lnRef>
+            <a:fillRef idx="0">
+              <a:schemeClr val="accent1"/>
+            </a:fillRef>
+            <a:effectRef idx="0">
+              <a:schemeClr val="accent1"/>
+            </a:effectRef>
+            <a:fontRef idx="minor">
+              <a:schemeClr val="tx1"/>
+            </a:fontRef>
+          </p:style>
+        </p:cxnSp>
+        <p:sp>
+          <p:nvSpPr>
+            <p:cNvPr id="60" name="Content Placeholder 2"/>
+            <p:cNvSpPr txBox="1">
+              <a:spLocks/>
+            </p:cNvSpPr>
+            <p:nvPr/>
+          </p:nvSpPr>
+          <p:spPr>
+            <a:xfrm>
+              <a:off x="3912445" y="4477948"/>
+              <a:ext cx="816616" cy="163986"/>
+            </a:xfrm>
+            <a:prstGeom prst="rect">
+              <a:avLst/>
+            </a:prstGeom>
+            <a:solidFill>
+              <a:schemeClr val="bg1"/>
+            </a:solidFill>
+          </p:spPr>
+          <p:txBody>
+            <a:bodyPr anchor="ctr"/>
+            <a:lstStyle>
+              <a:lvl1pPr marL="342900" indent="-342900" algn="l" defTabSz="914400" rtl="0" eaLnBrk="1" latinLnBrk="0" hangingPunct="1">
+                <a:spcBef>
+                  <a:spcPct val="20000"/>
+                </a:spcBef>
+                <a:buFont typeface="Arial" pitchFamily="34" charset="0"/>
+                <a:buChar char="•"/>
+                <a:defRPr sz="3200" kern="1200">
+                  <a:solidFill>
+                    <a:schemeClr val="tx1"/>
+                  </a:solidFill>
+                  <a:latin typeface="+mn-lt"/>
+                  <a:ea typeface="+mn-ea"/>
+                  <a:cs typeface="+mn-cs"/>
+                </a:defRPr>
+              </a:lvl1pPr>
+              <a:lvl2pPr marL="742950" indent="-285750" algn="l" defTabSz="914400" rtl="0" eaLnBrk="1" latinLnBrk="0" hangingPunct="1">
+                <a:spcBef>
+                  <a:spcPct val="20000"/>
+                </a:spcBef>
+                <a:buFont typeface="Arial" pitchFamily="34" charset="0"/>
+                <a:buChar char="–"/>
+                <a:defRPr sz="2800" kern="1200">
+                  <a:solidFill>
+                    <a:schemeClr val="tx1"/>
+                  </a:solidFill>
+                  <a:latin typeface="+mn-lt"/>
+                  <a:ea typeface="+mn-ea"/>
+                  <a:cs typeface="+mn-cs"/>
+                </a:defRPr>
+              </a:lvl2pPr>
+              <a:lvl3pPr marL="1143000" indent="-228600" algn="l" defTabSz="914400" rtl="0" eaLnBrk="1" latinLnBrk="0" hangingPunct="1">
+                <a:spcBef>
+                  <a:spcPct val="20000"/>
+                </a:spcBef>
+                <a:buFont typeface="Arial" pitchFamily="34" charset="0"/>
+                <a:buChar char="•"/>
+                <a:defRPr sz="2400" kern="1200">
+                  <a:solidFill>
+                    <a:schemeClr val="tx1"/>
+                  </a:solidFill>
+                  <a:latin typeface="+mn-lt"/>
+                  <a:ea typeface="+mn-ea"/>
+                  <a:cs typeface="+mn-cs"/>
+                </a:defRPr>
+              </a:lvl3pPr>
+              <a:lvl4pPr marL="1600200" indent="-228600" algn="l" defTabSz="914400" rtl="0" eaLnBrk="1" latinLnBrk="0" hangingPunct="1">
+                <a:spcBef>
+                  <a:spcPct val="20000"/>
+                </a:spcBef>
+                <a:buFont typeface="Arial" pitchFamily="34" charset="0"/>
+                <a:buChar char="–"/>
+                <a:defRPr sz="2000" kern="1200">
+                  <a:solidFill>
+                    <a:schemeClr val="tx1"/>
+                  </a:solidFill>
+                  <a:latin typeface="+mn-lt"/>
+                  <a:ea typeface="+mn-ea"/>
+                  <a:cs typeface="+mn-cs"/>
+                </a:defRPr>
+              </a:lvl4pPr>
+              <a:lvl5pPr marL="2057400" indent="-228600" algn="l" defTabSz="914400" rtl="0" eaLnBrk="1" latinLnBrk="0" hangingPunct="1">
+                <a:spcBef>
+                  <a:spcPct val="20000"/>
+                </a:spcBef>
+                <a:buFont typeface="Arial" pitchFamily="34" charset="0"/>
+                <a:buChar char="»"/>
+                <a:defRPr sz="2000" kern="1200">
+                  <a:solidFill>
+                    <a:schemeClr val="tx1"/>
+                  </a:solidFill>
+                  <a:latin typeface="+mn-lt"/>
+                  <a:ea typeface="+mn-ea"/>
+                  <a:cs typeface="+mn-cs"/>
+                </a:defRPr>
+              </a:lvl5pPr>
+              <a:lvl6pPr marL="2514600" indent="-228600" algn="l" defTabSz="914400" rtl="0" eaLnBrk="1" latinLnBrk="0" hangingPunct="1">
+                <a:spcBef>
+                  <a:spcPct val="20000"/>
+                </a:spcBef>
+                <a:buFont typeface="Arial" pitchFamily="34" charset="0"/>
+                <a:buChar char="•"/>
+                <a:defRPr sz="2000" kern="1200">
+                  <a:solidFill>
+                    <a:schemeClr val="tx1"/>
+                  </a:solidFill>
+                  <a:latin typeface="+mn-lt"/>
+                  <a:ea typeface="+mn-ea"/>
+                  <a:cs typeface="+mn-cs"/>
+                </a:defRPr>
+              </a:lvl6pPr>
+              <a:lvl7pPr marL="2971800" indent="-228600" algn="l" defTabSz="914400" rtl="0" eaLnBrk="1" latinLnBrk="0" hangingPunct="1">
+                <a:spcBef>
+                  <a:spcPct val="20000"/>
+                </a:spcBef>
+                <a:buFont typeface="Arial" pitchFamily="34" charset="0"/>
+                <a:buChar char="•"/>
+                <a:defRPr sz="2000" kern="1200">
+                  <a:solidFill>
+                    <a:schemeClr val="tx1"/>
+                  </a:solidFill>
+                  <a:latin typeface="+mn-lt"/>
+                  <a:ea typeface="+mn-ea"/>
+                  <a:cs typeface="+mn-cs"/>
+                </a:defRPr>
+              </a:lvl7pPr>
+              <a:lvl8pPr marL="3429000" indent="-228600" algn="l" defTabSz="914400" rtl="0" eaLnBrk="1" latinLnBrk="0" hangingPunct="1">
+                <a:spcBef>
+                  <a:spcPct val="20000"/>
+                </a:spcBef>
+                <a:buFont typeface="Arial" pitchFamily="34" charset="0"/>
+                <a:buChar char="•"/>
+                <a:defRPr sz="2000" kern="1200">
+                  <a:solidFill>
+                    <a:schemeClr val="tx1"/>
+                  </a:solidFill>
+                  <a:latin typeface="+mn-lt"/>
+                  <a:ea typeface="+mn-ea"/>
+                  <a:cs typeface="+mn-cs"/>
+                </a:defRPr>
+              </a:lvl8pPr>
+              <a:lvl9pPr marL="3886200" indent="-228600" algn="l" defTabSz="914400" rtl="0" eaLnBrk="1" latinLnBrk="0" hangingPunct="1">
+                <a:spcBef>
+                  <a:spcPct val="20000"/>
+                </a:spcBef>
+                <a:buFont typeface="Arial" pitchFamily="34" charset="0"/>
+                <a:buChar char="•"/>
+                <a:defRPr sz="2000" kern="1200">
+                  <a:solidFill>
+                    <a:schemeClr val="tx1"/>
+                  </a:solidFill>
+                  <a:latin typeface="+mn-lt"/>
+                  <a:ea typeface="+mn-ea"/>
+                  <a:cs typeface="+mn-cs"/>
+                </a:defRPr>
+              </a:lvl9pPr>
+            </a:lstStyle>
+            <a:p>
+              <a:pPr marL="0" indent="0">
+                <a:buFont typeface="Arial" pitchFamily="34" charset="0"/>
+                <a:buNone/>
+              </a:pPr>
+              <a:r>
+                <a:rPr lang="en-GB" sz="1000" dirty="0" smtClean="0">
+                  <a:latin typeface="Arial" panose="020B0604020202020204" pitchFamily="34" charset="0"/>
+                  <a:cs typeface="Arial" panose="020B0604020202020204" pitchFamily="34" charset="0"/>
+                </a:rPr>
+                <a:t>Emission</a:t>
+              </a:r>
+              <a:endParaRPr lang="en-US" sz="1100" dirty="0">
+                <a:latin typeface="Arial" panose="020B0604020202020204" pitchFamily="34" charset="0"/>
+                <a:cs typeface="Arial" panose="020B0604020202020204" pitchFamily="34" charset="0"/>
+              </a:endParaRPr>
+            </a:p>
+          </p:txBody>
+        </p:sp>
+        <p:sp>
+          <p:nvSpPr>
+            <p:cNvPr id="66" name="Freeform 65"/>
+            <p:cNvSpPr/>
+            <p:nvPr/>
+          </p:nvSpPr>
+          <p:spPr>
+            <a:xfrm rot="20525016" flipH="1" flipV="1">
+              <a:off x="3067661" y="5396323"/>
+              <a:ext cx="321533" cy="116996"/>
+            </a:xfrm>
+            <a:custGeom>
+              <a:avLst/>
+              <a:gdLst>
+                <a:gd name="connsiteX0" fmla="*/ 0 w 1341120"/>
+                <a:gd name="connsiteY0" fmla="*/ 151608 h 572232"/>
+                <a:gd name="connsiteX1" fmla="*/ 804672 w 1341120"/>
+                <a:gd name="connsiteY1" fmla="*/ 23592 h 572232"/>
+                <a:gd name="connsiteX2" fmla="*/ 1341120 w 1341120"/>
+                <a:gd name="connsiteY2" fmla="*/ 572232 h 572232"/>
+              </a:gdLst>
+              <a:ahLst/>
+              <a:cxnLst>
+                <a:cxn ang="0">
+                  <a:pos x="connsiteX0" y="connsiteY0"/>
+                </a:cxn>
+                <a:cxn ang="0">
+                  <a:pos x="connsiteX1" y="connsiteY1"/>
+                </a:cxn>
+                <a:cxn ang="0">
+                  <a:pos x="connsiteX2" y="connsiteY2"/>
+                </a:cxn>
+              </a:cxnLst>
+              <a:rect l="l" t="t" r="r" b="b"/>
+              <a:pathLst>
+                <a:path w="1341120" h="572232">
+                  <a:moveTo>
+                    <a:pt x="0" y="151608"/>
+                  </a:moveTo>
+                  <a:cubicBezTo>
+                    <a:pt x="290576" y="52548"/>
+                    <a:pt x="581152" y="-46512"/>
+                    <a:pt x="804672" y="23592"/>
+                  </a:cubicBezTo>
+                  <a:cubicBezTo>
+                    <a:pt x="1028192" y="93696"/>
+                    <a:pt x="1184656" y="332964"/>
+                    <a:pt x="1341120" y="572232"/>
+                  </a:cubicBezTo>
+                </a:path>
+              </a:pathLst>
+            </a:custGeom>
+            <a:noFill/>
+            <a:ln>
+              <a:headEnd type="stealth" w="sm" len="lg"/>
+            </a:ln>
+          </p:spPr>
+          <p:style>
+            <a:lnRef idx="2">
+              <a:schemeClr val="accent1">
+                <a:shade val="50000"/>
+              </a:schemeClr>
+            </a:lnRef>
+            <a:fillRef idx="1">
+              <a:schemeClr val="accent1"/>
+            </a:fillRef>
+            <a:effectRef idx="0">
+              <a:schemeClr val="accent1"/>
+            </a:effectRef>
+            <a:fontRef idx="minor">
+              <a:schemeClr val="lt1"/>
+            </a:fontRef>
+          </p:style>
+          <p:txBody>
+            <a:bodyPr rtlCol="0" anchor="ctr"/>
+            <a:lstStyle/>
+            <a:p>
+              <a:pPr algn="ctr"/>
+              <a:endParaRPr lang="en-US"/>
+            </a:p>
+          </p:txBody>
+        </p:sp>
+        <p:sp>
+          <p:nvSpPr>
+            <p:cNvPr id="67" name="Freeform 66"/>
+            <p:cNvSpPr/>
+            <p:nvPr/>
+          </p:nvSpPr>
+          <p:spPr>
+            <a:xfrm rot="9783246" flipH="1" flipV="1">
+              <a:off x="3061971" y="5054675"/>
+              <a:ext cx="321533" cy="116996"/>
+            </a:xfrm>
+            <a:custGeom>
+              <a:avLst/>
+              <a:gdLst>
+                <a:gd name="connsiteX0" fmla="*/ 0 w 1341120"/>
+                <a:gd name="connsiteY0" fmla="*/ 151608 h 572232"/>
+                <a:gd name="connsiteX1" fmla="*/ 804672 w 1341120"/>
+                <a:gd name="connsiteY1" fmla="*/ 23592 h 572232"/>
+                <a:gd name="connsiteX2" fmla="*/ 1341120 w 1341120"/>
+                <a:gd name="connsiteY2" fmla="*/ 572232 h 572232"/>
+              </a:gdLst>
+              <a:ahLst/>
+              <a:cxnLst>
+                <a:cxn ang="0">
+                  <a:pos x="connsiteX0" y="connsiteY0"/>
+                </a:cxn>
+                <a:cxn ang="0">
+                  <a:pos x="connsiteX1" y="connsiteY1"/>
+                </a:cxn>
+                <a:cxn ang="0">
+                  <a:pos x="connsiteX2" y="connsiteY2"/>
+                </a:cxn>
+              </a:cxnLst>
+              <a:rect l="l" t="t" r="r" b="b"/>
+              <a:pathLst>
+                <a:path w="1341120" h="572232">
+                  <a:moveTo>
+                    <a:pt x="0" y="151608"/>
+                  </a:moveTo>
+                  <a:cubicBezTo>
+                    <a:pt x="290576" y="52548"/>
+                    <a:pt x="581152" y="-46512"/>
+                    <a:pt x="804672" y="23592"/>
+                  </a:cubicBezTo>
+                  <a:cubicBezTo>
+                    <a:pt x="1028192" y="93696"/>
+                    <a:pt x="1184656" y="332964"/>
+                    <a:pt x="1341120" y="572232"/>
+                  </a:cubicBezTo>
+                </a:path>
+              </a:pathLst>
+            </a:custGeom>
+            <a:noFill/>
+            <a:ln>
+              <a:headEnd type="stealth" w="sm" len="lg"/>
+            </a:ln>
+          </p:spPr>
+          <p:style>
+            <a:lnRef idx="2">
+              <a:schemeClr val="accent1">
+                <a:shade val="50000"/>
+              </a:schemeClr>
+            </a:lnRef>
+            <a:fillRef idx="1">
+              <a:schemeClr val="accent1"/>
+            </a:fillRef>
+            <a:effectRef idx="0">
+              <a:schemeClr val="accent1"/>
+            </a:effectRef>
+            <a:fontRef idx="minor">
+              <a:schemeClr val="lt1"/>
+            </a:fontRef>
+          </p:style>
+          <p:txBody>
+            <a:bodyPr rtlCol="0" anchor="ctr"/>
+            <a:lstStyle/>
+            <a:p>
+              <a:pPr algn="ctr"/>
+              <a:endParaRPr lang="en-US"/>
+            </a:p>
+          </p:txBody>
+        </p:sp>
+        <p:sp>
+          <p:nvSpPr>
+            <p:cNvPr id="68" name="Freeform 67"/>
+            <p:cNvSpPr/>
+            <p:nvPr/>
+          </p:nvSpPr>
+          <p:spPr>
+            <a:xfrm rot="20525016" flipH="1" flipV="1">
+              <a:off x="3757061" y="5401988"/>
+              <a:ext cx="321533" cy="116996"/>
+            </a:xfrm>
+            <a:custGeom>
+              <a:avLst/>
+              <a:gdLst>
+                <a:gd name="connsiteX0" fmla="*/ 0 w 1341120"/>
+                <a:gd name="connsiteY0" fmla="*/ 151608 h 572232"/>
+                <a:gd name="connsiteX1" fmla="*/ 804672 w 1341120"/>
+                <a:gd name="connsiteY1" fmla="*/ 23592 h 572232"/>
+                <a:gd name="connsiteX2" fmla="*/ 1341120 w 1341120"/>
+                <a:gd name="connsiteY2" fmla="*/ 572232 h 572232"/>
+              </a:gdLst>
+              <a:ahLst/>
+              <a:cxnLst>
+                <a:cxn ang="0">
+                  <a:pos x="connsiteX0" y="connsiteY0"/>
+                </a:cxn>
+                <a:cxn ang="0">
+                  <a:pos x="connsiteX1" y="connsiteY1"/>
+                </a:cxn>
+                <a:cxn ang="0">
+                  <a:pos x="connsiteX2" y="connsiteY2"/>
+                </a:cxn>
+              </a:cxnLst>
+              <a:rect l="l" t="t" r="r" b="b"/>
+              <a:pathLst>
+                <a:path w="1341120" h="572232">
+                  <a:moveTo>
+                    <a:pt x="0" y="151608"/>
+                  </a:moveTo>
+                  <a:cubicBezTo>
+                    <a:pt x="290576" y="52548"/>
+                    <a:pt x="581152" y="-46512"/>
+                    <a:pt x="804672" y="23592"/>
+                  </a:cubicBezTo>
+                  <a:cubicBezTo>
+                    <a:pt x="1028192" y="93696"/>
+                    <a:pt x="1184656" y="332964"/>
+                    <a:pt x="1341120" y="572232"/>
+                  </a:cubicBezTo>
+                </a:path>
+              </a:pathLst>
+            </a:custGeom>
+            <a:noFill/>
+            <a:ln>
+              <a:headEnd type="stealth" w="sm" len="lg"/>
+            </a:ln>
+          </p:spPr>
+          <p:style>
+            <a:lnRef idx="2">
+              <a:schemeClr val="accent1">
+                <a:shade val="50000"/>
+              </a:schemeClr>
+            </a:lnRef>
+            <a:fillRef idx="1">
+              <a:schemeClr val="accent1"/>
+            </a:fillRef>
+            <a:effectRef idx="0">
+              <a:schemeClr val="accent1"/>
+            </a:effectRef>
+            <a:fontRef idx="minor">
+              <a:schemeClr val="lt1"/>
+            </a:fontRef>
+          </p:style>
+          <p:txBody>
+            <a:bodyPr rtlCol="0" anchor="ctr"/>
+            <a:lstStyle/>
+            <a:p>
+              <a:pPr algn="ctr"/>
+              <a:endParaRPr lang="en-US"/>
+            </a:p>
+          </p:txBody>
+        </p:sp>
+        <p:sp>
+          <p:nvSpPr>
+            <p:cNvPr id="69" name="Arc 68"/>
+            <p:cNvSpPr/>
+            <p:nvPr/>
+          </p:nvSpPr>
+          <p:spPr>
+            <a:xfrm rot="588857">
+              <a:off x="4214414" y="5266487"/>
+              <a:ext cx="483886" cy="485035"/>
+            </a:xfrm>
+            <a:prstGeom prst="arc">
+              <a:avLst>
+                <a:gd name="adj1" fmla="val 16200000"/>
+                <a:gd name="adj2" fmla="val 10185818"/>
+              </a:avLst>
+            </a:prstGeom>
+            <a:noFill/>
+            <a:ln>
+              <a:headEnd type="stealth" w="sm" len="lg"/>
+            </a:ln>
+          </p:spPr>
+          <p:style>
+            <a:lnRef idx="2">
+              <a:schemeClr val="accent1">
+                <a:shade val="50000"/>
+              </a:schemeClr>
+            </a:lnRef>
+            <a:fillRef idx="1">
+              <a:schemeClr val="accent1"/>
+            </a:fillRef>
+            <a:effectRef idx="0">
+              <a:schemeClr val="accent1"/>
+            </a:effectRef>
+            <a:fontRef idx="minor">
+              <a:schemeClr val="lt1"/>
+            </a:fontRef>
+          </p:style>
+          <p:txBody>
+            <a:bodyPr rtlCol="0" anchor="ctr"/>
+            <a:lstStyle/>
+            <a:p>
+              <a:pPr algn="ctr"/>
+              <a:endParaRPr lang="en-US">
+                <a:solidFill>
+                  <a:schemeClr val="lt1"/>
+                </a:solidFill>
+              </a:endParaRPr>
+            </a:p>
+          </p:txBody>
+        </p:sp>
+        <p:sp>
+          <p:nvSpPr>
+            <p:cNvPr id="70" name="Arc 69"/>
+            <p:cNvSpPr/>
+            <p:nvPr/>
+          </p:nvSpPr>
+          <p:spPr>
+            <a:xfrm rot="5129880">
+              <a:off x="2454743" y="5266488"/>
+              <a:ext cx="483886" cy="485035"/>
+            </a:xfrm>
+            <a:prstGeom prst="arc">
+              <a:avLst>
+                <a:gd name="adj1" fmla="val 16200000"/>
+                <a:gd name="adj2" fmla="val 10185818"/>
+              </a:avLst>
+            </a:prstGeom>
+            <a:noFill/>
+            <a:ln>
+              <a:headEnd type="stealth" w="sm" len="lg"/>
+            </a:ln>
+          </p:spPr>
+          <p:style>
+            <a:lnRef idx="2">
+              <a:schemeClr val="accent1">
+                <a:shade val="50000"/>
+              </a:schemeClr>
+            </a:lnRef>
+            <a:fillRef idx="1">
+              <a:schemeClr val="accent1"/>
+            </a:fillRef>
+            <a:effectRef idx="0">
+              <a:schemeClr val="accent1"/>
+            </a:effectRef>
+            <a:fontRef idx="minor">
+              <a:schemeClr val="lt1"/>
+            </a:fontRef>
+          </p:style>
+          <p:txBody>
+            <a:bodyPr rtlCol="0" anchor="ctr"/>
+            <a:lstStyle/>
+            <a:p>
+              <a:pPr algn="ctr"/>
+              <a:endParaRPr lang="en-US">
+                <a:solidFill>
+                  <a:schemeClr val="lt1"/>
+                </a:solidFill>
+              </a:endParaRPr>
+            </a:p>
+          </p:txBody>
+        </p:sp>
+        <p:sp>
+          <p:nvSpPr>
+            <p:cNvPr id="71" name="Freeform 70"/>
+            <p:cNvSpPr/>
+            <p:nvPr/>
+          </p:nvSpPr>
+          <p:spPr>
+            <a:xfrm>
+              <a:off x="2253899" y="4819031"/>
+              <a:ext cx="2663952" cy="334304"/>
+            </a:xfrm>
+            <a:custGeom>
+              <a:avLst/>
+              <a:gdLst>
+                <a:gd name="connsiteX0" fmla="*/ 381076 w 2421092"/>
+                <a:gd name="connsiteY0" fmla="*/ 597432 h 597432"/>
+                <a:gd name="connsiteX1" fmla="*/ 39700 w 2421092"/>
+                <a:gd name="connsiteY1" fmla="*/ 225576 h 597432"/>
+                <a:gd name="connsiteX2" fmla="*/ 1197940 w 2421092"/>
+                <a:gd name="connsiteY2" fmla="*/ 24 h 597432"/>
+                <a:gd name="connsiteX3" fmla="*/ 2386660 w 2421092"/>
+                <a:gd name="connsiteY3" fmla="*/ 213384 h 597432"/>
+                <a:gd name="connsiteX4" fmla="*/ 1984324 w 2421092"/>
+                <a:gd name="connsiteY4" fmla="*/ 554760 h 597432"/>
+              </a:gdLst>
+              <a:ahLst/>
+              <a:cxnLst>
+                <a:cxn ang="0">
+                  <a:pos x="connsiteX0" y="connsiteY0"/>
+                </a:cxn>
+                <a:cxn ang="0">
+                  <a:pos x="connsiteX1" y="connsiteY1"/>
+                </a:cxn>
+                <a:cxn ang="0">
+                  <a:pos x="connsiteX2" y="connsiteY2"/>
+                </a:cxn>
+                <a:cxn ang="0">
+                  <a:pos x="connsiteX3" y="connsiteY3"/>
+                </a:cxn>
+                <a:cxn ang="0">
+                  <a:pos x="connsiteX4" y="connsiteY4"/>
+                </a:cxn>
+              </a:cxnLst>
+              <a:rect l="l" t="t" r="r" b="b"/>
+              <a:pathLst>
+                <a:path w="2421092" h="597432">
+                  <a:moveTo>
+                    <a:pt x="381076" y="597432"/>
+                  </a:moveTo>
+                  <a:cubicBezTo>
+                    <a:pt x="142316" y="461288"/>
+                    <a:pt x="-96444" y="325144"/>
+                    <a:pt x="39700" y="225576"/>
+                  </a:cubicBezTo>
+                  <a:cubicBezTo>
+                    <a:pt x="175844" y="126008"/>
+                    <a:pt x="806780" y="2056"/>
+                    <a:pt x="1197940" y="24"/>
+                  </a:cubicBezTo>
+                  <a:cubicBezTo>
+                    <a:pt x="1589100" y="-2008"/>
+                    <a:pt x="2255596" y="120928"/>
+                    <a:pt x="2386660" y="213384"/>
+                  </a:cubicBezTo>
+                  <a:cubicBezTo>
+                    <a:pt x="2517724" y="305840"/>
+                    <a:pt x="2251024" y="430300"/>
+                    <a:pt x="1984324" y="554760"/>
+                  </a:cubicBezTo>
+                </a:path>
+              </a:pathLst>
+            </a:custGeom>
+            <a:noFill/>
+            <a:ln>
+              <a:tailEnd type="stealth" w="sm" len="lg"/>
+            </a:ln>
+          </p:spPr>
+          <p:style>
+            <a:lnRef idx="2">
+              <a:schemeClr val="accent1">
+                <a:shade val="50000"/>
+              </a:schemeClr>
+            </a:lnRef>
+            <a:fillRef idx="1">
+              <a:schemeClr val="accent1"/>
+            </a:fillRef>
+            <a:effectRef idx="0">
+              <a:schemeClr val="accent1"/>
+            </a:effectRef>
+            <a:fontRef idx="minor">
+              <a:schemeClr val="lt1"/>
+            </a:fontRef>
+          </p:style>
+          <p:txBody>
+            <a:bodyPr rtlCol="0" anchor="ctr"/>
+            <a:lstStyle/>
+            <a:p>
+              <a:pPr algn="ctr"/>
+              <a:endParaRPr lang="en-US"/>
+            </a:p>
+          </p:txBody>
+        </p:sp>
+        <p:sp>
+          <p:nvSpPr>
+            <p:cNvPr id="72" name="Content Placeholder 2"/>
+            <p:cNvSpPr txBox="1">
+              <a:spLocks/>
+            </p:cNvSpPr>
+            <p:nvPr/>
+          </p:nvSpPr>
+          <p:spPr>
+            <a:xfrm>
+              <a:off x="4457708" y="5477946"/>
+              <a:ext cx="816616" cy="163986"/>
+            </a:xfrm>
+            <a:prstGeom prst="rect">
+              <a:avLst/>
+            </a:prstGeom>
+            <a:solidFill>
+              <a:schemeClr val="bg1"/>
+            </a:solidFill>
+          </p:spPr>
+          <p:txBody>
+            <a:bodyPr anchor="ctr"/>
+            <a:lstStyle>
+              <a:lvl1pPr marL="342900" indent="-342900" algn="l" defTabSz="914400" rtl="0" eaLnBrk="1" latinLnBrk="0" hangingPunct="1">
+                <a:spcBef>
+                  <a:spcPct val="20000"/>
+                </a:spcBef>
+                <a:buFont typeface="Arial" pitchFamily="34" charset="0"/>
+                <a:buChar char="•"/>
+                <a:defRPr sz="3200" kern="1200">
+                  <a:solidFill>
+                    <a:schemeClr val="tx1"/>
+                  </a:solidFill>
+                  <a:latin typeface="+mn-lt"/>
+                  <a:ea typeface="+mn-ea"/>
+                  <a:cs typeface="+mn-cs"/>
+                </a:defRPr>
+              </a:lvl1pPr>
+              <a:lvl2pPr marL="742950" indent="-285750" algn="l" defTabSz="914400" rtl="0" eaLnBrk="1" latinLnBrk="0" hangingPunct="1">
+                <a:spcBef>
+                  <a:spcPct val="20000"/>
+                </a:spcBef>
+                <a:buFont typeface="Arial" pitchFamily="34" charset="0"/>
+                <a:buChar char="–"/>
+                <a:defRPr sz="2800" kern="1200">
+                  <a:solidFill>
+                    <a:schemeClr val="tx1"/>
+                  </a:solidFill>
+                  <a:latin typeface="+mn-lt"/>
+                  <a:ea typeface="+mn-ea"/>
+                  <a:cs typeface="+mn-cs"/>
+                </a:defRPr>
+              </a:lvl2pPr>
+              <a:lvl3pPr marL="1143000" indent="-228600" algn="l" defTabSz="914400" rtl="0" eaLnBrk="1" latinLnBrk="0" hangingPunct="1">
+                <a:spcBef>
+                  <a:spcPct val="20000"/>
+                </a:spcBef>
+                <a:buFont typeface="Arial" pitchFamily="34" charset="0"/>
+                <a:buChar char="•"/>
+                <a:defRPr sz="2400" kern="1200">
+                  <a:solidFill>
+                    <a:schemeClr val="tx1"/>
+                  </a:solidFill>
+                  <a:latin typeface="+mn-lt"/>
+                  <a:ea typeface="+mn-ea"/>
+                  <a:cs typeface="+mn-cs"/>
+                </a:defRPr>
+              </a:lvl3pPr>
+              <a:lvl4pPr marL="1600200" indent="-228600" algn="l" defTabSz="914400" rtl="0" eaLnBrk="1" latinLnBrk="0" hangingPunct="1">
+                <a:spcBef>
+                  <a:spcPct val="20000"/>
+                </a:spcBef>
+                <a:buFont typeface="Arial" pitchFamily="34" charset="0"/>
+                <a:buChar char="–"/>
+                <a:defRPr sz="2000" kern="1200">
+                  <a:solidFill>
+                    <a:schemeClr val="tx1"/>
+                  </a:solidFill>
+                  <a:latin typeface="+mn-lt"/>
+                  <a:ea typeface="+mn-ea"/>
+                  <a:cs typeface="+mn-cs"/>
+                </a:defRPr>
+              </a:lvl4pPr>
+              <a:lvl5pPr marL="2057400" indent="-228600" algn="l" defTabSz="914400" rtl="0" eaLnBrk="1" latinLnBrk="0" hangingPunct="1">
+                <a:spcBef>
+                  <a:spcPct val="20000"/>
+                </a:spcBef>
+                <a:buFont typeface="Arial" pitchFamily="34" charset="0"/>
+                <a:buChar char="»"/>
+                <a:defRPr sz="2000" kern="1200">
+                  <a:solidFill>
+                    <a:schemeClr val="tx1"/>
+                  </a:solidFill>
+                  <a:latin typeface="+mn-lt"/>
+                  <a:ea typeface="+mn-ea"/>
+                  <a:cs typeface="+mn-cs"/>
+                </a:defRPr>
+              </a:lvl5pPr>
+              <a:lvl6pPr marL="2514600" indent="-228600" algn="l" defTabSz="914400" rtl="0" eaLnBrk="1" latinLnBrk="0" hangingPunct="1">
+                <a:spcBef>
+                  <a:spcPct val="20000"/>
+                </a:spcBef>
+                <a:buFont typeface="Arial" pitchFamily="34" charset="0"/>
+                <a:buChar char="•"/>
+                <a:defRPr sz="2000" kern="1200">
+                  <a:solidFill>
+                    <a:schemeClr val="tx1"/>
+                  </a:solidFill>
+                  <a:latin typeface="+mn-lt"/>
+                  <a:ea typeface="+mn-ea"/>
+                  <a:cs typeface="+mn-cs"/>
+                </a:defRPr>
+              </a:lvl6pPr>
+              <a:lvl7pPr marL="2971800" indent="-228600" algn="l" defTabSz="914400" rtl="0" eaLnBrk="1" latinLnBrk="0" hangingPunct="1">
+                <a:spcBef>
+                  <a:spcPct val="20000"/>
+                </a:spcBef>
+                <a:buFont typeface="Arial" pitchFamily="34" charset="0"/>
+                <a:buChar char="•"/>
+                <a:defRPr sz="2000" kern="1200">
+                  <a:solidFill>
+                    <a:schemeClr val="tx1"/>
+                  </a:solidFill>
+                  <a:latin typeface="+mn-lt"/>
+                  <a:ea typeface="+mn-ea"/>
+                  <a:cs typeface="+mn-cs"/>
+                </a:defRPr>
+              </a:lvl7pPr>
+              <a:lvl8pPr marL="3429000" indent="-228600" algn="l" defTabSz="914400" rtl="0" eaLnBrk="1" latinLnBrk="0" hangingPunct="1">
+                <a:spcBef>
+                  <a:spcPct val="20000"/>
+                </a:spcBef>
+                <a:buFont typeface="Arial" pitchFamily="34" charset="0"/>
+                <a:buChar char="•"/>
+                <a:defRPr sz="2000" kern="1200">
+                  <a:solidFill>
+                    <a:schemeClr val="tx1"/>
+                  </a:solidFill>
+                  <a:latin typeface="+mn-lt"/>
+                  <a:ea typeface="+mn-ea"/>
+                  <a:cs typeface="+mn-cs"/>
+                </a:defRPr>
+              </a:lvl8pPr>
+              <a:lvl9pPr marL="3886200" indent="-228600" algn="l" defTabSz="914400" rtl="0" eaLnBrk="1" latinLnBrk="0" hangingPunct="1">
+                <a:spcBef>
+                  <a:spcPct val="20000"/>
+                </a:spcBef>
+                <a:buFont typeface="Arial" pitchFamily="34" charset="0"/>
+                <a:buChar char="•"/>
+                <a:defRPr sz="2000" kern="1200">
+                  <a:solidFill>
+                    <a:schemeClr val="tx1"/>
+                  </a:solidFill>
+                  <a:latin typeface="+mn-lt"/>
+                  <a:ea typeface="+mn-ea"/>
+                  <a:cs typeface="+mn-cs"/>
+                </a:defRPr>
+              </a:lvl9pPr>
+            </a:lstStyle>
+            <a:p>
+              <a:pPr marL="0" indent="0">
+                <a:buFont typeface="Arial" pitchFamily="34" charset="0"/>
+                <a:buNone/>
+              </a:pPr>
+              <a:r>
+                <a:rPr lang="en-GB" sz="1000" dirty="0" smtClean="0">
+                  <a:latin typeface="Arial" panose="020B0604020202020204" pitchFamily="34" charset="0"/>
+                  <a:cs typeface="Arial" panose="020B0604020202020204" pitchFamily="34" charset="0"/>
+                </a:rPr>
+                <a:t>Transition</a:t>
+              </a:r>
+              <a:endParaRPr lang="en-US" sz="1000" dirty="0">
+                <a:latin typeface="Arial" panose="020B0604020202020204" pitchFamily="34" charset="0"/>
+                <a:cs typeface="Arial" panose="020B0604020202020204" pitchFamily="34" charset="0"/>
+              </a:endParaRPr>
+            </a:p>
+          </p:txBody>
+        </p:sp>
+        <p:grpSp>
+          <p:nvGrpSpPr>
+            <p:cNvPr id="73" name="Group 72"/>
+            <p:cNvGrpSpPr/>
+            <p:nvPr/>
+          </p:nvGrpSpPr>
+          <p:grpSpPr>
+            <a:xfrm>
+              <a:off x="1726480" y="2925213"/>
+              <a:ext cx="3691859" cy="738077"/>
+              <a:chOff x="1186933" y="2903477"/>
+              <a:chExt cx="7704858" cy="1681934"/>
+            </a:xfrm>
+          </p:grpSpPr>
+          <p:pic>
+            <p:nvPicPr>
+              <p:cNvPr id="74" name="Picture 73"/>
+              <p:cNvPicPr>
+                <a:picLocks noChangeAspect="1"/>
+              </p:cNvPicPr>
+              <p:nvPr/>
+            </p:nvPicPr>
+            <p:blipFill rotWithShape="1">
+              <a:blip r:embed="rId16">
+                <a:extLst>
+                  <a:ext uri="{28A0092B-C50C-407E-A947-70E740481C1C}">
+                    <a14:useLocalDpi xmlns:a14="http://schemas.microsoft.com/office/drawing/2010/main" val="0"/>
+                  </a:ext>
+                </a:extLst>
+              </a:blip>
+              <a:srcRect l="17012" t="28353" r="14941" b="14940"/>
+              <a:stretch/>
+            </p:blipFill>
+            <p:spPr>
+              <a:xfrm>
+                <a:off x="6065319" y="3281073"/>
+                <a:ext cx="1765893" cy="672129"/>
+              </a:xfrm>
+              <a:prstGeom prst="rect">
+                <a:avLst/>
+              </a:prstGeom>
+            </p:spPr>
+          </p:pic>
+          <p:pic>
+            <p:nvPicPr>
+              <p:cNvPr id="75" name="Picture 74"/>
+              <p:cNvPicPr>
+                <a:picLocks noChangeAspect="1"/>
+              </p:cNvPicPr>
+              <p:nvPr/>
+            </p:nvPicPr>
+            <p:blipFill rotWithShape="1">
+              <a:blip r:embed="rId17" cstate="print">
+                <a:extLst>
+                  <a:ext uri="{28A0092B-C50C-407E-A947-70E740481C1C}">
+                    <a14:useLocalDpi xmlns:a14="http://schemas.microsoft.com/office/drawing/2010/main" val="0"/>
+                  </a:ext>
+                </a:extLst>
+              </a:blip>
+              <a:srcRect l="17012" t="28353" r="14941" b="14940"/>
+              <a:stretch/>
+            </p:blipFill>
+            <p:spPr>
+              <a:xfrm>
+                <a:off x="6948267" y="3281071"/>
+                <a:ext cx="882945" cy="672129"/>
+              </a:xfrm>
+              <a:prstGeom prst="rect">
+                <a:avLst/>
+              </a:prstGeom>
+            </p:spPr>
+          </p:pic>
+          <p:pic>
+            <p:nvPicPr>
+              <p:cNvPr id="76" name="Picture 75"/>
+              <p:cNvPicPr>
+                <a:picLocks noChangeAspect="1"/>
+              </p:cNvPicPr>
+              <p:nvPr/>
+            </p:nvPicPr>
+            <p:blipFill>
+              <a:blip r:embed="rId18">
+                <a:extLst>
+                  <a:ext uri="{28A0092B-C50C-407E-A947-70E740481C1C}">
+                    <a14:useLocalDpi xmlns:a14="http://schemas.microsoft.com/office/drawing/2010/main" val="0"/>
+                  </a:ext>
+                </a:extLst>
+              </a:blip>
+              <a:stretch>
+                <a:fillRect/>
+              </a:stretch>
+            </p:blipFill>
+            <p:spPr>
+              <a:xfrm>
+                <a:off x="1186933" y="2903477"/>
+                <a:ext cx="7704858" cy="1681934"/>
+              </a:xfrm>
+              <a:prstGeom prst="rect">
+                <a:avLst/>
+              </a:prstGeom>
+            </p:spPr>
+          </p:pic>
+          <p:sp>
+            <p:nvSpPr>
+              <p:cNvPr id="77" name="Freeform 76"/>
+              <p:cNvSpPr/>
+              <p:nvPr/>
+            </p:nvSpPr>
+            <p:spPr>
+              <a:xfrm>
+                <a:off x="1791479" y="3281688"/>
+                <a:ext cx="1856791" cy="1197004"/>
+              </a:xfrm>
+              <a:custGeom>
+                <a:avLst/>
+                <a:gdLst>
+                  <a:gd name="connsiteX0" fmla="*/ 0 w 1856791"/>
+                  <a:gd name="connsiteY0" fmla="*/ 1197005 h 1197005"/>
+                  <a:gd name="connsiteX1" fmla="*/ 307910 w 1856791"/>
+                  <a:gd name="connsiteY1" fmla="*/ 1085038 h 1197005"/>
+                  <a:gd name="connsiteX2" fmla="*/ 457200 w 1856791"/>
+                  <a:gd name="connsiteY2" fmla="*/ 907756 h 1197005"/>
+                  <a:gd name="connsiteX3" fmla="*/ 587828 w 1856791"/>
+                  <a:gd name="connsiteY3" fmla="*/ 637168 h 1197005"/>
+                  <a:gd name="connsiteX4" fmla="*/ 709126 w 1856791"/>
+                  <a:gd name="connsiteY4" fmla="*/ 357250 h 1197005"/>
+                  <a:gd name="connsiteX5" fmla="*/ 830424 w 1856791"/>
+                  <a:gd name="connsiteY5" fmla="*/ 68001 h 1197005"/>
+                  <a:gd name="connsiteX6" fmla="*/ 914400 w 1856791"/>
+                  <a:gd name="connsiteY6" fmla="*/ 21348 h 1197005"/>
+                  <a:gd name="connsiteX7" fmla="*/ 970383 w 1856791"/>
+                  <a:gd name="connsiteY7" fmla="*/ 2687 h 1197005"/>
+                  <a:gd name="connsiteX8" fmla="*/ 1073020 w 1856791"/>
+                  <a:gd name="connsiteY8" fmla="*/ 77331 h 1197005"/>
+                  <a:gd name="connsiteX9" fmla="*/ 1250302 w 1856791"/>
+                  <a:gd name="connsiteY9" fmla="*/ 431895 h 1197005"/>
+                  <a:gd name="connsiteX10" fmla="*/ 1436914 w 1856791"/>
+                  <a:gd name="connsiteY10" fmla="*/ 833111 h 1197005"/>
+                  <a:gd name="connsiteX11" fmla="*/ 1707502 w 1856791"/>
+                  <a:gd name="connsiteY11" fmla="*/ 1122360 h 1197005"/>
+                  <a:gd name="connsiteX12" fmla="*/ 1856791 w 1856791"/>
+                  <a:gd name="connsiteY12" fmla="*/ 1159682 h 1197005"/>
+                </a:gdLst>
+                <a:ahLst/>
+                <a:cxnLst>
+                  <a:cxn ang="0">
+                    <a:pos x="connsiteX0" y="connsiteY0"/>
+                  </a:cxn>
+                  <a:cxn ang="0">
+                    <a:pos x="connsiteX1" y="connsiteY1"/>
+                  </a:cxn>
+                  <a:cxn ang="0">
+                    <a:pos x="connsiteX2" y="connsiteY2"/>
+                  </a:cxn>
+                  <a:cxn ang="0">
+                    <a:pos x="connsiteX3" y="connsiteY3"/>
+                  </a:cxn>
+                  <a:cxn ang="0">
+                    <a:pos x="connsiteX4" y="connsiteY4"/>
+                  </a:cxn>
+                  <a:cxn ang="0">
+                    <a:pos x="connsiteX5" y="connsiteY5"/>
+                  </a:cxn>
+                  <a:cxn ang="0">
+                    <a:pos x="connsiteX6" y="connsiteY6"/>
+                  </a:cxn>
+                  <a:cxn ang="0">
+                    <a:pos x="connsiteX7" y="connsiteY7"/>
+                  </a:cxn>
+                  <a:cxn ang="0">
+                    <a:pos x="connsiteX8" y="connsiteY8"/>
+                  </a:cxn>
+                  <a:cxn ang="0">
+                    <a:pos x="connsiteX9" y="connsiteY9"/>
+                  </a:cxn>
+                  <a:cxn ang="0">
+                    <a:pos x="connsiteX10" y="connsiteY10"/>
+                  </a:cxn>
+                  <a:cxn ang="0">
+                    <a:pos x="connsiteX11" y="connsiteY11"/>
+                  </a:cxn>
+                  <a:cxn ang="0">
+                    <a:pos x="connsiteX12" y="connsiteY12"/>
+                  </a:cxn>
+                </a:cxnLst>
+                <a:rect l="l" t="t" r="r" b="b"/>
+                <a:pathLst>
+                  <a:path w="1856791" h="1197005">
+                    <a:moveTo>
+                      <a:pt x="0" y="1197005"/>
+                    </a:moveTo>
+                    <a:cubicBezTo>
+                      <a:pt x="115855" y="1165125"/>
+                      <a:pt x="231710" y="1133246"/>
+                      <a:pt x="307910" y="1085038"/>
+                    </a:cubicBezTo>
+                    <a:cubicBezTo>
+                      <a:pt x="384110" y="1036830"/>
+                      <a:pt x="410547" y="982401"/>
+                      <a:pt x="457200" y="907756"/>
+                    </a:cubicBezTo>
+                    <a:cubicBezTo>
+                      <a:pt x="503853" y="833111"/>
+                      <a:pt x="545840" y="728919"/>
+                      <a:pt x="587828" y="637168"/>
+                    </a:cubicBezTo>
+                    <a:cubicBezTo>
+                      <a:pt x="629816" y="545417"/>
+                      <a:pt x="668693" y="452111"/>
+                      <a:pt x="709126" y="357250"/>
+                    </a:cubicBezTo>
+                    <a:cubicBezTo>
+                      <a:pt x="749559" y="262389"/>
+                      <a:pt x="796212" y="123985"/>
+                      <a:pt x="830424" y="68001"/>
+                    </a:cubicBezTo>
+                    <a:cubicBezTo>
+                      <a:pt x="864636" y="12017"/>
+                      <a:pt x="891074" y="32234"/>
+                      <a:pt x="914400" y="21348"/>
+                    </a:cubicBezTo>
+                    <a:cubicBezTo>
+                      <a:pt x="937726" y="10462"/>
+                      <a:pt x="943946" y="-6643"/>
+                      <a:pt x="970383" y="2687"/>
+                    </a:cubicBezTo>
+                    <a:cubicBezTo>
+                      <a:pt x="996820" y="12017"/>
+                      <a:pt x="1026367" y="5796"/>
+                      <a:pt x="1073020" y="77331"/>
+                    </a:cubicBezTo>
+                    <a:cubicBezTo>
+                      <a:pt x="1119673" y="148866"/>
+                      <a:pt x="1189653" y="305932"/>
+                      <a:pt x="1250302" y="431895"/>
+                    </a:cubicBezTo>
+                    <a:cubicBezTo>
+                      <a:pt x="1310951" y="557858"/>
+                      <a:pt x="1360714" y="718034"/>
+                      <a:pt x="1436914" y="833111"/>
+                    </a:cubicBezTo>
+                    <a:cubicBezTo>
+                      <a:pt x="1513114" y="948188"/>
+                      <a:pt x="1637523" y="1067931"/>
+                      <a:pt x="1707502" y="1122360"/>
+                    </a:cubicBezTo>
+                    <a:cubicBezTo>
+                      <a:pt x="1777482" y="1176788"/>
+                      <a:pt x="1817136" y="1168235"/>
+                      <a:pt x="1856791" y="1159682"/>
+                    </a:cubicBezTo>
+                  </a:path>
+                </a:pathLst>
+              </a:custGeom>
+              <a:noFill/>
+              <a:ln>
+                <a:solidFill>
+                  <a:schemeClr val="tx1"/>
+                </a:solidFill>
+                <a:prstDash val="sysDot"/>
+              </a:ln>
+            </p:spPr>
+            <p:style>
+              <a:lnRef idx="2">
+                <a:schemeClr val="accent1">
+                  <a:shade val="50000"/>
+                </a:schemeClr>
+              </a:lnRef>
+              <a:fillRef idx="1">
+                <a:schemeClr val="accent1"/>
+              </a:fillRef>
+              <a:effectRef idx="0">
+                <a:schemeClr val="accent1"/>
+              </a:effectRef>
+              <a:fontRef idx="minor">
+                <a:schemeClr val="lt1"/>
+              </a:fontRef>
+            </p:style>
+            <p:txBody>
+              <a:bodyPr rtlCol="0" anchor="ctr"/>
+              <a:lstStyle/>
+              <a:p>
+                <a:pPr algn="ctr"/>
+                <a:endParaRPr lang="en-US"/>
+              </a:p>
+            </p:txBody>
+          </p:sp>
+          <p:sp>
+            <p:nvSpPr>
+              <p:cNvPr id="78" name="Freeform 77"/>
+              <p:cNvSpPr/>
+              <p:nvPr/>
+            </p:nvSpPr>
+            <p:spPr>
+              <a:xfrm>
+                <a:off x="2476977" y="3584774"/>
+                <a:ext cx="3653064" cy="902653"/>
+              </a:xfrm>
+              <a:custGeom>
+                <a:avLst/>
+                <a:gdLst>
+                  <a:gd name="connsiteX0" fmla="*/ 0 w 1856791"/>
+                  <a:gd name="connsiteY0" fmla="*/ 1197005 h 1197005"/>
+                  <a:gd name="connsiteX1" fmla="*/ 307910 w 1856791"/>
+                  <a:gd name="connsiteY1" fmla="*/ 1085038 h 1197005"/>
+                  <a:gd name="connsiteX2" fmla="*/ 457200 w 1856791"/>
+                  <a:gd name="connsiteY2" fmla="*/ 907756 h 1197005"/>
+                  <a:gd name="connsiteX3" fmla="*/ 587828 w 1856791"/>
+                  <a:gd name="connsiteY3" fmla="*/ 637168 h 1197005"/>
+                  <a:gd name="connsiteX4" fmla="*/ 709126 w 1856791"/>
+                  <a:gd name="connsiteY4" fmla="*/ 357250 h 1197005"/>
+                  <a:gd name="connsiteX5" fmla="*/ 830424 w 1856791"/>
+                  <a:gd name="connsiteY5" fmla="*/ 68001 h 1197005"/>
+                  <a:gd name="connsiteX6" fmla="*/ 914400 w 1856791"/>
+                  <a:gd name="connsiteY6" fmla="*/ 21348 h 1197005"/>
+                  <a:gd name="connsiteX7" fmla="*/ 970383 w 1856791"/>
+                  <a:gd name="connsiteY7" fmla="*/ 2687 h 1197005"/>
+                  <a:gd name="connsiteX8" fmla="*/ 1073020 w 1856791"/>
+                  <a:gd name="connsiteY8" fmla="*/ 77331 h 1197005"/>
+                  <a:gd name="connsiteX9" fmla="*/ 1250302 w 1856791"/>
+                  <a:gd name="connsiteY9" fmla="*/ 431895 h 1197005"/>
+                  <a:gd name="connsiteX10" fmla="*/ 1436914 w 1856791"/>
+                  <a:gd name="connsiteY10" fmla="*/ 833111 h 1197005"/>
+                  <a:gd name="connsiteX11" fmla="*/ 1707502 w 1856791"/>
+                  <a:gd name="connsiteY11" fmla="*/ 1122360 h 1197005"/>
+                  <a:gd name="connsiteX12" fmla="*/ 1856791 w 1856791"/>
+                  <a:gd name="connsiteY12" fmla="*/ 1159682 h 1197005"/>
+                </a:gdLst>
+                <a:ahLst/>
+                <a:cxnLst>
+                  <a:cxn ang="0">
+                    <a:pos x="connsiteX0" y="connsiteY0"/>
+                  </a:cxn>
+                  <a:cxn ang="0">
+                    <a:pos x="connsiteX1" y="connsiteY1"/>
+                  </a:cxn>
+                  <a:cxn ang="0">
+                    <a:pos x="connsiteX2" y="connsiteY2"/>
+                  </a:cxn>
+                  <a:cxn ang="0">
+                    <a:pos x="connsiteX3" y="connsiteY3"/>
+                  </a:cxn>
+                  <a:cxn ang="0">
+                    <a:pos x="connsiteX4" y="connsiteY4"/>
+                  </a:cxn>
+                  <a:cxn ang="0">
+                    <a:pos x="connsiteX5" y="connsiteY5"/>
+                  </a:cxn>
+                  <a:cxn ang="0">
+                    <a:pos x="connsiteX6" y="connsiteY6"/>
+                  </a:cxn>
+                  <a:cxn ang="0">
+                    <a:pos x="connsiteX7" y="connsiteY7"/>
+                  </a:cxn>
+                  <a:cxn ang="0">
+                    <a:pos x="connsiteX8" y="connsiteY8"/>
+                  </a:cxn>
+                  <a:cxn ang="0">
+                    <a:pos x="connsiteX9" y="connsiteY9"/>
+                  </a:cxn>
+                  <a:cxn ang="0">
+                    <a:pos x="connsiteX10" y="connsiteY10"/>
+                  </a:cxn>
+                  <a:cxn ang="0">
+                    <a:pos x="connsiteX11" y="connsiteY11"/>
+                  </a:cxn>
+                  <a:cxn ang="0">
+                    <a:pos x="connsiteX12" y="connsiteY12"/>
+                  </a:cxn>
+                </a:cxnLst>
+                <a:rect l="l" t="t" r="r" b="b"/>
+                <a:pathLst>
+                  <a:path w="1856791" h="1197005">
+                    <a:moveTo>
+                      <a:pt x="0" y="1197005"/>
+                    </a:moveTo>
+                    <a:cubicBezTo>
+                      <a:pt x="115855" y="1165125"/>
+                      <a:pt x="231710" y="1133246"/>
+                      <a:pt x="307910" y="1085038"/>
+                    </a:cubicBezTo>
+                    <a:cubicBezTo>
+                      <a:pt x="384110" y="1036830"/>
+                      <a:pt x="410547" y="982401"/>
+                      <a:pt x="457200" y="907756"/>
+                    </a:cubicBezTo>
+                    <a:cubicBezTo>
+                      <a:pt x="503853" y="833111"/>
+                      <a:pt x="545840" y="728919"/>
+                      <a:pt x="587828" y="637168"/>
+                    </a:cubicBezTo>
+                    <a:cubicBezTo>
+                      <a:pt x="629816" y="545417"/>
+                      <a:pt x="668693" y="452111"/>
+                      <a:pt x="709126" y="357250"/>
+                    </a:cubicBezTo>
+                    <a:cubicBezTo>
+                      <a:pt x="749559" y="262389"/>
+                      <a:pt x="796212" y="123985"/>
+                      <a:pt x="830424" y="68001"/>
+                    </a:cubicBezTo>
+                    <a:cubicBezTo>
+                      <a:pt x="864636" y="12017"/>
+                      <a:pt x="891074" y="32234"/>
+                      <a:pt x="914400" y="21348"/>
+                    </a:cubicBezTo>
+                    <a:cubicBezTo>
+                      <a:pt x="937726" y="10462"/>
+                      <a:pt x="943946" y="-6643"/>
+                      <a:pt x="970383" y="2687"/>
+                    </a:cubicBezTo>
+                    <a:cubicBezTo>
+                      <a:pt x="996820" y="12017"/>
+                      <a:pt x="1026367" y="5796"/>
+                      <a:pt x="1073020" y="77331"/>
+                    </a:cubicBezTo>
+                    <a:cubicBezTo>
+                      <a:pt x="1119673" y="148866"/>
+                      <a:pt x="1189653" y="305932"/>
+                      <a:pt x="1250302" y="431895"/>
+                    </a:cubicBezTo>
+                    <a:cubicBezTo>
+                      <a:pt x="1310951" y="557858"/>
+                      <a:pt x="1360714" y="718034"/>
+                      <a:pt x="1436914" y="833111"/>
+                    </a:cubicBezTo>
+                    <a:cubicBezTo>
+                      <a:pt x="1513114" y="948188"/>
+                      <a:pt x="1637523" y="1067931"/>
+                      <a:pt x="1707502" y="1122360"/>
+                    </a:cubicBezTo>
+                    <a:cubicBezTo>
+                      <a:pt x="1777482" y="1176788"/>
+                      <a:pt x="1817136" y="1168235"/>
+                      <a:pt x="1856791" y="1159682"/>
+                    </a:cubicBezTo>
+                  </a:path>
+                </a:pathLst>
+              </a:custGeom>
+              <a:noFill/>
+              <a:ln>
+                <a:solidFill>
+                  <a:schemeClr val="tx1"/>
+                </a:solidFill>
+                <a:prstDash val="sysDot"/>
+              </a:ln>
+            </p:spPr>
+            <p:style>
+              <a:lnRef idx="2">
+                <a:schemeClr val="accent1">
+                  <a:shade val="50000"/>
+                </a:schemeClr>
+              </a:lnRef>
+              <a:fillRef idx="1">
+                <a:schemeClr val="accent1"/>
+              </a:fillRef>
+              <a:effectRef idx="0">
+                <a:schemeClr val="accent1"/>
+              </a:effectRef>
+              <a:fontRef idx="minor">
+                <a:schemeClr val="lt1"/>
+              </a:fontRef>
+            </p:style>
+            <p:txBody>
+              <a:bodyPr rtlCol="0" anchor="ctr"/>
+              <a:lstStyle/>
+              <a:p>
+                <a:pPr algn="ctr"/>
+                <a:endParaRPr lang="en-US"/>
+              </a:p>
+            </p:txBody>
+          </p:sp>
+          <p:sp>
+            <p:nvSpPr>
+              <p:cNvPr id="79" name="Freeform 78"/>
+              <p:cNvSpPr/>
+              <p:nvPr/>
+            </p:nvSpPr>
+            <p:spPr>
+              <a:xfrm>
+                <a:off x="4674666" y="3652413"/>
+                <a:ext cx="3653064" cy="813684"/>
+              </a:xfrm>
+              <a:custGeom>
+                <a:avLst/>
+                <a:gdLst>
+                  <a:gd name="connsiteX0" fmla="*/ 0 w 1856791"/>
+                  <a:gd name="connsiteY0" fmla="*/ 1197005 h 1197005"/>
+                  <a:gd name="connsiteX1" fmla="*/ 307910 w 1856791"/>
+                  <a:gd name="connsiteY1" fmla="*/ 1085038 h 1197005"/>
+                  <a:gd name="connsiteX2" fmla="*/ 457200 w 1856791"/>
+                  <a:gd name="connsiteY2" fmla="*/ 907756 h 1197005"/>
+                  <a:gd name="connsiteX3" fmla="*/ 587828 w 1856791"/>
+                  <a:gd name="connsiteY3" fmla="*/ 637168 h 1197005"/>
+                  <a:gd name="connsiteX4" fmla="*/ 709126 w 1856791"/>
+                  <a:gd name="connsiteY4" fmla="*/ 357250 h 1197005"/>
+                  <a:gd name="connsiteX5" fmla="*/ 830424 w 1856791"/>
+                  <a:gd name="connsiteY5" fmla="*/ 68001 h 1197005"/>
+                  <a:gd name="connsiteX6" fmla="*/ 914400 w 1856791"/>
+                  <a:gd name="connsiteY6" fmla="*/ 21348 h 1197005"/>
+                  <a:gd name="connsiteX7" fmla="*/ 970383 w 1856791"/>
+                  <a:gd name="connsiteY7" fmla="*/ 2687 h 1197005"/>
+                  <a:gd name="connsiteX8" fmla="*/ 1073020 w 1856791"/>
+                  <a:gd name="connsiteY8" fmla="*/ 77331 h 1197005"/>
+                  <a:gd name="connsiteX9" fmla="*/ 1250302 w 1856791"/>
+                  <a:gd name="connsiteY9" fmla="*/ 431895 h 1197005"/>
+                  <a:gd name="connsiteX10" fmla="*/ 1436914 w 1856791"/>
+                  <a:gd name="connsiteY10" fmla="*/ 833111 h 1197005"/>
+                  <a:gd name="connsiteX11" fmla="*/ 1707502 w 1856791"/>
+                  <a:gd name="connsiteY11" fmla="*/ 1122360 h 1197005"/>
+                  <a:gd name="connsiteX12" fmla="*/ 1856791 w 1856791"/>
+                  <a:gd name="connsiteY12" fmla="*/ 1159682 h 1197005"/>
+                </a:gdLst>
+                <a:ahLst/>
+                <a:cxnLst>
+                  <a:cxn ang="0">
+                    <a:pos x="connsiteX0" y="connsiteY0"/>
+                  </a:cxn>
+                  <a:cxn ang="0">
+                    <a:pos x="connsiteX1" y="connsiteY1"/>
+                  </a:cxn>
+                  <a:cxn ang="0">
+                    <a:pos x="connsiteX2" y="connsiteY2"/>
+                  </a:cxn>
+                  <a:cxn ang="0">
+                    <a:pos x="connsiteX3" y="connsiteY3"/>
+                  </a:cxn>
+                  <a:cxn ang="0">
+                    <a:pos x="connsiteX4" y="connsiteY4"/>
+                  </a:cxn>
+                  <a:cxn ang="0">
+                    <a:pos x="connsiteX5" y="connsiteY5"/>
+                  </a:cxn>
+                  <a:cxn ang="0">
+                    <a:pos x="connsiteX6" y="connsiteY6"/>
+                  </a:cxn>
+                  <a:cxn ang="0">
+                    <a:pos x="connsiteX7" y="connsiteY7"/>
+                  </a:cxn>
+                  <a:cxn ang="0">
+                    <a:pos x="connsiteX8" y="connsiteY8"/>
+                  </a:cxn>
+                  <a:cxn ang="0">
+                    <a:pos x="connsiteX9" y="connsiteY9"/>
+                  </a:cxn>
+                  <a:cxn ang="0">
+                    <a:pos x="connsiteX10" y="connsiteY10"/>
+                  </a:cxn>
+                  <a:cxn ang="0">
+                    <a:pos x="connsiteX11" y="connsiteY11"/>
+                  </a:cxn>
+                  <a:cxn ang="0">
+                    <a:pos x="connsiteX12" y="connsiteY12"/>
+                  </a:cxn>
+                </a:cxnLst>
+                <a:rect l="l" t="t" r="r" b="b"/>
+                <a:pathLst>
+                  <a:path w="1856791" h="1197005">
+                    <a:moveTo>
+                      <a:pt x="0" y="1197005"/>
+                    </a:moveTo>
+                    <a:cubicBezTo>
+                      <a:pt x="115855" y="1165125"/>
+                      <a:pt x="231710" y="1133246"/>
+                      <a:pt x="307910" y="1085038"/>
+                    </a:cubicBezTo>
+                    <a:cubicBezTo>
+                      <a:pt x="384110" y="1036830"/>
+                      <a:pt x="410547" y="982401"/>
+                      <a:pt x="457200" y="907756"/>
+                    </a:cubicBezTo>
+                    <a:cubicBezTo>
+                      <a:pt x="503853" y="833111"/>
+                      <a:pt x="545840" y="728919"/>
+                      <a:pt x="587828" y="637168"/>
+                    </a:cubicBezTo>
+                    <a:cubicBezTo>
+                      <a:pt x="629816" y="545417"/>
+                      <a:pt x="668693" y="452111"/>
+                      <a:pt x="709126" y="357250"/>
+                    </a:cubicBezTo>
+                    <a:cubicBezTo>
+                      <a:pt x="749559" y="262389"/>
+                      <a:pt x="796212" y="123985"/>
+                      <a:pt x="830424" y="68001"/>
+                    </a:cubicBezTo>
+                    <a:cubicBezTo>
+                      <a:pt x="864636" y="12017"/>
+                      <a:pt x="891074" y="32234"/>
+                      <a:pt x="914400" y="21348"/>
+                    </a:cubicBezTo>
+                    <a:cubicBezTo>
+                      <a:pt x="937726" y="10462"/>
+                      <a:pt x="943946" y="-6643"/>
+                      <a:pt x="970383" y="2687"/>
+                    </a:cubicBezTo>
+                    <a:cubicBezTo>
+                      <a:pt x="996820" y="12017"/>
+                      <a:pt x="1026367" y="5796"/>
+                      <a:pt x="1073020" y="77331"/>
+                    </a:cubicBezTo>
+                    <a:cubicBezTo>
+                      <a:pt x="1119673" y="148866"/>
+                      <a:pt x="1189653" y="305932"/>
+                      <a:pt x="1250302" y="431895"/>
+                    </a:cubicBezTo>
+                    <a:cubicBezTo>
+                      <a:pt x="1310951" y="557858"/>
+                      <a:pt x="1360714" y="718034"/>
+                      <a:pt x="1436914" y="833111"/>
+                    </a:cubicBezTo>
+                    <a:cubicBezTo>
+                      <a:pt x="1513114" y="948188"/>
+                      <a:pt x="1637523" y="1067931"/>
+                      <a:pt x="1707502" y="1122360"/>
+                    </a:cubicBezTo>
+                    <a:cubicBezTo>
+                      <a:pt x="1777482" y="1176788"/>
+                      <a:pt x="1817136" y="1168235"/>
+                      <a:pt x="1856791" y="1159682"/>
+                    </a:cubicBezTo>
+                  </a:path>
+                </a:pathLst>
+              </a:custGeom>
+              <a:noFill/>
+              <a:ln>
+                <a:solidFill>
+                  <a:schemeClr val="tx1"/>
+                </a:solidFill>
+                <a:prstDash val="sysDot"/>
+              </a:ln>
+            </p:spPr>
+            <p:style>
+              <a:lnRef idx="2">
+                <a:schemeClr val="accent1">
+                  <a:shade val="50000"/>
+                </a:schemeClr>
+              </a:lnRef>
+              <a:fillRef idx="1">
+                <a:schemeClr val="accent1"/>
+              </a:fillRef>
+              <a:effectRef idx="0">
+                <a:schemeClr val="accent1"/>
+              </a:effectRef>
+              <a:fontRef idx="minor">
+                <a:schemeClr val="lt1"/>
+              </a:fontRef>
+            </p:style>
+            <p:txBody>
+              <a:bodyPr rtlCol="0" anchor="ctr"/>
+              <a:lstStyle/>
+              <a:p>
+                <a:pPr algn="ctr"/>
+                <a:endParaRPr lang="en-US"/>
+              </a:p>
+            </p:txBody>
+          </p:sp>
+          <p:sp>
+            <p:nvSpPr>
+              <p:cNvPr id="80" name="Freeform 79"/>
+              <p:cNvSpPr/>
+              <p:nvPr/>
+            </p:nvSpPr>
+            <p:spPr>
+              <a:xfrm>
+                <a:off x="6884902" y="3820701"/>
+                <a:ext cx="1389269" cy="645394"/>
+              </a:xfrm>
+              <a:custGeom>
+                <a:avLst/>
+                <a:gdLst>
+                  <a:gd name="connsiteX0" fmla="*/ 0 w 1856791"/>
+                  <a:gd name="connsiteY0" fmla="*/ 1197005 h 1197005"/>
+                  <a:gd name="connsiteX1" fmla="*/ 307910 w 1856791"/>
+                  <a:gd name="connsiteY1" fmla="*/ 1085038 h 1197005"/>
+                  <a:gd name="connsiteX2" fmla="*/ 457200 w 1856791"/>
+                  <a:gd name="connsiteY2" fmla="*/ 907756 h 1197005"/>
+                  <a:gd name="connsiteX3" fmla="*/ 587828 w 1856791"/>
+                  <a:gd name="connsiteY3" fmla="*/ 637168 h 1197005"/>
+                  <a:gd name="connsiteX4" fmla="*/ 709126 w 1856791"/>
+                  <a:gd name="connsiteY4" fmla="*/ 357250 h 1197005"/>
+                  <a:gd name="connsiteX5" fmla="*/ 830424 w 1856791"/>
+                  <a:gd name="connsiteY5" fmla="*/ 68001 h 1197005"/>
+                  <a:gd name="connsiteX6" fmla="*/ 914400 w 1856791"/>
+                  <a:gd name="connsiteY6" fmla="*/ 21348 h 1197005"/>
+                  <a:gd name="connsiteX7" fmla="*/ 970383 w 1856791"/>
+                  <a:gd name="connsiteY7" fmla="*/ 2687 h 1197005"/>
+                  <a:gd name="connsiteX8" fmla="*/ 1073020 w 1856791"/>
+                  <a:gd name="connsiteY8" fmla="*/ 77331 h 1197005"/>
+                  <a:gd name="connsiteX9" fmla="*/ 1250302 w 1856791"/>
+                  <a:gd name="connsiteY9" fmla="*/ 431895 h 1197005"/>
+                  <a:gd name="connsiteX10" fmla="*/ 1436914 w 1856791"/>
+                  <a:gd name="connsiteY10" fmla="*/ 833111 h 1197005"/>
+                  <a:gd name="connsiteX11" fmla="*/ 1707502 w 1856791"/>
+                  <a:gd name="connsiteY11" fmla="*/ 1122360 h 1197005"/>
+                  <a:gd name="connsiteX12" fmla="*/ 1856791 w 1856791"/>
+                  <a:gd name="connsiteY12" fmla="*/ 1159682 h 1197005"/>
+                </a:gdLst>
+                <a:ahLst/>
+                <a:cxnLst>
+                  <a:cxn ang="0">
+                    <a:pos x="connsiteX0" y="connsiteY0"/>
+                  </a:cxn>
+                  <a:cxn ang="0">
+                    <a:pos x="connsiteX1" y="connsiteY1"/>
+                  </a:cxn>
+                  <a:cxn ang="0">
+                    <a:pos x="connsiteX2" y="connsiteY2"/>
+                  </a:cxn>
+                  <a:cxn ang="0">
+                    <a:pos x="connsiteX3" y="connsiteY3"/>
+                  </a:cxn>
+                  <a:cxn ang="0">
+                    <a:pos x="connsiteX4" y="connsiteY4"/>
+                  </a:cxn>
+                  <a:cxn ang="0">
+                    <a:pos x="connsiteX5" y="connsiteY5"/>
+                  </a:cxn>
+                  <a:cxn ang="0">
+                    <a:pos x="connsiteX6" y="connsiteY6"/>
+                  </a:cxn>
+                  <a:cxn ang="0">
+                    <a:pos x="connsiteX7" y="connsiteY7"/>
+                  </a:cxn>
+                  <a:cxn ang="0">
+                    <a:pos x="connsiteX8" y="connsiteY8"/>
+                  </a:cxn>
+                  <a:cxn ang="0">
+                    <a:pos x="connsiteX9" y="connsiteY9"/>
+                  </a:cxn>
+                  <a:cxn ang="0">
+                    <a:pos x="connsiteX10" y="connsiteY10"/>
+                  </a:cxn>
+                  <a:cxn ang="0">
+                    <a:pos x="connsiteX11" y="connsiteY11"/>
+                  </a:cxn>
+                  <a:cxn ang="0">
+                    <a:pos x="connsiteX12" y="connsiteY12"/>
+                  </a:cxn>
+                </a:cxnLst>
+                <a:rect l="l" t="t" r="r" b="b"/>
+                <a:pathLst>
+                  <a:path w="1856791" h="1197005">
+                    <a:moveTo>
+                      <a:pt x="0" y="1197005"/>
+                    </a:moveTo>
+                    <a:cubicBezTo>
+                      <a:pt x="115855" y="1165125"/>
+                      <a:pt x="231710" y="1133246"/>
+                      <a:pt x="307910" y="1085038"/>
+                    </a:cubicBezTo>
+                    <a:cubicBezTo>
+                      <a:pt x="384110" y="1036830"/>
+                      <a:pt x="410547" y="982401"/>
+                      <a:pt x="457200" y="907756"/>
+                    </a:cubicBezTo>
+                    <a:cubicBezTo>
+                      <a:pt x="503853" y="833111"/>
+                      <a:pt x="545840" y="728919"/>
+                      <a:pt x="587828" y="637168"/>
+                    </a:cubicBezTo>
+                    <a:cubicBezTo>
+                      <a:pt x="629816" y="545417"/>
+                      <a:pt x="668693" y="452111"/>
+                      <a:pt x="709126" y="357250"/>
+                    </a:cubicBezTo>
+                    <a:cubicBezTo>
+                      <a:pt x="749559" y="262389"/>
+                      <a:pt x="796212" y="123985"/>
+                      <a:pt x="830424" y="68001"/>
+                    </a:cubicBezTo>
+                    <a:cubicBezTo>
+                      <a:pt x="864636" y="12017"/>
+                      <a:pt x="891074" y="32234"/>
+                      <a:pt x="914400" y="21348"/>
+                    </a:cubicBezTo>
+                    <a:cubicBezTo>
+                      <a:pt x="937726" y="10462"/>
+                      <a:pt x="943946" y="-6643"/>
+                      <a:pt x="970383" y="2687"/>
+                    </a:cubicBezTo>
+                    <a:cubicBezTo>
+                      <a:pt x="996820" y="12017"/>
+                      <a:pt x="1026367" y="5796"/>
+                      <a:pt x="1073020" y="77331"/>
+                    </a:cubicBezTo>
+                    <a:cubicBezTo>
+                      <a:pt x="1119673" y="148866"/>
+                      <a:pt x="1189653" y="305932"/>
+                      <a:pt x="1250302" y="431895"/>
+                    </a:cubicBezTo>
+                    <a:cubicBezTo>
+                      <a:pt x="1310951" y="557858"/>
+                      <a:pt x="1360714" y="718034"/>
+                      <a:pt x="1436914" y="833111"/>
+                    </a:cubicBezTo>
+                    <a:cubicBezTo>
+                      <a:pt x="1513114" y="948188"/>
+                      <a:pt x="1637523" y="1067931"/>
+                      <a:pt x="1707502" y="1122360"/>
+                    </a:cubicBezTo>
+                    <a:cubicBezTo>
+                      <a:pt x="1777482" y="1176788"/>
+                      <a:pt x="1817136" y="1168235"/>
+                      <a:pt x="1856791" y="1159682"/>
+                    </a:cubicBezTo>
+                  </a:path>
+                </a:pathLst>
+              </a:custGeom>
+              <a:noFill/>
+              <a:ln>
+                <a:solidFill>
+                  <a:schemeClr val="tx1"/>
+                </a:solidFill>
+                <a:prstDash val="sysDot"/>
+              </a:ln>
+            </p:spPr>
+            <p:style>
+              <a:lnRef idx="2">
+                <a:schemeClr val="accent1">
+                  <a:shade val="50000"/>
+                </a:schemeClr>
+              </a:lnRef>
+              <a:fillRef idx="1">
+                <a:schemeClr val="accent1"/>
+              </a:fillRef>
+              <a:effectRef idx="0">
+                <a:schemeClr val="accent1"/>
+              </a:effectRef>
+              <a:fontRef idx="minor">
+                <a:schemeClr val="lt1"/>
+              </a:fontRef>
+            </p:style>
+            <p:txBody>
+              <a:bodyPr rtlCol="0" anchor="ctr"/>
+              <a:lstStyle/>
+              <a:p>
+                <a:pPr algn="ctr"/>
+                <a:endParaRPr lang="en-US"/>
+              </a:p>
+            </p:txBody>
+          </p:sp>
+        </p:grpSp>
+        <p:cxnSp>
+          <p:nvCxnSpPr>
+            <p:cNvPr id="81" name="Straight Connector 80"/>
+            <p:cNvCxnSpPr>
+              <a:stCxn id="77" idx="7"/>
+              <a:endCxn id="32" idx="0"/>
+            </p:cNvCxnSpPr>
+            <p:nvPr/>
+          </p:nvCxnSpPr>
+          <p:spPr>
+            <a:xfrm flipH="1">
+              <a:off x="2480832" y="3092362"/>
+              <a:ext cx="291" cy="736898"/>
+            </a:xfrm>
+            <a:prstGeom prst="line">
+              <a:avLst/>
+            </a:prstGeom>
+            <a:ln w="28575">
+              <a:solidFill>
+                <a:schemeClr val="tx1"/>
+              </a:solidFill>
+            </a:ln>
+          </p:spPr>
+          <p:style>
+            <a:lnRef idx="1">
+              <a:schemeClr val="accent1"/>
+            </a:lnRef>
+            <a:fillRef idx="0">
+              <a:schemeClr val="accent1"/>
+            </a:fillRef>
+            <a:effectRef idx="0">
+              <a:schemeClr val="accent1"/>
+            </a:effectRef>
+            <a:fontRef idx="minor">
+              <a:schemeClr val="tx1"/>
+            </a:fontRef>
+          </p:style>
+        </p:cxnSp>
+        <p:cxnSp>
+          <p:nvCxnSpPr>
+            <p:cNvPr id="82" name="Straight Connector 81"/>
+            <p:cNvCxnSpPr>
+              <a:stCxn id="78" idx="7"/>
+              <a:endCxn id="43" idx="0"/>
+            </p:cNvCxnSpPr>
+            <p:nvPr/>
+          </p:nvCxnSpPr>
+          <p:spPr>
+            <a:xfrm flipH="1">
+              <a:off x="3258060" y="3225074"/>
+              <a:ext cx="1340" cy="622022"/>
+            </a:xfrm>
+            <a:prstGeom prst="line">
+              <a:avLst/>
+            </a:prstGeom>
+            <a:ln w="28575">
+              <a:solidFill>
+                <a:schemeClr val="tx1"/>
+              </a:solidFill>
+            </a:ln>
+          </p:spPr>
+          <p:style>
+            <a:lnRef idx="1">
+              <a:schemeClr val="accent1"/>
+            </a:lnRef>
+            <a:fillRef idx="0">
+              <a:schemeClr val="accent1"/>
+            </a:fillRef>
+            <a:effectRef idx="0">
+              <a:schemeClr val="accent1"/>
+            </a:effectRef>
+            <a:fontRef idx="minor">
+              <a:schemeClr val="tx1"/>
+            </a:fontRef>
+          </p:style>
+        </p:cxnSp>
+        <p:cxnSp>
+          <p:nvCxnSpPr>
+            <p:cNvPr id="83" name="Straight Connector 82"/>
+            <p:cNvCxnSpPr>
+              <a:stCxn id="79" idx="7"/>
+              <a:endCxn id="45" idx="0"/>
+            </p:cNvCxnSpPr>
+            <p:nvPr/>
+          </p:nvCxnSpPr>
+          <p:spPr>
+            <a:xfrm>
+              <a:off x="4312445" y="3254668"/>
+              <a:ext cx="12868" cy="592727"/>
+            </a:xfrm>
+            <a:prstGeom prst="line">
+              <a:avLst/>
+            </a:prstGeom>
+            <a:ln w="28575">
+              <a:solidFill>
+                <a:schemeClr val="tx1"/>
+              </a:solidFill>
+            </a:ln>
+          </p:spPr>
+          <p:style>
+            <a:lnRef idx="1">
+              <a:schemeClr val="accent1"/>
+            </a:lnRef>
+            <a:fillRef idx="0">
+              <a:schemeClr val="accent1"/>
+            </a:fillRef>
+            <a:effectRef idx="0">
+              <a:schemeClr val="accent1"/>
+            </a:effectRef>
+            <a:fontRef idx="minor">
+              <a:schemeClr val="tx1"/>
+            </a:fontRef>
+          </p:style>
+        </p:cxnSp>
+        <p:cxnSp>
+          <p:nvCxnSpPr>
+            <p:cNvPr id="84" name="Straight Connector 83"/>
+            <p:cNvCxnSpPr>
+              <a:stCxn id="80" idx="7"/>
+              <a:endCxn id="46" idx="0"/>
+            </p:cNvCxnSpPr>
+            <p:nvPr/>
+          </p:nvCxnSpPr>
+          <p:spPr>
+            <a:xfrm>
+              <a:off x="4804613" y="3328352"/>
+              <a:ext cx="1528" cy="512354"/>
+            </a:xfrm>
+            <a:prstGeom prst="line">
+              <a:avLst/>
+            </a:prstGeom>
+            <a:ln w="28575">
+              <a:solidFill>
+                <a:schemeClr val="tx1"/>
+              </a:solidFill>
+            </a:ln>
+          </p:spPr>
+          <p:style>
+            <a:lnRef idx="1">
+              <a:schemeClr val="accent1"/>
+            </a:lnRef>
+            <a:fillRef idx="0">
+              <a:schemeClr val="accent1"/>
+            </a:fillRef>
+            <a:effectRef idx="0">
+              <a:schemeClr val="accent1"/>
+            </a:effectRef>
+            <a:fontRef idx="minor">
+              <a:schemeClr val="tx1"/>
+            </a:fontRef>
+          </p:style>
+        </p:cxnSp>
+        <p:sp>
+          <p:nvSpPr>
+            <p:cNvPr id="85" name="Content Placeholder 2"/>
+            <p:cNvSpPr txBox="1">
+              <a:spLocks/>
+            </p:cNvSpPr>
+            <p:nvPr/>
+          </p:nvSpPr>
+          <p:spPr>
+            <a:xfrm>
+              <a:off x="1115616" y="2852936"/>
+              <a:ext cx="1062364" cy="306298"/>
+            </a:xfrm>
+            <a:prstGeom prst="rect">
+              <a:avLst/>
+            </a:prstGeom>
+            <a:noFill/>
+          </p:spPr>
+          <p:txBody>
+            <a:bodyPr anchor="ctr"/>
+            <a:lstStyle>
+              <a:lvl1pPr marL="342900" indent="-342900" algn="l" defTabSz="914400" rtl="0" eaLnBrk="1" latinLnBrk="0" hangingPunct="1">
+                <a:spcBef>
+                  <a:spcPct val="20000"/>
+                </a:spcBef>
+                <a:buFont typeface="Arial" pitchFamily="34" charset="0"/>
+                <a:buChar char="•"/>
+                <a:defRPr sz="3200" kern="1200">
+                  <a:solidFill>
+                    <a:schemeClr val="tx1"/>
+                  </a:solidFill>
+                  <a:latin typeface="+mn-lt"/>
+                  <a:ea typeface="+mn-ea"/>
+                  <a:cs typeface="+mn-cs"/>
+                </a:defRPr>
+              </a:lvl1pPr>
+              <a:lvl2pPr marL="742950" indent="-285750" algn="l" defTabSz="914400" rtl="0" eaLnBrk="1" latinLnBrk="0" hangingPunct="1">
+                <a:spcBef>
+                  <a:spcPct val="20000"/>
+                </a:spcBef>
+                <a:buFont typeface="Arial" pitchFamily="34" charset="0"/>
+                <a:buChar char="–"/>
+                <a:defRPr sz="2800" kern="1200">
+                  <a:solidFill>
+                    <a:schemeClr val="tx1"/>
+                  </a:solidFill>
+                  <a:latin typeface="+mn-lt"/>
+                  <a:ea typeface="+mn-ea"/>
+                  <a:cs typeface="+mn-cs"/>
+                </a:defRPr>
+              </a:lvl2pPr>
+              <a:lvl3pPr marL="1143000" indent="-228600" algn="l" defTabSz="914400" rtl="0" eaLnBrk="1" latinLnBrk="0" hangingPunct="1">
+                <a:spcBef>
+                  <a:spcPct val="20000"/>
+                </a:spcBef>
+                <a:buFont typeface="Arial" pitchFamily="34" charset="0"/>
+                <a:buChar char="•"/>
+                <a:defRPr sz="2400" kern="1200">
+                  <a:solidFill>
+                    <a:schemeClr val="tx1"/>
+                  </a:solidFill>
+                  <a:latin typeface="+mn-lt"/>
+                  <a:ea typeface="+mn-ea"/>
+                  <a:cs typeface="+mn-cs"/>
+                </a:defRPr>
+              </a:lvl3pPr>
+              <a:lvl4pPr marL="1600200" indent="-228600" algn="l" defTabSz="914400" rtl="0" eaLnBrk="1" latinLnBrk="0" hangingPunct="1">
+                <a:spcBef>
+                  <a:spcPct val="20000"/>
+                </a:spcBef>
+                <a:buFont typeface="Arial" pitchFamily="34" charset="0"/>
+                <a:buChar char="–"/>
+                <a:defRPr sz="2000" kern="1200">
+                  <a:solidFill>
+                    <a:schemeClr val="tx1"/>
+                  </a:solidFill>
+                  <a:latin typeface="+mn-lt"/>
+                  <a:ea typeface="+mn-ea"/>
+                  <a:cs typeface="+mn-cs"/>
+                </a:defRPr>
+              </a:lvl4pPr>
+              <a:lvl5pPr marL="2057400" indent="-228600" algn="l" defTabSz="914400" rtl="0" eaLnBrk="1" latinLnBrk="0" hangingPunct="1">
+                <a:spcBef>
+                  <a:spcPct val="20000"/>
+                </a:spcBef>
+                <a:buFont typeface="Arial" pitchFamily="34" charset="0"/>
+                <a:buChar char="»"/>
+                <a:defRPr sz="2000" kern="1200">
+                  <a:solidFill>
+                    <a:schemeClr val="tx1"/>
+                  </a:solidFill>
+                  <a:latin typeface="+mn-lt"/>
+                  <a:ea typeface="+mn-ea"/>
+                  <a:cs typeface="+mn-cs"/>
+                </a:defRPr>
+              </a:lvl5pPr>
+              <a:lvl6pPr marL="2514600" indent="-228600" algn="l" defTabSz="914400" rtl="0" eaLnBrk="1" latinLnBrk="0" hangingPunct="1">
+                <a:spcBef>
+                  <a:spcPct val="20000"/>
+                </a:spcBef>
+                <a:buFont typeface="Arial" pitchFamily="34" charset="0"/>
+                <a:buChar char="•"/>
+                <a:defRPr sz="2000" kern="1200">
+                  <a:solidFill>
+                    <a:schemeClr val="tx1"/>
+                  </a:solidFill>
+                  <a:latin typeface="+mn-lt"/>
+                  <a:ea typeface="+mn-ea"/>
+                  <a:cs typeface="+mn-cs"/>
+                </a:defRPr>
+              </a:lvl6pPr>
+              <a:lvl7pPr marL="2971800" indent="-228600" algn="l" defTabSz="914400" rtl="0" eaLnBrk="1" latinLnBrk="0" hangingPunct="1">
+                <a:spcBef>
+                  <a:spcPct val="20000"/>
+                </a:spcBef>
+                <a:buFont typeface="Arial" pitchFamily="34" charset="0"/>
+                <a:buChar char="•"/>
+                <a:defRPr sz="2000" kern="1200">
+                  <a:solidFill>
+                    <a:schemeClr val="tx1"/>
+                  </a:solidFill>
+                  <a:latin typeface="+mn-lt"/>
+                  <a:ea typeface="+mn-ea"/>
+                  <a:cs typeface="+mn-cs"/>
+                </a:defRPr>
+              </a:lvl7pPr>
+              <a:lvl8pPr marL="3429000" indent="-228600" algn="l" defTabSz="914400" rtl="0" eaLnBrk="1" latinLnBrk="0" hangingPunct="1">
+                <a:spcBef>
+                  <a:spcPct val="20000"/>
+                </a:spcBef>
+                <a:buFont typeface="Arial" pitchFamily="34" charset="0"/>
+                <a:buChar char="•"/>
+                <a:defRPr sz="2000" kern="1200">
+                  <a:solidFill>
+                    <a:schemeClr val="tx1"/>
+                  </a:solidFill>
+                  <a:latin typeface="+mn-lt"/>
+                  <a:ea typeface="+mn-ea"/>
+                  <a:cs typeface="+mn-cs"/>
+                </a:defRPr>
+              </a:lvl8pPr>
+              <a:lvl9pPr marL="3886200" indent="-228600" algn="l" defTabSz="914400" rtl="0" eaLnBrk="1" latinLnBrk="0" hangingPunct="1">
+                <a:spcBef>
+                  <a:spcPct val="20000"/>
+                </a:spcBef>
+                <a:buFont typeface="Arial" pitchFamily="34" charset="0"/>
+                <a:buChar char="•"/>
+                <a:defRPr sz="2000" kern="1200">
+                  <a:solidFill>
+                    <a:schemeClr val="tx1"/>
+                  </a:solidFill>
+                  <a:latin typeface="+mn-lt"/>
+                  <a:ea typeface="+mn-ea"/>
+                  <a:cs typeface="+mn-cs"/>
+                </a:defRPr>
+              </a:lvl9pPr>
+            </a:lstStyle>
+            <a:p>
+              <a:pPr marL="0" indent="0">
+                <a:buFont typeface="Arial" pitchFamily="34" charset="0"/>
+                <a:buNone/>
+              </a:pPr>
+              <a:r>
+                <a:rPr lang="en-GB" sz="1100" dirty="0" smtClean="0">
+                  <a:latin typeface="Arial" panose="020B0604020202020204" pitchFamily="34" charset="0"/>
+                  <a:cs typeface="Arial" panose="020B0604020202020204" pitchFamily="34" charset="0"/>
+                </a:rPr>
+                <a:t>Behaviours</a:t>
+              </a:r>
+              <a:endParaRPr lang="en-US" sz="1100" dirty="0">
+                <a:latin typeface="Arial" panose="020B0604020202020204" pitchFamily="34" charset="0"/>
+                <a:cs typeface="Arial" panose="020B0604020202020204" pitchFamily="34" charset="0"/>
+              </a:endParaRPr>
+            </a:p>
+          </p:txBody>
+        </p:sp>
+        <p:cxnSp>
+          <p:nvCxnSpPr>
+            <p:cNvPr id="86" name="Straight Connector 85"/>
+            <p:cNvCxnSpPr/>
+            <p:nvPr/>
+          </p:nvCxnSpPr>
+          <p:spPr>
+            <a:xfrm>
+              <a:off x="1169868" y="3159234"/>
+              <a:ext cx="4320480" cy="0"/>
+            </a:xfrm>
+            <a:prstGeom prst="line">
+              <a:avLst/>
+            </a:prstGeom>
+            <a:ln w="19050">
+              <a:solidFill>
+                <a:schemeClr val="tx1"/>
+              </a:solidFill>
+              <a:prstDash val="sysDot"/>
+            </a:ln>
+          </p:spPr>
+          <p:style>
+            <a:lnRef idx="1">
+              <a:schemeClr val="accent1"/>
+            </a:lnRef>
+            <a:fillRef idx="0">
+              <a:schemeClr val="accent1"/>
+            </a:fillRef>
+            <a:effectRef idx="0">
+              <a:schemeClr val="accent1"/>
+            </a:effectRef>
+            <a:fontRef idx="minor">
+              <a:schemeClr val="tx1"/>
+            </a:fontRef>
+          </p:style>
+        </p:cxnSp>
       </p:grpSp>
     </p:spTree>
     <p:extLst>
